--- a/01. Document/DropOut_Project_Report v_3.12.2011.pptx
+++ b/01. Document/DropOut_Project_Report v_3.12.2011.pptx
@@ -257,7 +257,7 @@
                   <c:v>0.23832034024881138</c:v>
                 </c:pt>
                 <c:pt idx="3">
-                  <c:v>0.39262967375366647</c:v>
+                  <c:v>0.39262967375366659</c:v>
                 </c:pt>
               </c:numCache>
             </c:numRef>
@@ -316,13 +316,13 @@
                   <c:v>0.20414887194318332</c:v>
                 </c:pt>
                 <c:pt idx="2">
-                  <c:v>0.36933638443935962</c:v>
+                  <c:v>0.36933638443935968</c:v>
                 </c:pt>
                 <c:pt idx="3">
-                  <c:v>0.31250000000000033</c:v>
+                  <c:v>0.31250000000000039</c:v>
                 </c:pt>
                 <c:pt idx="4">
-                  <c:v>0.31250000000000033</c:v>
+                  <c:v>0.31250000000000039</c:v>
                 </c:pt>
               </c:numCache>
             </c:numRef>
@@ -378,7 +378,7 @@
                   <c:v>0</c:v>
                 </c:pt>
                 <c:pt idx="1">
-                  <c:v>0.13237374467863675</c:v>
+                  <c:v>0.13237374467863672</c:v>
                 </c:pt>
                 <c:pt idx="2">
                   <c:v>0.42974122300911977</c:v>
@@ -397,25 +397,25 @@
           <c:showVal val="1"/>
         </c:dLbls>
         <c:shape val="box"/>
-        <c:axId val="53385856"/>
-        <c:axId val="53420416"/>
+        <c:axId val="36428032"/>
+        <c:axId val="36917248"/>
         <c:axId val="0"/>
       </c:bar3DChart>
       <c:catAx>
-        <c:axId val="53385856"/>
+        <c:axId val="36428032"/>
         <c:scaling>
           <c:orientation val="minMax"/>
         </c:scaling>
         <c:axPos val="b"/>
         <c:tickLblPos val="nextTo"/>
-        <c:crossAx val="53420416"/>
+        <c:crossAx val="36917248"/>
         <c:crosses val="autoZero"/>
         <c:auto val="1"/>
         <c:lblAlgn val="ctr"/>
         <c:lblOffset val="100"/>
       </c:catAx>
       <c:valAx>
-        <c:axId val="53420416"/>
+        <c:axId val="36917248"/>
         <c:scaling>
           <c:orientation val="minMax"/>
         </c:scaling>
@@ -450,7 +450,7 @@
         </c:title>
         <c:numFmt formatCode="0%" sourceLinked="1"/>
         <c:tickLblPos val="nextTo"/>
-        <c:crossAx val="53385856"/>
+        <c:crossAx val="36428032"/>
         <c:crosses val="autoZero"/>
         <c:crossBetween val="between"/>
       </c:valAx>
@@ -1959,6 +1959,753 @@
 </dgm:colorsDef>
 </file>
 
+<file path=ppt/diagrams/colors3.xml><?xml version="1.0" encoding="utf-8"?>
+<dgm:colorsDef xmlns:dgm="http://schemas.openxmlformats.org/drawingml/2006/diagram" xmlns:a="http://schemas.openxmlformats.org/drawingml/2006/main" uniqueId="urn:microsoft.com/office/officeart/2005/8/colors/accent2_2">
+  <dgm:title val=""/>
+  <dgm:desc val=""/>
+  <dgm:catLst>
+    <dgm:cat type="accent2" pri="11200"/>
+  </dgm:catLst>
+  <dgm:styleLbl name="node0">
+    <dgm:fillClrLst meth="repeat">
+      <a:schemeClr val="accent2"/>
+    </dgm:fillClrLst>
+    <dgm:linClrLst meth="repeat">
+      <a:schemeClr val="lt1"/>
+    </dgm:linClrLst>
+    <dgm:effectClrLst/>
+    <dgm:txLinClrLst/>
+    <dgm:txFillClrLst/>
+    <dgm:txEffectClrLst/>
+  </dgm:styleLbl>
+  <dgm:styleLbl name="node1">
+    <dgm:fillClrLst meth="repeat">
+      <a:schemeClr val="accent2"/>
+    </dgm:fillClrLst>
+    <dgm:linClrLst meth="repeat">
+      <a:schemeClr val="lt1"/>
+    </dgm:linClrLst>
+    <dgm:effectClrLst/>
+    <dgm:txLinClrLst/>
+    <dgm:txFillClrLst/>
+    <dgm:txEffectClrLst/>
+  </dgm:styleLbl>
+  <dgm:styleLbl name="alignNode1">
+    <dgm:fillClrLst meth="repeat">
+      <a:schemeClr val="accent2"/>
+    </dgm:fillClrLst>
+    <dgm:linClrLst meth="repeat">
+      <a:schemeClr val="accent2"/>
+    </dgm:linClrLst>
+    <dgm:effectClrLst/>
+    <dgm:txLinClrLst/>
+    <dgm:txFillClrLst/>
+    <dgm:txEffectClrLst/>
+  </dgm:styleLbl>
+  <dgm:styleLbl name="lnNode1">
+    <dgm:fillClrLst meth="repeat">
+      <a:schemeClr val="accent2"/>
+    </dgm:fillClrLst>
+    <dgm:linClrLst meth="repeat">
+      <a:schemeClr val="lt1"/>
+    </dgm:linClrLst>
+    <dgm:effectClrLst/>
+    <dgm:txLinClrLst/>
+    <dgm:txFillClrLst/>
+    <dgm:txEffectClrLst/>
+  </dgm:styleLbl>
+  <dgm:styleLbl name="vennNode1">
+    <dgm:fillClrLst meth="repeat">
+      <a:schemeClr val="accent2">
+        <a:alpha val="50000"/>
+      </a:schemeClr>
+    </dgm:fillClrLst>
+    <dgm:linClrLst meth="repeat">
+      <a:schemeClr val="lt1"/>
+    </dgm:linClrLst>
+    <dgm:effectClrLst/>
+    <dgm:txLinClrLst/>
+    <dgm:txFillClrLst/>
+    <dgm:txEffectClrLst/>
+  </dgm:styleLbl>
+  <dgm:styleLbl name="node2">
+    <dgm:fillClrLst meth="repeat">
+      <a:schemeClr val="accent2"/>
+    </dgm:fillClrLst>
+    <dgm:linClrLst meth="repeat">
+      <a:schemeClr val="lt1"/>
+    </dgm:linClrLst>
+    <dgm:effectClrLst/>
+    <dgm:txLinClrLst/>
+    <dgm:txFillClrLst/>
+    <dgm:txEffectClrLst/>
+  </dgm:styleLbl>
+  <dgm:styleLbl name="node3">
+    <dgm:fillClrLst meth="repeat">
+      <a:schemeClr val="accent2"/>
+    </dgm:fillClrLst>
+    <dgm:linClrLst meth="repeat">
+      <a:schemeClr val="lt1"/>
+    </dgm:linClrLst>
+    <dgm:effectClrLst/>
+    <dgm:txLinClrLst/>
+    <dgm:txFillClrLst/>
+    <dgm:txEffectClrLst/>
+  </dgm:styleLbl>
+  <dgm:styleLbl name="node4">
+    <dgm:fillClrLst meth="repeat">
+      <a:schemeClr val="accent2"/>
+    </dgm:fillClrLst>
+    <dgm:linClrLst meth="repeat">
+      <a:schemeClr val="lt1"/>
+    </dgm:linClrLst>
+    <dgm:effectClrLst/>
+    <dgm:txLinClrLst/>
+    <dgm:txFillClrLst/>
+    <dgm:txEffectClrLst/>
+  </dgm:styleLbl>
+  <dgm:styleLbl name="fgImgPlace1">
+    <dgm:fillClrLst meth="repeat">
+      <a:schemeClr val="accent2">
+        <a:tint val="50000"/>
+      </a:schemeClr>
+    </dgm:fillClrLst>
+    <dgm:linClrLst meth="repeat">
+      <a:schemeClr val="lt1"/>
+    </dgm:linClrLst>
+    <dgm:effectClrLst/>
+    <dgm:txLinClrLst/>
+    <dgm:txFillClrLst meth="repeat">
+      <a:schemeClr val="lt1"/>
+    </dgm:txFillClrLst>
+    <dgm:txEffectClrLst/>
+  </dgm:styleLbl>
+  <dgm:styleLbl name="alignImgPlace1">
+    <dgm:fillClrLst meth="repeat">
+      <a:schemeClr val="accent2">
+        <a:tint val="50000"/>
+      </a:schemeClr>
+    </dgm:fillClrLst>
+    <dgm:linClrLst meth="repeat">
+      <a:schemeClr val="lt1"/>
+    </dgm:linClrLst>
+    <dgm:effectClrLst/>
+    <dgm:txLinClrLst/>
+    <dgm:txFillClrLst meth="repeat">
+      <a:schemeClr val="lt1"/>
+    </dgm:txFillClrLst>
+    <dgm:txEffectClrLst/>
+  </dgm:styleLbl>
+  <dgm:styleLbl name="bgImgPlace1">
+    <dgm:fillClrLst meth="repeat">
+      <a:schemeClr val="accent2">
+        <a:tint val="50000"/>
+      </a:schemeClr>
+    </dgm:fillClrLst>
+    <dgm:linClrLst meth="repeat">
+      <a:schemeClr val="lt1"/>
+    </dgm:linClrLst>
+    <dgm:effectClrLst/>
+    <dgm:txLinClrLst/>
+    <dgm:txFillClrLst meth="repeat">
+      <a:schemeClr val="lt1"/>
+    </dgm:txFillClrLst>
+    <dgm:txEffectClrLst/>
+  </dgm:styleLbl>
+  <dgm:styleLbl name="sibTrans2D1">
+    <dgm:fillClrLst meth="repeat">
+      <a:schemeClr val="accent2">
+        <a:tint val="60000"/>
+      </a:schemeClr>
+    </dgm:fillClrLst>
+    <dgm:linClrLst meth="repeat">
+      <a:schemeClr val="accent2">
+        <a:tint val="60000"/>
+      </a:schemeClr>
+    </dgm:linClrLst>
+    <dgm:effectClrLst/>
+    <dgm:txLinClrLst/>
+    <dgm:txFillClrLst/>
+    <dgm:txEffectClrLst/>
+  </dgm:styleLbl>
+  <dgm:styleLbl name="fgSibTrans2D1">
+    <dgm:fillClrLst meth="repeat">
+      <a:schemeClr val="accent2">
+        <a:tint val="60000"/>
+      </a:schemeClr>
+    </dgm:fillClrLst>
+    <dgm:linClrLst meth="repeat">
+      <a:schemeClr val="accent2">
+        <a:tint val="60000"/>
+      </a:schemeClr>
+    </dgm:linClrLst>
+    <dgm:effectClrLst/>
+    <dgm:txLinClrLst/>
+    <dgm:txFillClrLst/>
+    <dgm:txEffectClrLst/>
+  </dgm:styleLbl>
+  <dgm:styleLbl name="bgSibTrans2D1">
+    <dgm:fillClrLst meth="repeat">
+      <a:schemeClr val="accent2">
+        <a:tint val="60000"/>
+      </a:schemeClr>
+    </dgm:fillClrLst>
+    <dgm:linClrLst meth="repeat">
+      <a:schemeClr val="accent2">
+        <a:tint val="60000"/>
+      </a:schemeClr>
+    </dgm:linClrLst>
+    <dgm:effectClrLst/>
+    <dgm:txLinClrLst/>
+    <dgm:txFillClrLst/>
+    <dgm:txEffectClrLst/>
+  </dgm:styleLbl>
+  <dgm:styleLbl name="sibTrans1D1">
+    <dgm:fillClrLst meth="repeat">
+      <a:schemeClr val="accent2"/>
+    </dgm:fillClrLst>
+    <dgm:linClrLst meth="repeat">
+      <a:schemeClr val="accent2"/>
+    </dgm:linClrLst>
+    <dgm:effectClrLst/>
+    <dgm:txLinClrLst/>
+    <dgm:txFillClrLst meth="repeat">
+      <a:schemeClr val="tx1"/>
+    </dgm:txFillClrLst>
+    <dgm:txEffectClrLst/>
+  </dgm:styleLbl>
+  <dgm:styleLbl name="callout">
+    <dgm:fillClrLst meth="repeat">
+      <a:schemeClr val="accent2"/>
+    </dgm:fillClrLst>
+    <dgm:linClrLst meth="repeat">
+      <a:schemeClr val="accent2">
+        <a:tint val="50000"/>
+      </a:schemeClr>
+    </dgm:linClrLst>
+    <dgm:effectClrLst/>
+    <dgm:txLinClrLst/>
+    <dgm:txFillClrLst meth="repeat">
+      <a:schemeClr val="tx1"/>
+    </dgm:txFillClrLst>
+    <dgm:txEffectClrLst/>
+  </dgm:styleLbl>
+  <dgm:styleLbl name="asst0">
+    <dgm:fillClrLst meth="repeat">
+      <a:schemeClr val="accent2"/>
+    </dgm:fillClrLst>
+    <dgm:linClrLst meth="repeat">
+      <a:schemeClr val="lt1"/>
+    </dgm:linClrLst>
+    <dgm:effectClrLst/>
+    <dgm:txLinClrLst/>
+    <dgm:txFillClrLst/>
+    <dgm:txEffectClrLst/>
+  </dgm:styleLbl>
+  <dgm:styleLbl name="asst1">
+    <dgm:fillClrLst meth="repeat">
+      <a:schemeClr val="accent2"/>
+    </dgm:fillClrLst>
+    <dgm:linClrLst meth="repeat">
+      <a:schemeClr val="lt1"/>
+    </dgm:linClrLst>
+    <dgm:effectClrLst/>
+    <dgm:txLinClrLst/>
+    <dgm:txFillClrLst/>
+    <dgm:txEffectClrLst/>
+  </dgm:styleLbl>
+  <dgm:styleLbl name="asst2">
+    <dgm:fillClrLst meth="repeat">
+      <a:schemeClr val="accent2"/>
+    </dgm:fillClrLst>
+    <dgm:linClrLst meth="repeat">
+      <a:schemeClr val="lt1"/>
+    </dgm:linClrLst>
+    <dgm:effectClrLst/>
+    <dgm:txLinClrLst/>
+    <dgm:txFillClrLst/>
+    <dgm:txEffectClrLst/>
+  </dgm:styleLbl>
+  <dgm:styleLbl name="asst3">
+    <dgm:fillClrLst meth="repeat">
+      <a:schemeClr val="accent2"/>
+    </dgm:fillClrLst>
+    <dgm:linClrLst meth="repeat">
+      <a:schemeClr val="lt1"/>
+    </dgm:linClrLst>
+    <dgm:effectClrLst/>
+    <dgm:txLinClrLst/>
+    <dgm:txFillClrLst/>
+    <dgm:txEffectClrLst/>
+  </dgm:styleLbl>
+  <dgm:styleLbl name="asst4">
+    <dgm:fillClrLst meth="repeat">
+      <a:schemeClr val="accent2"/>
+    </dgm:fillClrLst>
+    <dgm:linClrLst meth="repeat">
+      <a:schemeClr val="lt1"/>
+    </dgm:linClrLst>
+    <dgm:effectClrLst/>
+    <dgm:txLinClrLst/>
+    <dgm:txFillClrLst/>
+    <dgm:txEffectClrLst/>
+  </dgm:styleLbl>
+  <dgm:styleLbl name="parChTrans2D1">
+    <dgm:fillClrLst meth="repeat">
+      <a:schemeClr val="accent2">
+        <a:tint val="60000"/>
+      </a:schemeClr>
+    </dgm:fillClrLst>
+    <dgm:linClrLst meth="repeat">
+      <a:schemeClr val="accent2">
+        <a:tint val="60000"/>
+      </a:schemeClr>
+    </dgm:linClrLst>
+    <dgm:effectClrLst/>
+    <dgm:txLinClrLst/>
+    <dgm:txFillClrLst meth="repeat">
+      <a:schemeClr val="lt1"/>
+    </dgm:txFillClrLst>
+    <dgm:txEffectClrLst/>
+  </dgm:styleLbl>
+  <dgm:styleLbl name="parChTrans2D2">
+    <dgm:fillClrLst meth="repeat">
+      <a:schemeClr val="accent2"/>
+    </dgm:fillClrLst>
+    <dgm:linClrLst meth="repeat">
+      <a:schemeClr val="accent2"/>
+    </dgm:linClrLst>
+    <dgm:effectClrLst/>
+    <dgm:txLinClrLst/>
+    <dgm:txFillClrLst meth="repeat">
+      <a:schemeClr val="lt1"/>
+    </dgm:txFillClrLst>
+    <dgm:txEffectClrLst/>
+  </dgm:styleLbl>
+  <dgm:styleLbl name="parChTrans2D3">
+    <dgm:fillClrLst meth="repeat">
+      <a:schemeClr val="accent2"/>
+    </dgm:fillClrLst>
+    <dgm:linClrLst meth="repeat">
+      <a:schemeClr val="accent2"/>
+    </dgm:linClrLst>
+    <dgm:effectClrLst/>
+    <dgm:txLinClrLst/>
+    <dgm:txFillClrLst meth="repeat">
+      <a:schemeClr val="lt1"/>
+    </dgm:txFillClrLst>
+    <dgm:txEffectClrLst/>
+  </dgm:styleLbl>
+  <dgm:styleLbl name="parChTrans2D4">
+    <dgm:fillClrLst meth="repeat">
+      <a:schemeClr val="accent2"/>
+    </dgm:fillClrLst>
+    <dgm:linClrLst meth="repeat">
+      <a:schemeClr val="accent2"/>
+    </dgm:linClrLst>
+    <dgm:effectClrLst/>
+    <dgm:txLinClrLst/>
+    <dgm:txFillClrLst meth="repeat">
+      <a:schemeClr val="lt1"/>
+    </dgm:txFillClrLst>
+    <dgm:txEffectClrLst/>
+  </dgm:styleLbl>
+  <dgm:styleLbl name="parChTrans1D1">
+    <dgm:fillClrLst meth="repeat">
+      <a:schemeClr val="accent2"/>
+    </dgm:fillClrLst>
+    <dgm:linClrLst meth="repeat">
+      <a:schemeClr val="accent2">
+        <a:shade val="60000"/>
+      </a:schemeClr>
+    </dgm:linClrLst>
+    <dgm:effectClrLst/>
+    <dgm:txLinClrLst/>
+    <dgm:txFillClrLst meth="repeat">
+      <a:schemeClr val="tx1"/>
+    </dgm:txFillClrLst>
+    <dgm:txEffectClrLst/>
+  </dgm:styleLbl>
+  <dgm:styleLbl name="parChTrans1D2">
+    <dgm:fillClrLst meth="repeat">
+      <a:schemeClr val="accent2"/>
+    </dgm:fillClrLst>
+    <dgm:linClrLst meth="repeat">
+      <a:schemeClr val="accent2">
+        <a:shade val="60000"/>
+      </a:schemeClr>
+    </dgm:linClrLst>
+    <dgm:effectClrLst/>
+    <dgm:txLinClrLst/>
+    <dgm:txFillClrLst meth="repeat">
+      <a:schemeClr val="tx1"/>
+    </dgm:txFillClrLst>
+    <dgm:txEffectClrLst/>
+  </dgm:styleLbl>
+  <dgm:styleLbl name="parChTrans1D3">
+    <dgm:fillClrLst meth="repeat">
+      <a:schemeClr val="accent2"/>
+    </dgm:fillClrLst>
+    <dgm:linClrLst meth="repeat">
+      <a:schemeClr val="accent2">
+        <a:shade val="80000"/>
+      </a:schemeClr>
+    </dgm:linClrLst>
+    <dgm:effectClrLst/>
+    <dgm:txLinClrLst/>
+    <dgm:txFillClrLst meth="repeat">
+      <a:schemeClr val="tx1"/>
+    </dgm:txFillClrLst>
+    <dgm:txEffectClrLst/>
+  </dgm:styleLbl>
+  <dgm:styleLbl name="parChTrans1D4">
+    <dgm:fillClrLst meth="repeat">
+      <a:schemeClr val="accent2"/>
+    </dgm:fillClrLst>
+    <dgm:linClrLst meth="repeat">
+      <a:schemeClr val="accent2">
+        <a:shade val="80000"/>
+      </a:schemeClr>
+    </dgm:linClrLst>
+    <dgm:effectClrLst/>
+    <dgm:txLinClrLst/>
+    <dgm:txFillClrLst meth="repeat">
+      <a:schemeClr val="tx1"/>
+    </dgm:txFillClrLst>
+    <dgm:txEffectClrLst/>
+  </dgm:styleLbl>
+  <dgm:styleLbl name="fgAcc1">
+    <dgm:fillClrLst meth="repeat">
+      <a:schemeClr val="lt1">
+        <a:alpha val="90000"/>
+      </a:schemeClr>
+    </dgm:fillClrLst>
+    <dgm:linClrLst meth="repeat">
+      <a:schemeClr val="accent2"/>
+    </dgm:linClrLst>
+    <dgm:effectClrLst/>
+    <dgm:txLinClrLst/>
+    <dgm:txFillClrLst meth="repeat">
+      <a:schemeClr val="dk1"/>
+    </dgm:txFillClrLst>
+    <dgm:txEffectClrLst/>
+  </dgm:styleLbl>
+  <dgm:styleLbl name="conFgAcc1">
+    <dgm:fillClrLst meth="repeat">
+      <a:schemeClr val="lt1">
+        <a:alpha val="90000"/>
+      </a:schemeClr>
+    </dgm:fillClrLst>
+    <dgm:linClrLst meth="repeat">
+      <a:schemeClr val="accent2"/>
+    </dgm:linClrLst>
+    <dgm:effectClrLst/>
+    <dgm:txLinClrLst/>
+    <dgm:txFillClrLst meth="repeat">
+      <a:schemeClr val="dk1"/>
+    </dgm:txFillClrLst>
+    <dgm:txEffectClrLst/>
+  </dgm:styleLbl>
+  <dgm:styleLbl name="alignAcc1">
+    <dgm:fillClrLst meth="repeat">
+      <a:schemeClr val="lt1">
+        <a:alpha val="90000"/>
+      </a:schemeClr>
+    </dgm:fillClrLst>
+    <dgm:linClrLst meth="repeat">
+      <a:schemeClr val="accent2"/>
+    </dgm:linClrLst>
+    <dgm:effectClrLst/>
+    <dgm:txLinClrLst/>
+    <dgm:txFillClrLst meth="repeat">
+      <a:schemeClr val="dk1"/>
+    </dgm:txFillClrLst>
+    <dgm:txEffectClrLst/>
+  </dgm:styleLbl>
+  <dgm:styleLbl name="trAlignAcc1">
+    <dgm:fillClrLst meth="repeat">
+      <a:schemeClr val="lt1">
+        <a:alpha val="40000"/>
+      </a:schemeClr>
+    </dgm:fillClrLst>
+    <dgm:linClrLst meth="repeat">
+      <a:schemeClr val="accent2"/>
+    </dgm:linClrLst>
+    <dgm:effectClrLst/>
+    <dgm:txLinClrLst/>
+    <dgm:txFillClrLst meth="repeat">
+      <a:schemeClr val="dk1"/>
+    </dgm:txFillClrLst>
+    <dgm:txEffectClrLst/>
+  </dgm:styleLbl>
+  <dgm:styleLbl name="bgAcc1">
+    <dgm:fillClrLst meth="repeat">
+      <a:schemeClr val="lt1">
+        <a:alpha val="90000"/>
+      </a:schemeClr>
+    </dgm:fillClrLst>
+    <dgm:linClrLst meth="repeat">
+      <a:schemeClr val="accent2"/>
+    </dgm:linClrLst>
+    <dgm:effectClrLst/>
+    <dgm:txLinClrLst/>
+    <dgm:txFillClrLst meth="repeat">
+      <a:schemeClr val="dk1"/>
+    </dgm:txFillClrLst>
+    <dgm:txEffectClrLst/>
+  </dgm:styleLbl>
+  <dgm:styleLbl name="solidFgAcc1">
+    <dgm:fillClrLst meth="repeat">
+      <a:schemeClr val="lt1"/>
+    </dgm:fillClrLst>
+    <dgm:linClrLst meth="repeat">
+      <a:schemeClr val="accent2"/>
+    </dgm:linClrLst>
+    <dgm:effectClrLst/>
+    <dgm:txLinClrLst/>
+    <dgm:txFillClrLst meth="repeat">
+      <a:schemeClr val="dk1"/>
+    </dgm:txFillClrLst>
+    <dgm:txEffectClrLst/>
+  </dgm:styleLbl>
+  <dgm:styleLbl name="solidAlignAcc1">
+    <dgm:fillClrLst meth="repeat">
+      <a:schemeClr val="lt1"/>
+    </dgm:fillClrLst>
+    <dgm:linClrLst meth="repeat">
+      <a:schemeClr val="accent2"/>
+    </dgm:linClrLst>
+    <dgm:effectClrLst/>
+    <dgm:txLinClrLst/>
+    <dgm:txFillClrLst meth="repeat">
+      <a:schemeClr val="dk1"/>
+    </dgm:txFillClrLst>
+    <dgm:txEffectClrLst/>
+  </dgm:styleLbl>
+  <dgm:styleLbl name="solidBgAcc1">
+    <dgm:fillClrLst meth="repeat">
+      <a:schemeClr val="lt1"/>
+    </dgm:fillClrLst>
+    <dgm:linClrLst meth="repeat">
+      <a:schemeClr val="accent2"/>
+    </dgm:linClrLst>
+    <dgm:effectClrLst/>
+    <dgm:txLinClrLst/>
+    <dgm:txFillClrLst meth="repeat">
+      <a:schemeClr val="dk1"/>
+    </dgm:txFillClrLst>
+    <dgm:txEffectClrLst/>
+  </dgm:styleLbl>
+  <dgm:styleLbl name="fgAccFollowNode1">
+    <dgm:fillClrLst meth="repeat">
+      <a:schemeClr val="accent2">
+        <a:alpha val="90000"/>
+        <a:tint val="40000"/>
+      </a:schemeClr>
+    </dgm:fillClrLst>
+    <dgm:linClrLst meth="repeat">
+      <a:schemeClr val="accent2">
+        <a:alpha val="90000"/>
+        <a:tint val="40000"/>
+      </a:schemeClr>
+    </dgm:linClrLst>
+    <dgm:effectClrLst/>
+    <dgm:txLinClrLst/>
+    <dgm:txFillClrLst meth="repeat">
+      <a:schemeClr val="dk1"/>
+    </dgm:txFillClrLst>
+    <dgm:txEffectClrLst/>
+  </dgm:styleLbl>
+  <dgm:styleLbl name="alignAccFollowNode1">
+    <dgm:fillClrLst meth="repeat">
+      <a:schemeClr val="accent2">
+        <a:alpha val="90000"/>
+        <a:tint val="40000"/>
+      </a:schemeClr>
+    </dgm:fillClrLst>
+    <dgm:linClrLst meth="repeat">
+      <a:schemeClr val="accent2">
+        <a:alpha val="90000"/>
+        <a:tint val="40000"/>
+      </a:schemeClr>
+    </dgm:linClrLst>
+    <dgm:effectClrLst/>
+    <dgm:txLinClrLst/>
+    <dgm:txFillClrLst meth="repeat">
+      <a:schemeClr val="dk1"/>
+    </dgm:txFillClrLst>
+    <dgm:txEffectClrLst/>
+  </dgm:styleLbl>
+  <dgm:styleLbl name="bgAccFollowNode1">
+    <dgm:fillClrLst meth="repeat">
+      <a:schemeClr val="accent2">
+        <a:alpha val="90000"/>
+        <a:tint val="40000"/>
+      </a:schemeClr>
+    </dgm:fillClrLst>
+    <dgm:linClrLst meth="repeat">
+      <a:schemeClr val="accent2">
+        <a:alpha val="90000"/>
+        <a:tint val="40000"/>
+      </a:schemeClr>
+    </dgm:linClrLst>
+    <dgm:effectClrLst/>
+    <dgm:txLinClrLst/>
+    <dgm:txFillClrLst meth="repeat">
+      <a:schemeClr val="dk1"/>
+    </dgm:txFillClrLst>
+    <dgm:txEffectClrLst/>
+  </dgm:styleLbl>
+  <dgm:styleLbl name="fgAcc0">
+    <dgm:fillClrLst meth="repeat">
+      <a:schemeClr val="lt1">
+        <a:alpha val="90000"/>
+      </a:schemeClr>
+    </dgm:fillClrLst>
+    <dgm:linClrLst meth="repeat">
+      <a:schemeClr val="accent2"/>
+    </dgm:linClrLst>
+    <dgm:effectClrLst/>
+    <dgm:txLinClrLst/>
+    <dgm:txFillClrLst meth="repeat">
+      <a:schemeClr val="dk1"/>
+    </dgm:txFillClrLst>
+    <dgm:txEffectClrLst/>
+  </dgm:styleLbl>
+  <dgm:styleLbl name="fgAcc2">
+    <dgm:fillClrLst meth="repeat">
+      <a:schemeClr val="lt1">
+        <a:alpha val="90000"/>
+      </a:schemeClr>
+    </dgm:fillClrLst>
+    <dgm:linClrLst meth="repeat">
+      <a:schemeClr val="accent2"/>
+    </dgm:linClrLst>
+    <dgm:effectClrLst/>
+    <dgm:txLinClrLst/>
+    <dgm:txFillClrLst meth="repeat">
+      <a:schemeClr val="dk1"/>
+    </dgm:txFillClrLst>
+    <dgm:txEffectClrLst/>
+  </dgm:styleLbl>
+  <dgm:styleLbl name="fgAcc3">
+    <dgm:fillClrLst meth="repeat">
+      <a:schemeClr val="lt1">
+        <a:alpha val="90000"/>
+      </a:schemeClr>
+    </dgm:fillClrLst>
+    <dgm:linClrLst meth="repeat">
+      <a:schemeClr val="accent2"/>
+    </dgm:linClrLst>
+    <dgm:effectClrLst/>
+    <dgm:txLinClrLst/>
+    <dgm:txFillClrLst meth="repeat">
+      <a:schemeClr val="dk1"/>
+    </dgm:txFillClrLst>
+    <dgm:txEffectClrLst/>
+  </dgm:styleLbl>
+  <dgm:styleLbl name="fgAcc4">
+    <dgm:fillClrLst meth="repeat">
+      <a:schemeClr val="lt1">
+        <a:alpha val="90000"/>
+      </a:schemeClr>
+    </dgm:fillClrLst>
+    <dgm:linClrLst meth="repeat">
+      <a:schemeClr val="accent2"/>
+    </dgm:linClrLst>
+    <dgm:effectClrLst/>
+    <dgm:txLinClrLst/>
+    <dgm:txFillClrLst meth="repeat">
+      <a:schemeClr val="dk1"/>
+    </dgm:txFillClrLst>
+    <dgm:txEffectClrLst/>
+  </dgm:styleLbl>
+  <dgm:styleLbl name="bgShp">
+    <dgm:fillClrLst meth="repeat">
+      <a:schemeClr val="accent2">
+        <a:tint val="40000"/>
+      </a:schemeClr>
+    </dgm:fillClrLst>
+    <dgm:linClrLst meth="repeat">
+      <a:schemeClr val="accent2"/>
+    </dgm:linClrLst>
+    <dgm:effectClrLst/>
+    <dgm:txLinClrLst/>
+    <dgm:txFillClrLst meth="repeat">
+      <a:schemeClr val="dk1"/>
+    </dgm:txFillClrLst>
+    <dgm:txEffectClrLst/>
+  </dgm:styleLbl>
+  <dgm:styleLbl name="dkBgShp">
+    <dgm:fillClrLst meth="repeat">
+      <a:schemeClr val="accent2">
+        <a:shade val="80000"/>
+      </a:schemeClr>
+    </dgm:fillClrLst>
+    <dgm:linClrLst meth="repeat">
+      <a:schemeClr val="accent2"/>
+    </dgm:linClrLst>
+    <dgm:effectClrLst/>
+    <dgm:txLinClrLst/>
+    <dgm:txFillClrLst meth="repeat">
+      <a:schemeClr val="lt1"/>
+    </dgm:txFillClrLst>
+    <dgm:txEffectClrLst/>
+  </dgm:styleLbl>
+  <dgm:styleLbl name="trBgShp">
+    <dgm:fillClrLst meth="repeat">
+      <a:schemeClr val="accent2">
+        <a:tint val="50000"/>
+        <a:alpha val="40000"/>
+      </a:schemeClr>
+    </dgm:fillClrLst>
+    <dgm:linClrLst meth="repeat">
+      <a:schemeClr val="accent2"/>
+    </dgm:linClrLst>
+    <dgm:effectClrLst/>
+    <dgm:txLinClrLst/>
+    <dgm:txFillClrLst meth="repeat">
+      <a:schemeClr val="lt1"/>
+    </dgm:txFillClrLst>
+    <dgm:txEffectClrLst/>
+  </dgm:styleLbl>
+  <dgm:styleLbl name="fgShp">
+    <dgm:fillClrLst meth="repeat">
+      <a:schemeClr val="accent2">
+        <a:tint val="60000"/>
+      </a:schemeClr>
+    </dgm:fillClrLst>
+    <dgm:linClrLst meth="repeat">
+      <a:schemeClr val="lt1"/>
+    </dgm:linClrLst>
+    <dgm:effectClrLst/>
+    <dgm:txLinClrLst/>
+    <dgm:txFillClrLst meth="repeat">
+      <a:schemeClr val="dk1"/>
+    </dgm:txFillClrLst>
+    <dgm:txEffectClrLst/>
+  </dgm:styleLbl>
+  <dgm:styleLbl name="revTx">
+    <dgm:fillClrLst meth="repeat">
+      <a:schemeClr val="lt1">
+        <a:alpha val="0"/>
+      </a:schemeClr>
+    </dgm:fillClrLst>
+    <dgm:linClrLst meth="repeat">
+      <a:schemeClr val="dk1">
+        <a:alpha val="0"/>
+      </a:schemeClr>
+    </dgm:linClrLst>
+    <dgm:effectClrLst/>
+    <dgm:txLinClrLst/>
+    <dgm:txFillClrLst meth="repeat">
+      <a:schemeClr val="tx1"/>
+    </dgm:txFillClrLst>
+    <dgm:txEffectClrLst/>
+  </dgm:styleLbl>
+</dgm:colorsDef>
+</file>
+
 <file path=ppt/diagrams/data1.xml><?xml version="1.0" encoding="utf-8"?>
 <dgm:dataModel xmlns:dgm="http://schemas.openxmlformats.org/drawingml/2006/diagram" xmlns:a="http://schemas.openxmlformats.org/drawingml/2006/main">
   <dgm:ptLst>
@@ -1986,7 +2733,7 @@
         <a:p>
           <a:r>
             <a:rPr lang="en-US" smtClean="0"/>
-            <a:t>1</a:t>
+            <a:t>I</a:t>
           </a:r>
           <a:endParaRPr lang="en-US"/>
         </a:p>
@@ -2076,7 +2823,7 @@
         <a:p>
           <a:r>
             <a:rPr lang="en-US" smtClean="0"/>
-            <a:t>2</a:t>
+            <a:t>II</a:t>
           </a:r>
           <a:endParaRPr lang="en-US"/>
         </a:p>
@@ -2222,7 +2969,7 @@
         <a:p>
           <a:r>
             <a:rPr lang="en-US" smtClean="0"/>
-            <a:t>3</a:t>
+            <a:t>III</a:t>
           </a:r>
           <a:endParaRPr lang="en-US"/>
         </a:p>
@@ -2332,7 +3079,7 @@
         <a:p>
           <a:r>
             <a:rPr lang="en-US" smtClean="0"/>
-            <a:t>4</a:t>
+            <a:t>IV</a:t>
           </a:r>
           <a:endParaRPr lang="en-US"/>
         </a:p>
@@ -2426,7 +3173,7 @@
         <a:p>
           <a:r>
             <a:rPr lang="en-US" smtClean="0"/>
-            <a:t>5</a:t>
+            <a:t>V</a:t>
           </a:r>
           <a:endParaRPr lang="en-US"/>
         </a:p>
@@ -2818,7 +3565,11 @@
         <a:p>
           <a:r>
             <a:rPr lang="en-US" smtClean="0"/>
-            <a:t>[1]</a:t>
+            <a:t>[2.1</a:t>
+          </a:r>
+          <a:r>
+            <a:rPr lang="en-US" smtClean="0"/>
+            <a:t>]</a:t>
           </a:r>
           <a:endParaRPr lang="en-US"/>
         </a:p>
@@ -2925,7 +3676,11 @@
         <a:p>
           <a:r>
             <a:rPr lang="en-US" smtClean="0"/>
-            <a:t>[2]</a:t>
+            <a:t>[</a:t>
+          </a:r>
+          <a:r>
+            <a:rPr lang="en-US" smtClean="0"/>
+            <a:t>2.2]</a:t>
           </a:r>
           <a:endParaRPr lang="en-US"/>
         </a:p>
@@ -2954,12 +3709,16 @@
       </dgm:t>
     </dgm:pt>
     <dgm:pt modelId="{F1347AC0-559B-48FE-9A67-6D79F079FD4A}">
-      <dgm:prSet phldrT="[Text]" phldr="1"/>
+      <dgm:prSet phldrT="[Text]"/>
       <dgm:spPr/>
       <dgm:t>
         <a:bodyPr/>
         <a:lstStyle/>
         <a:p>
+          <a:r>
+            <a:rPr lang="en-US" smtClean="0"/>
+            <a:t>Kết quả nghiên cứu đã có từ các trường đại học khác</a:t>
+          </a:r>
           <a:endParaRPr lang="en-US"/>
         </a:p>
       </dgm:t>
@@ -3028,7 +3787,11 @@
         <a:p>
           <a:r>
             <a:rPr lang="en-US" smtClean="0"/>
-            <a:t>[3]</a:t>
+            <a:t>[2.3</a:t>
+          </a:r>
+          <a:r>
+            <a:rPr lang="en-US" smtClean="0"/>
+            <a:t>]</a:t>
           </a:r>
           <a:endParaRPr lang="en-US"/>
         </a:p>
@@ -3057,12 +3820,16 @@
       </dgm:t>
     </dgm:pt>
     <dgm:pt modelId="{0FA80F2C-BA58-4396-A1D4-5487577D2F96}">
-      <dgm:prSet phldrT="[Text]" phldr="1"/>
+      <dgm:prSet phldrT="[Text]"/>
       <dgm:spPr/>
       <dgm:t>
         <a:bodyPr/>
         <a:lstStyle/>
         <a:p>
+          <a:r>
+            <a:rPr lang="en-US" smtClean="0"/>
+            <a:t>Phân tích vấn đề dự báo NGHỈ HỌC ở HOU-Elearing</a:t>
+          </a:r>
           <a:endParaRPr lang="en-US"/>
         </a:p>
       </dgm:t>
@@ -3284,6 +4051,667 @@
     <dgm:cxn modelId="{5E135FF8-C418-4C9C-B331-E98E91C43D40}" type="presParOf" srcId="{7886F0AA-57C8-4318-87C3-526C413F94D1}" destId="{88860026-61D4-4B9F-B04C-DA43B2233767}" srcOrd="4" destOrd="0" presId="urn:microsoft.com/office/officeart/2005/8/layout/chevron2"/>
     <dgm:cxn modelId="{CE95FE0A-AC3C-4F07-9287-E1D5EAC4C0B9}" type="presParOf" srcId="{88860026-61D4-4B9F-B04C-DA43B2233767}" destId="{C0AF5A46-86A8-4A65-8CF5-A1B9C0CAAD7C}" srcOrd="0" destOrd="0" presId="urn:microsoft.com/office/officeart/2005/8/layout/chevron2"/>
     <dgm:cxn modelId="{7B6AC44A-4263-4E18-BC98-4F26A048539F}" type="presParOf" srcId="{88860026-61D4-4B9F-B04C-DA43B2233767}" destId="{DF20EF36-209D-4936-B393-CC3B04621D30}" srcOrd="1" destOrd="0" presId="urn:microsoft.com/office/officeart/2005/8/layout/chevron2"/>
+  </dgm:cxnLst>
+  <dgm:bg/>
+  <dgm:whole/>
+</dgm:dataModel>
+</file>
+
+<file path=ppt/diagrams/data3.xml><?xml version="1.0" encoding="utf-8"?>
+<dgm:dataModel xmlns:dgm="http://schemas.openxmlformats.org/drawingml/2006/diagram" xmlns:a="http://schemas.openxmlformats.org/drawingml/2006/main">
+  <dgm:ptLst>
+    <dgm:pt modelId="{2C7E5260-D620-47ED-A378-B54ACAE30941}" type="doc">
+      <dgm:prSet loTypeId="urn:microsoft.com/office/officeart/2005/8/layout/chevron2" loCatId="list" qsTypeId="urn:microsoft.com/office/officeart/2005/8/quickstyle/simple4" qsCatId="simple" csTypeId="urn:microsoft.com/office/officeart/2005/8/colors/accent2_2" csCatId="accent2" phldr="1"/>
+      <dgm:spPr/>
+      <dgm:t>
+        <a:bodyPr/>
+        <a:lstStyle/>
+        <a:p>
+          <a:endParaRPr lang="en-US"/>
+        </a:p>
+      </dgm:t>
+    </dgm:pt>
+    <dgm:pt modelId="{79B61F82-159A-4FC4-9AE2-C715E889BFB8}">
+      <dgm:prSet phldrT="[Text]"/>
+      <dgm:spPr/>
+      <dgm:t>
+        <a:bodyPr/>
+        <a:lstStyle/>
+        <a:p>
+          <a:r>
+            <a:rPr lang="en-US" smtClean="0"/>
+            <a:t>[3.1]</a:t>
+          </a:r>
+          <a:endParaRPr lang="en-US"/>
+        </a:p>
+      </dgm:t>
+    </dgm:pt>
+    <dgm:pt modelId="{12EAE18E-C67F-4384-8033-A5AC70880332}" type="parTrans" cxnId="{58F0197F-6646-4506-AD89-A2BD216CAC5E}">
+      <dgm:prSet/>
+      <dgm:spPr/>
+      <dgm:t>
+        <a:bodyPr/>
+        <a:lstStyle/>
+        <a:p>
+          <a:endParaRPr lang="en-US"/>
+        </a:p>
+      </dgm:t>
+    </dgm:pt>
+    <dgm:pt modelId="{222D4FF9-44B4-4A9E-9BAA-46365D85BDFA}" type="sibTrans" cxnId="{58F0197F-6646-4506-AD89-A2BD216CAC5E}">
+      <dgm:prSet/>
+      <dgm:spPr/>
+      <dgm:t>
+        <a:bodyPr/>
+        <a:lstStyle/>
+        <a:p>
+          <a:endParaRPr lang="en-US"/>
+        </a:p>
+      </dgm:t>
+    </dgm:pt>
+    <dgm:pt modelId="{9EFE7227-DD12-4F0F-A77F-7275FB31F00B}">
+      <dgm:prSet phldrT="[Text]"/>
+      <dgm:spPr/>
+      <dgm:t>
+        <a:bodyPr/>
+        <a:lstStyle/>
+        <a:p>
+          <a:r>
+            <a:rPr lang="en-US" smtClean="0"/>
+            <a:t>Thu thập dữ liệu</a:t>
+          </a:r>
+          <a:endParaRPr lang="en-US"/>
+        </a:p>
+      </dgm:t>
+    </dgm:pt>
+    <dgm:pt modelId="{CDAF4D28-3436-4D90-A6E2-94161C1497D6}" type="parTrans" cxnId="{48354CE5-8F94-47DE-8ECD-CE1079BE6A17}">
+      <dgm:prSet/>
+      <dgm:spPr/>
+      <dgm:t>
+        <a:bodyPr/>
+        <a:lstStyle/>
+        <a:p>
+          <a:endParaRPr lang="en-US"/>
+        </a:p>
+      </dgm:t>
+    </dgm:pt>
+    <dgm:pt modelId="{56B972D6-53A1-4DB3-AC34-BEE6461BC02B}" type="sibTrans" cxnId="{48354CE5-8F94-47DE-8ECD-CE1079BE6A17}">
+      <dgm:prSet/>
+      <dgm:spPr/>
+      <dgm:t>
+        <a:bodyPr/>
+        <a:lstStyle/>
+        <a:p>
+          <a:endParaRPr lang="en-US"/>
+        </a:p>
+      </dgm:t>
+    </dgm:pt>
+    <dgm:pt modelId="{39F222F8-89C6-4316-9A16-AEAAAD217DEE}">
+      <dgm:prSet phldrT="[Text]" phldr="1"/>
+      <dgm:spPr/>
+      <dgm:t>
+        <a:bodyPr/>
+        <a:lstStyle/>
+        <a:p>
+          <a:endParaRPr lang="en-US"/>
+        </a:p>
+      </dgm:t>
+    </dgm:pt>
+    <dgm:pt modelId="{A996C8D8-7198-4B7D-B275-05A15DCF7C81}" type="parTrans" cxnId="{7A53E244-5D8A-4C7E-8A5F-45A268CA35F3}">
+      <dgm:prSet/>
+      <dgm:spPr/>
+      <dgm:t>
+        <a:bodyPr/>
+        <a:lstStyle/>
+        <a:p>
+          <a:endParaRPr lang="en-US"/>
+        </a:p>
+      </dgm:t>
+    </dgm:pt>
+    <dgm:pt modelId="{D6005D74-FB7F-4A89-B47F-2BB8D0D233C4}" type="sibTrans" cxnId="{7A53E244-5D8A-4C7E-8A5F-45A268CA35F3}">
+      <dgm:prSet/>
+      <dgm:spPr/>
+      <dgm:t>
+        <a:bodyPr/>
+        <a:lstStyle/>
+        <a:p>
+          <a:endParaRPr lang="en-US"/>
+        </a:p>
+      </dgm:t>
+    </dgm:pt>
+    <dgm:pt modelId="{8C9A3110-DA2F-4506-80E2-DE0EA9EF5EA4}">
+      <dgm:prSet phldrT="[Text]"/>
+      <dgm:spPr/>
+      <dgm:t>
+        <a:bodyPr/>
+        <a:lstStyle/>
+        <a:p>
+          <a:r>
+            <a:rPr lang="en-US" smtClean="0"/>
+            <a:t>[3.2]</a:t>
+          </a:r>
+          <a:endParaRPr lang="en-US"/>
+        </a:p>
+      </dgm:t>
+    </dgm:pt>
+    <dgm:pt modelId="{FCACAC71-2BB7-43BB-87B7-A2B17EC53CE2}" type="parTrans" cxnId="{C289F447-D7A2-49A4-82CB-8B4F1AB8724A}">
+      <dgm:prSet/>
+      <dgm:spPr/>
+      <dgm:t>
+        <a:bodyPr/>
+        <a:lstStyle/>
+        <a:p>
+          <a:endParaRPr lang="en-US"/>
+        </a:p>
+      </dgm:t>
+    </dgm:pt>
+    <dgm:pt modelId="{2C70EC04-2878-4AD2-9533-7AB64D8D4D1C}" type="sibTrans" cxnId="{C289F447-D7A2-49A4-82CB-8B4F1AB8724A}">
+      <dgm:prSet/>
+      <dgm:spPr/>
+      <dgm:t>
+        <a:bodyPr/>
+        <a:lstStyle/>
+        <a:p>
+          <a:endParaRPr lang="en-US"/>
+        </a:p>
+      </dgm:t>
+    </dgm:pt>
+    <dgm:pt modelId="{3D4FFA78-0FDF-4DE7-A129-ACA6F76AC28A}">
+      <dgm:prSet phldrT="[Text]"/>
+      <dgm:spPr/>
+      <dgm:t>
+        <a:bodyPr/>
+        <a:lstStyle/>
+        <a:p>
+          <a:r>
+            <a:rPr lang="en-US" smtClean="0"/>
+            <a:t>Mô hình mạng Nơron</a:t>
+          </a:r>
+          <a:endParaRPr lang="en-US"/>
+        </a:p>
+      </dgm:t>
+    </dgm:pt>
+    <dgm:pt modelId="{FAC3278A-7C30-41C2-ADE2-C743C0770D2C}" type="parTrans" cxnId="{C6715DE7-249C-4366-A667-BA61628288E5}">
+      <dgm:prSet/>
+      <dgm:spPr/>
+      <dgm:t>
+        <a:bodyPr/>
+        <a:lstStyle/>
+        <a:p>
+          <a:endParaRPr lang="en-US"/>
+        </a:p>
+      </dgm:t>
+    </dgm:pt>
+    <dgm:pt modelId="{45A2D8AE-B293-4594-8BF4-B2AAA912920B}" type="sibTrans" cxnId="{C6715DE7-249C-4366-A667-BA61628288E5}">
+      <dgm:prSet/>
+      <dgm:spPr/>
+      <dgm:t>
+        <a:bodyPr/>
+        <a:lstStyle/>
+        <a:p>
+          <a:endParaRPr lang="en-US"/>
+        </a:p>
+      </dgm:t>
+    </dgm:pt>
+    <dgm:pt modelId="{C2815A56-8E0B-4AFB-9329-BF3035541C52}">
+      <dgm:prSet phldrT="[Text]" phldr="1"/>
+      <dgm:spPr/>
+      <dgm:t>
+        <a:bodyPr/>
+        <a:lstStyle/>
+        <a:p>
+          <a:endParaRPr lang="en-US"/>
+        </a:p>
+      </dgm:t>
+    </dgm:pt>
+    <dgm:pt modelId="{3BDFB1B6-F732-4B19-BF92-D0F68A2B5B01}" type="parTrans" cxnId="{229291C6-6474-4622-ABCC-C118A94E7AEE}">
+      <dgm:prSet/>
+      <dgm:spPr/>
+      <dgm:t>
+        <a:bodyPr/>
+        <a:lstStyle/>
+        <a:p>
+          <a:endParaRPr lang="en-US"/>
+        </a:p>
+      </dgm:t>
+    </dgm:pt>
+    <dgm:pt modelId="{8AD3682E-4769-4BA1-837C-6C131351BE3B}" type="sibTrans" cxnId="{229291C6-6474-4622-ABCC-C118A94E7AEE}">
+      <dgm:prSet/>
+      <dgm:spPr/>
+      <dgm:t>
+        <a:bodyPr/>
+        <a:lstStyle/>
+        <a:p>
+          <a:endParaRPr lang="en-US"/>
+        </a:p>
+      </dgm:t>
+    </dgm:pt>
+    <dgm:pt modelId="{FDB4FAE1-5E38-4F71-A4BE-CE45EDE8B66C}">
+      <dgm:prSet phldrT="[Text]"/>
+      <dgm:spPr/>
+      <dgm:t>
+        <a:bodyPr/>
+        <a:lstStyle/>
+        <a:p>
+          <a:r>
+            <a:rPr lang="en-US" smtClean="0"/>
+            <a:t>[3.3]</a:t>
+          </a:r>
+          <a:endParaRPr lang="en-US"/>
+        </a:p>
+      </dgm:t>
+    </dgm:pt>
+    <dgm:pt modelId="{D9E86F14-5365-4A08-A4FF-AB4F4F6CC227}" type="parTrans" cxnId="{B1ABAE3F-84DE-4CD8-858A-FDD312590D19}">
+      <dgm:prSet/>
+      <dgm:spPr/>
+      <dgm:t>
+        <a:bodyPr/>
+        <a:lstStyle/>
+        <a:p>
+          <a:endParaRPr lang="en-US"/>
+        </a:p>
+      </dgm:t>
+    </dgm:pt>
+    <dgm:pt modelId="{6585C0A8-8966-4BB1-8A4D-EE022BC67C85}" type="sibTrans" cxnId="{B1ABAE3F-84DE-4CD8-858A-FDD312590D19}">
+      <dgm:prSet/>
+      <dgm:spPr/>
+      <dgm:t>
+        <a:bodyPr/>
+        <a:lstStyle/>
+        <a:p>
+          <a:endParaRPr lang="en-US"/>
+        </a:p>
+      </dgm:t>
+    </dgm:pt>
+    <dgm:pt modelId="{9333E2EC-632E-4856-8401-27FA0C7C2CBC}">
+      <dgm:prSet phldrT="[Text]"/>
+      <dgm:spPr/>
+      <dgm:t>
+        <a:bodyPr/>
+        <a:lstStyle/>
+        <a:p>
+          <a:r>
+            <a:rPr lang="en-US" smtClean="0"/>
+            <a:t>Mô hình dự báo</a:t>
+          </a:r>
+          <a:endParaRPr lang="en-US"/>
+        </a:p>
+      </dgm:t>
+    </dgm:pt>
+    <dgm:pt modelId="{E350A343-71DA-4FA1-B9AC-59DFC2D32ACC}" type="parTrans" cxnId="{E4EA0093-3EB5-4B3F-B794-91839C860652}">
+      <dgm:prSet/>
+      <dgm:spPr/>
+      <dgm:t>
+        <a:bodyPr/>
+        <a:lstStyle/>
+        <a:p>
+          <a:endParaRPr lang="en-US"/>
+        </a:p>
+      </dgm:t>
+    </dgm:pt>
+    <dgm:pt modelId="{C8F68C30-6472-44C2-99B2-80D0CD42F1D9}" type="sibTrans" cxnId="{E4EA0093-3EB5-4B3F-B794-91839C860652}">
+      <dgm:prSet/>
+      <dgm:spPr/>
+      <dgm:t>
+        <a:bodyPr/>
+        <a:lstStyle/>
+        <a:p>
+          <a:endParaRPr lang="en-US"/>
+        </a:p>
+      </dgm:t>
+    </dgm:pt>
+    <dgm:pt modelId="{4305F1B6-688D-41AD-8714-B3A62AA21005}">
+      <dgm:prSet phldrT="[Text]"/>
+      <dgm:spPr/>
+      <dgm:t>
+        <a:bodyPr/>
+        <a:lstStyle/>
+        <a:p>
+          <a:r>
+            <a:rPr lang="en-US" smtClean="0"/>
+            <a:t>[3.4]</a:t>
+          </a:r>
+          <a:endParaRPr lang="en-US"/>
+        </a:p>
+      </dgm:t>
+    </dgm:pt>
+    <dgm:pt modelId="{296E6C4E-5A69-416A-879D-3B5091C535A9}" type="parTrans" cxnId="{79EC6F65-DE85-4762-8A46-B0DCFF350150}">
+      <dgm:prSet/>
+      <dgm:spPr/>
+      <dgm:t>
+        <a:bodyPr/>
+        <a:lstStyle/>
+        <a:p>
+          <a:endParaRPr lang="en-US"/>
+        </a:p>
+      </dgm:t>
+    </dgm:pt>
+    <dgm:pt modelId="{D4B5E6A3-CC32-4A84-A727-2C92390AB54B}" type="sibTrans" cxnId="{79EC6F65-DE85-4762-8A46-B0DCFF350150}">
+      <dgm:prSet/>
+      <dgm:spPr/>
+      <dgm:t>
+        <a:bodyPr/>
+        <a:lstStyle/>
+        <a:p>
+          <a:endParaRPr lang="en-US"/>
+        </a:p>
+      </dgm:t>
+    </dgm:pt>
+    <dgm:pt modelId="{53021615-B86B-44E7-9CDC-D806FD76340A}">
+      <dgm:prSet phldrT="[Text]"/>
+      <dgm:spPr/>
+      <dgm:t>
+        <a:bodyPr/>
+        <a:lstStyle/>
+        <a:p>
+          <a:r>
+            <a:rPr lang="en-US" smtClean="0"/>
+            <a:t>Phần mềm hỗ trợ ra quyết định</a:t>
+          </a:r>
+          <a:endParaRPr lang="en-US"/>
+        </a:p>
+      </dgm:t>
+    </dgm:pt>
+    <dgm:pt modelId="{008013C5-E61E-4B70-8BCD-590F53144B3C}" type="parTrans" cxnId="{7C18A78A-A05E-44B0-842D-43E1D51230A9}">
+      <dgm:prSet/>
+      <dgm:spPr/>
+    </dgm:pt>
+    <dgm:pt modelId="{298C9170-B9A8-465F-B856-A3827B697F23}" type="sibTrans" cxnId="{7C18A78A-A05E-44B0-842D-43E1D51230A9}">
+      <dgm:prSet/>
+      <dgm:spPr/>
+    </dgm:pt>
+    <dgm:pt modelId="{EE178108-4ABC-422A-8D55-9A5D5E172A42}">
+      <dgm:prSet phldrT="[Text]"/>
+      <dgm:spPr/>
+      <dgm:t>
+        <a:bodyPr/>
+        <a:lstStyle/>
+        <a:p>
+          <a:r>
+            <a:rPr lang="en-US" smtClean="0"/>
+            <a:t>[3.5]</a:t>
+          </a:r>
+          <a:endParaRPr lang="en-US"/>
+        </a:p>
+      </dgm:t>
+    </dgm:pt>
+    <dgm:pt modelId="{DB6B5C42-3EAF-454B-B830-5D75DE04F15E}" type="parTrans" cxnId="{6E71B329-1484-4974-B551-6A4C45BB3764}">
+      <dgm:prSet/>
+      <dgm:spPr/>
+    </dgm:pt>
+    <dgm:pt modelId="{0EB4153A-E9D4-485D-8680-D6FF8D84377C}" type="sibTrans" cxnId="{6E71B329-1484-4974-B551-6A4C45BB3764}">
+      <dgm:prSet/>
+      <dgm:spPr/>
+    </dgm:pt>
+    <dgm:pt modelId="{CC28181E-B184-4FB7-9F6A-65CA6002F098}">
+      <dgm:prSet phldrT="[Text]"/>
+      <dgm:spPr/>
+      <dgm:t>
+        <a:bodyPr/>
+        <a:lstStyle/>
+        <a:p>
+          <a:r>
+            <a:rPr lang="en-US" smtClean="0"/>
+            <a:t>Báo cáo</a:t>
+          </a:r>
+          <a:endParaRPr lang="en-US"/>
+        </a:p>
+      </dgm:t>
+    </dgm:pt>
+    <dgm:pt modelId="{76075BE2-2050-43C0-8E91-EBFECB16825D}" type="parTrans" cxnId="{30DE82E9-FD58-4130-8C3D-03BC33853557}">
+      <dgm:prSet/>
+      <dgm:spPr/>
+    </dgm:pt>
+    <dgm:pt modelId="{C4E1AB04-2D99-4D8A-8B8E-8217C45E3331}" type="sibTrans" cxnId="{30DE82E9-FD58-4130-8C3D-03BC33853557}">
+      <dgm:prSet/>
+      <dgm:spPr/>
+    </dgm:pt>
+    <dgm:pt modelId="{D2848495-690B-4AE5-B1C2-50C37D8B54CD}" type="pres">
+      <dgm:prSet presAssocID="{2C7E5260-D620-47ED-A378-B54ACAE30941}" presName="linearFlow" presStyleCnt="0">
+        <dgm:presLayoutVars>
+          <dgm:dir/>
+          <dgm:animLvl val="lvl"/>
+          <dgm:resizeHandles val="exact"/>
+        </dgm:presLayoutVars>
+      </dgm:prSet>
+      <dgm:spPr/>
+    </dgm:pt>
+    <dgm:pt modelId="{EB890891-5ABB-4E30-85D1-3FEA259DFCDC}" type="pres">
+      <dgm:prSet presAssocID="{79B61F82-159A-4FC4-9AE2-C715E889BFB8}" presName="composite" presStyleCnt="0"/>
+      <dgm:spPr/>
+    </dgm:pt>
+    <dgm:pt modelId="{FB4E0029-8715-4416-9E2A-5866A6E16251}" type="pres">
+      <dgm:prSet presAssocID="{79B61F82-159A-4FC4-9AE2-C715E889BFB8}" presName="parentText" presStyleLbl="alignNode1" presStyleIdx="0" presStyleCnt="5">
+        <dgm:presLayoutVars>
+          <dgm:chMax val="1"/>
+          <dgm:bulletEnabled val="1"/>
+        </dgm:presLayoutVars>
+      </dgm:prSet>
+      <dgm:spPr/>
+      <dgm:t>
+        <a:bodyPr/>
+        <a:lstStyle/>
+        <a:p>
+          <a:endParaRPr lang="en-US"/>
+        </a:p>
+      </dgm:t>
+    </dgm:pt>
+    <dgm:pt modelId="{D041B52B-AD45-45A2-B92C-74D2862A1F75}" type="pres">
+      <dgm:prSet presAssocID="{79B61F82-159A-4FC4-9AE2-C715E889BFB8}" presName="descendantText" presStyleLbl="alignAcc1" presStyleIdx="0" presStyleCnt="5">
+        <dgm:presLayoutVars>
+          <dgm:bulletEnabled val="1"/>
+        </dgm:presLayoutVars>
+      </dgm:prSet>
+      <dgm:spPr/>
+      <dgm:t>
+        <a:bodyPr/>
+        <a:lstStyle/>
+        <a:p>
+          <a:endParaRPr lang="en-US"/>
+        </a:p>
+      </dgm:t>
+    </dgm:pt>
+    <dgm:pt modelId="{5DDA2776-7750-47E5-969B-5C21F3FCB338}" type="pres">
+      <dgm:prSet presAssocID="{222D4FF9-44B4-4A9E-9BAA-46365D85BDFA}" presName="sp" presStyleCnt="0"/>
+      <dgm:spPr/>
+    </dgm:pt>
+    <dgm:pt modelId="{27207B63-8F91-426B-BFBE-C3FF17FBA056}" type="pres">
+      <dgm:prSet presAssocID="{8C9A3110-DA2F-4506-80E2-DE0EA9EF5EA4}" presName="composite" presStyleCnt="0"/>
+      <dgm:spPr/>
+    </dgm:pt>
+    <dgm:pt modelId="{6D469A61-4A3A-4456-A0A5-DFD072E239BF}" type="pres">
+      <dgm:prSet presAssocID="{8C9A3110-DA2F-4506-80E2-DE0EA9EF5EA4}" presName="parentText" presStyleLbl="alignNode1" presStyleIdx="1" presStyleCnt="5">
+        <dgm:presLayoutVars>
+          <dgm:chMax val="1"/>
+          <dgm:bulletEnabled val="1"/>
+        </dgm:presLayoutVars>
+      </dgm:prSet>
+      <dgm:spPr/>
+      <dgm:t>
+        <a:bodyPr/>
+        <a:lstStyle/>
+        <a:p>
+          <a:endParaRPr lang="en-US"/>
+        </a:p>
+      </dgm:t>
+    </dgm:pt>
+    <dgm:pt modelId="{58F8F9FE-D520-4C01-8D50-9BB29ABA6CB9}" type="pres">
+      <dgm:prSet presAssocID="{8C9A3110-DA2F-4506-80E2-DE0EA9EF5EA4}" presName="descendantText" presStyleLbl="alignAcc1" presStyleIdx="1" presStyleCnt="5">
+        <dgm:presLayoutVars>
+          <dgm:bulletEnabled val="1"/>
+        </dgm:presLayoutVars>
+      </dgm:prSet>
+      <dgm:spPr/>
+      <dgm:t>
+        <a:bodyPr/>
+        <a:lstStyle/>
+        <a:p>
+          <a:endParaRPr lang="en-US"/>
+        </a:p>
+      </dgm:t>
+    </dgm:pt>
+    <dgm:pt modelId="{DDB49E15-6FB0-426E-973D-B26350298553}" type="pres">
+      <dgm:prSet presAssocID="{2C70EC04-2878-4AD2-9533-7AB64D8D4D1C}" presName="sp" presStyleCnt="0"/>
+      <dgm:spPr/>
+    </dgm:pt>
+    <dgm:pt modelId="{82E972C7-25D4-415C-A8F5-105486725831}" type="pres">
+      <dgm:prSet presAssocID="{FDB4FAE1-5E38-4F71-A4BE-CE45EDE8B66C}" presName="composite" presStyleCnt="0"/>
+      <dgm:spPr/>
+    </dgm:pt>
+    <dgm:pt modelId="{35DA617F-B535-43D5-BA33-E51B3ED76040}" type="pres">
+      <dgm:prSet presAssocID="{FDB4FAE1-5E38-4F71-A4BE-CE45EDE8B66C}" presName="parentText" presStyleLbl="alignNode1" presStyleIdx="2" presStyleCnt="5">
+        <dgm:presLayoutVars>
+          <dgm:chMax val="1"/>
+          <dgm:bulletEnabled val="1"/>
+        </dgm:presLayoutVars>
+      </dgm:prSet>
+      <dgm:spPr/>
+      <dgm:t>
+        <a:bodyPr/>
+        <a:lstStyle/>
+        <a:p>
+          <a:endParaRPr lang="en-US"/>
+        </a:p>
+      </dgm:t>
+    </dgm:pt>
+    <dgm:pt modelId="{5FDC2F22-A624-418A-949D-22E17E717E21}" type="pres">
+      <dgm:prSet presAssocID="{FDB4FAE1-5E38-4F71-A4BE-CE45EDE8B66C}" presName="descendantText" presStyleLbl="alignAcc1" presStyleIdx="2" presStyleCnt="5">
+        <dgm:presLayoutVars>
+          <dgm:bulletEnabled val="1"/>
+        </dgm:presLayoutVars>
+      </dgm:prSet>
+      <dgm:spPr/>
+      <dgm:t>
+        <a:bodyPr/>
+        <a:lstStyle/>
+        <a:p>
+          <a:endParaRPr lang="en-US"/>
+        </a:p>
+      </dgm:t>
+    </dgm:pt>
+    <dgm:pt modelId="{1926544B-66DA-4C17-9DF6-3C30B57865AB}" type="pres">
+      <dgm:prSet presAssocID="{6585C0A8-8966-4BB1-8A4D-EE022BC67C85}" presName="sp" presStyleCnt="0"/>
+      <dgm:spPr/>
+    </dgm:pt>
+    <dgm:pt modelId="{37316CA1-95C0-45B4-8742-F25BC9607D4B}" type="pres">
+      <dgm:prSet presAssocID="{4305F1B6-688D-41AD-8714-B3A62AA21005}" presName="composite" presStyleCnt="0"/>
+      <dgm:spPr/>
+    </dgm:pt>
+    <dgm:pt modelId="{1B145C10-D85C-4E32-ADAA-29C5A029D326}" type="pres">
+      <dgm:prSet presAssocID="{4305F1B6-688D-41AD-8714-B3A62AA21005}" presName="parentText" presStyleLbl="alignNode1" presStyleIdx="3" presStyleCnt="5">
+        <dgm:presLayoutVars>
+          <dgm:chMax val="1"/>
+          <dgm:bulletEnabled val="1"/>
+        </dgm:presLayoutVars>
+      </dgm:prSet>
+      <dgm:spPr/>
+      <dgm:t>
+        <a:bodyPr/>
+        <a:lstStyle/>
+        <a:p>
+          <a:endParaRPr lang="en-US"/>
+        </a:p>
+      </dgm:t>
+    </dgm:pt>
+    <dgm:pt modelId="{C4B70946-53DE-49DB-9E16-A2BCC5837DDD}" type="pres">
+      <dgm:prSet presAssocID="{4305F1B6-688D-41AD-8714-B3A62AA21005}" presName="descendantText" presStyleLbl="alignAcc1" presStyleIdx="3" presStyleCnt="5">
+        <dgm:presLayoutVars>
+          <dgm:bulletEnabled val="1"/>
+        </dgm:presLayoutVars>
+      </dgm:prSet>
+      <dgm:spPr/>
+      <dgm:t>
+        <a:bodyPr/>
+        <a:lstStyle/>
+        <a:p>
+          <a:endParaRPr lang="en-US"/>
+        </a:p>
+      </dgm:t>
+    </dgm:pt>
+    <dgm:pt modelId="{807C3217-8124-497B-BE2C-71271C1838CA}" type="pres">
+      <dgm:prSet presAssocID="{D4B5E6A3-CC32-4A84-A727-2C92390AB54B}" presName="sp" presStyleCnt="0"/>
+      <dgm:spPr/>
+    </dgm:pt>
+    <dgm:pt modelId="{E91C7923-CF0C-4662-BD15-82127AE80A8A}" type="pres">
+      <dgm:prSet presAssocID="{EE178108-4ABC-422A-8D55-9A5D5E172A42}" presName="composite" presStyleCnt="0"/>
+      <dgm:spPr/>
+    </dgm:pt>
+    <dgm:pt modelId="{C0881691-DBB8-4C45-8A00-3A4C6F5DC789}" type="pres">
+      <dgm:prSet presAssocID="{EE178108-4ABC-422A-8D55-9A5D5E172A42}" presName="parentText" presStyleLbl="alignNode1" presStyleIdx="4" presStyleCnt="5">
+        <dgm:presLayoutVars>
+          <dgm:chMax val="1"/>
+          <dgm:bulletEnabled val="1"/>
+        </dgm:presLayoutVars>
+      </dgm:prSet>
+      <dgm:spPr/>
+      <dgm:t>
+        <a:bodyPr/>
+        <a:lstStyle/>
+        <a:p>
+          <a:endParaRPr lang="en-US"/>
+        </a:p>
+      </dgm:t>
+    </dgm:pt>
+    <dgm:pt modelId="{D897DFB4-1A75-4C7C-84AC-3AF8CF9E38D0}" type="pres">
+      <dgm:prSet presAssocID="{EE178108-4ABC-422A-8D55-9A5D5E172A42}" presName="descendantText" presStyleLbl="alignAcc1" presStyleIdx="4" presStyleCnt="5">
+        <dgm:presLayoutVars>
+          <dgm:bulletEnabled val="1"/>
+        </dgm:presLayoutVars>
+      </dgm:prSet>
+      <dgm:spPr/>
+      <dgm:t>
+        <a:bodyPr/>
+        <a:lstStyle/>
+        <a:p>
+          <a:endParaRPr lang="en-US"/>
+        </a:p>
+      </dgm:t>
+    </dgm:pt>
+  </dgm:ptLst>
+  <dgm:cxnLst>
+    <dgm:cxn modelId="{C6715DE7-249C-4366-A667-BA61628288E5}" srcId="{8C9A3110-DA2F-4506-80E2-DE0EA9EF5EA4}" destId="{3D4FFA78-0FDF-4DE7-A129-ACA6F76AC28A}" srcOrd="0" destOrd="0" parTransId="{FAC3278A-7C30-41C2-ADE2-C743C0770D2C}" sibTransId="{45A2D8AE-B293-4594-8BF4-B2AAA912920B}"/>
+    <dgm:cxn modelId="{8A6E559A-6E5C-4FBD-9B51-7E4C244F673F}" type="presOf" srcId="{4305F1B6-688D-41AD-8714-B3A62AA21005}" destId="{1B145C10-D85C-4E32-ADAA-29C5A029D326}" srcOrd="0" destOrd="0" presId="urn:microsoft.com/office/officeart/2005/8/layout/chevron2"/>
+    <dgm:cxn modelId="{20DD4042-2D3F-4759-8579-5EAA1B98066A}" type="presOf" srcId="{39F222F8-89C6-4316-9A16-AEAAAD217DEE}" destId="{D041B52B-AD45-45A2-B92C-74D2862A1F75}" srcOrd="0" destOrd="1" presId="urn:microsoft.com/office/officeart/2005/8/layout/chevron2"/>
+    <dgm:cxn modelId="{79EC6F65-DE85-4762-8A46-B0DCFF350150}" srcId="{2C7E5260-D620-47ED-A378-B54ACAE30941}" destId="{4305F1B6-688D-41AD-8714-B3A62AA21005}" srcOrd="3" destOrd="0" parTransId="{296E6C4E-5A69-416A-879D-3B5091C535A9}" sibTransId="{D4B5E6A3-CC32-4A84-A727-2C92390AB54B}"/>
+    <dgm:cxn modelId="{68CCA590-69D8-498C-8ED0-80340D9DC5D5}" type="presOf" srcId="{CC28181E-B184-4FB7-9F6A-65CA6002F098}" destId="{D897DFB4-1A75-4C7C-84AC-3AF8CF9E38D0}" srcOrd="0" destOrd="0" presId="urn:microsoft.com/office/officeart/2005/8/layout/chevron2"/>
+    <dgm:cxn modelId="{986093C3-E830-42F6-9719-2CB5B2EBD8B3}" type="presOf" srcId="{C2815A56-8E0B-4AFB-9329-BF3035541C52}" destId="{58F8F9FE-D520-4C01-8D50-9BB29ABA6CB9}" srcOrd="0" destOrd="1" presId="urn:microsoft.com/office/officeart/2005/8/layout/chevron2"/>
+    <dgm:cxn modelId="{69F8D84D-5680-41F5-BA26-DC9B5D363529}" type="presOf" srcId="{2C7E5260-D620-47ED-A378-B54ACAE30941}" destId="{D2848495-690B-4AE5-B1C2-50C37D8B54CD}" srcOrd="0" destOrd="0" presId="urn:microsoft.com/office/officeart/2005/8/layout/chevron2"/>
+    <dgm:cxn modelId="{E4EA0093-3EB5-4B3F-B794-91839C860652}" srcId="{FDB4FAE1-5E38-4F71-A4BE-CE45EDE8B66C}" destId="{9333E2EC-632E-4856-8401-27FA0C7C2CBC}" srcOrd="0" destOrd="0" parTransId="{E350A343-71DA-4FA1-B9AC-59DFC2D32ACC}" sibTransId="{C8F68C30-6472-44C2-99B2-80D0CD42F1D9}"/>
+    <dgm:cxn modelId="{7C18A78A-A05E-44B0-842D-43E1D51230A9}" srcId="{4305F1B6-688D-41AD-8714-B3A62AA21005}" destId="{53021615-B86B-44E7-9CDC-D806FD76340A}" srcOrd="0" destOrd="0" parTransId="{008013C5-E61E-4B70-8BCD-590F53144B3C}" sibTransId="{298C9170-B9A8-465F-B856-A3827B697F23}"/>
+    <dgm:cxn modelId="{0B8CB0AB-E538-4E68-B80C-7C7C1846FB32}" type="presOf" srcId="{FDB4FAE1-5E38-4F71-A4BE-CE45EDE8B66C}" destId="{35DA617F-B535-43D5-BA33-E51B3ED76040}" srcOrd="0" destOrd="0" presId="urn:microsoft.com/office/officeart/2005/8/layout/chevron2"/>
+    <dgm:cxn modelId="{B1ABAE3F-84DE-4CD8-858A-FDD312590D19}" srcId="{2C7E5260-D620-47ED-A378-B54ACAE30941}" destId="{FDB4FAE1-5E38-4F71-A4BE-CE45EDE8B66C}" srcOrd="2" destOrd="0" parTransId="{D9E86F14-5365-4A08-A4FF-AB4F4F6CC227}" sibTransId="{6585C0A8-8966-4BB1-8A4D-EE022BC67C85}"/>
+    <dgm:cxn modelId="{CFAEADC8-A0C6-45FB-BA21-9A8322DBC19F}" type="presOf" srcId="{79B61F82-159A-4FC4-9AE2-C715E889BFB8}" destId="{FB4E0029-8715-4416-9E2A-5866A6E16251}" srcOrd="0" destOrd="0" presId="urn:microsoft.com/office/officeart/2005/8/layout/chevron2"/>
+    <dgm:cxn modelId="{229291C6-6474-4622-ABCC-C118A94E7AEE}" srcId="{8C9A3110-DA2F-4506-80E2-DE0EA9EF5EA4}" destId="{C2815A56-8E0B-4AFB-9329-BF3035541C52}" srcOrd="1" destOrd="0" parTransId="{3BDFB1B6-F732-4B19-BF92-D0F68A2B5B01}" sibTransId="{8AD3682E-4769-4BA1-837C-6C131351BE3B}"/>
+    <dgm:cxn modelId="{30DE82E9-FD58-4130-8C3D-03BC33853557}" srcId="{EE178108-4ABC-422A-8D55-9A5D5E172A42}" destId="{CC28181E-B184-4FB7-9F6A-65CA6002F098}" srcOrd="0" destOrd="0" parTransId="{76075BE2-2050-43C0-8E91-EBFECB16825D}" sibTransId="{C4E1AB04-2D99-4D8A-8B8E-8217C45E3331}"/>
+    <dgm:cxn modelId="{48354CE5-8F94-47DE-8ECD-CE1079BE6A17}" srcId="{79B61F82-159A-4FC4-9AE2-C715E889BFB8}" destId="{9EFE7227-DD12-4F0F-A77F-7275FB31F00B}" srcOrd="0" destOrd="0" parTransId="{CDAF4D28-3436-4D90-A6E2-94161C1497D6}" sibTransId="{56B972D6-53A1-4DB3-AC34-BEE6461BC02B}"/>
+    <dgm:cxn modelId="{6E71B329-1484-4974-B551-6A4C45BB3764}" srcId="{2C7E5260-D620-47ED-A378-B54ACAE30941}" destId="{EE178108-4ABC-422A-8D55-9A5D5E172A42}" srcOrd="4" destOrd="0" parTransId="{DB6B5C42-3EAF-454B-B830-5D75DE04F15E}" sibTransId="{0EB4153A-E9D4-485D-8680-D6FF8D84377C}"/>
+    <dgm:cxn modelId="{C289F447-D7A2-49A4-82CB-8B4F1AB8724A}" srcId="{2C7E5260-D620-47ED-A378-B54ACAE30941}" destId="{8C9A3110-DA2F-4506-80E2-DE0EA9EF5EA4}" srcOrd="1" destOrd="0" parTransId="{FCACAC71-2BB7-43BB-87B7-A2B17EC53CE2}" sibTransId="{2C70EC04-2878-4AD2-9533-7AB64D8D4D1C}"/>
+    <dgm:cxn modelId="{7A53E244-5D8A-4C7E-8A5F-45A268CA35F3}" srcId="{79B61F82-159A-4FC4-9AE2-C715E889BFB8}" destId="{39F222F8-89C6-4316-9A16-AEAAAD217DEE}" srcOrd="1" destOrd="0" parTransId="{A996C8D8-7198-4B7D-B275-05A15DCF7C81}" sibTransId="{D6005D74-FB7F-4A89-B47F-2BB8D0D233C4}"/>
+    <dgm:cxn modelId="{9EFC6B8D-5D4A-45BF-A19F-E4CA7DCC1DB9}" type="presOf" srcId="{53021615-B86B-44E7-9CDC-D806FD76340A}" destId="{C4B70946-53DE-49DB-9E16-A2BCC5837DDD}" srcOrd="0" destOrd="0" presId="urn:microsoft.com/office/officeart/2005/8/layout/chevron2"/>
+    <dgm:cxn modelId="{926E5DEC-0C26-4D5F-9FBD-44F3AB37D63D}" type="presOf" srcId="{EE178108-4ABC-422A-8D55-9A5D5E172A42}" destId="{C0881691-DBB8-4C45-8A00-3A4C6F5DC789}" srcOrd="0" destOrd="0" presId="urn:microsoft.com/office/officeart/2005/8/layout/chevron2"/>
+    <dgm:cxn modelId="{07DBA5F0-F160-4ACB-8C5D-D6C6ED6F1370}" type="presOf" srcId="{9333E2EC-632E-4856-8401-27FA0C7C2CBC}" destId="{5FDC2F22-A624-418A-949D-22E17E717E21}" srcOrd="0" destOrd="0" presId="urn:microsoft.com/office/officeart/2005/8/layout/chevron2"/>
+    <dgm:cxn modelId="{EF00DC5E-C6C3-43C8-81B9-846DFBDA0569}" type="presOf" srcId="{3D4FFA78-0FDF-4DE7-A129-ACA6F76AC28A}" destId="{58F8F9FE-D520-4C01-8D50-9BB29ABA6CB9}" srcOrd="0" destOrd="0" presId="urn:microsoft.com/office/officeart/2005/8/layout/chevron2"/>
+    <dgm:cxn modelId="{58F0197F-6646-4506-AD89-A2BD216CAC5E}" srcId="{2C7E5260-D620-47ED-A378-B54ACAE30941}" destId="{79B61F82-159A-4FC4-9AE2-C715E889BFB8}" srcOrd="0" destOrd="0" parTransId="{12EAE18E-C67F-4384-8033-A5AC70880332}" sibTransId="{222D4FF9-44B4-4A9E-9BAA-46365D85BDFA}"/>
+    <dgm:cxn modelId="{EC03DE8D-157C-4BA3-AA13-85E19193768B}" type="presOf" srcId="{8C9A3110-DA2F-4506-80E2-DE0EA9EF5EA4}" destId="{6D469A61-4A3A-4456-A0A5-DFD072E239BF}" srcOrd="0" destOrd="0" presId="urn:microsoft.com/office/officeart/2005/8/layout/chevron2"/>
+    <dgm:cxn modelId="{248D0F5F-480C-43A5-A905-DEBB6EFEC8E0}" type="presOf" srcId="{9EFE7227-DD12-4F0F-A77F-7275FB31F00B}" destId="{D041B52B-AD45-45A2-B92C-74D2862A1F75}" srcOrd="0" destOrd="0" presId="urn:microsoft.com/office/officeart/2005/8/layout/chevron2"/>
+    <dgm:cxn modelId="{DE31A881-667A-4047-A369-507C671F2459}" type="presParOf" srcId="{D2848495-690B-4AE5-B1C2-50C37D8B54CD}" destId="{EB890891-5ABB-4E30-85D1-3FEA259DFCDC}" srcOrd="0" destOrd="0" presId="urn:microsoft.com/office/officeart/2005/8/layout/chevron2"/>
+    <dgm:cxn modelId="{BBBC2A1B-1D67-460E-B958-30D0B8433767}" type="presParOf" srcId="{EB890891-5ABB-4E30-85D1-3FEA259DFCDC}" destId="{FB4E0029-8715-4416-9E2A-5866A6E16251}" srcOrd="0" destOrd="0" presId="urn:microsoft.com/office/officeart/2005/8/layout/chevron2"/>
+    <dgm:cxn modelId="{4C809B69-7492-472E-8B21-4069BD5BC81B}" type="presParOf" srcId="{EB890891-5ABB-4E30-85D1-3FEA259DFCDC}" destId="{D041B52B-AD45-45A2-B92C-74D2862A1F75}" srcOrd="1" destOrd="0" presId="urn:microsoft.com/office/officeart/2005/8/layout/chevron2"/>
+    <dgm:cxn modelId="{0655D284-1A20-4152-A2E7-FF4D6E5A3FB9}" type="presParOf" srcId="{D2848495-690B-4AE5-B1C2-50C37D8B54CD}" destId="{5DDA2776-7750-47E5-969B-5C21F3FCB338}" srcOrd="1" destOrd="0" presId="urn:microsoft.com/office/officeart/2005/8/layout/chevron2"/>
+    <dgm:cxn modelId="{F39D533B-4AC5-4533-B706-DB3CD96FBDA0}" type="presParOf" srcId="{D2848495-690B-4AE5-B1C2-50C37D8B54CD}" destId="{27207B63-8F91-426B-BFBE-C3FF17FBA056}" srcOrd="2" destOrd="0" presId="urn:microsoft.com/office/officeart/2005/8/layout/chevron2"/>
+    <dgm:cxn modelId="{51C48704-B2B4-4BDB-A5DA-F4CE13FECA10}" type="presParOf" srcId="{27207B63-8F91-426B-BFBE-C3FF17FBA056}" destId="{6D469A61-4A3A-4456-A0A5-DFD072E239BF}" srcOrd="0" destOrd="0" presId="urn:microsoft.com/office/officeart/2005/8/layout/chevron2"/>
+    <dgm:cxn modelId="{F015C7BF-B298-41D3-97BC-F8885166B5A9}" type="presParOf" srcId="{27207B63-8F91-426B-BFBE-C3FF17FBA056}" destId="{58F8F9FE-D520-4C01-8D50-9BB29ABA6CB9}" srcOrd="1" destOrd="0" presId="urn:microsoft.com/office/officeart/2005/8/layout/chevron2"/>
+    <dgm:cxn modelId="{1DA02CA0-6D68-4922-AB73-B0E0DE09BC3A}" type="presParOf" srcId="{D2848495-690B-4AE5-B1C2-50C37D8B54CD}" destId="{DDB49E15-6FB0-426E-973D-B26350298553}" srcOrd="3" destOrd="0" presId="urn:microsoft.com/office/officeart/2005/8/layout/chevron2"/>
+    <dgm:cxn modelId="{0B1CC31B-08BF-4B92-BF22-7D9AC06BE77B}" type="presParOf" srcId="{D2848495-690B-4AE5-B1C2-50C37D8B54CD}" destId="{82E972C7-25D4-415C-A8F5-105486725831}" srcOrd="4" destOrd="0" presId="urn:microsoft.com/office/officeart/2005/8/layout/chevron2"/>
+    <dgm:cxn modelId="{A949302C-0B03-4C1A-9292-BA626782F157}" type="presParOf" srcId="{82E972C7-25D4-415C-A8F5-105486725831}" destId="{35DA617F-B535-43D5-BA33-E51B3ED76040}" srcOrd="0" destOrd="0" presId="urn:microsoft.com/office/officeart/2005/8/layout/chevron2"/>
+    <dgm:cxn modelId="{430B4307-40C2-4CCF-A67D-00D82EA471F5}" type="presParOf" srcId="{82E972C7-25D4-415C-A8F5-105486725831}" destId="{5FDC2F22-A624-418A-949D-22E17E717E21}" srcOrd="1" destOrd="0" presId="urn:microsoft.com/office/officeart/2005/8/layout/chevron2"/>
+    <dgm:cxn modelId="{A0DBD307-64EA-4ACC-A065-D85F6D1AA6E0}" type="presParOf" srcId="{D2848495-690B-4AE5-B1C2-50C37D8B54CD}" destId="{1926544B-66DA-4C17-9DF6-3C30B57865AB}" srcOrd="5" destOrd="0" presId="urn:microsoft.com/office/officeart/2005/8/layout/chevron2"/>
+    <dgm:cxn modelId="{D7D6D83B-BED6-4677-A7C0-A0215B1FAC08}" type="presParOf" srcId="{D2848495-690B-4AE5-B1C2-50C37D8B54CD}" destId="{37316CA1-95C0-45B4-8742-F25BC9607D4B}" srcOrd="6" destOrd="0" presId="urn:microsoft.com/office/officeart/2005/8/layout/chevron2"/>
+    <dgm:cxn modelId="{42A7A5ED-D4FA-4417-87A5-A2D5861050CC}" type="presParOf" srcId="{37316CA1-95C0-45B4-8742-F25BC9607D4B}" destId="{1B145C10-D85C-4E32-ADAA-29C5A029D326}" srcOrd="0" destOrd="0" presId="urn:microsoft.com/office/officeart/2005/8/layout/chevron2"/>
+    <dgm:cxn modelId="{B956D3E3-1B15-406C-9A85-436230680C1A}" type="presParOf" srcId="{37316CA1-95C0-45B4-8742-F25BC9607D4B}" destId="{C4B70946-53DE-49DB-9E16-A2BCC5837DDD}" srcOrd="1" destOrd="0" presId="urn:microsoft.com/office/officeart/2005/8/layout/chevron2"/>
+    <dgm:cxn modelId="{0C70CAA7-D65B-4382-BB7B-EED17CAF714A}" type="presParOf" srcId="{D2848495-690B-4AE5-B1C2-50C37D8B54CD}" destId="{807C3217-8124-497B-BE2C-71271C1838CA}" srcOrd="7" destOrd="0" presId="urn:microsoft.com/office/officeart/2005/8/layout/chevron2"/>
+    <dgm:cxn modelId="{B3514322-2BE2-4726-9316-D15CBD5EEE10}" type="presParOf" srcId="{D2848495-690B-4AE5-B1C2-50C37D8B54CD}" destId="{E91C7923-CF0C-4662-BD15-82127AE80A8A}" srcOrd="8" destOrd="0" presId="urn:microsoft.com/office/officeart/2005/8/layout/chevron2"/>
+    <dgm:cxn modelId="{EB2DED9C-FEAF-4078-9744-2D0D5435AB4C}" type="presParOf" srcId="{E91C7923-CF0C-4662-BD15-82127AE80A8A}" destId="{C0881691-DBB8-4C45-8A00-3A4C6F5DC789}" srcOrd="0" destOrd="0" presId="urn:microsoft.com/office/officeart/2005/8/layout/chevron2"/>
+    <dgm:cxn modelId="{56DC4E08-DC28-410D-A11F-322C6EE5C282}" type="presParOf" srcId="{E91C7923-CF0C-4662-BD15-82127AE80A8A}" destId="{D897DFB4-1A75-4C7C-84AC-3AF8CF9E38D0}" srcOrd="1" destOrd="0" presId="urn:microsoft.com/office/officeart/2005/8/layout/chevron2"/>
   </dgm:cxnLst>
   <dgm:bg/>
   <dgm:whole/>
@@ -3802,6 +5230,262 @@
 </dgm:layoutDef>
 </file>
 
+<file path=ppt/diagrams/layout3.xml><?xml version="1.0" encoding="utf-8"?>
+<dgm:layoutDef xmlns:dgm="http://schemas.openxmlformats.org/drawingml/2006/diagram" xmlns:a="http://schemas.openxmlformats.org/drawingml/2006/main" uniqueId="urn:microsoft.com/office/officeart/2005/8/layout/chevron2">
+  <dgm:title val=""/>
+  <dgm:desc val=""/>
+  <dgm:catLst>
+    <dgm:cat type="process" pri="12000"/>
+    <dgm:cat type="list" pri="16000"/>
+    <dgm:cat type="convert" pri="11000"/>
+  </dgm:catLst>
+  <dgm:sampData>
+    <dgm:dataModel>
+      <dgm:ptLst>
+        <dgm:pt modelId="0" type="doc"/>
+        <dgm:pt modelId="1">
+          <dgm:prSet phldr="1"/>
+        </dgm:pt>
+        <dgm:pt modelId="11">
+          <dgm:prSet phldr="1"/>
+        </dgm:pt>
+        <dgm:pt modelId="12">
+          <dgm:prSet phldr="1"/>
+        </dgm:pt>
+        <dgm:pt modelId="2">
+          <dgm:prSet phldr="1"/>
+        </dgm:pt>
+        <dgm:pt modelId="21">
+          <dgm:prSet phldr="1"/>
+        </dgm:pt>
+        <dgm:pt modelId="22">
+          <dgm:prSet phldr="1"/>
+        </dgm:pt>
+        <dgm:pt modelId="3">
+          <dgm:prSet phldr="1"/>
+        </dgm:pt>
+        <dgm:pt modelId="31">
+          <dgm:prSet phldr="1"/>
+        </dgm:pt>
+        <dgm:pt modelId="32">
+          <dgm:prSet phldr="1"/>
+        </dgm:pt>
+      </dgm:ptLst>
+      <dgm:cxnLst>
+        <dgm:cxn modelId="4" srcId="0" destId="1" srcOrd="0" destOrd="0"/>
+        <dgm:cxn modelId="5" srcId="0" destId="2" srcOrd="1" destOrd="0"/>
+        <dgm:cxn modelId="6" srcId="0" destId="3" srcOrd="2" destOrd="0"/>
+        <dgm:cxn modelId="13" srcId="1" destId="11" srcOrd="0" destOrd="0"/>
+        <dgm:cxn modelId="14" srcId="1" destId="12" srcOrd="1" destOrd="0"/>
+        <dgm:cxn modelId="23" srcId="2" destId="21" srcOrd="0" destOrd="0"/>
+        <dgm:cxn modelId="24" srcId="2" destId="22" srcOrd="1" destOrd="0"/>
+        <dgm:cxn modelId="33" srcId="3" destId="31" srcOrd="0" destOrd="0"/>
+        <dgm:cxn modelId="34" srcId="3" destId="32" srcOrd="1" destOrd="0"/>
+      </dgm:cxnLst>
+      <dgm:bg/>
+      <dgm:whole/>
+    </dgm:dataModel>
+  </dgm:sampData>
+  <dgm:styleData>
+    <dgm:dataModel>
+      <dgm:ptLst>
+        <dgm:pt modelId="0" type="doc"/>
+        <dgm:pt modelId="1"/>
+      </dgm:ptLst>
+      <dgm:cxnLst>
+        <dgm:cxn modelId="4" srcId="0" destId="1" srcOrd="0" destOrd="0"/>
+      </dgm:cxnLst>
+      <dgm:bg/>
+      <dgm:whole/>
+    </dgm:dataModel>
+  </dgm:styleData>
+  <dgm:clrData>
+    <dgm:dataModel>
+      <dgm:ptLst>
+        <dgm:pt modelId="0" type="doc"/>
+        <dgm:pt modelId="1"/>
+        <dgm:pt modelId="11"/>
+        <dgm:pt modelId="2"/>
+        <dgm:pt modelId="21"/>
+        <dgm:pt modelId="3"/>
+        <dgm:pt modelId="31"/>
+        <dgm:pt modelId="4"/>
+        <dgm:pt modelId="41"/>
+      </dgm:ptLst>
+      <dgm:cxnLst>
+        <dgm:cxn modelId="5" srcId="0" destId="1" srcOrd="0" destOrd="0"/>
+        <dgm:cxn modelId="6" srcId="0" destId="2" srcOrd="1" destOrd="0"/>
+        <dgm:cxn modelId="7" srcId="0" destId="3" srcOrd="2" destOrd="0"/>
+        <dgm:cxn modelId="8" srcId="0" destId="4" srcOrd="3" destOrd="0"/>
+        <dgm:cxn modelId="13" srcId="1" destId="11" srcOrd="0" destOrd="0"/>
+        <dgm:cxn modelId="23" srcId="2" destId="21" srcOrd="0" destOrd="0"/>
+        <dgm:cxn modelId="33" srcId="3" destId="31" srcOrd="0" destOrd="0"/>
+        <dgm:cxn modelId="43" srcId="4" destId="41" srcOrd="0" destOrd="0"/>
+      </dgm:cxnLst>
+      <dgm:bg/>
+      <dgm:whole/>
+    </dgm:dataModel>
+  </dgm:clrData>
+  <dgm:layoutNode name="linearFlow">
+    <dgm:varLst>
+      <dgm:dir/>
+      <dgm:animLvl val="lvl"/>
+      <dgm:resizeHandles val="exact"/>
+    </dgm:varLst>
+    <dgm:alg type="lin">
+      <dgm:param type="linDir" val="fromT"/>
+      <dgm:param type="nodeHorzAlign" val="l"/>
+    </dgm:alg>
+    <dgm:shape xmlns:r="http://schemas.openxmlformats.org/officeDocument/2006/relationships" r:blip="">
+      <dgm:adjLst/>
+    </dgm:shape>
+    <dgm:presOf/>
+    <dgm:constrLst>
+      <dgm:constr type="h" for="ch" forName="composite" refType="h"/>
+      <dgm:constr type="w" for="ch" forName="composite" refType="w"/>
+      <dgm:constr type="h" for="des" forName="parentText" op="equ"/>
+      <dgm:constr type="h" for="ch" forName="sp" val="-14.88"/>
+      <dgm:constr type="h" for="ch" forName="sp" refType="w" refFor="des" refForName="parentText" op="gte" fact="-0.3"/>
+      <dgm:constr type="primFontSz" for="des" forName="parentText" op="equ" val="65"/>
+      <dgm:constr type="primFontSz" for="des" forName="descendantText" op="equ" val="65"/>
+    </dgm:constrLst>
+    <dgm:ruleLst/>
+    <dgm:forEach name="Name0" axis="ch" ptType="node">
+      <dgm:layoutNode name="composite">
+        <dgm:alg type="composite"/>
+        <dgm:shape xmlns:r="http://schemas.openxmlformats.org/officeDocument/2006/relationships" r:blip="">
+          <dgm:adjLst/>
+        </dgm:shape>
+        <dgm:presOf/>
+        <dgm:choose name="Name1">
+          <dgm:if name="Name2" func="var" arg="dir" op="equ" val="norm">
+            <dgm:constrLst>
+              <dgm:constr type="t" for="ch" forName="parentText"/>
+              <dgm:constr type="l" for="ch" forName="parentText"/>
+              <dgm:constr type="w" for="ch" forName="parentText" refType="w" fact="0.4"/>
+              <dgm:constr type="h" for="ch" forName="parentText" refType="h"/>
+              <dgm:constr type="w" for="ch" forName="parentText" refType="w" op="lte" fact="0.5"/>
+              <dgm:constr type="w" for="ch" forName="parentText" refType="h" refFor="ch" refForName="parentText" op="lte" fact="0.7"/>
+              <dgm:constr type="h" for="ch" forName="parentText" refType="w" refFor="ch" refForName="parentText" op="lte" fact="3"/>
+              <dgm:constr type="l" for="ch" forName="descendantText" refType="w" refFor="ch" refForName="parentText"/>
+              <dgm:constr type="w" for="ch" forName="descendantText" refType="w"/>
+              <dgm:constr type="wOff" for="ch" forName="descendantText" refType="w" refFor="ch" refForName="parentText" fact="-1"/>
+              <dgm:constr type="t" for="ch" forName="descendantText"/>
+              <dgm:constr type="b" for="ch" forName="descendantText" refType="h" refFor="ch" refForName="parentText"/>
+              <dgm:constr type="bOff" for="ch" forName="descendantText" refType="w" refFor="ch" refForName="parentText" fact="-0.5"/>
+            </dgm:constrLst>
+          </dgm:if>
+          <dgm:else name="Name3">
+            <dgm:constrLst>
+              <dgm:constr type="t" for="ch" forName="parentText"/>
+              <dgm:constr type="r" for="ch" forName="parentText" refType="w"/>
+              <dgm:constr type="w" for="ch" forName="parentText" refType="w" fact="0.4"/>
+              <dgm:constr type="h" for="ch" forName="parentText" refType="h"/>
+              <dgm:constr type="w" for="ch" forName="parentText" refType="w" op="lte" fact="0.5"/>
+              <dgm:constr type="w" for="ch" forName="parentText" refType="h" refFor="ch" refForName="parentText" op="lte" fact="0.7"/>
+              <dgm:constr type="h" for="ch" forName="parentText" refType="w" refFor="ch" refForName="parentText" op="lte" fact="3"/>
+              <dgm:constr type="l" for="ch" forName="descendantText"/>
+              <dgm:constr type="w" for="ch" forName="descendantText" refType="w"/>
+              <dgm:constr type="wOff" for="ch" forName="descendantText" refType="w" refFor="ch" refForName="parentText" fact="-1"/>
+              <dgm:constr type="t" for="ch" forName="descendantText"/>
+              <dgm:constr type="b" for="ch" forName="descendantText" refType="h" refFor="ch" refForName="parentText"/>
+              <dgm:constr type="bOff" for="ch" forName="descendantText" refType="w" refFor="ch" refForName="parentText" fact="-0.5"/>
+            </dgm:constrLst>
+          </dgm:else>
+        </dgm:choose>
+        <dgm:ruleLst/>
+        <dgm:layoutNode name="parentText" styleLbl="alignNode1">
+          <dgm:varLst>
+            <dgm:chMax val="1"/>
+            <dgm:bulletEnabled val="1"/>
+          </dgm:varLst>
+          <dgm:alg type="tx"/>
+          <dgm:shape xmlns:r="http://schemas.openxmlformats.org/officeDocument/2006/relationships" rot="90" type="chevron" r:blip="">
+            <dgm:adjLst/>
+          </dgm:shape>
+          <dgm:presOf axis="self" ptType="node"/>
+          <dgm:constrLst>
+            <dgm:constr type="lMarg" refType="primFontSz" fact="0.05"/>
+            <dgm:constr type="rMarg" refType="primFontSz" fact="0.05"/>
+            <dgm:constr type="tMarg" refType="primFontSz" fact="0.05"/>
+            <dgm:constr type="bMarg" refType="primFontSz" fact="0.05"/>
+          </dgm:constrLst>
+          <dgm:ruleLst>
+            <dgm:rule type="h" val="100" fact="NaN" max="NaN"/>
+            <dgm:rule type="primFontSz" val="24" fact="NaN" max="NaN"/>
+            <dgm:rule type="h" val="110" fact="NaN" max="NaN"/>
+            <dgm:rule type="primFontSz" val="18" fact="NaN" max="NaN"/>
+            <dgm:rule type="h" val="INF" fact="NaN" max="NaN"/>
+            <dgm:rule type="primFontSz" val="5" fact="NaN" max="NaN"/>
+          </dgm:ruleLst>
+        </dgm:layoutNode>
+        <dgm:layoutNode name="descendantText" styleLbl="alignAcc1">
+          <dgm:varLst>
+            <dgm:bulletEnabled val="1"/>
+          </dgm:varLst>
+          <dgm:choose name="Name4">
+            <dgm:if name="Name5" func="var" arg="dir" op="equ" val="norm">
+              <dgm:alg type="tx">
+                <dgm:param type="stBulletLvl" val="1"/>
+                <dgm:param type="txAnchorVertCh" val="mid"/>
+              </dgm:alg>
+              <dgm:shape xmlns:r="http://schemas.openxmlformats.org/officeDocument/2006/relationships" rot="90" type="round2SameRect" r:blip="">
+                <dgm:adjLst/>
+              </dgm:shape>
+            </dgm:if>
+            <dgm:else name="Name6">
+              <dgm:alg type="tx">
+                <dgm:param type="stBulletLvl" val="1"/>
+                <dgm:param type="txAnchorVertCh" val="mid"/>
+              </dgm:alg>
+              <dgm:shape xmlns:r="http://schemas.openxmlformats.org/officeDocument/2006/relationships" rot="-90" type="round2SameRect" r:blip="">
+                <dgm:adjLst/>
+              </dgm:shape>
+            </dgm:else>
+          </dgm:choose>
+          <dgm:presOf axis="des" ptType="node"/>
+          <dgm:choose name="Name7">
+            <dgm:if name="Name8" func="var" arg="dir" op="equ" val="norm">
+              <dgm:constrLst>
+                <dgm:constr type="secFontSz" refType="primFontSz"/>
+                <dgm:constr type="tMarg" refType="primFontSz" fact="0.05"/>
+                <dgm:constr type="bMarg" refType="primFontSz" fact="0.05"/>
+                <dgm:constr type="rMarg" refType="primFontSz" fact="0.05"/>
+              </dgm:constrLst>
+            </dgm:if>
+            <dgm:else name="Name9">
+              <dgm:constrLst>
+                <dgm:constr type="secFontSz" refType="primFontSz"/>
+                <dgm:constr type="tMarg" refType="primFontSz" fact="0.05"/>
+                <dgm:constr type="bMarg" refType="primFontSz" fact="0.05"/>
+                <dgm:constr type="lMarg" refType="primFontSz" fact="0.05"/>
+              </dgm:constrLst>
+            </dgm:else>
+          </dgm:choose>
+          <dgm:ruleLst>
+            <dgm:rule type="primFontSz" val="5" fact="NaN" max="NaN"/>
+          </dgm:ruleLst>
+        </dgm:layoutNode>
+      </dgm:layoutNode>
+      <dgm:forEach name="Name10" axis="followSib" ptType="sibTrans" cnt="1">
+        <dgm:layoutNode name="sp">
+          <dgm:alg type="sp"/>
+          <dgm:shape xmlns:r="http://schemas.openxmlformats.org/officeDocument/2006/relationships" r:blip="">
+            <dgm:adjLst/>
+          </dgm:shape>
+          <dgm:presOf axis="self"/>
+          <dgm:constrLst>
+            <dgm:constr type="w" val="1"/>
+            <dgm:constr type="h" val="37.5"/>
+          </dgm:constrLst>
+          <dgm:ruleLst/>
+        </dgm:layoutNode>
+      </dgm:forEach>
+    </dgm:forEach>
+  </dgm:layoutNode>
+</dgm:layoutDef>
+</file>
+
 <file path=ppt/diagrams/quickStyle1.xml><?xml version="1.0" encoding="utf-8"?>
 <dgm:styleDef xmlns:dgm="http://schemas.openxmlformats.org/drawingml/2006/diagram" xmlns:a="http://schemas.openxmlformats.org/drawingml/2006/main" uniqueId="urn:microsoft.com/office/officeart/2005/8/quickstyle/simple1">
   <dgm:title val=""/>
@@ -4837,6 +6521,1040 @@
 </file>
 
 <file path=ppt/diagrams/quickStyle2.xml><?xml version="1.0" encoding="utf-8"?>
+<dgm:styleDef xmlns:dgm="http://schemas.openxmlformats.org/drawingml/2006/diagram" xmlns:a="http://schemas.openxmlformats.org/drawingml/2006/main" uniqueId="urn:microsoft.com/office/officeart/2005/8/quickstyle/simple4">
+  <dgm:title val=""/>
+  <dgm:desc val=""/>
+  <dgm:catLst>
+    <dgm:cat type="simple" pri="10400"/>
+  </dgm:catLst>
+  <dgm:scene3d>
+    <a:camera prst="orthographicFront"/>
+    <a:lightRig rig="threePt" dir="t"/>
+  </dgm:scene3d>
+  <dgm:styleLbl name="node0">
+    <dgm:scene3d>
+      <a:camera prst="orthographicFront"/>
+      <a:lightRig rig="threePt" dir="t"/>
+    </dgm:scene3d>
+    <dgm:sp3d/>
+    <dgm:txPr/>
+    <dgm:style>
+      <a:lnRef idx="0">
+        <a:scrgbClr r="0" g="0" b="0"/>
+      </a:lnRef>
+      <a:fillRef idx="3">
+        <a:scrgbClr r="0" g="0" b="0"/>
+      </a:fillRef>
+      <a:effectRef idx="2">
+        <a:scrgbClr r="0" g="0" b="0"/>
+      </a:effectRef>
+      <a:fontRef idx="minor">
+        <a:schemeClr val="lt1"/>
+      </a:fontRef>
+    </dgm:style>
+  </dgm:styleLbl>
+  <dgm:styleLbl name="lnNode1">
+    <dgm:scene3d>
+      <a:camera prst="orthographicFront"/>
+      <a:lightRig rig="threePt" dir="t"/>
+    </dgm:scene3d>
+    <dgm:sp3d/>
+    <dgm:txPr/>
+    <dgm:style>
+      <a:lnRef idx="1">
+        <a:scrgbClr r="0" g="0" b="0"/>
+      </a:lnRef>
+      <a:fillRef idx="3">
+        <a:scrgbClr r="0" g="0" b="0"/>
+      </a:fillRef>
+      <a:effectRef idx="2">
+        <a:scrgbClr r="0" g="0" b="0"/>
+      </a:effectRef>
+      <a:fontRef idx="minor">
+        <a:schemeClr val="lt1"/>
+      </a:fontRef>
+    </dgm:style>
+  </dgm:styleLbl>
+  <dgm:styleLbl name="vennNode1">
+    <dgm:scene3d>
+      <a:camera prst="orthographicFront"/>
+      <a:lightRig rig="threePt" dir="t"/>
+    </dgm:scene3d>
+    <dgm:sp3d/>
+    <dgm:txPr/>
+    <dgm:style>
+      <a:lnRef idx="0">
+        <a:scrgbClr r="0" g="0" b="0"/>
+      </a:lnRef>
+      <a:fillRef idx="3">
+        <a:scrgbClr r="0" g="0" b="0"/>
+      </a:fillRef>
+      <a:effectRef idx="0">
+        <a:scrgbClr r="0" g="0" b="0"/>
+      </a:effectRef>
+      <a:fontRef idx="minor">
+        <a:schemeClr val="tx1"/>
+      </a:fontRef>
+    </dgm:style>
+  </dgm:styleLbl>
+  <dgm:styleLbl name="alignNode1">
+    <dgm:scene3d>
+      <a:camera prst="orthographicFront"/>
+      <a:lightRig rig="threePt" dir="t"/>
+    </dgm:scene3d>
+    <dgm:sp3d/>
+    <dgm:txPr/>
+    <dgm:style>
+      <a:lnRef idx="1">
+        <a:scrgbClr r="0" g="0" b="0"/>
+      </a:lnRef>
+      <a:fillRef idx="3">
+        <a:scrgbClr r="0" g="0" b="0"/>
+      </a:fillRef>
+      <a:effectRef idx="2">
+        <a:scrgbClr r="0" g="0" b="0"/>
+      </a:effectRef>
+      <a:fontRef idx="minor">
+        <a:schemeClr val="lt1"/>
+      </a:fontRef>
+    </dgm:style>
+  </dgm:styleLbl>
+  <dgm:styleLbl name="node1">
+    <dgm:scene3d>
+      <a:camera prst="orthographicFront"/>
+      <a:lightRig rig="threePt" dir="t"/>
+    </dgm:scene3d>
+    <dgm:sp3d/>
+    <dgm:txPr/>
+    <dgm:style>
+      <a:lnRef idx="0">
+        <a:scrgbClr r="0" g="0" b="0"/>
+      </a:lnRef>
+      <a:fillRef idx="3">
+        <a:scrgbClr r="0" g="0" b="0"/>
+      </a:fillRef>
+      <a:effectRef idx="2">
+        <a:scrgbClr r="0" g="0" b="0"/>
+      </a:effectRef>
+      <a:fontRef idx="minor">
+        <a:schemeClr val="lt1"/>
+      </a:fontRef>
+    </dgm:style>
+  </dgm:styleLbl>
+  <dgm:styleLbl name="node2">
+    <dgm:scene3d>
+      <a:camera prst="orthographicFront"/>
+      <a:lightRig rig="threePt" dir="t"/>
+    </dgm:scene3d>
+    <dgm:sp3d/>
+    <dgm:txPr/>
+    <dgm:style>
+      <a:lnRef idx="0">
+        <a:scrgbClr r="0" g="0" b="0"/>
+      </a:lnRef>
+      <a:fillRef idx="3">
+        <a:scrgbClr r="0" g="0" b="0"/>
+      </a:fillRef>
+      <a:effectRef idx="2">
+        <a:scrgbClr r="0" g="0" b="0"/>
+      </a:effectRef>
+      <a:fontRef idx="minor">
+        <a:schemeClr val="lt1"/>
+      </a:fontRef>
+    </dgm:style>
+  </dgm:styleLbl>
+  <dgm:styleLbl name="node3">
+    <dgm:scene3d>
+      <a:camera prst="orthographicFront"/>
+      <a:lightRig rig="threePt" dir="t"/>
+    </dgm:scene3d>
+    <dgm:sp3d/>
+    <dgm:txPr/>
+    <dgm:style>
+      <a:lnRef idx="0">
+        <a:scrgbClr r="0" g="0" b="0"/>
+      </a:lnRef>
+      <a:fillRef idx="3">
+        <a:scrgbClr r="0" g="0" b="0"/>
+      </a:fillRef>
+      <a:effectRef idx="2">
+        <a:scrgbClr r="0" g="0" b="0"/>
+      </a:effectRef>
+      <a:fontRef idx="minor">
+        <a:schemeClr val="lt1"/>
+      </a:fontRef>
+    </dgm:style>
+  </dgm:styleLbl>
+  <dgm:styleLbl name="node4">
+    <dgm:scene3d>
+      <a:camera prst="orthographicFront"/>
+      <a:lightRig rig="threePt" dir="t"/>
+    </dgm:scene3d>
+    <dgm:sp3d/>
+    <dgm:txPr/>
+    <dgm:style>
+      <a:lnRef idx="0">
+        <a:scrgbClr r="0" g="0" b="0"/>
+      </a:lnRef>
+      <a:fillRef idx="3">
+        <a:scrgbClr r="0" g="0" b="0"/>
+      </a:fillRef>
+      <a:effectRef idx="2">
+        <a:scrgbClr r="0" g="0" b="0"/>
+      </a:effectRef>
+      <a:fontRef idx="minor">
+        <a:schemeClr val="lt1"/>
+      </a:fontRef>
+    </dgm:style>
+  </dgm:styleLbl>
+  <dgm:styleLbl name="fgImgPlace1">
+    <dgm:scene3d>
+      <a:camera prst="orthographicFront"/>
+      <a:lightRig rig="threePt" dir="t"/>
+    </dgm:scene3d>
+    <dgm:sp3d/>
+    <dgm:txPr/>
+    <dgm:style>
+      <a:lnRef idx="0">
+        <a:scrgbClr r="0" g="0" b="0"/>
+      </a:lnRef>
+      <a:fillRef idx="1">
+        <a:scrgbClr r="0" g="0" b="0"/>
+      </a:fillRef>
+      <a:effectRef idx="2">
+        <a:scrgbClr r="0" g="0" b="0"/>
+      </a:effectRef>
+      <a:fontRef idx="minor"/>
+    </dgm:style>
+  </dgm:styleLbl>
+  <dgm:styleLbl name="alignImgPlace1">
+    <dgm:scene3d>
+      <a:camera prst="orthographicFront"/>
+      <a:lightRig rig="threePt" dir="t"/>
+    </dgm:scene3d>
+    <dgm:sp3d/>
+    <dgm:txPr/>
+    <dgm:style>
+      <a:lnRef idx="0">
+        <a:scrgbClr r="0" g="0" b="0"/>
+      </a:lnRef>
+      <a:fillRef idx="1">
+        <a:scrgbClr r="0" g="0" b="0"/>
+      </a:fillRef>
+      <a:effectRef idx="2">
+        <a:scrgbClr r="0" g="0" b="0"/>
+      </a:effectRef>
+      <a:fontRef idx="minor"/>
+    </dgm:style>
+  </dgm:styleLbl>
+  <dgm:styleLbl name="bgImgPlace1">
+    <dgm:scene3d>
+      <a:camera prst="orthographicFront"/>
+      <a:lightRig rig="threePt" dir="t"/>
+    </dgm:scene3d>
+    <dgm:sp3d/>
+    <dgm:txPr/>
+    <dgm:style>
+      <a:lnRef idx="0">
+        <a:scrgbClr r="0" g="0" b="0"/>
+      </a:lnRef>
+      <a:fillRef idx="1">
+        <a:scrgbClr r="0" g="0" b="0"/>
+      </a:fillRef>
+      <a:effectRef idx="2">
+        <a:scrgbClr r="0" g="0" b="0"/>
+      </a:effectRef>
+      <a:fontRef idx="minor"/>
+    </dgm:style>
+  </dgm:styleLbl>
+  <dgm:styleLbl name="sibTrans2D1">
+    <dgm:scene3d>
+      <a:camera prst="orthographicFront"/>
+      <a:lightRig rig="threePt" dir="t"/>
+    </dgm:scene3d>
+    <dgm:sp3d/>
+    <dgm:txPr/>
+    <dgm:style>
+      <a:lnRef idx="0">
+        <a:scrgbClr r="0" g="0" b="0"/>
+      </a:lnRef>
+      <a:fillRef idx="3">
+        <a:scrgbClr r="0" g="0" b="0"/>
+      </a:fillRef>
+      <a:effectRef idx="2">
+        <a:scrgbClr r="0" g="0" b="0"/>
+      </a:effectRef>
+      <a:fontRef idx="minor">
+        <a:schemeClr val="lt1"/>
+      </a:fontRef>
+    </dgm:style>
+  </dgm:styleLbl>
+  <dgm:styleLbl name="fgSibTrans2D1">
+    <dgm:scene3d>
+      <a:camera prst="orthographicFront"/>
+      <a:lightRig rig="threePt" dir="t"/>
+    </dgm:scene3d>
+    <dgm:sp3d/>
+    <dgm:txPr/>
+    <dgm:style>
+      <a:lnRef idx="0">
+        <a:scrgbClr r="0" g="0" b="0"/>
+      </a:lnRef>
+      <a:fillRef idx="3">
+        <a:scrgbClr r="0" g="0" b="0"/>
+      </a:fillRef>
+      <a:effectRef idx="2">
+        <a:scrgbClr r="0" g="0" b="0"/>
+      </a:effectRef>
+      <a:fontRef idx="minor">
+        <a:schemeClr val="lt1"/>
+      </a:fontRef>
+    </dgm:style>
+  </dgm:styleLbl>
+  <dgm:styleLbl name="bgSibTrans2D1">
+    <dgm:scene3d>
+      <a:camera prst="orthographicFront"/>
+      <a:lightRig rig="threePt" dir="t"/>
+    </dgm:scene3d>
+    <dgm:sp3d/>
+    <dgm:txPr/>
+    <dgm:style>
+      <a:lnRef idx="0">
+        <a:scrgbClr r="0" g="0" b="0"/>
+      </a:lnRef>
+      <a:fillRef idx="3">
+        <a:scrgbClr r="0" g="0" b="0"/>
+      </a:fillRef>
+      <a:effectRef idx="2">
+        <a:scrgbClr r="0" g="0" b="0"/>
+      </a:effectRef>
+      <a:fontRef idx="minor">
+        <a:schemeClr val="lt1"/>
+      </a:fontRef>
+    </dgm:style>
+  </dgm:styleLbl>
+  <dgm:styleLbl name="sibTrans1D1">
+    <dgm:scene3d>
+      <a:camera prst="orthographicFront"/>
+      <a:lightRig rig="threePt" dir="t"/>
+    </dgm:scene3d>
+    <dgm:sp3d/>
+    <dgm:txPr/>
+    <dgm:style>
+      <a:lnRef idx="1">
+        <a:scrgbClr r="0" g="0" b="0"/>
+      </a:lnRef>
+      <a:fillRef idx="0">
+        <a:scrgbClr r="0" g="0" b="0"/>
+      </a:fillRef>
+      <a:effectRef idx="0">
+        <a:scrgbClr r="0" g="0" b="0"/>
+      </a:effectRef>
+      <a:fontRef idx="minor"/>
+    </dgm:style>
+  </dgm:styleLbl>
+  <dgm:styleLbl name="callout">
+    <dgm:scene3d>
+      <a:camera prst="orthographicFront"/>
+      <a:lightRig rig="threePt" dir="t"/>
+    </dgm:scene3d>
+    <dgm:sp3d/>
+    <dgm:txPr/>
+    <dgm:style>
+      <a:lnRef idx="2">
+        <a:scrgbClr r="0" g="0" b="0"/>
+      </a:lnRef>
+      <a:fillRef idx="1">
+        <a:scrgbClr r="0" g="0" b="0"/>
+      </a:fillRef>
+      <a:effectRef idx="1">
+        <a:scrgbClr r="0" g="0" b="0"/>
+      </a:effectRef>
+      <a:fontRef idx="minor"/>
+    </dgm:style>
+  </dgm:styleLbl>
+  <dgm:styleLbl name="asst0">
+    <dgm:scene3d>
+      <a:camera prst="orthographicFront"/>
+      <a:lightRig rig="threePt" dir="t"/>
+    </dgm:scene3d>
+    <dgm:sp3d/>
+    <dgm:txPr/>
+    <dgm:style>
+      <a:lnRef idx="0">
+        <a:scrgbClr r="0" g="0" b="0"/>
+      </a:lnRef>
+      <a:fillRef idx="3">
+        <a:scrgbClr r="0" g="0" b="0"/>
+      </a:fillRef>
+      <a:effectRef idx="2">
+        <a:scrgbClr r="0" g="0" b="0"/>
+      </a:effectRef>
+      <a:fontRef idx="minor">
+        <a:schemeClr val="lt1"/>
+      </a:fontRef>
+    </dgm:style>
+  </dgm:styleLbl>
+  <dgm:styleLbl name="asst1">
+    <dgm:scene3d>
+      <a:camera prst="orthographicFront"/>
+      <a:lightRig rig="threePt" dir="t"/>
+    </dgm:scene3d>
+    <dgm:sp3d/>
+    <dgm:txPr/>
+    <dgm:style>
+      <a:lnRef idx="0">
+        <a:scrgbClr r="0" g="0" b="0"/>
+      </a:lnRef>
+      <a:fillRef idx="3">
+        <a:scrgbClr r="0" g="0" b="0"/>
+      </a:fillRef>
+      <a:effectRef idx="2">
+        <a:scrgbClr r="0" g="0" b="0"/>
+      </a:effectRef>
+      <a:fontRef idx="minor">
+        <a:schemeClr val="lt1"/>
+      </a:fontRef>
+    </dgm:style>
+  </dgm:styleLbl>
+  <dgm:styleLbl name="asst2">
+    <dgm:scene3d>
+      <a:camera prst="orthographicFront"/>
+      <a:lightRig rig="threePt" dir="t"/>
+    </dgm:scene3d>
+    <dgm:sp3d/>
+    <dgm:txPr/>
+    <dgm:style>
+      <a:lnRef idx="0">
+        <a:scrgbClr r="0" g="0" b="0"/>
+      </a:lnRef>
+      <a:fillRef idx="3">
+        <a:scrgbClr r="0" g="0" b="0"/>
+      </a:fillRef>
+      <a:effectRef idx="2">
+        <a:scrgbClr r="0" g="0" b="0"/>
+      </a:effectRef>
+      <a:fontRef idx="minor">
+        <a:schemeClr val="lt1"/>
+      </a:fontRef>
+    </dgm:style>
+  </dgm:styleLbl>
+  <dgm:styleLbl name="asst3">
+    <dgm:scene3d>
+      <a:camera prst="orthographicFront"/>
+      <a:lightRig rig="threePt" dir="t"/>
+    </dgm:scene3d>
+    <dgm:sp3d/>
+    <dgm:txPr/>
+    <dgm:style>
+      <a:lnRef idx="0">
+        <a:scrgbClr r="0" g="0" b="0"/>
+      </a:lnRef>
+      <a:fillRef idx="3">
+        <a:scrgbClr r="0" g="0" b="0"/>
+      </a:fillRef>
+      <a:effectRef idx="2">
+        <a:scrgbClr r="0" g="0" b="0"/>
+      </a:effectRef>
+      <a:fontRef idx="minor">
+        <a:schemeClr val="lt1"/>
+      </a:fontRef>
+    </dgm:style>
+  </dgm:styleLbl>
+  <dgm:styleLbl name="asst4">
+    <dgm:scene3d>
+      <a:camera prst="orthographicFront"/>
+      <a:lightRig rig="threePt" dir="t"/>
+    </dgm:scene3d>
+    <dgm:sp3d/>
+    <dgm:txPr/>
+    <dgm:style>
+      <a:lnRef idx="0">
+        <a:scrgbClr r="0" g="0" b="0"/>
+      </a:lnRef>
+      <a:fillRef idx="3">
+        <a:scrgbClr r="0" g="0" b="0"/>
+      </a:fillRef>
+      <a:effectRef idx="2">
+        <a:scrgbClr r="0" g="0" b="0"/>
+      </a:effectRef>
+      <a:fontRef idx="minor">
+        <a:schemeClr val="lt1"/>
+      </a:fontRef>
+    </dgm:style>
+  </dgm:styleLbl>
+  <dgm:styleLbl name="parChTrans2D1">
+    <dgm:scene3d>
+      <a:camera prst="orthographicFront"/>
+      <a:lightRig rig="threePt" dir="t"/>
+    </dgm:scene3d>
+    <dgm:sp3d/>
+    <dgm:txPr/>
+    <dgm:style>
+      <a:lnRef idx="0">
+        <a:scrgbClr r="0" g="0" b="0"/>
+      </a:lnRef>
+      <a:fillRef idx="3">
+        <a:scrgbClr r="0" g="0" b="0"/>
+      </a:fillRef>
+      <a:effectRef idx="2">
+        <a:scrgbClr r="0" g="0" b="0"/>
+      </a:effectRef>
+      <a:fontRef idx="minor">
+        <a:schemeClr val="lt1"/>
+      </a:fontRef>
+    </dgm:style>
+  </dgm:styleLbl>
+  <dgm:styleLbl name="parChTrans2D2">
+    <dgm:scene3d>
+      <a:camera prst="orthographicFront"/>
+      <a:lightRig rig="threePt" dir="t"/>
+    </dgm:scene3d>
+    <dgm:sp3d/>
+    <dgm:txPr/>
+    <dgm:style>
+      <a:lnRef idx="0">
+        <a:scrgbClr r="0" g="0" b="0"/>
+      </a:lnRef>
+      <a:fillRef idx="3">
+        <a:scrgbClr r="0" g="0" b="0"/>
+      </a:fillRef>
+      <a:effectRef idx="2">
+        <a:scrgbClr r="0" g="0" b="0"/>
+      </a:effectRef>
+      <a:fontRef idx="minor">
+        <a:schemeClr val="lt1"/>
+      </a:fontRef>
+    </dgm:style>
+  </dgm:styleLbl>
+  <dgm:styleLbl name="parChTrans2D3">
+    <dgm:scene3d>
+      <a:camera prst="orthographicFront"/>
+      <a:lightRig rig="threePt" dir="t"/>
+    </dgm:scene3d>
+    <dgm:sp3d/>
+    <dgm:txPr/>
+    <dgm:style>
+      <a:lnRef idx="1">
+        <a:scrgbClr r="0" g="0" b="0"/>
+      </a:lnRef>
+      <a:fillRef idx="3">
+        <a:scrgbClr r="0" g="0" b="0"/>
+      </a:fillRef>
+      <a:effectRef idx="2">
+        <a:scrgbClr r="0" g="0" b="0"/>
+      </a:effectRef>
+      <a:fontRef idx="minor">
+        <a:schemeClr val="lt1"/>
+      </a:fontRef>
+    </dgm:style>
+  </dgm:styleLbl>
+  <dgm:styleLbl name="parChTrans2D4">
+    <dgm:scene3d>
+      <a:camera prst="orthographicFront"/>
+      <a:lightRig rig="threePt" dir="t"/>
+    </dgm:scene3d>
+    <dgm:sp3d/>
+    <dgm:txPr/>
+    <dgm:style>
+      <a:lnRef idx="1">
+        <a:scrgbClr r="0" g="0" b="0"/>
+      </a:lnRef>
+      <a:fillRef idx="3">
+        <a:scrgbClr r="0" g="0" b="0"/>
+      </a:fillRef>
+      <a:effectRef idx="2">
+        <a:scrgbClr r="0" g="0" b="0"/>
+      </a:effectRef>
+      <a:fontRef idx="minor">
+        <a:schemeClr val="lt1"/>
+      </a:fontRef>
+    </dgm:style>
+  </dgm:styleLbl>
+  <dgm:styleLbl name="parChTrans1D1">
+    <dgm:scene3d>
+      <a:camera prst="orthographicFront"/>
+      <a:lightRig rig="threePt" dir="t"/>
+    </dgm:scene3d>
+    <dgm:sp3d/>
+    <dgm:txPr/>
+    <dgm:style>
+      <a:lnRef idx="1">
+        <a:scrgbClr r="0" g="0" b="0"/>
+      </a:lnRef>
+      <a:fillRef idx="0">
+        <a:scrgbClr r="0" g="0" b="0"/>
+      </a:fillRef>
+      <a:effectRef idx="0">
+        <a:scrgbClr r="0" g="0" b="0"/>
+      </a:effectRef>
+      <a:fontRef idx="minor"/>
+    </dgm:style>
+  </dgm:styleLbl>
+  <dgm:styleLbl name="parChTrans1D2">
+    <dgm:scene3d>
+      <a:camera prst="orthographicFront"/>
+      <a:lightRig rig="threePt" dir="t"/>
+    </dgm:scene3d>
+    <dgm:sp3d/>
+    <dgm:txPr/>
+    <dgm:style>
+      <a:lnRef idx="1">
+        <a:scrgbClr r="0" g="0" b="0"/>
+      </a:lnRef>
+      <a:fillRef idx="0">
+        <a:scrgbClr r="0" g="0" b="0"/>
+      </a:fillRef>
+      <a:effectRef idx="0">
+        <a:scrgbClr r="0" g="0" b="0"/>
+      </a:effectRef>
+      <a:fontRef idx="minor"/>
+    </dgm:style>
+  </dgm:styleLbl>
+  <dgm:styleLbl name="parChTrans1D3">
+    <dgm:scene3d>
+      <a:camera prst="orthographicFront"/>
+      <a:lightRig rig="threePt" dir="t"/>
+    </dgm:scene3d>
+    <dgm:sp3d/>
+    <dgm:txPr/>
+    <dgm:style>
+      <a:lnRef idx="1">
+        <a:scrgbClr r="0" g="0" b="0"/>
+      </a:lnRef>
+      <a:fillRef idx="0">
+        <a:scrgbClr r="0" g="0" b="0"/>
+      </a:fillRef>
+      <a:effectRef idx="0">
+        <a:scrgbClr r="0" g="0" b="0"/>
+      </a:effectRef>
+      <a:fontRef idx="minor"/>
+    </dgm:style>
+  </dgm:styleLbl>
+  <dgm:styleLbl name="parChTrans1D4">
+    <dgm:scene3d>
+      <a:camera prst="orthographicFront"/>
+      <a:lightRig rig="threePt" dir="t"/>
+    </dgm:scene3d>
+    <dgm:sp3d/>
+    <dgm:txPr/>
+    <dgm:style>
+      <a:lnRef idx="1">
+        <a:scrgbClr r="0" g="0" b="0"/>
+      </a:lnRef>
+      <a:fillRef idx="0">
+        <a:scrgbClr r="0" g="0" b="0"/>
+      </a:fillRef>
+      <a:effectRef idx="0">
+        <a:scrgbClr r="0" g="0" b="0"/>
+      </a:effectRef>
+      <a:fontRef idx="minor"/>
+    </dgm:style>
+  </dgm:styleLbl>
+  <dgm:styleLbl name="fgAcc1">
+    <dgm:scene3d>
+      <a:camera prst="orthographicFront"/>
+      <a:lightRig rig="threePt" dir="t"/>
+    </dgm:scene3d>
+    <dgm:sp3d/>
+    <dgm:txPr/>
+    <dgm:style>
+      <a:lnRef idx="1">
+        <a:scrgbClr r="0" g="0" b="0"/>
+      </a:lnRef>
+      <a:fillRef idx="1">
+        <a:scrgbClr r="0" g="0" b="0"/>
+      </a:fillRef>
+      <a:effectRef idx="0">
+        <a:scrgbClr r="0" g="0" b="0"/>
+      </a:effectRef>
+      <a:fontRef idx="minor"/>
+    </dgm:style>
+  </dgm:styleLbl>
+  <dgm:styleLbl name="conFgAcc1">
+    <dgm:scene3d>
+      <a:camera prst="orthographicFront"/>
+      <a:lightRig rig="threePt" dir="t"/>
+    </dgm:scene3d>
+    <dgm:sp3d/>
+    <dgm:txPr/>
+    <dgm:style>
+      <a:lnRef idx="1">
+        <a:scrgbClr r="0" g="0" b="0"/>
+      </a:lnRef>
+      <a:fillRef idx="1">
+        <a:scrgbClr r="0" g="0" b="0"/>
+      </a:fillRef>
+      <a:effectRef idx="0">
+        <a:scrgbClr r="0" g="0" b="0"/>
+      </a:effectRef>
+      <a:fontRef idx="minor"/>
+    </dgm:style>
+  </dgm:styleLbl>
+  <dgm:styleLbl name="alignAcc1">
+    <dgm:scene3d>
+      <a:camera prst="orthographicFront"/>
+      <a:lightRig rig="threePt" dir="t"/>
+    </dgm:scene3d>
+    <dgm:sp3d/>
+    <dgm:txPr/>
+    <dgm:style>
+      <a:lnRef idx="1">
+        <a:scrgbClr r="0" g="0" b="0"/>
+      </a:lnRef>
+      <a:fillRef idx="1">
+        <a:scrgbClr r="0" g="0" b="0"/>
+      </a:fillRef>
+      <a:effectRef idx="0">
+        <a:scrgbClr r="0" g="0" b="0"/>
+      </a:effectRef>
+      <a:fontRef idx="minor"/>
+    </dgm:style>
+  </dgm:styleLbl>
+  <dgm:styleLbl name="trAlignAcc1">
+    <dgm:scene3d>
+      <a:camera prst="orthographicFront"/>
+      <a:lightRig rig="threePt" dir="t"/>
+    </dgm:scene3d>
+    <dgm:sp3d/>
+    <dgm:txPr/>
+    <dgm:style>
+      <a:lnRef idx="1">
+        <a:scrgbClr r="0" g="0" b="0"/>
+      </a:lnRef>
+      <a:fillRef idx="1">
+        <a:scrgbClr r="0" g="0" b="0"/>
+      </a:fillRef>
+      <a:effectRef idx="0">
+        <a:scrgbClr r="0" g="0" b="0"/>
+      </a:effectRef>
+      <a:fontRef idx="minor"/>
+    </dgm:style>
+  </dgm:styleLbl>
+  <dgm:styleLbl name="bgAcc1">
+    <dgm:scene3d>
+      <a:camera prst="orthographicFront"/>
+      <a:lightRig rig="threePt" dir="t"/>
+    </dgm:scene3d>
+    <dgm:sp3d/>
+    <dgm:txPr/>
+    <dgm:style>
+      <a:lnRef idx="1">
+        <a:scrgbClr r="0" g="0" b="0"/>
+      </a:lnRef>
+      <a:fillRef idx="1">
+        <a:scrgbClr r="0" g="0" b="0"/>
+      </a:fillRef>
+      <a:effectRef idx="0">
+        <a:scrgbClr r="0" g="0" b="0"/>
+      </a:effectRef>
+      <a:fontRef idx="minor"/>
+    </dgm:style>
+  </dgm:styleLbl>
+  <dgm:styleLbl name="solidFgAcc1">
+    <dgm:scene3d>
+      <a:camera prst="orthographicFront"/>
+      <a:lightRig rig="threePt" dir="t"/>
+    </dgm:scene3d>
+    <dgm:sp3d/>
+    <dgm:txPr/>
+    <dgm:style>
+      <a:lnRef idx="1">
+        <a:scrgbClr r="0" g="0" b="0"/>
+      </a:lnRef>
+      <a:fillRef idx="1">
+        <a:scrgbClr r="0" g="0" b="0"/>
+      </a:fillRef>
+      <a:effectRef idx="0">
+        <a:scrgbClr r="0" g="0" b="0"/>
+      </a:effectRef>
+      <a:fontRef idx="minor"/>
+    </dgm:style>
+  </dgm:styleLbl>
+  <dgm:styleLbl name="solidAlignAcc1">
+    <dgm:scene3d>
+      <a:camera prst="orthographicFront"/>
+      <a:lightRig rig="threePt" dir="t"/>
+    </dgm:scene3d>
+    <dgm:sp3d/>
+    <dgm:txPr/>
+    <dgm:style>
+      <a:lnRef idx="1">
+        <a:scrgbClr r="0" g="0" b="0"/>
+      </a:lnRef>
+      <a:fillRef idx="1">
+        <a:scrgbClr r="0" g="0" b="0"/>
+      </a:fillRef>
+      <a:effectRef idx="0">
+        <a:scrgbClr r="0" g="0" b="0"/>
+      </a:effectRef>
+      <a:fontRef idx="minor"/>
+    </dgm:style>
+  </dgm:styleLbl>
+  <dgm:styleLbl name="solidBgAcc1">
+    <dgm:scene3d>
+      <a:camera prst="orthographicFront"/>
+      <a:lightRig rig="threePt" dir="t"/>
+    </dgm:scene3d>
+    <dgm:sp3d/>
+    <dgm:txPr/>
+    <dgm:style>
+      <a:lnRef idx="1">
+        <a:scrgbClr r="0" g="0" b="0"/>
+      </a:lnRef>
+      <a:fillRef idx="1">
+        <a:scrgbClr r="0" g="0" b="0"/>
+      </a:fillRef>
+      <a:effectRef idx="0">
+        <a:scrgbClr r="0" g="0" b="0"/>
+      </a:effectRef>
+      <a:fontRef idx="minor"/>
+    </dgm:style>
+  </dgm:styleLbl>
+  <dgm:styleLbl name="fgAccFollowNode1">
+    <dgm:scene3d>
+      <a:camera prst="orthographicFront"/>
+      <a:lightRig rig="threePt" dir="t"/>
+    </dgm:scene3d>
+    <dgm:sp3d/>
+    <dgm:txPr/>
+    <dgm:style>
+      <a:lnRef idx="1">
+        <a:scrgbClr r="0" g="0" b="0"/>
+      </a:lnRef>
+      <a:fillRef idx="1">
+        <a:scrgbClr r="0" g="0" b="0"/>
+      </a:fillRef>
+      <a:effectRef idx="0">
+        <a:scrgbClr r="0" g="0" b="0"/>
+      </a:effectRef>
+      <a:fontRef idx="minor"/>
+    </dgm:style>
+  </dgm:styleLbl>
+  <dgm:styleLbl name="alignAccFollowNode1">
+    <dgm:scene3d>
+      <a:camera prst="orthographicFront"/>
+      <a:lightRig rig="threePt" dir="t"/>
+    </dgm:scene3d>
+    <dgm:sp3d/>
+    <dgm:txPr/>
+    <dgm:style>
+      <a:lnRef idx="1">
+        <a:scrgbClr r="0" g="0" b="0"/>
+      </a:lnRef>
+      <a:fillRef idx="1">
+        <a:scrgbClr r="0" g="0" b="0"/>
+      </a:fillRef>
+      <a:effectRef idx="0">
+        <a:scrgbClr r="0" g="0" b="0"/>
+      </a:effectRef>
+      <a:fontRef idx="minor"/>
+    </dgm:style>
+  </dgm:styleLbl>
+  <dgm:styleLbl name="bgAccFollowNode1">
+    <dgm:scene3d>
+      <a:camera prst="orthographicFront"/>
+      <a:lightRig rig="threePt" dir="t"/>
+    </dgm:scene3d>
+    <dgm:sp3d/>
+    <dgm:txPr/>
+    <dgm:style>
+      <a:lnRef idx="1">
+        <a:scrgbClr r="0" g="0" b="0"/>
+      </a:lnRef>
+      <a:fillRef idx="1">
+        <a:scrgbClr r="0" g="0" b="0"/>
+      </a:fillRef>
+      <a:effectRef idx="0">
+        <a:scrgbClr r="0" g="0" b="0"/>
+      </a:effectRef>
+      <a:fontRef idx="minor"/>
+    </dgm:style>
+  </dgm:styleLbl>
+  <dgm:styleLbl name="fgAcc0">
+    <dgm:scene3d>
+      <a:camera prst="orthographicFront"/>
+      <a:lightRig rig="threePt" dir="t"/>
+    </dgm:scene3d>
+    <dgm:sp3d/>
+    <dgm:txPr/>
+    <dgm:style>
+      <a:lnRef idx="1">
+        <a:scrgbClr r="0" g="0" b="0"/>
+      </a:lnRef>
+      <a:fillRef idx="1">
+        <a:scrgbClr r="0" g="0" b="0"/>
+      </a:fillRef>
+      <a:effectRef idx="0">
+        <a:scrgbClr r="0" g="0" b="0"/>
+      </a:effectRef>
+      <a:fontRef idx="minor"/>
+    </dgm:style>
+  </dgm:styleLbl>
+  <dgm:styleLbl name="fgAcc2">
+    <dgm:scene3d>
+      <a:camera prst="orthographicFront"/>
+      <a:lightRig rig="threePt" dir="t"/>
+    </dgm:scene3d>
+    <dgm:sp3d/>
+    <dgm:txPr/>
+    <dgm:style>
+      <a:lnRef idx="1">
+        <a:scrgbClr r="0" g="0" b="0"/>
+      </a:lnRef>
+      <a:fillRef idx="1">
+        <a:scrgbClr r="0" g="0" b="0"/>
+      </a:fillRef>
+      <a:effectRef idx="0">
+        <a:scrgbClr r="0" g="0" b="0"/>
+      </a:effectRef>
+      <a:fontRef idx="minor"/>
+    </dgm:style>
+  </dgm:styleLbl>
+  <dgm:styleLbl name="fgAcc3">
+    <dgm:scene3d>
+      <a:camera prst="orthographicFront"/>
+      <a:lightRig rig="threePt" dir="t"/>
+    </dgm:scene3d>
+    <dgm:sp3d/>
+    <dgm:txPr/>
+    <dgm:style>
+      <a:lnRef idx="1">
+        <a:scrgbClr r="0" g="0" b="0"/>
+      </a:lnRef>
+      <a:fillRef idx="1">
+        <a:scrgbClr r="0" g="0" b="0"/>
+      </a:fillRef>
+      <a:effectRef idx="0">
+        <a:scrgbClr r="0" g="0" b="0"/>
+      </a:effectRef>
+      <a:fontRef idx="minor"/>
+    </dgm:style>
+  </dgm:styleLbl>
+  <dgm:styleLbl name="fgAcc4">
+    <dgm:scene3d>
+      <a:camera prst="orthographicFront"/>
+      <a:lightRig rig="threePt" dir="t"/>
+    </dgm:scene3d>
+    <dgm:sp3d/>
+    <dgm:txPr/>
+    <dgm:style>
+      <a:lnRef idx="1">
+        <a:scrgbClr r="0" g="0" b="0"/>
+      </a:lnRef>
+      <a:fillRef idx="1">
+        <a:scrgbClr r="0" g="0" b="0"/>
+      </a:fillRef>
+      <a:effectRef idx="0">
+        <a:scrgbClr r="0" g="0" b="0"/>
+      </a:effectRef>
+      <a:fontRef idx="minor"/>
+    </dgm:style>
+  </dgm:styleLbl>
+  <dgm:styleLbl name="bgShp">
+    <dgm:scene3d>
+      <a:camera prst="orthographicFront"/>
+      <a:lightRig rig="threePt" dir="t"/>
+    </dgm:scene3d>
+    <dgm:sp3d/>
+    <dgm:txPr/>
+    <dgm:style>
+      <a:lnRef idx="0">
+        <a:scrgbClr r="0" g="0" b="0"/>
+      </a:lnRef>
+      <a:fillRef idx="1">
+        <a:scrgbClr r="0" g="0" b="0"/>
+      </a:fillRef>
+      <a:effectRef idx="2">
+        <a:scrgbClr r="0" g="0" b="0"/>
+      </a:effectRef>
+      <a:fontRef idx="minor"/>
+    </dgm:style>
+  </dgm:styleLbl>
+  <dgm:styleLbl name="dkBgShp">
+    <dgm:scene3d>
+      <a:camera prst="orthographicFront"/>
+      <a:lightRig rig="threePt" dir="t"/>
+    </dgm:scene3d>
+    <dgm:sp3d/>
+    <dgm:txPr/>
+    <dgm:style>
+      <a:lnRef idx="0">
+        <a:scrgbClr r="0" g="0" b="0"/>
+      </a:lnRef>
+      <a:fillRef idx="1">
+        <a:scrgbClr r="0" g="0" b="0"/>
+      </a:fillRef>
+      <a:effectRef idx="2">
+        <a:scrgbClr r="0" g="0" b="0"/>
+      </a:effectRef>
+      <a:fontRef idx="minor"/>
+    </dgm:style>
+  </dgm:styleLbl>
+  <dgm:styleLbl name="trBgShp">
+    <dgm:scene3d>
+      <a:camera prst="orthographicFront"/>
+      <a:lightRig rig="threePt" dir="t"/>
+    </dgm:scene3d>
+    <dgm:sp3d/>
+    <dgm:txPr/>
+    <dgm:style>
+      <a:lnRef idx="0">
+        <a:scrgbClr r="0" g="0" b="0"/>
+      </a:lnRef>
+      <a:fillRef idx="1">
+        <a:scrgbClr r="0" g="0" b="0"/>
+      </a:fillRef>
+      <a:effectRef idx="0">
+        <a:scrgbClr r="0" g="0" b="0"/>
+      </a:effectRef>
+      <a:fontRef idx="minor"/>
+    </dgm:style>
+  </dgm:styleLbl>
+  <dgm:styleLbl name="fgShp">
+    <dgm:scene3d>
+      <a:camera prst="orthographicFront"/>
+      <a:lightRig rig="threePt" dir="t"/>
+    </dgm:scene3d>
+    <dgm:sp3d/>
+    <dgm:txPr/>
+    <dgm:style>
+      <a:lnRef idx="0">
+        <a:scrgbClr r="0" g="0" b="0"/>
+      </a:lnRef>
+      <a:fillRef idx="3">
+        <a:scrgbClr r="0" g="0" b="0"/>
+      </a:fillRef>
+      <a:effectRef idx="2">
+        <a:scrgbClr r="0" g="0" b="0"/>
+      </a:effectRef>
+      <a:fontRef idx="minor"/>
+    </dgm:style>
+  </dgm:styleLbl>
+  <dgm:styleLbl name="revTx">
+    <dgm:scene3d>
+      <a:camera prst="orthographicFront"/>
+      <a:lightRig rig="threePt" dir="t"/>
+    </dgm:scene3d>
+    <dgm:sp3d/>
+    <dgm:txPr/>
+    <dgm:style>
+      <a:lnRef idx="0">
+        <a:scrgbClr r="0" g="0" b="0"/>
+      </a:lnRef>
+      <a:fillRef idx="0">
+        <a:scrgbClr r="0" g="0" b="0"/>
+      </a:fillRef>
+      <a:effectRef idx="0">
+        <a:scrgbClr r="0" g="0" b="0"/>
+      </a:effectRef>
+      <a:fontRef idx="minor"/>
+    </dgm:style>
+  </dgm:styleLbl>
+</dgm:styleDef>
+</file>
+
+<file path=ppt/diagrams/quickStyle3.xml><?xml version="1.0" encoding="utf-8"?>
 <dgm:styleDef xmlns:dgm="http://schemas.openxmlformats.org/drawingml/2006/diagram" xmlns:a="http://schemas.openxmlformats.org/drawingml/2006/main" uniqueId="urn:microsoft.com/office/officeart/2005/8/quickstyle/simple4">
   <dgm:title val=""/>
   <dgm:desc val=""/>
@@ -5953,7 +8671,7 @@
             <a:fld id="{B15AAD03-AE80-496F-8F45-189D92BA181B}" type="datetimeFigureOut">
               <a:rPr lang="en-US" smtClean="0"/>
               <a:pPr/>
-              <a:t>2011-12-3</a:t>
+              <a:t>12/3/2011</a:t>
             </a:fld>
             <a:endParaRPr lang="en-US"/>
           </a:p>
@@ -6115,7 +8833,7 @@
             <a:fld id="{F37C5903-F0B2-49F1-93CE-20768D7E294D}" type="datetimeFigureOut">
               <a:rPr lang="en-US" smtClean="0"/>
               <a:pPr/>
-              <a:t>2011-12-3</a:t>
+              <a:t>12/3/2011</a:t>
             </a:fld>
             <a:endParaRPr lang="en-US"/>
           </a:p>
@@ -9511,7 +12229,7 @@
             <a:fld id="{1D8BD707-D9CF-40AE-B4C6-C98DA3205C09}" type="datetimeFigureOut">
               <a:rPr lang="en-US" smtClean="0"/>
               <a:pPr/>
-              <a:t>2011-12-3</a:t>
+              <a:t>12/3/2011</a:t>
             </a:fld>
             <a:endParaRPr lang="en-US"/>
           </a:p>
@@ -9678,7 +12396,7 @@
             <a:fld id="{1D8BD707-D9CF-40AE-B4C6-C98DA3205C09}" type="datetimeFigureOut">
               <a:rPr lang="en-US" smtClean="0"/>
               <a:pPr/>
-              <a:t>2011-12-3</a:t>
+              <a:t>12/3/2011</a:t>
             </a:fld>
             <a:endParaRPr lang="en-US"/>
           </a:p>
@@ -9855,7 +12573,7 @@
             <a:fld id="{1D8BD707-D9CF-40AE-B4C6-C98DA3205C09}" type="datetimeFigureOut">
               <a:rPr lang="en-US" smtClean="0"/>
               <a:pPr/>
-              <a:t>2011-12-3</a:t>
+              <a:t>12/3/2011</a:t>
             </a:fld>
             <a:endParaRPr lang="en-US"/>
           </a:p>
@@ -10022,7 +12740,7 @@
             <a:fld id="{1D8BD707-D9CF-40AE-B4C6-C98DA3205C09}" type="datetimeFigureOut">
               <a:rPr lang="en-US" smtClean="0"/>
               <a:pPr/>
-              <a:t>2011-12-3</a:t>
+              <a:t>12/3/2011</a:t>
             </a:fld>
             <a:endParaRPr lang="en-US"/>
           </a:p>
@@ -10265,7 +12983,7 @@
             <a:fld id="{1D8BD707-D9CF-40AE-B4C6-C98DA3205C09}" type="datetimeFigureOut">
               <a:rPr lang="en-US" smtClean="0"/>
               <a:pPr/>
-              <a:t>2011-12-3</a:t>
+              <a:t>12/3/2011</a:t>
             </a:fld>
             <a:endParaRPr lang="en-US"/>
           </a:p>
@@ -10550,7 +13268,7 @@
             <a:fld id="{1D8BD707-D9CF-40AE-B4C6-C98DA3205C09}" type="datetimeFigureOut">
               <a:rPr lang="en-US" smtClean="0"/>
               <a:pPr/>
-              <a:t>2011-12-3</a:t>
+              <a:t>12/3/2011</a:t>
             </a:fld>
             <a:endParaRPr lang="en-US"/>
           </a:p>
@@ -10969,7 +13687,7 @@
             <a:fld id="{1D8BD707-D9CF-40AE-B4C6-C98DA3205C09}" type="datetimeFigureOut">
               <a:rPr lang="en-US" smtClean="0"/>
               <a:pPr/>
-              <a:t>2011-12-3</a:t>
+              <a:t>12/3/2011</a:t>
             </a:fld>
             <a:endParaRPr lang="en-US"/>
           </a:p>
@@ -11084,7 +13802,7 @@
             <a:fld id="{1D8BD707-D9CF-40AE-B4C6-C98DA3205C09}" type="datetimeFigureOut">
               <a:rPr lang="en-US" smtClean="0"/>
               <a:pPr/>
-              <a:t>2011-12-3</a:t>
+              <a:t>12/3/2011</a:t>
             </a:fld>
             <a:endParaRPr lang="en-US"/>
           </a:p>
@@ -11176,7 +13894,7 @@
             <a:fld id="{1D8BD707-D9CF-40AE-B4C6-C98DA3205C09}" type="datetimeFigureOut">
               <a:rPr lang="en-US" smtClean="0"/>
               <a:pPr/>
-              <a:t>2011-12-3</a:t>
+              <a:t>12/3/2011</a:t>
             </a:fld>
             <a:endParaRPr lang="en-US"/>
           </a:p>
@@ -11450,7 +14168,7 @@
             <a:fld id="{1D8BD707-D9CF-40AE-B4C6-C98DA3205C09}" type="datetimeFigureOut">
               <a:rPr lang="en-US" smtClean="0"/>
               <a:pPr/>
-              <a:t>2011-12-3</a:t>
+              <a:t>12/3/2011</a:t>
             </a:fld>
             <a:endParaRPr lang="en-US"/>
           </a:p>
@@ -11700,7 +14418,7 @@
             <a:fld id="{1D8BD707-D9CF-40AE-B4C6-C98DA3205C09}" type="datetimeFigureOut">
               <a:rPr lang="en-US" smtClean="0"/>
               <a:pPr/>
-              <a:t>2011-12-3</a:t>
+              <a:t>12/3/2011</a:t>
             </a:fld>
             <a:endParaRPr lang="en-US"/>
           </a:p>
@@ -11910,7 +14628,7 @@
             <a:fld id="{1D8BD707-D9CF-40AE-B4C6-C98DA3205C09}" type="datetimeFigureOut">
               <a:rPr lang="en-US" smtClean="0"/>
               <a:pPr/>
-              <a:t>2011-12-3</a:t>
+              <a:t>12/3/2011</a:t>
             </a:fld>
             <a:endParaRPr lang="en-US"/>
           </a:p>
@@ -12562,36 +15280,12 @@
               <a:t> </a:t>
             </a:r>
             <a:r>
-              <a:rPr lang="en-US" sz="4000" err="1" smtClean="0">
+              <a:rPr lang="en-US" sz="4000" smtClean="0">
                 <a:solidFill>
                   <a:schemeClr val="bg1"/>
                 </a:solidFill>
               </a:rPr>
-              <a:t>bài</a:t>
-            </a:r>
-            <a:r>
-              <a:rPr lang="en-US" sz="4000" smtClean="0">
-                <a:solidFill>
-                  <a:schemeClr val="bg1"/>
-                </a:solidFill>
-              </a:rPr>
-              <a:t> </a:t>
-            </a:r>
-            <a:r>
-              <a:rPr lang="en-US" sz="4000" err="1" smtClean="0">
-                <a:solidFill>
-                  <a:schemeClr val="bg1"/>
-                </a:solidFill>
-              </a:rPr>
-              <a:t>toán</a:t>
-            </a:r>
-            <a:r>
-              <a:rPr lang="en-US" sz="4000" smtClean="0">
-                <a:solidFill>
-                  <a:schemeClr val="bg1"/>
-                </a:solidFill>
-              </a:rPr>
-              <a:t> </a:t>
+              <a:t>vấn đề dự báo </a:t>
             </a:r>
             <a:r>
               <a:rPr lang="vi-VN" sz="4000" smtClean="0">
@@ -12787,25 +15481,26 @@
           </a:p>
         </p:txBody>
       </p:sp>
-      <p:sp>
-        <p:nvSpPr>
-          <p:cNvPr id="3" name="Content Placeholder 2"/>
-          <p:cNvSpPr>
-            <a:spLocks noGrp="1"/>
-          </p:cNvSpPr>
+      <p:graphicFrame>
+        <p:nvGraphicFramePr>
+          <p:cNvPr id="4" name="Content Placeholder 3"/>
+          <p:cNvGraphicFramePr>
+            <a:graphicFrameLocks noGrp="1"/>
+          </p:cNvGraphicFramePr>
           <p:nvPr>
             <p:ph idx="1"/>
           </p:nvPr>
-        </p:nvSpPr>
-        <p:spPr/>
-        <p:txBody>
-          <a:bodyPr/>
-          <a:lstStyle/>
-          <a:p>
-            <a:endParaRPr lang="en-US"/>
-          </a:p>
-        </p:txBody>
-      </p:sp>
+        </p:nvGraphicFramePr>
+        <p:xfrm>
+          <a:off x="457200" y="1600200"/>
+          <a:ext cx="8229600" cy="4525963"/>
+        </p:xfrm>
+        <a:graphic>
+          <a:graphicData uri="http://schemas.openxmlformats.org/drawingml/2006/diagram">
+            <dgm:relIds xmlns:dgm="http://schemas.openxmlformats.org/drawingml/2006/diagram" xmlns:r="http://schemas.openxmlformats.org/officeDocument/2006/relationships" r:dm="rId3" r:lo="rId4" r:qs="rId5" r:cs="rId6"/>
+          </a:graphicData>
+        </a:graphic>
+      </p:graphicFrame>
     </p:spTree>
   </p:cSld>
   <p:clrMapOvr>
@@ -12928,7 +15623,7 @@
         </p:nvGraphicFramePr>
         <p:xfrm>
           <a:off x="457200" y="1600200"/>
-          <a:ext cx="8153400" cy="2956560"/>
+          <a:ext cx="8153400" cy="3771900"/>
         </p:xfrm>
         <a:graphic>
           <a:graphicData uri="http://schemas.openxmlformats.org/drawingml/2006/table">
@@ -13076,36 +15771,12 @@
                     <a:lstStyle/>
                     <a:p>
                       <a:r>
-                        <a:rPr lang="en-US" err="1" smtClean="0"/>
-                        <a:t>Hô</a:t>
-                      </a:r>
-                      <a:r>
                         <a:rPr lang="en-US" smtClean="0"/>
-                        <a:t>̀</a:t>
+                        <a:t>Hồ</a:t>
                       </a:r>
                       <a:r>
                         <a:rPr lang="en-US" baseline="0" smtClean="0"/>
-                        <a:t> </a:t>
-                      </a:r>
-                      <a:r>
-                        <a:rPr lang="en-US" baseline="0" err="1" smtClean="0"/>
-                        <a:t>Sơ</a:t>
-                      </a:r>
-                      <a:r>
-                        <a:rPr lang="en-US" baseline="0" smtClean="0"/>
-                        <a:t> </a:t>
-                      </a:r>
-                      <a:r>
-                        <a:rPr lang="en-US" baseline="0" err="1" smtClean="0"/>
-                        <a:t>Học</a:t>
-                      </a:r>
-                      <a:r>
-                        <a:rPr lang="en-US" baseline="0" smtClean="0"/>
-                        <a:t> </a:t>
-                      </a:r>
-                      <a:r>
-                        <a:rPr lang="en-US" baseline="0" err="1" smtClean="0"/>
-                        <a:t>Viên</a:t>
+                        <a:t> sơ học viên</a:t>
                       </a:r>
                       <a:endParaRPr lang="en-US"/>
                     </a:p>
@@ -13168,16 +15839,12 @@
                     <a:lstStyle/>
                     <a:p>
                       <a:r>
-                        <a:rPr lang="en-US" err="1" smtClean="0"/>
-                        <a:t>Bảng</a:t>
+                        <a:rPr lang="en-US" smtClean="0"/>
+                        <a:t>Kết</a:t>
                       </a:r>
                       <a:r>
                         <a:rPr lang="en-US" baseline="0" smtClean="0"/>
-                        <a:t> </a:t>
-                      </a:r>
-                      <a:r>
-                        <a:rPr lang="en-US" baseline="0" err="1" smtClean="0"/>
-                        <a:t>Điểm</a:t>
+                        <a:t> quả thi PTTH</a:t>
                       </a:r>
                       <a:endParaRPr lang="en-US"/>
                     </a:p>
@@ -13191,7 +15858,7 @@
                     <a:p>
                       <a:r>
                         <a:rPr lang="en-US" smtClean="0"/>
-                        <a:t>CVHT</a:t>
+                        <a:t>CRM</a:t>
                       </a:r>
                       <a:endParaRPr lang="en-US"/>
                     </a:p>
@@ -13240,48 +15907,12 @@
                     <a:lstStyle/>
                     <a:p>
                       <a:r>
-                        <a:rPr lang="en-US" err="1" smtClean="0"/>
-                        <a:t>Tình</a:t>
+                        <a:rPr lang="en-US" smtClean="0"/>
+                        <a:t>Ngành</a:t>
                       </a:r>
                       <a:r>
                         <a:rPr lang="en-US" baseline="0" smtClean="0"/>
-                        <a:t> </a:t>
-                      </a:r>
-                      <a:r>
-                        <a:rPr lang="en-US" baseline="0" err="1" smtClean="0"/>
-                        <a:t>hình</a:t>
-                      </a:r>
-                      <a:r>
-                        <a:rPr lang="en-US" baseline="0" smtClean="0"/>
-                        <a:t> </a:t>
-                      </a:r>
-                      <a:r>
-                        <a:rPr lang="en-US" baseline="0" err="1" smtClean="0"/>
-                        <a:t>đăng</a:t>
-                      </a:r>
-                      <a:r>
-                        <a:rPr lang="en-US" baseline="0" smtClean="0"/>
-                        <a:t> </a:t>
-                      </a:r>
-                      <a:r>
-                        <a:rPr lang="en-US" baseline="0" err="1" smtClean="0"/>
-                        <a:t>nhập</a:t>
-                      </a:r>
-                      <a:r>
-                        <a:rPr lang="en-US" baseline="0" smtClean="0"/>
-                        <a:t> </a:t>
-                      </a:r>
-                      <a:r>
-                        <a:rPr lang="en-US" baseline="0" err="1" smtClean="0"/>
-                        <a:t>diễn</a:t>
-                      </a:r>
-                      <a:r>
-                        <a:rPr lang="en-US" baseline="0" smtClean="0"/>
-                        <a:t> </a:t>
-                      </a:r>
-                      <a:r>
-                        <a:rPr lang="en-US" baseline="0" err="1" smtClean="0"/>
-                        <a:t>đàn</a:t>
+                        <a:t> học, đối tượng học</a:t>
                       </a:r>
                       <a:endParaRPr lang="en-US"/>
                     </a:p>
@@ -13295,7 +15926,7 @@
                     <a:p>
                       <a:r>
                         <a:rPr lang="en-US" smtClean="0"/>
-                        <a:t>LMS</a:t>
+                        <a:t>CVHT</a:t>
                       </a:r>
                       <a:endParaRPr lang="en-US"/>
                     </a:p>
@@ -13344,32 +15975,12 @@
                     <a:lstStyle/>
                     <a:p>
                       <a:r>
-                        <a:rPr lang="en-US" err="1" smtClean="0"/>
-                        <a:t>Lô</a:t>
-                      </a:r>
-                      <a:r>
                         <a:rPr lang="en-US" smtClean="0"/>
-                        <a:t>̣</a:t>
+                        <a:t>Thông</a:t>
                       </a:r>
                       <a:r>
                         <a:rPr lang="en-US" baseline="0" smtClean="0"/>
-                        <a:t> </a:t>
-                      </a:r>
-                      <a:r>
-                        <a:rPr lang="en-US" baseline="0" err="1" smtClean="0"/>
-                        <a:t>Trình</a:t>
-                      </a:r>
-                      <a:r>
-                        <a:rPr lang="en-US" baseline="0" smtClean="0"/>
-                        <a:t> Thu </a:t>
-                      </a:r>
-                      <a:r>
-                        <a:rPr lang="en-US" baseline="0" err="1" smtClean="0"/>
-                        <a:t>Học</a:t>
-                      </a:r>
-                      <a:r>
-                        <a:rPr lang="en-US" baseline="0" smtClean="0"/>
-                        <a:t> Phí</a:t>
+                        <a:t> tin quá trình tư vấn</a:t>
                       </a:r>
                       <a:endParaRPr lang="en-US"/>
                     </a:p>
@@ -13383,7 +15994,7 @@
                     <a:p>
                       <a:r>
                         <a:rPr lang="en-US" smtClean="0"/>
-                        <a:t>CVHT</a:t>
+                        <a:t>CRM</a:t>
                       </a:r>
                       <a:endParaRPr lang="en-US"/>
                     </a:p>
@@ -13432,54 +16043,218 @@
                     <a:lstStyle/>
                     <a:p>
                       <a:r>
-                        <a:rPr lang="en-US" err="1" smtClean="0"/>
-                        <a:t>Học</a:t>
+                        <a:rPr lang="en-US" smtClean="0"/>
+                        <a:t>Bằng</a:t>
                       </a:r>
                       <a:r>
                         <a:rPr lang="en-US" baseline="0" smtClean="0"/>
-                        <a:t> </a:t>
-                      </a:r>
-                      <a:r>
-                        <a:rPr lang="en-US" baseline="0" err="1" smtClean="0"/>
-                        <a:t>viên</a:t>
+                        <a:t> cấp, chứng chỉ</a:t>
+                      </a:r>
+                      <a:endParaRPr lang="en-US"/>
+                    </a:p>
+                  </a:txBody>
+                  <a:tcPr/>
+                </a:tc>
+                <a:tc>
+                  <a:txBody>
+                    <a:bodyPr/>
+                    <a:lstStyle/>
+                    <a:p>
+                      <a:r>
+                        <a:rPr lang="en-US" smtClean="0"/>
+                        <a:t>SCM</a:t>
+                      </a:r>
+                      <a:endParaRPr lang="en-US"/>
+                    </a:p>
+                  </a:txBody>
+                  <a:tcPr/>
+                </a:tc>
+                <a:tc>
+                  <a:txBody>
+                    <a:bodyPr/>
+                    <a:lstStyle/>
+                    <a:p>
+                      <a:endParaRPr lang="en-US"/>
+                    </a:p>
+                  </a:txBody>
+                  <a:tcPr/>
+                </a:tc>
+                <a:tc>
+                  <a:txBody>
+                    <a:bodyPr/>
+                    <a:lstStyle/>
+                    <a:p>
+                      <a:endParaRPr lang="en-US"/>
+                    </a:p>
+                  </a:txBody>
+                  <a:tcPr/>
+                </a:tc>
+              </a:tr>
+              <a:tr h="419100">
+                <a:tc>
+                  <a:txBody>
+                    <a:bodyPr/>
+                    <a:lstStyle/>
+                    <a:p>
+                      <a:r>
+                        <a:rPr lang="en-US" smtClean="0"/>
+                        <a:t>6</a:t>
+                      </a:r>
+                      <a:endParaRPr lang="en-US"/>
+                    </a:p>
+                  </a:txBody>
+                  <a:tcPr/>
+                </a:tc>
+                <a:tc>
+                  <a:txBody>
+                    <a:bodyPr/>
+                    <a:lstStyle/>
+                    <a:p>
+                      <a:r>
+                        <a:rPr lang="en-US" smtClean="0"/>
+                        <a:t>Hồ</a:t>
                       </a:r>
                       <a:r>
                         <a:rPr lang="en-US" baseline="0" smtClean="0"/>
-                        <a:t>(Mã </a:t>
-                      </a:r>
-                      <a:r>
-                        <a:rPr lang="en-US" baseline="0" err="1" smtClean="0"/>
-                        <a:t>Lớp</a:t>
+                        <a:t> sơ học tập học viên</a:t>
+                      </a:r>
+                      <a:endParaRPr lang="en-US"/>
+                    </a:p>
+                  </a:txBody>
+                  <a:tcPr/>
+                </a:tc>
+                <a:tc>
+                  <a:txBody>
+                    <a:bodyPr/>
+                    <a:lstStyle/>
+                    <a:p>
+                      <a:r>
+                        <a:rPr lang="en-US" smtClean="0"/>
+                        <a:t>SCM</a:t>
+                      </a:r>
+                      <a:endParaRPr lang="en-US"/>
+                    </a:p>
+                  </a:txBody>
+                  <a:tcPr/>
+                </a:tc>
+                <a:tc>
+                  <a:txBody>
+                    <a:bodyPr/>
+                    <a:lstStyle/>
+                    <a:p>
+                      <a:endParaRPr lang="en-US"/>
+                    </a:p>
+                  </a:txBody>
+                  <a:tcPr/>
+                </a:tc>
+                <a:tc>
+                  <a:txBody>
+                    <a:bodyPr/>
+                    <a:lstStyle/>
+                    <a:p>
+                      <a:endParaRPr lang="en-US"/>
+                    </a:p>
+                  </a:txBody>
+                  <a:tcPr/>
+                </a:tc>
+              </a:tr>
+              <a:tr h="419100">
+                <a:tc>
+                  <a:txBody>
+                    <a:bodyPr/>
+                    <a:lstStyle/>
+                    <a:p>
+                      <a:r>
+                        <a:rPr lang="en-US" smtClean="0"/>
+                        <a:t>7</a:t>
+                      </a:r>
+                      <a:endParaRPr lang="en-US"/>
+                    </a:p>
+                  </a:txBody>
+                  <a:tcPr/>
+                </a:tc>
+                <a:tc>
+                  <a:txBody>
+                    <a:bodyPr/>
+                    <a:lstStyle/>
+                    <a:p>
+                      <a:r>
+                        <a:rPr lang="en-US" smtClean="0"/>
+                        <a:t>Lộ</a:t>
                       </a:r>
                       <a:r>
                         <a:rPr lang="en-US" baseline="0" smtClean="0"/>
-                        <a:t>, Mã </a:t>
-                      </a:r>
-                      <a:r>
-                        <a:rPr lang="en-US" baseline="0" err="1" smtClean="0"/>
-                        <a:t>Sô</a:t>
+                        <a:t> trình thu học phí</a:t>
+                      </a:r>
+                      <a:endParaRPr lang="en-US" smtClean="0"/>
+                    </a:p>
+                  </a:txBody>
+                  <a:tcPr/>
+                </a:tc>
+                <a:tc>
+                  <a:txBody>
+                    <a:bodyPr/>
+                    <a:lstStyle/>
+                    <a:p>
+                      <a:r>
+                        <a:rPr lang="en-US" smtClean="0"/>
+                        <a:t>CVHT</a:t>
+                      </a:r>
+                      <a:endParaRPr lang="en-US"/>
+                    </a:p>
+                  </a:txBody>
+                  <a:tcPr/>
+                </a:tc>
+                <a:tc>
+                  <a:txBody>
+                    <a:bodyPr/>
+                    <a:lstStyle/>
+                    <a:p>
+                      <a:endParaRPr lang="en-US"/>
+                    </a:p>
+                  </a:txBody>
+                  <a:tcPr/>
+                </a:tc>
+                <a:tc>
+                  <a:txBody>
+                    <a:bodyPr/>
+                    <a:lstStyle/>
+                    <a:p>
+                      <a:endParaRPr lang="en-US"/>
+                    </a:p>
+                  </a:txBody>
+                  <a:tcPr/>
+                </a:tc>
+              </a:tr>
+              <a:tr h="419100">
+                <a:tc>
+                  <a:txBody>
+                    <a:bodyPr/>
+                    <a:lstStyle/>
+                    <a:p>
+                      <a:r>
+                        <a:rPr lang="en-US" smtClean="0"/>
+                        <a:t>8</a:t>
+                      </a:r>
+                      <a:endParaRPr lang="en-US"/>
+                    </a:p>
+                  </a:txBody>
+                  <a:tcPr/>
+                </a:tc>
+                <a:tc>
+                  <a:txBody>
+                    <a:bodyPr/>
+                    <a:lstStyle/>
+                    <a:p>
+                      <a:r>
+                        <a:rPr lang="en-US" smtClean="0"/>
+                        <a:t>Thông</a:t>
                       </a:r>
                       <a:r>
                         <a:rPr lang="en-US" baseline="0" smtClean="0"/>
-                        <a:t>́ </a:t>
-                      </a:r>
-                      <a:r>
-                        <a:rPr lang="en-US" baseline="0" err="1" smtClean="0"/>
-                        <a:t>Học</a:t>
-                      </a:r>
-                      <a:r>
-                        <a:rPr lang="en-US" baseline="0" smtClean="0"/>
-                        <a:t> </a:t>
-                      </a:r>
-                      <a:r>
-                        <a:rPr lang="en-US" baseline="0" err="1" smtClean="0"/>
-                        <a:t>Viên</a:t>
-                      </a:r>
-                      <a:r>
-                        <a:rPr lang="en-US" baseline="0" smtClean="0"/>
-                        <a:t>, Global User,…)</a:t>
-                      </a:r>
-                      <a:endParaRPr lang="en-US"/>
+                        <a:t> tin đóng học phí</a:t>
+                      </a:r>
+                      <a:endParaRPr lang="en-US" smtClean="0"/>
                     </a:p>
                   </a:txBody>
                   <a:tcPr/>
@@ -13531,7 +16306,7 @@
         </p:nvSpPr>
         <p:spPr>
           <a:xfrm>
-            <a:off x="685800" y="5029200"/>
+            <a:off x="685800" y="6183868"/>
             <a:ext cx="4689104" cy="369332"/>
           </a:xfrm>
           <a:prstGeom prst="rect">
@@ -16258,7 +19033,7 @@
         </p:spPr>
         <p:txBody>
           <a:bodyPr>
-            <a:normAutofit fontScale="90000"/>
+            <a:normAutofit/>
           </a:bodyPr>
           <a:lstStyle/>
           <a:p>
@@ -16269,7 +19044,7 @@
                   <a:schemeClr val="bg1"/>
                 </a:solidFill>
               </a:rPr>
-              <a:t>3.3 </a:t>
+              <a:t>3.4 </a:t>
             </a:r>
             <a:r>
               <a:rPr lang="en-US" sz="4000" err="1" smtClean="0">
@@ -16304,36 +19079,12 @@
               <a:t> </a:t>
             </a:r>
             <a:r>
-              <a:rPr lang="en-US" sz="4000" err="1" smtClean="0">
+              <a:rPr lang="en-US" sz="4000" smtClean="0">
                 <a:solidFill>
                   <a:schemeClr val="bg1"/>
                 </a:solidFill>
               </a:rPr>
-              <a:t>va</a:t>
-            </a:r>
-            <a:r>
-              <a:rPr lang="en-US" sz="4000" smtClean="0">
-                <a:solidFill>
-                  <a:schemeClr val="bg1"/>
-                </a:solidFill>
-              </a:rPr>
-              <a:t>̀ </a:t>
-            </a:r>
-            <a:r>
-              <a:rPr lang="en-US" sz="4000" err="1" smtClean="0">
-                <a:solidFill>
-                  <a:schemeClr val="bg1"/>
-                </a:solidFill>
-              </a:rPr>
-              <a:t>các</a:t>
-            </a:r>
-            <a:r>
-              <a:rPr lang="en-US" sz="4000" smtClean="0">
-                <a:solidFill>
-                  <a:schemeClr val="bg1"/>
-                </a:solidFill>
-              </a:rPr>
-              <a:t> quy trình thực hiện</a:t>
+              <a:t>hỗ trợ ra quyết định</a:t>
             </a:r>
             <a:endParaRPr lang="en-US" sz="4000">
               <a:solidFill>
@@ -16489,7 +19240,7 @@
                   <a:schemeClr val="bg1"/>
                 </a:solidFill>
               </a:rPr>
-              <a:t>3.3 </a:t>
+              <a:t>3.4 </a:t>
             </a:r>
             <a:r>
               <a:rPr lang="en-US" sz="4000" err="1" smtClean="0">
@@ -16524,84 +19275,12 @@
               <a:t> </a:t>
             </a:r>
             <a:r>
-              <a:rPr lang="en-US" sz="4000" err="1" smtClean="0">
+              <a:rPr lang="en-US" sz="4000" smtClean="0">
                 <a:solidFill>
                   <a:schemeClr val="bg1"/>
                 </a:solidFill>
               </a:rPr>
-              <a:t>va</a:t>
-            </a:r>
-            <a:r>
-              <a:rPr lang="en-US" sz="4000" smtClean="0">
-                <a:solidFill>
-                  <a:schemeClr val="bg1"/>
-                </a:solidFill>
-              </a:rPr>
-              <a:t>̀ </a:t>
-            </a:r>
-            <a:r>
-              <a:rPr lang="en-US" sz="4000" err="1" smtClean="0">
-                <a:solidFill>
-                  <a:schemeClr val="bg1"/>
-                </a:solidFill>
-              </a:rPr>
-              <a:t>các</a:t>
-            </a:r>
-            <a:r>
-              <a:rPr lang="en-US" sz="4000" smtClean="0">
-                <a:solidFill>
-                  <a:schemeClr val="bg1"/>
-                </a:solidFill>
-              </a:rPr>
-              <a:t> </a:t>
-            </a:r>
-            <a:r>
-              <a:rPr lang="en-US" sz="4000" err="1" smtClean="0">
-                <a:solidFill>
-                  <a:schemeClr val="bg1"/>
-                </a:solidFill>
-              </a:rPr>
-              <a:t>bước</a:t>
-            </a:r>
-            <a:r>
-              <a:rPr lang="en-US" sz="4000" smtClean="0">
-                <a:solidFill>
-                  <a:schemeClr val="bg1"/>
-                </a:solidFill>
-              </a:rPr>
-              <a:t> </a:t>
-            </a:r>
-            <a:r>
-              <a:rPr lang="en-US" sz="4000" err="1" smtClean="0">
-                <a:solidFill>
-                  <a:schemeClr val="bg1"/>
-                </a:solidFill>
-              </a:rPr>
-              <a:t>xư</a:t>
-            </a:r>
-            <a:r>
-              <a:rPr lang="en-US" sz="4000" smtClean="0">
-                <a:solidFill>
-                  <a:schemeClr val="bg1"/>
-                </a:solidFill>
-              </a:rPr>
-              <a:t>̉ </a:t>
-            </a:r>
-            <a:r>
-              <a:rPr lang="en-US" sz="4000" err="1" smtClean="0">
-                <a:solidFill>
-                  <a:schemeClr val="bg1"/>
-                </a:solidFill>
-              </a:rPr>
-              <a:t>ly</a:t>
-            </a:r>
-            <a:r>
-              <a:rPr lang="en-US" sz="4000" smtClean="0">
-                <a:solidFill>
-                  <a:schemeClr val="bg1"/>
-                </a:solidFill>
-              </a:rPr>
-              <a:t>́</a:t>
+              <a:t>hỗ trợ ra quyết định</a:t>
             </a:r>
             <a:endParaRPr lang="en-US" sz="4000">
               <a:solidFill>
@@ -16782,7 +19461,7 @@
                   <a:schemeClr val="bg1"/>
                 </a:solidFill>
               </a:rPr>
-              <a:t>3.4 </a:t>
+              <a:t>3.5 </a:t>
             </a:r>
             <a:r>
               <a:rPr lang="en-US" sz="4000" err="1" smtClean="0">
@@ -19582,7 +22261,7 @@
         </p:nvGraphicFramePr>
         <p:xfrm>
           <a:off x="533400" y="1600200"/>
-          <a:ext cx="8229600" cy="3774440"/>
+          <a:ext cx="8229600" cy="3764280"/>
         </p:xfrm>
         <a:graphic>
           <a:graphicData uri="http://schemas.openxmlformats.org/drawingml/2006/table">
@@ -19728,8 +22407,15 @@
                     <a:lstStyle/>
                     <a:p>
                       <a:pPr algn="ctr"/>
-                      <a:r>
-                        <a:rPr lang="en-US" sz="1200" i="0" err="1" smtClean="0">
+                      <a:endParaRPr lang="en-US" sz="1200" i="0" smtClean="0">
+                        <a:latin typeface="Times New Roman" pitchFamily="18" charset="0"/>
+                        <a:cs typeface="Times New Roman" pitchFamily="18" charset="0"/>
+                      </a:endParaRPr>
+                    </a:p>
+                    <a:p>
+                      <a:pPr algn="ctr"/>
+                      <a:r>
+                        <a:rPr lang="en-US" sz="1200" i="0" smtClean="0">
                           <a:latin typeface="Times New Roman" pitchFamily="18" charset="0"/>
                           <a:cs typeface="Times New Roman" pitchFamily="18" charset="0"/>
                         </a:rPr>
@@ -19740,7 +22426,14 @@
                           <a:latin typeface="Times New Roman" pitchFamily="18" charset="0"/>
                           <a:cs typeface="Times New Roman" pitchFamily="18" charset="0"/>
                         </a:rPr>
-                        <a:t> học</a:t>
+                        <a:t> </a:t>
+                      </a:r>
+                      <a:r>
+                        <a:rPr lang="en-US" sz="1200" i="0" baseline="0" smtClean="0">
+                          <a:latin typeface="Times New Roman" pitchFamily="18" charset="0"/>
+                          <a:cs typeface="Times New Roman" pitchFamily="18" charset="0"/>
+                        </a:rPr>
+                        <a:t>học</a:t>
                       </a:r>
                       <a:endParaRPr lang="en-US" sz="1200" i="0">
                         <a:latin typeface="Times New Roman" pitchFamily="18" charset="0"/>
@@ -19872,11 +22565,18 @@
                         <a:defRPr/>
                       </a:pPr>
                       <a:r>
+                        <a:rPr lang="en-US" sz="1200" i="0" smtClean="0">
+                          <a:latin typeface="Times New Roman" pitchFamily="18" charset="0"/>
+                          <a:cs typeface="Times New Roman" pitchFamily="18" charset="0"/>
+                        </a:rPr>
+                        <a:t>Thương </a:t>
+                      </a:r>
+                      <a:r>
                         <a:rPr lang="en-US" sz="1200" i="0" err="1" smtClean="0">
                           <a:latin typeface="Times New Roman" pitchFamily="18" charset="0"/>
                           <a:cs typeface="Times New Roman" pitchFamily="18" charset="0"/>
                         </a:rPr>
-                        <a:t>Thiệt</a:t>
+                        <a:t>hiệu</a:t>
                       </a:r>
                       <a:r>
                         <a:rPr lang="en-US" sz="1200" i="0" smtClean="0">
@@ -19890,7 +22590,7 @@
                           <a:latin typeface="Times New Roman" pitchFamily="18" charset="0"/>
                           <a:cs typeface="Times New Roman" pitchFamily="18" charset="0"/>
                         </a:rPr>
-                        <a:t>hại</a:t>
+                        <a:t>của</a:t>
                       </a:r>
                       <a:r>
                         <a:rPr lang="en-US" sz="1200" i="0" smtClean="0">
@@ -19904,98 +22604,29 @@
                           <a:latin typeface="Times New Roman" pitchFamily="18" charset="0"/>
                           <a:cs typeface="Times New Roman" pitchFamily="18" charset="0"/>
                         </a:rPr>
-                        <a:t>vê</a:t>
+                        <a:t>trường</a:t>
                       </a:r>
                       <a:r>
                         <a:rPr lang="en-US" sz="1200" i="0" smtClean="0">
                           <a:latin typeface="Times New Roman" pitchFamily="18" charset="0"/>
                           <a:cs typeface="Times New Roman" pitchFamily="18" charset="0"/>
                         </a:rPr>
-                        <a:t>̀ </a:t>
-                      </a:r>
-                      <a:r>
-                        <a:rPr lang="en-US" sz="1200" i="0" err="1" smtClean="0">
-                          <a:latin typeface="Times New Roman" pitchFamily="18" charset="0"/>
-                          <a:cs typeface="Times New Roman" pitchFamily="18" charset="0"/>
-                        </a:rPr>
-                        <a:t>mặt</a:t>
+                        <a:t> </a:t>
                       </a:r>
                       <a:r>
                         <a:rPr lang="en-US" sz="1200" i="0" smtClean="0">
                           <a:latin typeface="Times New Roman" pitchFamily="18" charset="0"/>
                           <a:cs typeface="Times New Roman" pitchFamily="18" charset="0"/>
                         </a:rPr>
-                        <a:t> </a:t>
-                      </a:r>
-                      <a:r>
-                        <a:rPr lang="en-US" sz="1200" i="0" err="1" smtClean="0">
+                        <a:t>học bị</a:t>
+                      </a:r>
+                      <a:r>
+                        <a:rPr lang="en-US" sz="1200" i="0" baseline="0" smtClean="0">
                           <a:latin typeface="Times New Roman" pitchFamily="18" charset="0"/>
                           <a:cs typeface="Times New Roman" pitchFamily="18" charset="0"/>
                         </a:rPr>
-                        <a:t>thương</a:t>
-                      </a:r>
-                      <a:r>
-                        <a:rPr lang="en-US" sz="1200" i="0" smtClean="0">
-                          <a:latin typeface="Times New Roman" pitchFamily="18" charset="0"/>
-                          <a:cs typeface="Times New Roman" pitchFamily="18" charset="0"/>
-                        </a:rPr>
-                        <a:t> </a:t>
-                      </a:r>
-                      <a:r>
-                        <a:rPr lang="en-US" sz="1200" i="0" err="1" smtClean="0">
-                          <a:latin typeface="Times New Roman" pitchFamily="18" charset="0"/>
-                          <a:cs typeface="Times New Roman" pitchFamily="18" charset="0"/>
-                        </a:rPr>
-                        <a:t>hiệu</a:t>
-                      </a:r>
-                      <a:r>
-                        <a:rPr lang="en-US" sz="1200" i="0" smtClean="0">
-                          <a:latin typeface="Times New Roman" pitchFamily="18" charset="0"/>
-                          <a:cs typeface="Times New Roman" pitchFamily="18" charset="0"/>
-                        </a:rPr>
-                        <a:t> </a:t>
-                      </a:r>
-                      <a:r>
-                        <a:rPr lang="en-US" sz="1200" i="0" err="1" smtClean="0">
-                          <a:latin typeface="Times New Roman" pitchFamily="18" charset="0"/>
-                          <a:cs typeface="Times New Roman" pitchFamily="18" charset="0"/>
-                        </a:rPr>
-                        <a:t>của</a:t>
-                      </a:r>
-                      <a:r>
-                        <a:rPr lang="en-US" sz="1200" i="0" smtClean="0">
-                          <a:latin typeface="Times New Roman" pitchFamily="18" charset="0"/>
-                          <a:cs typeface="Times New Roman" pitchFamily="18" charset="0"/>
-                        </a:rPr>
-                        <a:t> </a:t>
-                      </a:r>
-                      <a:r>
-                        <a:rPr lang="en-US" sz="1200" i="0" err="1" smtClean="0">
-                          <a:latin typeface="Times New Roman" pitchFamily="18" charset="0"/>
-                          <a:cs typeface="Times New Roman" pitchFamily="18" charset="0"/>
-                        </a:rPr>
-                        <a:t>trường</a:t>
-                      </a:r>
-                      <a:r>
-                        <a:rPr lang="en-US" sz="1200" i="0" smtClean="0">
-                          <a:latin typeface="Times New Roman" pitchFamily="18" charset="0"/>
-                          <a:cs typeface="Times New Roman" pitchFamily="18" charset="0"/>
-                        </a:rPr>
-                        <a:t> </a:t>
-                      </a:r>
-                      <a:r>
-                        <a:rPr lang="en-US" sz="1200" i="0" err="1" smtClean="0">
-                          <a:latin typeface="Times New Roman" pitchFamily="18" charset="0"/>
-                          <a:cs typeface="Times New Roman" pitchFamily="18" charset="0"/>
-                        </a:rPr>
-                        <a:t>học</a:t>
-                      </a:r>
-                      <a:endParaRPr lang="en-US" sz="1200" i="0" smtClean="0">
-                        <a:latin typeface="Times New Roman" pitchFamily="18" charset="0"/>
-                        <a:cs typeface="Times New Roman" pitchFamily="18" charset="0"/>
-                      </a:endParaRPr>
-                    </a:p>
-                    <a:p>
+                        <a:t> đánh giá không cao</a:t>
+                      </a:r>
                       <a:endParaRPr lang="en-US" sz="1200" i="0">
                         <a:latin typeface="Times New Roman" pitchFamily="18" charset="0"/>
                         <a:cs typeface="Times New Roman" pitchFamily="18" charset="0"/>
@@ -20070,53 +22701,53 @@
                         <a:defRPr/>
                       </a:pPr>
                       <a:r>
+                        <a:rPr lang="en-US" sz="1200" i="0" smtClean="0">
+                          <a:latin typeface="Times New Roman" pitchFamily="18" charset="0"/>
+                          <a:cs typeface="Times New Roman" pitchFamily="18" charset="0"/>
+                        </a:rPr>
+                        <a:t>Số</a:t>
+                      </a:r>
+                      <a:r>
+                        <a:rPr lang="en-US" sz="1200" i="0" baseline="0" smtClean="0">
+                          <a:latin typeface="Times New Roman" pitchFamily="18" charset="0"/>
+                          <a:cs typeface="Times New Roman" pitchFamily="18" charset="0"/>
+                        </a:rPr>
+                        <a:t> học viên </a:t>
+                      </a:r>
+                      <a:r>
+                        <a:rPr lang="en-US" sz="1200" i="0" smtClean="0">
+                          <a:latin typeface="Times New Roman" pitchFamily="18" charset="0"/>
+                          <a:cs typeface="Times New Roman" pitchFamily="18" charset="0"/>
+                        </a:rPr>
+                        <a:t>tuyển </a:t>
+                      </a:r>
+                      <a:r>
                         <a:rPr lang="en-US" sz="1200" i="0" err="1" smtClean="0">
                           <a:latin typeface="Times New Roman" pitchFamily="18" charset="0"/>
                           <a:cs typeface="Times New Roman" pitchFamily="18" charset="0"/>
                         </a:rPr>
-                        <a:t>Kho</a:t>
+                        <a:t>sinh</a:t>
                       </a:r>
                       <a:r>
                         <a:rPr lang="en-US" sz="1200" i="0" smtClean="0">
                           <a:latin typeface="Times New Roman" pitchFamily="18" charset="0"/>
                           <a:cs typeface="Times New Roman" pitchFamily="18" charset="0"/>
                         </a:rPr>
-                        <a:t>́ </a:t>
-                      </a:r>
-                      <a:r>
-                        <a:rPr lang="en-US" sz="1200" i="0" err="1" smtClean="0">
-                          <a:latin typeface="Times New Roman" pitchFamily="18" charset="0"/>
-                          <a:cs typeface="Times New Roman" pitchFamily="18" charset="0"/>
-                        </a:rPr>
-                        <a:t>tuyển</a:t>
+                        <a:t> </a:t>
                       </a:r>
                       <a:r>
                         <a:rPr lang="en-US" sz="1200" i="0" smtClean="0">
                           <a:latin typeface="Times New Roman" pitchFamily="18" charset="0"/>
                           <a:cs typeface="Times New Roman" pitchFamily="18" charset="0"/>
                         </a:rPr>
-                        <a:t> </a:t>
-                      </a:r>
-                      <a:r>
-                        <a:rPr lang="en-US" sz="1200" i="0" err="1" smtClean="0">
+                        <a:t>bị</a:t>
+                      </a:r>
+                      <a:r>
+                        <a:rPr lang="en-US" sz="1200" i="0" baseline="0" smtClean="0">
                           <a:latin typeface="Times New Roman" pitchFamily="18" charset="0"/>
                           <a:cs typeface="Times New Roman" pitchFamily="18" charset="0"/>
                         </a:rPr>
-                        <a:t>sinh</a:t>
-                      </a:r>
-                      <a:r>
-                        <a:rPr lang="en-US" sz="1200" i="0" smtClean="0">
-                          <a:latin typeface="Times New Roman" pitchFamily="18" charset="0"/>
-                          <a:cs typeface="Times New Roman" pitchFamily="18" charset="0"/>
-                        </a:rPr>
-                        <a:t> </a:t>
-                      </a:r>
-                      <a:r>
-                        <a:rPr lang="en-US" sz="1200" i="0" err="1" smtClean="0">
-                          <a:latin typeface="Times New Roman" pitchFamily="18" charset="0"/>
-                          <a:cs typeface="Times New Roman" pitchFamily="18" charset="0"/>
-                        </a:rPr>
-                        <a:t>cho</a:t>
+                        <a:t> giảm</a:t>
                       </a:r>
                       <a:r>
                         <a:rPr lang="en-US" sz="1200" i="0" smtClean="0">
@@ -20183,8 +22814,22 @@
                     <a:lstStyle/>
                     <a:p>
                       <a:pPr algn="ctr"/>
-                      <a:r>
-                        <a:rPr lang="en-US" sz="1200" i="0" err="1" smtClean="0">
+                      <a:endParaRPr lang="en-US" sz="1200" i="0" smtClean="0">
+                        <a:latin typeface="Times New Roman" pitchFamily="18" charset="0"/>
+                        <a:cs typeface="Times New Roman" pitchFamily="18" charset="0"/>
+                      </a:endParaRPr>
+                    </a:p>
+                    <a:p>
+                      <a:pPr algn="ctr"/>
+                      <a:endParaRPr lang="en-US" sz="1200" i="0" smtClean="0">
+                        <a:latin typeface="Times New Roman" pitchFamily="18" charset="0"/>
+                        <a:cs typeface="Times New Roman" pitchFamily="18" charset="0"/>
+                      </a:endParaRPr>
+                    </a:p>
+                    <a:p>
+                      <a:pPr algn="ctr"/>
+                      <a:r>
+                        <a:rPr lang="en-US" sz="1200" i="0" smtClean="0">
                           <a:latin typeface="Times New Roman" pitchFamily="18" charset="0"/>
                           <a:cs typeface="Times New Roman" pitchFamily="18" charset="0"/>
                         </a:rPr>
@@ -20195,7 +22840,14 @@
                           <a:latin typeface="Times New Roman" pitchFamily="18" charset="0"/>
                           <a:cs typeface="Times New Roman" pitchFamily="18" charset="0"/>
                         </a:rPr>
-                        <a:t> viên</a:t>
+                        <a:t> </a:t>
+                      </a:r>
+                      <a:r>
+                        <a:rPr lang="en-US" sz="1200" i="0" baseline="0" smtClean="0">
+                          <a:latin typeface="Times New Roman" pitchFamily="18" charset="0"/>
+                          <a:cs typeface="Times New Roman" pitchFamily="18" charset="0"/>
+                        </a:rPr>
+                        <a:t>viên</a:t>
                       </a:r>
                       <a:endParaRPr lang="en-US" sz="1200" i="0">
                         <a:latin typeface="Times New Roman" pitchFamily="18" charset="0"/>
@@ -20211,25 +22863,63 @@
                     <a:lstStyle/>
                     <a:p>
                       <a:r>
+                        <a:rPr lang="en-US" sz="1200" i="0" smtClean="0">
+                          <a:latin typeface="Times New Roman" pitchFamily="18" charset="0"/>
+                          <a:cs typeface="Times New Roman" pitchFamily="18" charset="0"/>
+                        </a:rPr>
+                        <a:t>Chi phí</a:t>
+                      </a:r>
+                      <a:r>
+                        <a:rPr lang="en-US" sz="1200" i="0" baseline="0" smtClean="0">
+                          <a:latin typeface="Times New Roman" pitchFamily="18" charset="0"/>
+                          <a:cs typeface="Times New Roman" pitchFamily="18" charset="0"/>
+                        </a:rPr>
+                        <a:t> cho quá trình học tập (tiền, thời gian,…) </a:t>
+                      </a:r>
+                      <a:r>
+                        <a:rPr lang="en-US" sz="1200" i="0" baseline="0" smtClean="0">
+                          <a:solidFill>
+                            <a:srgbClr val="FF0000"/>
+                          </a:solidFill>
+                          <a:latin typeface="Times New Roman" pitchFamily="18" charset="0"/>
+                          <a:cs typeface="Times New Roman" pitchFamily="18" charset="0"/>
+                        </a:rPr>
+                        <a:t>tăng</a:t>
+                      </a:r>
+                      <a:r>
+                        <a:rPr lang="en-US" sz="1200" i="0" baseline="0" smtClean="0">
+                          <a:latin typeface="Times New Roman" pitchFamily="18" charset="0"/>
+                          <a:cs typeface="Times New Roman" pitchFamily="18" charset="0"/>
+                        </a:rPr>
+                        <a:t> mà KHÔNG </a:t>
+                      </a:r>
+                      <a:r>
+                        <a:rPr lang="en-US" sz="1200" i="0" smtClean="0">
+                          <a:latin typeface="Times New Roman" pitchFamily="18" charset="0"/>
+                          <a:cs typeface="Times New Roman" pitchFamily="18" charset="0"/>
+                        </a:rPr>
+                        <a:t>đạt </a:t>
+                      </a:r>
+                      <a:r>
                         <a:rPr lang="en-US" sz="1200" i="0" err="1" smtClean="0">
                           <a:latin typeface="Times New Roman" pitchFamily="18" charset="0"/>
                           <a:cs typeface="Times New Roman" pitchFamily="18" charset="0"/>
                         </a:rPr>
-                        <a:t>Lãng</a:t>
+                        <a:t>được</a:t>
                       </a:r>
                       <a:r>
                         <a:rPr lang="en-US" sz="1200" i="0" smtClean="0">
                           <a:latin typeface="Times New Roman" pitchFamily="18" charset="0"/>
                           <a:cs typeface="Times New Roman" pitchFamily="18" charset="0"/>
                         </a:rPr>
-                        <a:t> phí </a:t>
+                        <a:t> </a:t>
                       </a:r>
                       <a:r>
                         <a:rPr lang="en-US" sz="1200" i="0" err="1" smtClean="0">
                           <a:latin typeface="Times New Roman" pitchFamily="18" charset="0"/>
                           <a:cs typeface="Times New Roman" pitchFamily="18" charset="0"/>
                         </a:rPr>
-                        <a:t>tiền</a:t>
+                        <a:t>mục</a:t>
                       </a:r>
                       <a:r>
                         <a:rPr lang="en-US" sz="1200" i="0" smtClean="0">
@@ -20239,109 +22929,11 @@
                         <a:t> </a:t>
                       </a:r>
                       <a:r>
-                        <a:rPr lang="en-US" sz="1200" i="0" err="1" smtClean="0">
-                          <a:latin typeface="Times New Roman" pitchFamily="18" charset="0"/>
-                          <a:cs typeface="Times New Roman" pitchFamily="18" charset="0"/>
-                        </a:rPr>
-                        <a:t>của</a:t>
-                      </a:r>
-                      <a:r>
                         <a:rPr lang="en-US" sz="1200" i="0" smtClean="0">
                           <a:latin typeface="Times New Roman" pitchFamily="18" charset="0"/>
                           <a:cs typeface="Times New Roman" pitchFamily="18" charset="0"/>
                         </a:rPr>
-                        <a:t>, </a:t>
-                      </a:r>
-                      <a:r>
-                        <a:rPr lang="en-US" sz="1200" i="0" err="1" smtClean="0">
-                          <a:latin typeface="Times New Roman" pitchFamily="18" charset="0"/>
-                          <a:cs typeface="Times New Roman" pitchFamily="18" charset="0"/>
-                        </a:rPr>
-                        <a:t>thời</a:t>
-                      </a:r>
-                      <a:r>
-                        <a:rPr lang="en-US" sz="1200" i="0" smtClean="0">
-                          <a:latin typeface="Times New Roman" pitchFamily="18" charset="0"/>
-                          <a:cs typeface="Times New Roman" pitchFamily="18" charset="0"/>
-                        </a:rPr>
-                        <a:t> </a:t>
-                      </a:r>
-                      <a:r>
-                        <a:rPr lang="en-US" sz="1200" i="0" err="1" smtClean="0">
-                          <a:latin typeface="Times New Roman" pitchFamily="18" charset="0"/>
-                          <a:cs typeface="Times New Roman" pitchFamily="18" charset="0"/>
-                        </a:rPr>
-                        <a:t>gian</a:t>
-                      </a:r>
-                      <a:r>
-                        <a:rPr lang="en-US" sz="1200" i="0" smtClean="0">
-                          <a:latin typeface="Times New Roman" pitchFamily="18" charset="0"/>
-                          <a:cs typeface="Times New Roman" pitchFamily="18" charset="0"/>
-                        </a:rPr>
-                        <a:t> mà </a:t>
-                      </a:r>
-                      <a:r>
-                        <a:rPr lang="en-US" sz="1200" i="0" err="1" smtClean="0">
-                          <a:latin typeface="Times New Roman" pitchFamily="18" charset="0"/>
-                          <a:cs typeface="Times New Roman" pitchFamily="18" charset="0"/>
-                        </a:rPr>
-                        <a:t>không</a:t>
-                      </a:r>
-                      <a:r>
-                        <a:rPr lang="en-US" sz="1200" i="0" smtClean="0">
-                          <a:latin typeface="Times New Roman" pitchFamily="18" charset="0"/>
-                          <a:cs typeface="Times New Roman" pitchFamily="18" charset="0"/>
-                        </a:rPr>
-                        <a:t> </a:t>
-                      </a:r>
-                      <a:r>
-                        <a:rPr lang="en-US" sz="1200" i="0" err="1" smtClean="0">
-                          <a:latin typeface="Times New Roman" pitchFamily="18" charset="0"/>
-                          <a:cs typeface="Times New Roman" pitchFamily="18" charset="0"/>
-                        </a:rPr>
-                        <a:t>đạt</a:t>
-                      </a:r>
-                      <a:r>
-                        <a:rPr lang="en-US" sz="1200" i="0" smtClean="0">
-                          <a:latin typeface="Times New Roman" pitchFamily="18" charset="0"/>
-                          <a:cs typeface="Times New Roman" pitchFamily="18" charset="0"/>
-                        </a:rPr>
-                        <a:t> </a:t>
-                      </a:r>
-                      <a:r>
-                        <a:rPr lang="en-US" sz="1200" i="0" err="1" smtClean="0">
-                          <a:latin typeface="Times New Roman" pitchFamily="18" charset="0"/>
-                          <a:cs typeface="Times New Roman" pitchFamily="18" charset="0"/>
-                        </a:rPr>
-                        <a:t>được</a:t>
-                      </a:r>
-                      <a:r>
-                        <a:rPr lang="en-US" sz="1200" i="0" smtClean="0">
-                          <a:latin typeface="Times New Roman" pitchFamily="18" charset="0"/>
-                          <a:cs typeface="Times New Roman" pitchFamily="18" charset="0"/>
-                        </a:rPr>
-                        <a:t> </a:t>
-                      </a:r>
-                      <a:r>
-                        <a:rPr lang="en-US" sz="1200" i="0" err="1" smtClean="0">
-                          <a:latin typeface="Times New Roman" pitchFamily="18" charset="0"/>
-                          <a:cs typeface="Times New Roman" pitchFamily="18" charset="0"/>
-                        </a:rPr>
-                        <a:t>mục</a:t>
-                      </a:r>
-                      <a:r>
-                        <a:rPr lang="en-US" sz="1200" i="0" smtClean="0">
-                          <a:latin typeface="Times New Roman" pitchFamily="18" charset="0"/>
-                          <a:cs typeface="Times New Roman" pitchFamily="18" charset="0"/>
-                        </a:rPr>
-                        <a:t> </a:t>
-                      </a:r>
-                      <a:r>
-                        <a:rPr lang="en-US" sz="1200" i="0" err="1" smtClean="0">
-                          <a:latin typeface="Times New Roman" pitchFamily="18" charset="0"/>
-                          <a:cs typeface="Times New Roman" pitchFamily="18" charset="0"/>
-                        </a:rPr>
-                        <a:t>đích</a:t>
+                        <a:t>đích </a:t>
                       </a:r>
                       <a:endParaRPr lang="en-US" sz="1200" i="0">
                         <a:latin typeface="Times New Roman" pitchFamily="18" charset="0"/>
@@ -20364,7 +22956,17 @@
                           <a:latin typeface="Times New Roman" pitchFamily="18" charset="0"/>
                           <a:cs typeface="Times New Roman" pitchFamily="18" charset="0"/>
                         </a:rPr>
-                        <a:t>xxxxxxxxxxxxxxxxxx</a:t>
+                        <a:t>KHÔNG</a:t>
+                      </a:r>
+                      <a:r>
+                        <a:rPr lang="en-US" sz="1200" i="0" baseline="0" smtClean="0">
+                          <a:solidFill>
+                            <a:srgbClr val="FF0000"/>
+                          </a:solidFill>
+                          <a:latin typeface="Times New Roman" pitchFamily="18" charset="0"/>
+                          <a:cs typeface="Times New Roman" pitchFamily="18" charset="0"/>
+                        </a:rPr>
+                        <a:t> có việc làm</a:t>
                       </a:r>
                       <a:endParaRPr lang="en-US" sz="1200" i="0">
                         <a:solidFill>
@@ -20403,35 +23005,35 @@
                           <a:latin typeface="Times New Roman" pitchFamily="18" charset="0"/>
                           <a:cs typeface="Times New Roman" pitchFamily="18" charset="0"/>
                         </a:rPr>
-                        <a:t>Có</a:t>
+                        <a:t>Tâm</a:t>
                       </a:r>
                       <a:r>
                         <a:rPr lang="en-US" sz="1200" i="0" baseline="0" smtClean="0">
                           <a:latin typeface="Times New Roman" pitchFamily="18" charset="0"/>
                           <a:cs typeface="Times New Roman" pitchFamily="18" charset="0"/>
                         </a:rPr>
-                        <a:t> </a:t>
+                        <a:t> lý bị tiêu </a:t>
                       </a:r>
                       <a:r>
                         <a:rPr lang="en-US" sz="1200" i="0" baseline="0" err="1" smtClean="0">
                           <a:latin typeface="Times New Roman" pitchFamily="18" charset="0"/>
                           <a:cs typeface="Times New Roman" pitchFamily="18" charset="0"/>
                         </a:rPr>
-                        <a:t>thê</a:t>
+                        <a:t>cực</a:t>
                       </a:r>
                       <a:r>
                         <a:rPr lang="en-US" sz="1200" i="0" baseline="0" smtClean="0">
                           <a:latin typeface="Times New Roman" pitchFamily="18" charset="0"/>
                           <a:cs typeface="Times New Roman" pitchFamily="18" charset="0"/>
                         </a:rPr>
-                        <a:t>̉ </a:t>
+                        <a:t>, </a:t>
                       </a:r>
                       <a:r>
                         <a:rPr lang="en-US" sz="1200" i="0" baseline="0" err="1" smtClean="0">
                           <a:latin typeface="Times New Roman" pitchFamily="18" charset="0"/>
                           <a:cs typeface="Times New Roman" pitchFamily="18" charset="0"/>
                         </a:rPr>
-                        <a:t>gây</a:t>
+                        <a:t>chán</a:t>
                       </a:r>
                       <a:r>
                         <a:rPr lang="en-US" sz="1200" i="0" baseline="0" smtClean="0">
@@ -20441,123 +23043,11 @@
                         <a:t> </a:t>
                       </a:r>
                       <a:r>
-                        <a:rPr lang="en-US" sz="1200" i="0" baseline="0" err="1" smtClean="0">
-                          <a:latin typeface="Times New Roman" pitchFamily="18" charset="0"/>
-                          <a:cs typeface="Times New Roman" pitchFamily="18" charset="0"/>
-                        </a:rPr>
-                        <a:t>ra</a:t>
-                      </a:r>
-                      <a:r>
                         <a:rPr lang="en-US" sz="1200" i="0" baseline="0" smtClean="0">
                           <a:latin typeface="Times New Roman" pitchFamily="18" charset="0"/>
                           <a:cs typeface="Times New Roman" pitchFamily="18" charset="0"/>
                         </a:rPr>
-                        <a:t> </a:t>
-                      </a:r>
-                      <a:r>
-                        <a:rPr lang="en-US" sz="1200" i="0" baseline="0" err="1" smtClean="0">
-                          <a:latin typeface="Times New Roman" pitchFamily="18" charset="0"/>
-                          <a:cs typeface="Times New Roman" pitchFamily="18" charset="0"/>
-                        </a:rPr>
-                        <a:t>tâm</a:t>
-                      </a:r>
-                      <a:r>
-                        <a:rPr lang="en-US" sz="1200" i="0" baseline="0" smtClean="0">
-                          <a:latin typeface="Times New Roman" pitchFamily="18" charset="0"/>
-                          <a:cs typeface="Times New Roman" pitchFamily="18" charset="0"/>
-                        </a:rPr>
-                        <a:t> </a:t>
-                      </a:r>
-                      <a:r>
-                        <a:rPr lang="en-US" sz="1200" i="0" baseline="0" err="1" smtClean="0">
-                          <a:latin typeface="Times New Roman" pitchFamily="18" charset="0"/>
-                          <a:cs typeface="Times New Roman" pitchFamily="18" charset="0"/>
-                        </a:rPr>
-                        <a:t>ly</a:t>
-                      </a:r>
-                      <a:r>
-                        <a:rPr lang="en-US" sz="1200" i="0" baseline="0" smtClean="0">
-                          <a:latin typeface="Times New Roman" pitchFamily="18" charset="0"/>
-                          <a:cs typeface="Times New Roman" pitchFamily="18" charset="0"/>
-                        </a:rPr>
-                        <a:t>́ </a:t>
-                      </a:r>
-                      <a:r>
-                        <a:rPr lang="en-US" sz="1200" i="0" baseline="0" err="1" smtClean="0">
-                          <a:latin typeface="Times New Roman" pitchFamily="18" charset="0"/>
-                          <a:cs typeface="Times New Roman" pitchFamily="18" charset="0"/>
-                        </a:rPr>
-                        <a:t>tiêu</a:t>
-                      </a:r>
-                      <a:r>
-                        <a:rPr lang="en-US" sz="1200" i="0" baseline="0" smtClean="0">
-                          <a:latin typeface="Times New Roman" pitchFamily="18" charset="0"/>
-                          <a:cs typeface="Times New Roman" pitchFamily="18" charset="0"/>
-                        </a:rPr>
-                        <a:t> </a:t>
-                      </a:r>
-                      <a:r>
-                        <a:rPr lang="en-US" sz="1200" i="0" baseline="0" err="1" smtClean="0">
-                          <a:latin typeface="Times New Roman" pitchFamily="18" charset="0"/>
-                          <a:cs typeface="Times New Roman" pitchFamily="18" charset="0"/>
-                        </a:rPr>
-                        <a:t>cực</a:t>
-                      </a:r>
-                      <a:r>
-                        <a:rPr lang="en-US" sz="1200" i="0" baseline="0" smtClean="0">
-                          <a:latin typeface="Times New Roman" pitchFamily="18" charset="0"/>
-                          <a:cs typeface="Times New Roman" pitchFamily="18" charset="0"/>
-                        </a:rPr>
-                        <a:t>, </a:t>
-                      </a:r>
-                      <a:r>
-                        <a:rPr lang="en-US" sz="1200" i="0" baseline="0" err="1" smtClean="0">
-                          <a:latin typeface="Times New Roman" pitchFamily="18" charset="0"/>
-                          <a:cs typeface="Times New Roman" pitchFamily="18" charset="0"/>
-                        </a:rPr>
-                        <a:t>chán</a:t>
-                      </a:r>
-                      <a:r>
-                        <a:rPr lang="en-US" sz="1200" i="0" baseline="0" smtClean="0">
-                          <a:latin typeface="Times New Roman" pitchFamily="18" charset="0"/>
-                          <a:cs typeface="Times New Roman" pitchFamily="18" charset="0"/>
-                        </a:rPr>
-                        <a:t> </a:t>
-                      </a:r>
-                      <a:r>
-                        <a:rPr lang="en-US" sz="1200" i="0" baseline="0" err="1" smtClean="0">
-                          <a:latin typeface="Times New Roman" pitchFamily="18" charset="0"/>
-                          <a:cs typeface="Times New Roman" pitchFamily="18" charset="0"/>
-                        </a:rPr>
                         <a:t>nản</a:t>
-                      </a:r>
-                      <a:r>
-                        <a:rPr lang="en-US" sz="1200" i="0" baseline="0" smtClean="0">
-                          <a:latin typeface="Times New Roman" pitchFamily="18" charset="0"/>
-                          <a:cs typeface="Times New Roman" pitchFamily="18" charset="0"/>
-                        </a:rPr>
-                        <a:t>,…</a:t>
-                      </a:r>
-                      <a:r>
-                        <a:rPr lang="en-US" sz="1200" i="0" baseline="0" err="1" smtClean="0">
-                          <a:latin typeface="Times New Roman" pitchFamily="18" charset="0"/>
-                          <a:cs typeface="Times New Roman" pitchFamily="18" charset="0"/>
-                        </a:rPr>
-                        <a:t>tức</a:t>
-                      </a:r>
-                      <a:r>
-                        <a:rPr lang="en-US" sz="1200" i="0" baseline="0" smtClean="0">
-                          <a:latin typeface="Times New Roman" pitchFamily="18" charset="0"/>
-                          <a:cs typeface="Times New Roman" pitchFamily="18" charset="0"/>
-                        </a:rPr>
-                        <a:t> </a:t>
-                      </a:r>
-                      <a:r>
-                        <a:rPr lang="en-US" sz="1200" i="0" baseline="0" err="1" smtClean="0">
-                          <a:latin typeface="Times New Roman" pitchFamily="18" charset="0"/>
-                          <a:cs typeface="Times New Roman" pitchFamily="18" charset="0"/>
-                        </a:rPr>
-                        <a:t>thời</a:t>
                       </a:r>
                       <a:endParaRPr lang="en-US" sz="1200" i="0">
                         <a:latin typeface="Times New Roman" pitchFamily="18" charset="0"/>
@@ -20580,7 +23070,17 @@
                           <a:latin typeface="Times New Roman" pitchFamily="18" charset="0"/>
                           <a:cs typeface="Times New Roman" pitchFamily="18" charset="0"/>
                         </a:rPr>
-                        <a:t>xxxxxxxxxxxxxxxxx</a:t>
+                        <a:t>Thu</a:t>
+                      </a:r>
+                      <a:r>
+                        <a:rPr lang="en-US" sz="1200" i="0" baseline="0" smtClean="0">
+                          <a:solidFill>
+                            <a:srgbClr val="FF0000"/>
+                          </a:solidFill>
+                          <a:latin typeface="Times New Roman" pitchFamily="18" charset="0"/>
+                          <a:cs typeface="Times New Roman" pitchFamily="18" charset="0"/>
+                        </a:rPr>
+                        <a:t> nhập bị tác động</a:t>
                       </a:r>
                       <a:endParaRPr lang="en-US" sz="1200" i="0">
                         <a:solidFill>
@@ -20615,69 +23115,43 @@
                     <a:lstStyle/>
                     <a:p>
                       <a:r>
-                        <a:rPr lang="en-US" sz="1200" i="0" err="1" smtClean="0">
+                        <a:rPr lang="en-US" sz="1200" i="0" smtClean="0">
                           <a:latin typeface="Times New Roman" pitchFamily="18" charset="0"/>
                           <a:cs typeface="Times New Roman" pitchFamily="18" charset="0"/>
                         </a:rPr>
-                        <a:t>Không</a:t>
+                        <a:t>KHÔNG</a:t>
                       </a:r>
                       <a:r>
                         <a:rPr lang="en-US" sz="1200" i="0" baseline="0" smtClean="0">
                           <a:latin typeface="Times New Roman" pitchFamily="18" charset="0"/>
                           <a:cs typeface="Times New Roman" pitchFamily="18" charset="0"/>
                         </a:rPr>
-                        <a:t> </a:t>
-                      </a:r>
-                      <a:r>
-                        <a:rPr lang="en-US" sz="1200" i="0" baseline="0" err="1" smtClean="0">
+                        <a:t> có bằng cấp và </a:t>
+                      </a:r>
+                      <a:r>
+                        <a:rPr lang="en-US" sz="1200" i="0" baseline="0" smtClean="0">
+                          <a:solidFill>
+                            <a:srgbClr val="FF0000"/>
+                          </a:solidFill>
                           <a:latin typeface="Times New Roman" pitchFamily="18" charset="0"/>
                           <a:cs typeface="Times New Roman" pitchFamily="18" charset="0"/>
                         </a:rPr>
-                        <a:t>học</a:t>
-                      </a:r>
-                      <a:r>
-                        <a:rPr lang="en-US" sz="1200" i="0" baseline="0" smtClean="0">
+                        <a:t>kỹ năng nghề </a:t>
+                      </a:r>
+                      <a:r>
+                        <a:rPr lang="en-US" sz="1200" i="0" baseline="0" err="1" smtClean="0">
+                          <a:solidFill>
+                            <a:srgbClr val="FF0000"/>
+                          </a:solidFill>
                           <a:latin typeface="Times New Roman" pitchFamily="18" charset="0"/>
                           <a:cs typeface="Times New Roman" pitchFamily="18" charset="0"/>
                         </a:rPr>
-                        <a:t> </a:t>
-                      </a:r>
-                      <a:r>
-                        <a:rPr lang="en-US" sz="1200" i="0" baseline="0" err="1" smtClean="0">
-                          <a:latin typeface="Times New Roman" pitchFamily="18" charset="0"/>
-                          <a:cs typeface="Times New Roman" pitchFamily="18" charset="0"/>
-                        </a:rPr>
-                        <a:t>được</a:t>
-                      </a:r>
-                      <a:r>
-                        <a:rPr lang="en-US" sz="1200" i="0" baseline="0" smtClean="0">
-                          <a:latin typeface="Times New Roman" pitchFamily="18" charset="0"/>
-                          <a:cs typeface="Times New Roman" pitchFamily="18" charset="0"/>
-                        </a:rPr>
-                        <a:t> </a:t>
-                      </a:r>
-                      <a:r>
-                        <a:rPr lang="en-US" sz="1200" i="0" baseline="0" err="1" smtClean="0">
-                          <a:latin typeface="Times New Roman" pitchFamily="18" charset="0"/>
-                          <a:cs typeface="Times New Roman" pitchFamily="18" charset="0"/>
-                        </a:rPr>
-                        <a:t>nghê</a:t>
-                      </a:r>
-                      <a:r>
-                        <a:rPr lang="en-US" sz="1200" i="0" baseline="0" smtClean="0">
-                          <a:latin typeface="Times New Roman" pitchFamily="18" charset="0"/>
-                          <a:cs typeface="Times New Roman" pitchFamily="18" charset="0"/>
-                        </a:rPr>
-                        <a:t>̀ </a:t>
-                      </a:r>
-                      <a:r>
-                        <a:rPr lang="en-US" sz="1200" i="0" baseline="0" err="1" smtClean="0">
-                          <a:latin typeface="Times New Roman" pitchFamily="18" charset="0"/>
-                          <a:cs typeface="Times New Roman" pitchFamily="18" charset="0"/>
-                        </a:rPr>
                         <a:t>nghiệp</a:t>
                       </a:r>
                       <a:endParaRPr lang="en-US" sz="1200" i="0">
+                        <a:solidFill>
+                          <a:srgbClr val="FF0000"/>
+                        </a:solidFill>
                         <a:latin typeface="Times New Roman" pitchFamily="18" charset="0"/>
                         <a:cs typeface="Times New Roman" pitchFamily="18" charset="0"/>
                       </a:endParaRPr>
@@ -20698,7 +23172,17 @@
                           <a:latin typeface="Times New Roman" pitchFamily="18" charset="0"/>
                           <a:cs typeface="Times New Roman" pitchFamily="18" charset="0"/>
                         </a:rPr>
-                        <a:t>xxxxxxxxxxxxxxxxxxxxx</a:t>
+                        <a:t>Khả</a:t>
+                      </a:r>
+                      <a:r>
+                        <a:rPr lang="en-US" sz="1200" i="0" baseline="0" smtClean="0">
+                          <a:solidFill>
+                            <a:srgbClr val="FF0000"/>
+                          </a:solidFill>
+                          <a:latin typeface="Times New Roman" pitchFamily="18" charset="0"/>
+                          <a:cs typeface="Times New Roman" pitchFamily="18" charset="0"/>
+                        </a:rPr>
+                        <a:t> năng phạm tội tăng</a:t>
                       </a:r>
                       <a:endParaRPr lang="en-US" sz="1200" i="0">
                         <a:solidFill>
@@ -20713,25 +23197,39 @@
                 </a:tc>
               </a:tr>
               <a:tr h="370840">
-                <a:tc>
+                <a:tc rowSpan="2">
                   <a:txBody>
                     <a:bodyPr/>
                     <a:lstStyle/>
                     <a:p>
                       <a:pPr algn="ctr"/>
-                      <a:r>
-                        <a:rPr lang="en-US" sz="1200" i="0" err="1" smtClean="0">
-                          <a:latin typeface="Times New Roman" pitchFamily="18" charset="0"/>
-                          <a:cs typeface="Times New Roman" pitchFamily="18" charset="0"/>
-                        </a:rPr>
-                        <a:t>Xa</a:t>
-                      </a:r>
+                      <a:endParaRPr lang="en-US" sz="1200" i="0" smtClean="0">
+                        <a:latin typeface="Times New Roman" pitchFamily="18" charset="0"/>
+                        <a:cs typeface="Times New Roman" pitchFamily="18" charset="0"/>
+                      </a:endParaRPr>
+                    </a:p>
+                    <a:p>
+                      <a:pPr algn="ctr"/>
+                      <a:endParaRPr lang="en-US" sz="1200" i="0" smtClean="0">
+                        <a:latin typeface="Times New Roman" pitchFamily="18" charset="0"/>
+                        <a:cs typeface="Times New Roman" pitchFamily="18" charset="0"/>
+                      </a:endParaRPr>
+                    </a:p>
+                    <a:p>
+                      <a:pPr algn="ctr"/>
+                      <a:endParaRPr lang="en-US" sz="1200" i="0" smtClean="0">
+                        <a:latin typeface="Times New Roman" pitchFamily="18" charset="0"/>
+                        <a:cs typeface="Times New Roman" pitchFamily="18" charset="0"/>
+                      </a:endParaRPr>
+                    </a:p>
+                    <a:p>
+                      <a:pPr algn="ctr"/>
                       <a:r>
                         <a:rPr lang="en-US" sz="1200" i="0" smtClean="0">
                           <a:latin typeface="Times New Roman" pitchFamily="18" charset="0"/>
                           <a:cs typeface="Times New Roman" pitchFamily="18" charset="0"/>
                         </a:rPr>
-                        <a:t>̃</a:t>
+                        <a:t>Xã</a:t>
                       </a:r>
                       <a:r>
                         <a:rPr lang="en-US" sz="1200" i="0" baseline="0" smtClean="0">
@@ -21248,7 +23746,21 @@
                           <a:latin typeface="Times New Roman" pitchFamily="18" charset="0"/>
                           <a:cs typeface="Times New Roman" pitchFamily="18" charset="0"/>
                         </a:rPr>
-                        <a:t> khoảng thời gian từ 25 đến 30 năm một học viên nghỉ học thiệt hại cho chi phí xã hội là $500,000 cho sự giúp đỡ công cộng, y tế công cộng, và chi phí tù tội.</a:t>
+                        <a:t> khoảng thời gian từ 25 đến 30 năm một học viên </a:t>
+                      </a:r>
+                      <a:r>
+                        <a:rPr lang="en-US" sz="1200" i="0" baseline="0" smtClean="0">
+                          <a:latin typeface="Times New Roman" pitchFamily="18" charset="0"/>
+                          <a:cs typeface="Times New Roman" pitchFamily="18" charset="0"/>
+                        </a:rPr>
+                        <a:t>NGHỈ </a:t>
+                      </a:r>
+                      <a:r>
+                        <a:rPr lang="en-US" sz="1200" i="0" baseline="0" smtClean="0">
+                          <a:latin typeface="Times New Roman" pitchFamily="18" charset="0"/>
+                          <a:cs typeface="Times New Roman" pitchFamily="18" charset="0"/>
+                        </a:rPr>
+                        <a:t>thiệt hại cho chi phí xã hội là $500,000 cho sự giúp đỡ công cộng, y tế công cộng, và chi phí tù tội.</a:t>
                       </a:r>
                       <a:endParaRPr lang="en-US" sz="1200" i="0" smtClean="0">
                         <a:latin typeface="Times New Roman" pitchFamily="18" charset="0"/>
@@ -21260,7 +23772,7 @@
                 </a:tc>
               </a:tr>
               <a:tr h="370840">
-                <a:tc>
+                <a:tc vMerge="1">
                   <a:txBody>
                     <a:bodyPr/>
                     <a:lstStyle/>
@@ -21279,6 +23791,20 @@
                     <a:bodyPr/>
                     <a:lstStyle/>
                     <a:p>
+                      <a:r>
+                        <a:rPr lang="en-US" sz="1200" i="0" smtClean="0">
+                          <a:latin typeface="Times New Roman" pitchFamily="18" charset="0"/>
+                          <a:cs typeface="Times New Roman" pitchFamily="18" charset="0"/>
+                        </a:rPr>
+                        <a:t>Chi phí</a:t>
+                      </a:r>
+                      <a:r>
+                        <a:rPr lang="en-US" sz="1200" i="0" baseline="0" smtClean="0">
+                          <a:latin typeface="Times New Roman" pitchFamily="18" charset="0"/>
+                          <a:cs typeface="Times New Roman" pitchFamily="18" charset="0"/>
+                        </a:rPr>
+                        <a:t> đầu tư giáo dục tăng</a:t>
+                      </a:r>
                       <a:endParaRPr lang="en-US" sz="1200" i="0">
                         <a:latin typeface="Times New Roman" pitchFamily="18" charset="0"/>
                         <a:cs typeface="Times New Roman" pitchFamily="18" charset="0"/>
@@ -21314,14 +23840,42 @@
                           <a:latin typeface="Times New Roman" pitchFamily="18" charset="0"/>
                           <a:cs typeface="Times New Roman" pitchFamily="18" charset="0"/>
                         </a:rPr>
-                        <a:t>Gần</a:t>
+                        <a:t>S</a:t>
                       </a:r>
                       <a:r>
                         <a:rPr lang="en-US" sz="1200" i="0" baseline="0" smtClean="0">
                           <a:latin typeface="Times New Roman" pitchFamily="18" charset="0"/>
                           <a:cs typeface="Times New Roman" pitchFamily="18" charset="0"/>
                         </a:rPr>
-                        <a:t> 50% số tù nhân trong tù là những người đã từng nghỉ học.</a:t>
+                        <a:t>ố </a:t>
+                      </a:r>
+                      <a:r>
+                        <a:rPr lang="en-US" sz="1200" i="0" baseline="0" smtClean="0">
+                          <a:latin typeface="Times New Roman" pitchFamily="18" charset="0"/>
+                          <a:cs typeface="Times New Roman" pitchFamily="18" charset="0"/>
+                        </a:rPr>
+                        <a:t>tù </a:t>
+                      </a:r>
+                      <a:r>
+                        <a:rPr lang="en-US" sz="1200" i="0" baseline="0" smtClean="0">
+                          <a:latin typeface="Times New Roman" pitchFamily="18" charset="0"/>
+                          <a:cs typeface="Times New Roman" pitchFamily="18" charset="0"/>
+                        </a:rPr>
+                        <a:t>nhân </a:t>
+                      </a:r>
+                      <a:r>
+                        <a:rPr lang="en-US" sz="1200" i="0" baseline="0" smtClean="0">
+                          <a:latin typeface="Times New Roman" pitchFamily="18" charset="0"/>
+                          <a:cs typeface="Times New Roman" pitchFamily="18" charset="0"/>
+                        </a:rPr>
+                        <a:t>là những người đã từng </a:t>
+                      </a:r>
+                      <a:r>
+                        <a:rPr lang="en-US" sz="1200" i="0" baseline="0" smtClean="0">
+                          <a:latin typeface="Times New Roman" pitchFamily="18" charset="0"/>
+                          <a:cs typeface="Times New Roman" pitchFamily="18" charset="0"/>
+                        </a:rPr>
+                        <a:t>NGHỈ HỌC gấp 3.5 lần số tù nhân đã tốt nghiệp.</a:t>
                       </a:r>
                       <a:endParaRPr lang="en-US" sz="1200" i="0" smtClean="0">
                         <a:latin typeface="Times New Roman" pitchFamily="18" charset="0"/>
@@ -21403,28 +23957,7 @@
                 <a:latin typeface="Times New Roman" pitchFamily="18" charset="0"/>
                 <a:cs typeface="Times New Roman" pitchFamily="18" charset="0"/>
               </a:rPr>
-              <a:t>Civil Rights Project. Harvard University.  Civil Rights in Brief   </a:t>
-            </a:r>
-            <a:r>
-              <a:rPr lang="en-US" i="1" smtClean="0">
-                <a:latin typeface="Times New Roman" pitchFamily="18" charset="0"/>
-                <a:cs typeface="Times New Roman" pitchFamily="18" charset="0"/>
-              </a:rPr>
-              <a:t>D	ROPOUT</a:t>
-            </a:r>
-            <a:r>
-              <a:rPr lang="en-US" i="1" smtClean="0">
-                <a:latin typeface="Times New Roman" pitchFamily="18" charset="0"/>
-                <a:cs typeface="Times New Roman" pitchFamily="18" charset="0"/>
-              </a:rPr>
-              <a:t>S </a:t>
-            </a:r>
-            <a:r>
-              <a:rPr lang="en-US" i="1" smtClean="0">
-                <a:latin typeface="Times New Roman" pitchFamily="18" charset="0"/>
-                <a:cs typeface="Times New Roman" pitchFamily="18" charset="0"/>
-              </a:rPr>
-              <a:t>p1</a:t>
+              <a:t>Civil Rights Project. Harvard University.  Civil Rights in Brief   D	ROPOUTS p1</a:t>
             </a:r>
           </a:p>
           <a:p>
@@ -21807,7 +24340,15 @@
                       </a:r>
                       <a:r>
                         <a:rPr lang="en-US" sz="1200" i="0" baseline="0" smtClean="0"/>
-                        <a:t> vấn chưa chuẩn (khác so với quá trình học)</a:t>
+                        <a:t> vấn chưa </a:t>
+                      </a:r>
+                      <a:r>
+                        <a:rPr lang="en-US" sz="1200" i="0" baseline="0" smtClean="0"/>
+                        <a:t>đúng (khác </a:t>
+                      </a:r>
+                      <a:r>
+                        <a:rPr lang="en-US" sz="1200" i="0" baseline="0" smtClean="0"/>
+                        <a:t>so với quá trình học)</a:t>
                       </a:r>
                       <a:endParaRPr lang="en-US" sz="1200" i="0" smtClean="0"/>
                     </a:p>
@@ -21830,18 +24371,34 @@
                         <a:defRPr/>
                       </a:pPr>
                       <a:r>
-                        <a:rPr lang="en-US" sz="800" b="1" i="0" smtClean="0"/>
+                        <a:rPr lang="en-US" sz="800" b="1" i="0" smtClean="0">
+                          <a:solidFill>
+                            <a:srgbClr val="810C15"/>
+                          </a:solidFill>
+                        </a:rPr>
                         <a:t>Vergidis &amp; </a:t>
                       </a:r>
                       <a:r>
-                        <a:rPr lang="en-US" sz="800" b="1" i="0" err="1" smtClean="0"/>
+                        <a:rPr lang="en-US" sz="800" b="1" i="0" err="1" smtClean="0">
+                          <a:solidFill>
+                            <a:srgbClr val="810C15"/>
+                          </a:solidFill>
+                        </a:rPr>
                         <a:t>Panagiotakopoulos</a:t>
                       </a:r>
                       <a:r>
-                        <a:rPr lang="en-US" sz="800" b="1" i="0" smtClean="0"/>
+                        <a:rPr lang="en-US" sz="800" b="1" i="0" smtClean="0">
+                          <a:solidFill>
+                            <a:srgbClr val="810C15"/>
+                          </a:solidFill>
+                        </a:rPr>
                         <a:t>, 2002</a:t>
                       </a:r>
-                      <a:endParaRPr lang="en-US" sz="1200" b="1" i="0" smtClean="0"/>
+                      <a:endParaRPr lang="en-US" sz="1200" b="1" i="0" smtClean="0">
+                        <a:solidFill>
+                          <a:srgbClr val="810C15"/>
+                        </a:solidFill>
+                      </a:endParaRPr>
                     </a:p>
                   </a:txBody>
                   <a:tcPr/>
@@ -21908,14 +24465,26 @@
                         <a:defRPr/>
                       </a:pPr>
                       <a:r>
-                        <a:rPr lang="en-US" sz="1200" i="0" smtClean="0"/>
+                        <a:rPr lang="en-US" sz="1200" i="0" smtClean="0">
+                          <a:solidFill>
+                            <a:srgbClr val="810C15"/>
+                          </a:solidFill>
+                        </a:rPr>
                         <a:t> </a:t>
                       </a:r>
                       <a:r>
-                        <a:rPr lang="en-US" sz="800" b="1" i="0" smtClean="0"/>
+                        <a:rPr lang="en-US" sz="800" b="1" i="0" smtClean="0">
+                          <a:solidFill>
+                            <a:srgbClr val="810C15"/>
+                          </a:solidFill>
+                        </a:rPr>
                         <a:t>Keller,1987</a:t>
                       </a:r>
-                      <a:endParaRPr lang="en-US" sz="1200" b="1" i="0" smtClean="0"/>
+                      <a:endParaRPr lang="en-US" sz="1200" b="1" i="0" smtClean="0">
+                        <a:solidFill>
+                          <a:srgbClr val="810C15"/>
+                        </a:solidFill>
+                      </a:endParaRPr>
                     </a:p>
                   </a:txBody>
                   <a:tcPr/>
@@ -22151,18 +24720,34 @@
                         <a:defRPr/>
                       </a:pPr>
                       <a:r>
-                        <a:rPr lang="en-US" sz="800" b="1" i="0" baseline="0" smtClean="0"/>
+                        <a:rPr lang="en-US" sz="800" b="1" i="0" baseline="0" smtClean="0">
+                          <a:solidFill>
+                            <a:srgbClr val="810C15"/>
+                          </a:solidFill>
+                        </a:rPr>
                         <a:t>Gortan &amp; </a:t>
                       </a:r>
                       <a:r>
-                        <a:rPr lang="en-US" sz="800" b="1" i="0" baseline="0" err="1" smtClean="0"/>
+                        <a:rPr lang="en-US" sz="800" b="1" i="0" baseline="0" err="1" smtClean="0">
+                          <a:solidFill>
+                            <a:srgbClr val="810C15"/>
+                          </a:solidFill>
+                        </a:rPr>
                         <a:t>ereb</a:t>
                       </a:r>
                       <a:r>
-                        <a:rPr lang="en-US" sz="800" b="1" i="0" baseline="0" smtClean="0"/>
+                        <a:rPr lang="en-US" sz="800" b="1" i="0" baseline="0" smtClean="0">
+                          <a:solidFill>
+                            <a:srgbClr val="810C15"/>
+                          </a:solidFill>
+                        </a:rPr>
                         <a:t>, 2007; Keller; Levy, 2007; Liaw</a:t>
                       </a:r>
-                      <a:endParaRPr lang="en-US" sz="800" b="1" i="0" smtClean="0"/>
+                      <a:endParaRPr lang="en-US" sz="800" b="1" i="0" smtClean="0">
+                        <a:solidFill>
+                          <a:srgbClr val="810C15"/>
+                        </a:solidFill>
+                      </a:endParaRPr>
                     </a:p>
                   </a:txBody>
                   <a:tcPr/>
@@ -22649,18 +25234,33 @@
                         <a:t> </a:t>
                       </a:r>
                       <a:r>
-                        <a:rPr lang="en-US" sz="800" b="1" i="0" baseline="0" smtClean="0"/>
+                        <a:rPr lang="en-US" sz="800" b="1" i="0" baseline="0" smtClean="0">
+                          <a:solidFill>
+                            <a:srgbClr val="810C15"/>
+                          </a:solidFill>
+                        </a:rPr>
                         <a:t>Chacon-Duque, 1987; </a:t>
                       </a:r>
                       <a:r>
-                        <a:rPr lang="en-US" sz="800" b="1" i="0" baseline="0" err="1" smtClean="0"/>
+                        <a:rPr lang="en-US" sz="800" b="1" i="0" baseline="0" err="1" smtClean="0">
+                          <a:solidFill>
+                            <a:srgbClr val="810C15"/>
+                          </a:solidFill>
+                        </a:rPr>
                         <a:t>Liaw</a:t>
                       </a:r>
                       <a:r>
-                        <a:rPr lang="en-US" sz="800" b="1" i="0" baseline="0" smtClean="0"/>
+                        <a:rPr lang="en-US" sz="800" b="1" i="0" baseline="0" smtClean="0">
+                          <a:solidFill>
+                            <a:srgbClr val="810C15"/>
+                          </a:solidFill>
+                        </a:rPr>
                         <a:t>, 2008</a:t>
                       </a:r>
                       <a:endParaRPr lang="en-US" sz="1200" b="1" i="0">
+                        <a:solidFill>
+                          <a:srgbClr val="810C15"/>
+                        </a:solidFill>
                         <a:latin typeface="Times New Roman" pitchFamily="18" charset="0"/>
                         <a:cs typeface="Times New Roman" pitchFamily="18" charset="0"/>
                       </a:endParaRPr>
@@ -22812,12 +25412,18 @@
                     <a:p>
                       <a:r>
                         <a:rPr lang="en-US" sz="800" b="1" i="0" baseline="0" smtClean="0">
+                          <a:solidFill>
+                            <a:srgbClr val="810C15"/>
+                          </a:solidFill>
                           <a:latin typeface="Times New Roman" pitchFamily="18" charset="0"/>
                           <a:cs typeface="Times New Roman" pitchFamily="18" charset="0"/>
                         </a:rPr>
                         <a:t>Parker; Boyd, 2004</a:t>
                       </a:r>
                       <a:endParaRPr lang="en-US" sz="1200" b="1" i="0">
+                        <a:solidFill>
+                          <a:srgbClr val="810C15"/>
+                        </a:solidFill>
                         <a:latin typeface="Times New Roman" pitchFamily="18" charset="0"/>
                         <a:cs typeface="Times New Roman" pitchFamily="18" charset="0"/>
                       </a:endParaRPr>
@@ -22942,12 +25548,18 @@
                     <a:p>
                       <a:r>
                         <a:rPr lang="en-US" sz="800" b="1" i="0" baseline="0" smtClean="0">
+                          <a:solidFill>
+                            <a:srgbClr val="810C15"/>
+                          </a:solidFill>
                           <a:latin typeface="Times New Roman" pitchFamily="18" charset="0"/>
                           <a:cs typeface="Times New Roman" pitchFamily="18" charset="0"/>
                         </a:rPr>
                         <a:t>Parker, 1995</a:t>
                       </a:r>
                       <a:endParaRPr lang="en-US" sz="1200" b="1" i="0">
+                        <a:solidFill>
+                          <a:srgbClr val="810C15"/>
+                        </a:solidFill>
                         <a:latin typeface="Times New Roman" pitchFamily="18" charset="0"/>
                         <a:cs typeface="Times New Roman" pitchFamily="18" charset="0"/>
                       </a:endParaRPr>
@@ -23076,6 +25688,9 @@
                     <a:p>
                       <a:r>
                         <a:rPr lang="en-US" sz="800" b="1" i="0" baseline="0" smtClean="0">
+                          <a:solidFill>
+                            <a:srgbClr val="810C15"/>
+                          </a:solidFill>
                           <a:latin typeface="Times New Roman" pitchFamily="18" charset="0"/>
                           <a:cs typeface="Times New Roman" pitchFamily="18" charset="0"/>
                         </a:rPr>
@@ -23083,6 +25698,9 @@
                       </a:r>
                       <a:r>
                         <a:rPr lang="en-US" sz="800" b="1" i="0" baseline="0" err="1" smtClean="0">
+                          <a:solidFill>
+                            <a:srgbClr val="810C15"/>
+                          </a:solidFill>
                           <a:latin typeface="Times New Roman" pitchFamily="18" charset="0"/>
                           <a:cs typeface="Times New Roman" pitchFamily="18" charset="0"/>
                         </a:rPr>
@@ -23090,12 +25708,18 @@
                       </a:r>
                       <a:r>
                         <a:rPr lang="en-US" sz="800" b="1" i="0" baseline="0" smtClean="0">
+                          <a:solidFill>
+                            <a:srgbClr val="810C15"/>
+                          </a:solidFill>
                           <a:latin typeface="Times New Roman" pitchFamily="18" charset="0"/>
                           <a:cs typeface="Times New Roman" pitchFamily="18" charset="0"/>
                         </a:rPr>
                         <a:t>, 2008</a:t>
                       </a:r>
                       <a:endParaRPr lang="en-US" sz="1200" b="1" i="0">
+                        <a:solidFill>
+                          <a:srgbClr val="810C15"/>
+                        </a:solidFill>
                         <a:latin typeface="Times New Roman" pitchFamily="18" charset="0"/>
                         <a:cs typeface="Times New Roman" pitchFamily="18" charset="0"/>
                       </a:endParaRPr>
@@ -23238,6 +25862,9 @@
                     <a:p>
                       <a:r>
                         <a:rPr lang="en-US" sz="800" b="1" i="0" baseline="0" smtClean="0">
+                          <a:solidFill>
+                            <a:srgbClr val="810C15"/>
+                          </a:solidFill>
                           <a:latin typeface="Times New Roman" pitchFamily="18" charset="0"/>
                           <a:cs typeface="Times New Roman" pitchFamily="18" charset="0"/>
                         </a:rPr>
@@ -23245,6 +25872,9 @@
                       </a:r>
                       <a:r>
                         <a:rPr lang="vi-VN" sz="800" b="1" i="0" baseline="0" smtClean="0">
+                          <a:solidFill>
+                            <a:srgbClr val="810C15"/>
+                          </a:solidFill>
                           <a:latin typeface="Times New Roman" pitchFamily="18" charset="0"/>
                           <a:cs typeface="Times New Roman" pitchFamily="18" charset="0"/>
                         </a:rPr>
@@ -23252,12 +25882,18 @@
                       </a:r>
                       <a:r>
                         <a:rPr lang="en-US" sz="800" b="1" i="0" baseline="0" smtClean="0">
+                          <a:solidFill>
+                            <a:srgbClr val="810C15"/>
+                          </a:solidFill>
                           <a:latin typeface="Times New Roman" pitchFamily="18" charset="0"/>
                           <a:cs typeface="Times New Roman" pitchFamily="18" charset="0"/>
                         </a:rPr>
                         <a:t>S IN E-LEARNING COURSES </a:t>
                       </a:r>
                       <a:endParaRPr lang="en-US" sz="1200" b="1" i="0">
+                        <a:solidFill>
+                          <a:srgbClr val="810C15"/>
+                        </a:solidFill>
                         <a:latin typeface="Times New Roman" pitchFamily="18" charset="0"/>
                         <a:cs typeface="Times New Roman" pitchFamily="18" charset="0"/>
                       </a:endParaRPr>
@@ -23499,6 +26135,9 @@
                     <a:p>
                       <a:r>
                         <a:rPr lang="en-US" sz="1200" i="0" baseline="0" smtClean="0">
+                          <a:solidFill>
+                            <a:srgbClr val="810C15"/>
+                          </a:solidFill>
                           <a:latin typeface="Times New Roman" pitchFamily="18" charset="0"/>
                           <a:cs typeface="Times New Roman" pitchFamily="18" charset="0"/>
                         </a:rPr>
@@ -23506,6 +26145,9 @@
                       </a:r>
                       <a:r>
                         <a:rPr lang="en-US" sz="800" b="1" i="0" baseline="0" smtClean="0">
+                          <a:solidFill>
+                            <a:srgbClr val="810C15"/>
+                          </a:solidFill>
                           <a:latin typeface="Times New Roman" pitchFamily="18" charset="0"/>
                           <a:cs typeface="Times New Roman" pitchFamily="18" charset="0"/>
                         </a:rPr>
@@ -23513,6 +26155,9 @@
                       </a:r>
                       <a:r>
                         <a:rPr lang="en-US" sz="800" b="1" i="0" baseline="0" err="1" smtClean="0">
+                          <a:solidFill>
+                            <a:srgbClr val="810C15"/>
+                          </a:solidFill>
                           <a:latin typeface="Times New Roman" pitchFamily="18" charset="0"/>
                           <a:cs typeface="Times New Roman" pitchFamily="18" charset="0"/>
                         </a:rPr>
@@ -23520,12 +26165,18 @@
                       </a:r>
                       <a:r>
                         <a:rPr lang="en-US" sz="800" b="1" i="0" baseline="0" smtClean="0">
+                          <a:solidFill>
+                            <a:srgbClr val="810C15"/>
+                          </a:solidFill>
                           <a:latin typeface="Times New Roman" pitchFamily="18" charset="0"/>
                           <a:cs typeface="Times New Roman" pitchFamily="18" charset="0"/>
                         </a:rPr>
                         <a:t> &amp; Panagiotakopoulos</a:t>
                       </a:r>
                       <a:endParaRPr lang="en-US" sz="1200" b="1" i="0">
+                        <a:solidFill>
+                          <a:srgbClr val="810C15"/>
+                        </a:solidFill>
                         <a:latin typeface="Times New Roman" pitchFamily="18" charset="0"/>
                         <a:cs typeface="Times New Roman" pitchFamily="18" charset="0"/>
                       </a:endParaRPr>
@@ -23963,7 +26614,7 @@
         </p:nvGraphicFramePr>
         <p:xfrm>
           <a:off x="762000" y="1828800"/>
-          <a:ext cx="8077200" cy="3886200"/>
+          <a:ext cx="8077200" cy="4069080"/>
         </p:xfrm>
         <a:graphic>
           <a:graphicData uri="http://schemas.openxmlformats.org/drawingml/2006/table">
@@ -23982,6 +26633,7 @@
                     <a:bodyPr/>
                     <a:lstStyle/>
                     <a:p>
+                      <a:pPr algn="ctr"/>
                       <a:r>
                         <a:rPr lang="en-US" smtClean="0"/>
                         <a:t>Định</a:t>
@@ -24000,6 +26652,7 @@
                     <a:bodyPr/>
                     <a:lstStyle/>
                     <a:p>
+                      <a:pPr algn="ctr"/>
                       <a:r>
                         <a:rPr lang="en-US" smtClean="0"/>
                         <a:t>Trước</a:t>
@@ -24014,6 +26667,7 @@
                     <a:bodyPr/>
                     <a:lstStyle/>
                     <a:p>
+                      <a:pPr algn="ctr"/>
                       <a:r>
                         <a:rPr lang="en-US" smtClean="0"/>
                         <a:t>Trong</a:t>
@@ -24030,15 +26684,24 @@
                     <a:bodyPr/>
                     <a:lstStyle/>
                     <a:p>
-                      <a:r>
-                        <a:rPr lang="en-US" sz="1600" smtClean="0"/>
+                      <a:pPr algn="ctr"/>
+                      <a:endParaRPr lang="en-US" sz="2400" smtClean="0"/>
+                    </a:p>
+                    <a:p>
+                      <a:pPr algn="ctr"/>
+                      <a:r>
+                        <a:rPr lang="en-US" sz="2400" smtClean="0"/>
                         <a:t>Ngăn</a:t>
                       </a:r>
                       <a:r>
-                        <a:rPr lang="en-US" sz="1600" baseline="0" smtClean="0"/>
-                        <a:t> ngừa</a:t>
-                      </a:r>
-                      <a:endParaRPr lang="en-US" sz="1600"/>
+                        <a:rPr lang="en-US" sz="2400" baseline="0" smtClean="0"/>
+                        <a:t> </a:t>
+                      </a:r>
+                      <a:r>
+                        <a:rPr lang="en-US" sz="2400" baseline="0" smtClean="0"/>
+                        <a:t>ngừa</a:t>
+                      </a:r>
+                      <a:endParaRPr lang="en-US" sz="2400"/>
                     </a:p>
                   </a:txBody>
                   <a:tcPr/>
@@ -24072,8 +26735,23 @@
                       </a:r>
                       <a:r>
                         <a:rPr lang="en-US" sz="1600" baseline="0" smtClean="0"/>
-                        <a:t> lọc đúng đối tượng</a:t>
-                      </a:r>
+                        <a:t> lọc đúng đối </a:t>
+                      </a:r>
+                      <a:r>
+                        <a:rPr lang="en-US" sz="1600" baseline="0" smtClean="0"/>
+                        <a:t>tượng</a:t>
+                      </a:r>
+                    </a:p>
+                    <a:p>
+                      <a:pPr>
+                        <a:buFont typeface="Wingdings" pitchFamily="2" charset="2"/>
+                        <a:buChar char="ü"/>
+                      </a:pPr>
+                      <a:r>
+                        <a:rPr lang="en-US" sz="1600" baseline="0" smtClean="0"/>
+                        <a:t>Kiểm tra tư vấn chéo</a:t>
+                      </a:r>
+                      <a:endParaRPr lang="en-US" sz="1600" baseline="0" smtClean="0"/>
                     </a:p>
                     <a:p>
                       <a:pPr>
@@ -24150,15 +26828,27 @@
                     <a:bodyPr/>
                     <a:lstStyle/>
                     <a:p>
-                      <a:r>
-                        <a:rPr lang="en-US" sz="1600" smtClean="0"/>
+                      <a:pPr algn="ctr"/>
+                      <a:endParaRPr lang="en-US" sz="2400" smtClean="0"/>
+                    </a:p>
+                    <a:p>
+                      <a:pPr algn="ctr"/>
+                      <a:r>
+                        <a:rPr lang="en-US" sz="2400" smtClean="0"/>
                         <a:t>Khắc</a:t>
                       </a:r>
                       <a:r>
-                        <a:rPr lang="en-US" sz="1600" baseline="0" smtClean="0"/>
-                        <a:t> phục</a:t>
-                      </a:r>
-                      <a:endParaRPr lang="en-US" sz="1600"/>
+                        <a:rPr lang="en-US" sz="2400" baseline="0" smtClean="0"/>
+                        <a:t> </a:t>
+                      </a:r>
+                    </a:p>
+                    <a:p>
+                      <a:pPr algn="ctr"/>
+                      <a:r>
+                        <a:rPr lang="en-US" sz="2400" baseline="0" smtClean="0"/>
+                        <a:t>phục</a:t>
+                      </a:r>
+                      <a:endParaRPr lang="en-US" sz="2400"/>
                     </a:p>
                   </a:txBody>
                   <a:tcPr/>
@@ -24171,7 +26861,11 @@
                       <a:endParaRPr lang="en-US" sz="1600"/>
                     </a:p>
                   </a:txBody>
-                  <a:tcPr/>
+                  <a:tcPr>
+                    <a:solidFill>
+                      <a:schemeClr val="tx1"/>
+                    </a:solidFill>
+                  </a:tcPr>
                 </a:tc>
                 <a:tc>
                   <a:txBody>
@@ -24322,7 +27016,23 @@
                   <a:schemeClr val="bg1"/>
                 </a:solidFill>
               </a:rPr>
-              <a:t>2.  Cơ sở lý </a:t>
+              <a:t>II</a:t>
+            </a:r>
+            <a:r>
+              <a:rPr lang="en-US" smtClean="0">
+                <a:solidFill>
+                  <a:schemeClr val="bg1"/>
+                </a:solidFill>
+              </a:rPr>
+              <a:t>.  </a:t>
+            </a:r>
+            <a:r>
+              <a:rPr lang="en-US" smtClean="0">
+                <a:solidFill>
+                  <a:schemeClr val="bg1"/>
+                </a:solidFill>
+              </a:rPr>
+              <a:t>Cơ sở lý </a:t>
             </a:r>
             <a:r>
               <a:rPr lang="en-US" err="1" smtClean="0">
@@ -24726,92 +27436,12 @@
               <a:t> </a:t>
             </a:r>
             <a:r>
-              <a:rPr lang="en-US" err="1" smtClean="0">
+              <a:rPr lang="en-US" smtClean="0">
                 <a:solidFill>
                   <a:schemeClr val="bg1"/>
                 </a:solidFill>
               </a:rPr>
-              <a:t>tư</a:t>
-            </a:r>
-            <a:r>
-              <a:rPr lang="en-US" smtClean="0">
-                <a:solidFill>
-                  <a:schemeClr val="bg1"/>
-                </a:solidFill>
-              </a:rPr>
-              <a:t>̀ </a:t>
-            </a:r>
-            <a:r>
-              <a:rPr lang="en-US" err="1" smtClean="0">
-                <a:solidFill>
-                  <a:schemeClr val="bg1"/>
-                </a:solidFill>
-              </a:rPr>
-              <a:t>những</a:t>
-            </a:r>
-            <a:r>
-              <a:rPr lang="en-US" smtClean="0">
-                <a:solidFill>
-                  <a:schemeClr val="bg1"/>
-                </a:solidFill>
-              </a:rPr>
-              <a:t> </a:t>
-            </a:r>
-            <a:r>
-              <a:rPr lang="en-US" err="1" smtClean="0">
-                <a:solidFill>
-                  <a:schemeClr val="bg1"/>
-                </a:solidFill>
-              </a:rPr>
-              <a:t>trường</a:t>
-            </a:r>
-            <a:r>
-              <a:rPr lang="en-US" smtClean="0">
-                <a:solidFill>
-                  <a:schemeClr val="bg1"/>
-                </a:solidFill>
-              </a:rPr>
-              <a:t> </a:t>
-            </a:r>
-            <a:r>
-              <a:rPr lang="en-US" err="1" smtClean="0">
-                <a:solidFill>
-                  <a:schemeClr val="bg1"/>
-                </a:solidFill>
-              </a:rPr>
-              <a:t>đại</a:t>
-            </a:r>
-            <a:r>
-              <a:rPr lang="en-US" smtClean="0">
-                <a:solidFill>
-                  <a:schemeClr val="bg1"/>
-                </a:solidFill>
-              </a:rPr>
-              <a:t> </a:t>
-            </a:r>
-            <a:r>
-              <a:rPr lang="en-US" err="1" smtClean="0">
-                <a:solidFill>
-                  <a:schemeClr val="bg1"/>
-                </a:solidFill>
-              </a:rPr>
-              <a:t>học</a:t>
-            </a:r>
-            <a:r>
-              <a:rPr lang="en-US" smtClean="0">
-                <a:solidFill>
-                  <a:schemeClr val="bg1"/>
-                </a:solidFill>
-              </a:rPr>
-              <a:t> </a:t>
-            </a:r>
-            <a:r>
-              <a:rPr lang="en-US" err="1" smtClean="0">
-                <a:solidFill>
-                  <a:schemeClr val="bg1"/>
-                </a:solidFill>
-              </a:rPr>
-              <a:t>khác</a:t>
+              <a:t>đã có từ các trường đại học khác</a:t>
             </a:r>
             <a:r>
               <a:rPr lang="en-US" smtClean="0">

--- a/01. Document/DropOut_Project_Report v_3.12.2011.pptx
+++ b/01. Document/DropOut_Project_Report v_3.12.2011.pptx
@@ -159,9 +159,6 @@
               </c:strCache>
             </c:strRef>
           </c:tx>
-          <c:dLbls>
-            <c:showVal val="1"/>
-          </c:dLbls>
           <c:cat>
             <c:strRef>
               <c:f>DropOut_Ky_Nghanh!$B$11:$F$11</c:f>
@@ -215,9 +212,6 @@
               </c:strCache>
             </c:strRef>
           </c:tx>
-          <c:dLbls>
-            <c:showVal val="1"/>
-          </c:dLbls>
           <c:cat>
             <c:strRef>
               <c:f>DropOut_Ky_Nghanh!$B$11:$F$11</c:f>
@@ -257,7 +251,7 @@
                   <c:v>0.23832034024881138</c:v>
                 </c:pt>
                 <c:pt idx="3">
-                  <c:v>0.39262967375366659</c:v>
+                  <c:v>0.39262967375366703</c:v>
                 </c:pt>
               </c:numCache>
             </c:numRef>
@@ -277,9 +271,6 @@
               </c:strCache>
             </c:strRef>
           </c:tx>
-          <c:dLbls>
-            <c:showVal val="1"/>
-          </c:dLbls>
           <c:cat>
             <c:strRef>
               <c:f>DropOut_Ky_Nghanh!$B$11:$F$11</c:f>
@@ -316,13 +307,13 @@
                   <c:v>0.20414887194318332</c:v>
                 </c:pt>
                 <c:pt idx="2">
-                  <c:v>0.36933638443935968</c:v>
+                  <c:v>0.3693363844393599</c:v>
                 </c:pt>
                 <c:pt idx="3">
-                  <c:v>0.31250000000000039</c:v>
+                  <c:v>0.31250000000000056</c:v>
                 </c:pt>
                 <c:pt idx="4">
-                  <c:v>0.31250000000000039</c:v>
+                  <c:v>0.31250000000000056</c:v>
                 </c:pt>
               </c:numCache>
             </c:numRef>
@@ -342,9 +333,6 @@
               </c:strCache>
             </c:strRef>
           </c:tx>
-          <c:dLbls>
-            <c:showVal val="1"/>
-          </c:dLbls>
           <c:cat>
             <c:strRef>
               <c:f>DropOut_Ky_Nghanh!$B$11:$F$11</c:f>
@@ -378,7 +366,7 @@
                   <c:v>0</c:v>
                 </c:pt>
                 <c:pt idx="1">
-                  <c:v>0.13237374467863672</c:v>
+                  <c:v>0.13237374467863663</c:v>
                 </c:pt>
                 <c:pt idx="2">
                   <c:v>0.42974122300911977</c:v>
@@ -397,25 +385,25 @@
           <c:showVal val="1"/>
         </c:dLbls>
         <c:shape val="box"/>
-        <c:axId val="36428032"/>
-        <c:axId val="36917248"/>
+        <c:axId val="74812032"/>
+        <c:axId val="74826112"/>
         <c:axId val="0"/>
       </c:bar3DChart>
       <c:catAx>
-        <c:axId val="36428032"/>
+        <c:axId val="74812032"/>
         <c:scaling>
           <c:orientation val="minMax"/>
         </c:scaling>
         <c:axPos val="b"/>
         <c:tickLblPos val="nextTo"/>
-        <c:crossAx val="36917248"/>
+        <c:crossAx val="74826112"/>
         <c:crosses val="autoZero"/>
         <c:auto val="1"/>
         <c:lblAlgn val="ctr"/>
         <c:lblOffset val="100"/>
       </c:catAx>
       <c:valAx>
-        <c:axId val="36917248"/>
+        <c:axId val="74826112"/>
         <c:scaling>
           <c:orientation val="minMax"/>
         </c:scaling>
@@ -450,7 +438,7 @@
         </c:title>
         <c:numFmt formatCode="0%" sourceLinked="1"/>
         <c:tickLblPos val="nextTo"/>
-        <c:crossAx val="36428032"/>
+        <c:crossAx val="74812032"/>
         <c:crosses val="autoZero"/>
         <c:crossBetween val="between"/>
       </c:valAx>
@@ -3539,6 +3527,11 @@
   </dgm:cxnLst>
   <dgm:bg/>
   <dgm:whole/>
+  <dgm:extLst>
+    <a:ext uri="http://schemas.microsoft.com/office/drawing/2008/diagram">
+      <dsp:dataModelExt xmlns:dsp="http://schemas.microsoft.com/office/drawing/2008/diagram" xmlns="" relId="rId7" minVer="http://schemas.openxmlformats.org/drawingml/2006/diagram"/>
+    </a:ext>
+  </dgm:extLst>
 </dgm:dataModel>
 </file>
 
@@ -3565,11 +3558,7 @@
         <a:p>
           <a:r>
             <a:rPr lang="en-US" smtClean="0"/>
-            <a:t>[2.1</a:t>
-          </a:r>
-          <a:r>
-            <a:rPr lang="en-US" smtClean="0"/>
-            <a:t>]</a:t>
+            <a:t>[2.1]</a:t>
           </a:r>
           <a:endParaRPr lang="en-US"/>
         </a:p>
@@ -3676,11 +3665,7 @@
         <a:p>
           <a:r>
             <a:rPr lang="en-US" smtClean="0"/>
-            <a:t>[</a:t>
-          </a:r>
-          <a:r>
-            <a:rPr lang="en-US" smtClean="0"/>
-            <a:t>2.2]</a:t>
+            <a:t>[2.2]</a:t>
           </a:r>
           <a:endParaRPr lang="en-US"/>
         </a:p>
@@ -3787,11 +3772,7 @@
         <a:p>
           <a:r>
             <a:rPr lang="en-US" smtClean="0"/>
-            <a:t>[2.3</a:t>
-          </a:r>
-          <a:r>
-            <a:rPr lang="en-US" smtClean="0"/>
-            <a:t>]</a:t>
+            <a:t>[2.3]</a:t>
           </a:r>
           <a:endParaRPr lang="en-US"/>
         </a:p>
@@ -4054,6 +4035,11 @@
   </dgm:cxnLst>
   <dgm:bg/>
   <dgm:whole/>
+  <dgm:extLst>
+    <a:ext uri="http://schemas.microsoft.com/office/drawing/2008/diagram">
+      <dsp:dataModelExt xmlns:dsp="http://schemas.microsoft.com/office/drawing/2008/diagram" xmlns="" relId="rId7" minVer="http://schemas.openxmlformats.org/drawingml/2006/diagram"/>
+    </a:ext>
+  </dgm:extLst>
 </dgm:dataModel>
 </file>
 
@@ -4474,6 +4460,13 @@
         </dgm:presLayoutVars>
       </dgm:prSet>
       <dgm:spPr/>
+      <dgm:t>
+        <a:bodyPr/>
+        <a:lstStyle/>
+        <a:p>
+          <a:endParaRPr lang="en-US"/>
+        </a:p>
+      </dgm:t>
     </dgm:pt>
     <dgm:pt modelId="{EB890891-5ABB-4E30-85D1-3FEA259DFCDC}" type="pres">
       <dgm:prSet presAssocID="{79B61F82-159A-4FC4-9AE2-C715E889BFB8}" presName="composite" presStyleCnt="0"/>
@@ -4668,31 +4661,31 @@
     </dgm:pt>
   </dgm:ptLst>
   <dgm:cxnLst>
+    <dgm:cxn modelId="{EC03DE8D-157C-4BA3-AA13-85E19193768B}" type="presOf" srcId="{8C9A3110-DA2F-4506-80E2-DE0EA9EF5EA4}" destId="{6D469A61-4A3A-4456-A0A5-DFD072E239BF}" srcOrd="0" destOrd="0" presId="urn:microsoft.com/office/officeart/2005/8/layout/chevron2"/>
+    <dgm:cxn modelId="{7C18A78A-A05E-44B0-842D-43E1D51230A9}" srcId="{4305F1B6-688D-41AD-8714-B3A62AA21005}" destId="{53021615-B86B-44E7-9CDC-D806FD76340A}" srcOrd="0" destOrd="0" parTransId="{008013C5-E61E-4B70-8BCD-590F53144B3C}" sibTransId="{298C9170-B9A8-465F-B856-A3827B697F23}"/>
+    <dgm:cxn modelId="{986093C3-E830-42F6-9719-2CB5B2EBD8B3}" type="presOf" srcId="{C2815A56-8E0B-4AFB-9329-BF3035541C52}" destId="{58F8F9FE-D520-4C01-8D50-9BB29ABA6CB9}" srcOrd="0" destOrd="1" presId="urn:microsoft.com/office/officeart/2005/8/layout/chevron2"/>
+    <dgm:cxn modelId="{C289F447-D7A2-49A4-82CB-8B4F1AB8724A}" srcId="{2C7E5260-D620-47ED-A378-B54ACAE30941}" destId="{8C9A3110-DA2F-4506-80E2-DE0EA9EF5EA4}" srcOrd="1" destOrd="0" parTransId="{FCACAC71-2BB7-43BB-87B7-A2B17EC53CE2}" sibTransId="{2C70EC04-2878-4AD2-9533-7AB64D8D4D1C}"/>
+    <dgm:cxn modelId="{B1ABAE3F-84DE-4CD8-858A-FDD312590D19}" srcId="{2C7E5260-D620-47ED-A378-B54ACAE30941}" destId="{FDB4FAE1-5E38-4F71-A4BE-CE45EDE8B66C}" srcOrd="2" destOrd="0" parTransId="{D9E86F14-5365-4A08-A4FF-AB4F4F6CC227}" sibTransId="{6585C0A8-8966-4BB1-8A4D-EE022BC67C85}"/>
+    <dgm:cxn modelId="{6E71B329-1484-4974-B551-6A4C45BB3764}" srcId="{2C7E5260-D620-47ED-A378-B54ACAE30941}" destId="{EE178108-4ABC-422A-8D55-9A5D5E172A42}" srcOrd="4" destOrd="0" parTransId="{DB6B5C42-3EAF-454B-B830-5D75DE04F15E}" sibTransId="{0EB4153A-E9D4-485D-8680-D6FF8D84377C}"/>
     <dgm:cxn modelId="{C6715DE7-249C-4366-A667-BA61628288E5}" srcId="{8C9A3110-DA2F-4506-80E2-DE0EA9EF5EA4}" destId="{3D4FFA78-0FDF-4DE7-A129-ACA6F76AC28A}" srcOrd="0" destOrd="0" parTransId="{FAC3278A-7C30-41C2-ADE2-C743C0770D2C}" sibTransId="{45A2D8AE-B293-4594-8BF4-B2AAA912920B}"/>
-    <dgm:cxn modelId="{8A6E559A-6E5C-4FBD-9B51-7E4C244F673F}" type="presOf" srcId="{4305F1B6-688D-41AD-8714-B3A62AA21005}" destId="{1B145C10-D85C-4E32-ADAA-29C5A029D326}" srcOrd="0" destOrd="0" presId="urn:microsoft.com/office/officeart/2005/8/layout/chevron2"/>
-    <dgm:cxn modelId="{20DD4042-2D3F-4759-8579-5EAA1B98066A}" type="presOf" srcId="{39F222F8-89C6-4316-9A16-AEAAAD217DEE}" destId="{D041B52B-AD45-45A2-B92C-74D2862A1F75}" srcOrd="0" destOrd="1" presId="urn:microsoft.com/office/officeart/2005/8/layout/chevron2"/>
+    <dgm:cxn modelId="{EF00DC5E-C6C3-43C8-81B9-846DFBDA0569}" type="presOf" srcId="{3D4FFA78-0FDF-4DE7-A129-ACA6F76AC28A}" destId="{58F8F9FE-D520-4C01-8D50-9BB29ABA6CB9}" srcOrd="0" destOrd="0" presId="urn:microsoft.com/office/officeart/2005/8/layout/chevron2"/>
+    <dgm:cxn modelId="{CFAEADC8-A0C6-45FB-BA21-9A8322DBC19F}" type="presOf" srcId="{79B61F82-159A-4FC4-9AE2-C715E889BFB8}" destId="{FB4E0029-8715-4416-9E2A-5866A6E16251}" srcOrd="0" destOrd="0" presId="urn:microsoft.com/office/officeart/2005/8/layout/chevron2"/>
+    <dgm:cxn modelId="{E4EA0093-3EB5-4B3F-B794-91839C860652}" srcId="{FDB4FAE1-5E38-4F71-A4BE-CE45EDE8B66C}" destId="{9333E2EC-632E-4856-8401-27FA0C7C2CBC}" srcOrd="0" destOrd="0" parTransId="{E350A343-71DA-4FA1-B9AC-59DFC2D32ACC}" sibTransId="{C8F68C30-6472-44C2-99B2-80D0CD42F1D9}"/>
     <dgm:cxn modelId="{79EC6F65-DE85-4762-8A46-B0DCFF350150}" srcId="{2C7E5260-D620-47ED-A378-B54ACAE30941}" destId="{4305F1B6-688D-41AD-8714-B3A62AA21005}" srcOrd="3" destOrd="0" parTransId="{296E6C4E-5A69-416A-879D-3B5091C535A9}" sibTransId="{D4B5E6A3-CC32-4A84-A727-2C92390AB54B}"/>
-    <dgm:cxn modelId="{68CCA590-69D8-498C-8ED0-80340D9DC5D5}" type="presOf" srcId="{CC28181E-B184-4FB7-9F6A-65CA6002F098}" destId="{D897DFB4-1A75-4C7C-84AC-3AF8CF9E38D0}" srcOrd="0" destOrd="0" presId="urn:microsoft.com/office/officeart/2005/8/layout/chevron2"/>
-    <dgm:cxn modelId="{986093C3-E830-42F6-9719-2CB5B2EBD8B3}" type="presOf" srcId="{C2815A56-8E0B-4AFB-9329-BF3035541C52}" destId="{58F8F9FE-D520-4C01-8D50-9BB29ABA6CB9}" srcOrd="0" destOrd="1" presId="urn:microsoft.com/office/officeart/2005/8/layout/chevron2"/>
     <dgm:cxn modelId="{69F8D84D-5680-41F5-BA26-DC9B5D363529}" type="presOf" srcId="{2C7E5260-D620-47ED-A378-B54ACAE30941}" destId="{D2848495-690B-4AE5-B1C2-50C37D8B54CD}" srcOrd="0" destOrd="0" presId="urn:microsoft.com/office/officeart/2005/8/layout/chevron2"/>
-    <dgm:cxn modelId="{E4EA0093-3EB5-4B3F-B794-91839C860652}" srcId="{FDB4FAE1-5E38-4F71-A4BE-CE45EDE8B66C}" destId="{9333E2EC-632E-4856-8401-27FA0C7C2CBC}" srcOrd="0" destOrd="0" parTransId="{E350A343-71DA-4FA1-B9AC-59DFC2D32ACC}" sibTransId="{C8F68C30-6472-44C2-99B2-80D0CD42F1D9}"/>
-    <dgm:cxn modelId="{7C18A78A-A05E-44B0-842D-43E1D51230A9}" srcId="{4305F1B6-688D-41AD-8714-B3A62AA21005}" destId="{53021615-B86B-44E7-9CDC-D806FD76340A}" srcOrd="0" destOrd="0" parTransId="{008013C5-E61E-4B70-8BCD-590F53144B3C}" sibTransId="{298C9170-B9A8-465F-B856-A3827B697F23}"/>
-    <dgm:cxn modelId="{0B8CB0AB-E538-4E68-B80C-7C7C1846FB32}" type="presOf" srcId="{FDB4FAE1-5E38-4F71-A4BE-CE45EDE8B66C}" destId="{35DA617F-B535-43D5-BA33-E51B3ED76040}" srcOrd="0" destOrd="0" presId="urn:microsoft.com/office/officeart/2005/8/layout/chevron2"/>
-    <dgm:cxn modelId="{B1ABAE3F-84DE-4CD8-858A-FDD312590D19}" srcId="{2C7E5260-D620-47ED-A378-B54ACAE30941}" destId="{FDB4FAE1-5E38-4F71-A4BE-CE45EDE8B66C}" srcOrd="2" destOrd="0" parTransId="{D9E86F14-5365-4A08-A4FF-AB4F4F6CC227}" sibTransId="{6585C0A8-8966-4BB1-8A4D-EE022BC67C85}"/>
-    <dgm:cxn modelId="{CFAEADC8-A0C6-45FB-BA21-9A8322DBC19F}" type="presOf" srcId="{79B61F82-159A-4FC4-9AE2-C715E889BFB8}" destId="{FB4E0029-8715-4416-9E2A-5866A6E16251}" srcOrd="0" destOrd="0" presId="urn:microsoft.com/office/officeart/2005/8/layout/chevron2"/>
+    <dgm:cxn modelId="{48354CE5-8F94-47DE-8ECD-CE1079BE6A17}" srcId="{79B61F82-159A-4FC4-9AE2-C715E889BFB8}" destId="{9EFE7227-DD12-4F0F-A77F-7275FB31F00B}" srcOrd="0" destOrd="0" parTransId="{CDAF4D28-3436-4D90-A6E2-94161C1497D6}" sibTransId="{56B972D6-53A1-4DB3-AC34-BEE6461BC02B}"/>
     <dgm:cxn modelId="{229291C6-6474-4622-ABCC-C118A94E7AEE}" srcId="{8C9A3110-DA2F-4506-80E2-DE0EA9EF5EA4}" destId="{C2815A56-8E0B-4AFB-9329-BF3035541C52}" srcOrd="1" destOrd="0" parTransId="{3BDFB1B6-F732-4B19-BF92-D0F68A2B5B01}" sibTransId="{8AD3682E-4769-4BA1-837C-6C131351BE3B}"/>
     <dgm:cxn modelId="{30DE82E9-FD58-4130-8C3D-03BC33853557}" srcId="{EE178108-4ABC-422A-8D55-9A5D5E172A42}" destId="{CC28181E-B184-4FB7-9F6A-65CA6002F098}" srcOrd="0" destOrd="0" parTransId="{76075BE2-2050-43C0-8E91-EBFECB16825D}" sibTransId="{C4E1AB04-2D99-4D8A-8B8E-8217C45E3331}"/>
-    <dgm:cxn modelId="{48354CE5-8F94-47DE-8ECD-CE1079BE6A17}" srcId="{79B61F82-159A-4FC4-9AE2-C715E889BFB8}" destId="{9EFE7227-DD12-4F0F-A77F-7275FB31F00B}" srcOrd="0" destOrd="0" parTransId="{CDAF4D28-3436-4D90-A6E2-94161C1497D6}" sibTransId="{56B972D6-53A1-4DB3-AC34-BEE6461BC02B}"/>
-    <dgm:cxn modelId="{6E71B329-1484-4974-B551-6A4C45BB3764}" srcId="{2C7E5260-D620-47ED-A378-B54ACAE30941}" destId="{EE178108-4ABC-422A-8D55-9A5D5E172A42}" srcOrd="4" destOrd="0" parTransId="{DB6B5C42-3EAF-454B-B830-5D75DE04F15E}" sibTransId="{0EB4153A-E9D4-485D-8680-D6FF8D84377C}"/>
-    <dgm:cxn modelId="{C289F447-D7A2-49A4-82CB-8B4F1AB8724A}" srcId="{2C7E5260-D620-47ED-A378-B54ACAE30941}" destId="{8C9A3110-DA2F-4506-80E2-DE0EA9EF5EA4}" srcOrd="1" destOrd="0" parTransId="{FCACAC71-2BB7-43BB-87B7-A2B17EC53CE2}" sibTransId="{2C70EC04-2878-4AD2-9533-7AB64D8D4D1C}"/>
+    <dgm:cxn modelId="{8A6E559A-6E5C-4FBD-9B51-7E4C244F673F}" type="presOf" srcId="{4305F1B6-688D-41AD-8714-B3A62AA21005}" destId="{1B145C10-D85C-4E32-ADAA-29C5A029D326}" srcOrd="0" destOrd="0" presId="urn:microsoft.com/office/officeart/2005/8/layout/chevron2"/>
+    <dgm:cxn modelId="{926E5DEC-0C26-4D5F-9FBD-44F3AB37D63D}" type="presOf" srcId="{EE178108-4ABC-422A-8D55-9A5D5E172A42}" destId="{C0881691-DBB8-4C45-8A00-3A4C6F5DC789}" srcOrd="0" destOrd="0" presId="urn:microsoft.com/office/officeart/2005/8/layout/chevron2"/>
+    <dgm:cxn modelId="{20DD4042-2D3F-4759-8579-5EAA1B98066A}" type="presOf" srcId="{39F222F8-89C6-4316-9A16-AEAAAD217DEE}" destId="{D041B52B-AD45-45A2-B92C-74D2862A1F75}" srcOrd="0" destOrd="1" presId="urn:microsoft.com/office/officeart/2005/8/layout/chevron2"/>
     <dgm:cxn modelId="{7A53E244-5D8A-4C7E-8A5F-45A268CA35F3}" srcId="{79B61F82-159A-4FC4-9AE2-C715E889BFB8}" destId="{39F222F8-89C6-4316-9A16-AEAAAD217DEE}" srcOrd="1" destOrd="0" parTransId="{A996C8D8-7198-4B7D-B275-05A15DCF7C81}" sibTransId="{D6005D74-FB7F-4A89-B47F-2BB8D0D233C4}"/>
     <dgm:cxn modelId="{9EFC6B8D-5D4A-45BF-A19F-E4CA7DCC1DB9}" type="presOf" srcId="{53021615-B86B-44E7-9CDC-D806FD76340A}" destId="{C4B70946-53DE-49DB-9E16-A2BCC5837DDD}" srcOrd="0" destOrd="0" presId="urn:microsoft.com/office/officeart/2005/8/layout/chevron2"/>
-    <dgm:cxn modelId="{926E5DEC-0C26-4D5F-9FBD-44F3AB37D63D}" type="presOf" srcId="{EE178108-4ABC-422A-8D55-9A5D5E172A42}" destId="{C0881691-DBB8-4C45-8A00-3A4C6F5DC789}" srcOrd="0" destOrd="0" presId="urn:microsoft.com/office/officeart/2005/8/layout/chevron2"/>
+    <dgm:cxn modelId="{0B8CB0AB-E538-4E68-B80C-7C7C1846FB32}" type="presOf" srcId="{FDB4FAE1-5E38-4F71-A4BE-CE45EDE8B66C}" destId="{35DA617F-B535-43D5-BA33-E51B3ED76040}" srcOrd="0" destOrd="0" presId="urn:microsoft.com/office/officeart/2005/8/layout/chevron2"/>
+    <dgm:cxn modelId="{58F0197F-6646-4506-AD89-A2BD216CAC5E}" srcId="{2C7E5260-D620-47ED-A378-B54ACAE30941}" destId="{79B61F82-159A-4FC4-9AE2-C715E889BFB8}" srcOrd="0" destOrd="0" parTransId="{12EAE18E-C67F-4384-8033-A5AC70880332}" sibTransId="{222D4FF9-44B4-4A9E-9BAA-46365D85BDFA}"/>
+    <dgm:cxn modelId="{68CCA590-69D8-498C-8ED0-80340D9DC5D5}" type="presOf" srcId="{CC28181E-B184-4FB7-9F6A-65CA6002F098}" destId="{D897DFB4-1A75-4C7C-84AC-3AF8CF9E38D0}" srcOrd="0" destOrd="0" presId="urn:microsoft.com/office/officeart/2005/8/layout/chevron2"/>
+    <dgm:cxn modelId="{248D0F5F-480C-43A5-A905-DEBB6EFEC8E0}" type="presOf" srcId="{9EFE7227-DD12-4F0F-A77F-7275FB31F00B}" destId="{D041B52B-AD45-45A2-B92C-74D2862A1F75}" srcOrd="0" destOrd="0" presId="urn:microsoft.com/office/officeart/2005/8/layout/chevron2"/>
     <dgm:cxn modelId="{07DBA5F0-F160-4ACB-8C5D-D6C6ED6F1370}" type="presOf" srcId="{9333E2EC-632E-4856-8401-27FA0C7C2CBC}" destId="{5FDC2F22-A624-418A-949D-22E17E717E21}" srcOrd="0" destOrd="0" presId="urn:microsoft.com/office/officeart/2005/8/layout/chevron2"/>
-    <dgm:cxn modelId="{EF00DC5E-C6C3-43C8-81B9-846DFBDA0569}" type="presOf" srcId="{3D4FFA78-0FDF-4DE7-A129-ACA6F76AC28A}" destId="{58F8F9FE-D520-4C01-8D50-9BB29ABA6CB9}" srcOrd="0" destOrd="0" presId="urn:microsoft.com/office/officeart/2005/8/layout/chevron2"/>
-    <dgm:cxn modelId="{58F0197F-6646-4506-AD89-A2BD216CAC5E}" srcId="{2C7E5260-D620-47ED-A378-B54ACAE30941}" destId="{79B61F82-159A-4FC4-9AE2-C715E889BFB8}" srcOrd="0" destOrd="0" parTransId="{12EAE18E-C67F-4384-8033-A5AC70880332}" sibTransId="{222D4FF9-44B4-4A9E-9BAA-46365D85BDFA}"/>
-    <dgm:cxn modelId="{EC03DE8D-157C-4BA3-AA13-85E19193768B}" type="presOf" srcId="{8C9A3110-DA2F-4506-80E2-DE0EA9EF5EA4}" destId="{6D469A61-4A3A-4456-A0A5-DFD072E239BF}" srcOrd="0" destOrd="0" presId="urn:microsoft.com/office/officeart/2005/8/layout/chevron2"/>
-    <dgm:cxn modelId="{248D0F5F-480C-43A5-A905-DEBB6EFEC8E0}" type="presOf" srcId="{9EFE7227-DD12-4F0F-A77F-7275FB31F00B}" destId="{D041B52B-AD45-45A2-B92C-74D2862A1F75}" srcOrd="0" destOrd="0" presId="urn:microsoft.com/office/officeart/2005/8/layout/chevron2"/>
     <dgm:cxn modelId="{DE31A881-667A-4047-A369-507C671F2459}" type="presParOf" srcId="{D2848495-690B-4AE5-B1C2-50C37D8B54CD}" destId="{EB890891-5ABB-4E30-85D1-3FEA259DFCDC}" srcOrd="0" destOrd="0" presId="urn:microsoft.com/office/officeart/2005/8/layout/chevron2"/>
     <dgm:cxn modelId="{BBBC2A1B-1D67-460E-B958-30D0B8433767}" type="presParOf" srcId="{EB890891-5ABB-4E30-85D1-3FEA259DFCDC}" destId="{FB4E0029-8715-4416-9E2A-5866A6E16251}" srcOrd="0" destOrd="0" presId="urn:microsoft.com/office/officeart/2005/8/layout/chevron2"/>
     <dgm:cxn modelId="{4C809B69-7492-472E-8B21-4069BD5BC81B}" type="presParOf" srcId="{EB890891-5ABB-4E30-85D1-3FEA259DFCDC}" destId="{D041B52B-AD45-45A2-B92C-74D2862A1F75}" srcOrd="1" destOrd="0" presId="urn:microsoft.com/office/officeart/2005/8/layout/chevron2"/>
@@ -4715,7 +4708,2540 @@
   </dgm:cxnLst>
   <dgm:bg/>
   <dgm:whole/>
+  <dgm:extLst>
+    <a:ext uri="http://schemas.microsoft.com/office/drawing/2008/diagram">
+      <dsp:dataModelExt xmlns:dsp="http://schemas.microsoft.com/office/drawing/2008/diagram" xmlns="" relId="rId7" minVer="http://schemas.openxmlformats.org/drawingml/2006/diagram"/>
+    </a:ext>
+  </dgm:extLst>
 </dgm:dataModel>
+</file>
+
+<file path=ppt/diagrams/drawing1.xml><?xml version="1.0" encoding="utf-8"?>
+<dsp:drawing xmlns:dgm="http://schemas.openxmlformats.org/drawingml/2006/diagram" xmlns:a="http://schemas.openxmlformats.org/drawingml/2006/main" xmlns:dsp="http://schemas.microsoft.com/office/drawing/2008/diagram">
+  <dsp:spTree>
+    <dsp:nvGrpSpPr>
+      <dsp:cNvPr id="0" name=""/>
+      <dsp:cNvGrpSpPr/>
+    </dsp:nvGrpSpPr>
+    <dsp:grpSpPr/>
+    <dsp:sp modelId="{FFCC19A9-94F1-4B96-9C68-7503C9B99003}">
+      <dsp:nvSpPr>
+        <dsp:cNvPr id="0" name=""/>
+        <dsp:cNvSpPr/>
+      </dsp:nvSpPr>
+      <dsp:spPr>
+        <a:xfrm rot="5400000">
+          <a:off x="-149834" y="152032"/>
+          <a:ext cx="998894" cy="699225"/>
+        </a:xfrm>
+        <a:prstGeom prst="chevron">
+          <a:avLst/>
+        </a:prstGeom>
+        <a:solidFill>
+          <a:srgbClr val="810C15"/>
+        </a:solidFill>
+        <a:ln w="25400" cap="flat" cmpd="sng" algn="ctr">
+          <a:solidFill>
+            <a:schemeClr val="accent1">
+              <a:hueOff val="0"/>
+              <a:satOff val="0"/>
+              <a:lumOff val="0"/>
+              <a:alphaOff val="0"/>
+            </a:schemeClr>
+          </a:solidFill>
+          <a:prstDash val="solid"/>
+        </a:ln>
+        <a:effectLst/>
+      </dsp:spPr>
+      <dsp:style>
+        <a:lnRef idx="2">
+          <a:scrgbClr r="0" g="0" b="0"/>
+        </a:lnRef>
+        <a:fillRef idx="1">
+          <a:scrgbClr r="0" g="0" b="0"/>
+        </a:fillRef>
+        <a:effectRef idx="0">
+          <a:scrgbClr r="0" g="0" b="0"/>
+        </a:effectRef>
+        <a:fontRef idx="minor">
+          <a:schemeClr val="lt1"/>
+        </a:fontRef>
+      </dsp:style>
+      <dsp:txBody>
+        <a:bodyPr spcFirstLastPara="0" vert="horz" wrap="square" lIns="12065" tIns="12065" rIns="12065" bIns="12065" numCol="1" spcCol="1270" anchor="ctr" anchorCtr="0">
+          <a:noAutofit/>
+        </a:bodyPr>
+        <a:lstStyle/>
+        <a:p>
+          <a:pPr lvl="0" algn="ctr" defTabSz="844550">
+            <a:lnSpc>
+              <a:spcPct val="90000"/>
+            </a:lnSpc>
+            <a:spcBef>
+              <a:spcPct val="0"/>
+            </a:spcBef>
+            <a:spcAft>
+              <a:spcPct val="35000"/>
+            </a:spcAft>
+          </a:pPr>
+          <a:r>
+            <a:rPr lang="en-US" sz="1900" kern="1200" smtClean="0"/>
+            <a:t>I</a:t>
+          </a:r>
+          <a:endParaRPr lang="en-US" sz="1900" kern="1200"/>
+        </a:p>
+      </dsp:txBody>
+      <dsp:txXfrm rot="5400000">
+        <a:off x="-149834" y="152032"/>
+        <a:ext cx="998894" cy="699225"/>
+      </dsp:txXfrm>
+    </dsp:sp>
+    <dsp:sp modelId="{6576478E-EF12-4278-B934-D09861C8B3AA}">
+      <dsp:nvSpPr>
+        <dsp:cNvPr id="0" name=""/>
+        <dsp:cNvSpPr/>
+      </dsp:nvSpPr>
+      <dsp:spPr>
+        <a:xfrm rot="5400000">
+          <a:off x="4139772" y="-3364349"/>
+          <a:ext cx="649281" cy="7530374"/>
+        </a:xfrm>
+        <a:prstGeom prst="round2SameRect">
+          <a:avLst/>
+        </a:prstGeom>
+        <a:solidFill>
+          <a:schemeClr val="lt1">
+            <a:alpha val="90000"/>
+            <a:hueOff val="0"/>
+            <a:satOff val="0"/>
+            <a:lumOff val="0"/>
+            <a:alphaOff val="0"/>
+          </a:schemeClr>
+        </a:solidFill>
+        <a:ln w="25400" cap="flat" cmpd="sng" algn="ctr">
+          <a:solidFill>
+            <a:schemeClr val="accent1">
+              <a:hueOff val="0"/>
+              <a:satOff val="0"/>
+              <a:lumOff val="0"/>
+              <a:alphaOff val="0"/>
+            </a:schemeClr>
+          </a:solidFill>
+          <a:prstDash val="solid"/>
+        </a:ln>
+        <a:effectLst/>
+      </dsp:spPr>
+      <dsp:style>
+        <a:lnRef idx="2">
+          <a:scrgbClr r="0" g="0" b="0"/>
+        </a:lnRef>
+        <a:fillRef idx="1">
+          <a:scrgbClr r="0" g="0" b="0"/>
+        </a:fillRef>
+        <a:effectRef idx="0">
+          <a:scrgbClr r="0" g="0" b="0"/>
+        </a:effectRef>
+        <a:fontRef idx="minor"/>
+      </dsp:style>
+      <dsp:txBody>
+        <a:bodyPr spcFirstLastPara="0" vert="horz" wrap="square" lIns="199136" tIns="17780" rIns="17780" bIns="17780" numCol="1" spcCol="1270" anchor="ctr" anchorCtr="0">
+          <a:noAutofit/>
+        </a:bodyPr>
+        <a:lstStyle/>
+        <a:p>
+          <a:pPr marL="285750" lvl="1" indent="-285750" algn="l" defTabSz="1244600">
+            <a:lnSpc>
+              <a:spcPct val="90000"/>
+            </a:lnSpc>
+            <a:spcBef>
+              <a:spcPct val="0"/>
+            </a:spcBef>
+            <a:spcAft>
+              <a:spcPct val="15000"/>
+            </a:spcAft>
+            <a:buChar char="••"/>
+          </a:pPr>
+          <a:r>
+            <a:rPr lang="en-US" sz="2800" kern="1200" err="1" smtClean="0"/>
+            <a:t>Tổng</a:t>
+          </a:r>
+          <a:r>
+            <a:rPr lang="en-US" sz="2800" kern="1200" smtClean="0"/>
+            <a:t> </a:t>
+          </a:r>
+          <a:r>
+            <a:rPr lang="en-US" sz="2800" kern="1200" err="1" smtClean="0"/>
+            <a:t>quan</a:t>
+          </a:r>
+          <a:r>
+            <a:rPr lang="en-US" sz="2800" kern="1200" smtClean="0"/>
+            <a:t> </a:t>
+          </a:r>
+          <a:endParaRPr lang="en-US" sz="2800" kern="1200"/>
+        </a:p>
+      </dsp:txBody>
+      <dsp:txXfrm rot="5400000">
+        <a:off x="4139772" y="-3364349"/>
+        <a:ext cx="649281" cy="7530374"/>
+      </dsp:txXfrm>
+    </dsp:sp>
+    <dsp:sp modelId="{ED97675B-888F-4791-95D0-779FEAC0D307}">
+      <dsp:nvSpPr>
+        <dsp:cNvPr id="0" name=""/>
+        <dsp:cNvSpPr/>
+      </dsp:nvSpPr>
+      <dsp:spPr>
+        <a:xfrm rot="5400000">
+          <a:off x="-149834" y="1032700"/>
+          <a:ext cx="998894" cy="699225"/>
+        </a:xfrm>
+        <a:prstGeom prst="chevron">
+          <a:avLst/>
+        </a:prstGeom>
+        <a:solidFill>
+          <a:srgbClr val="810C15"/>
+        </a:solidFill>
+        <a:ln w="25400" cap="flat" cmpd="sng" algn="ctr">
+          <a:solidFill>
+            <a:schemeClr val="accent1">
+              <a:hueOff val="0"/>
+              <a:satOff val="0"/>
+              <a:lumOff val="0"/>
+              <a:alphaOff val="0"/>
+            </a:schemeClr>
+          </a:solidFill>
+          <a:prstDash val="solid"/>
+        </a:ln>
+        <a:effectLst/>
+      </dsp:spPr>
+      <dsp:style>
+        <a:lnRef idx="2">
+          <a:scrgbClr r="0" g="0" b="0"/>
+        </a:lnRef>
+        <a:fillRef idx="1">
+          <a:scrgbClr r="0" g="0" b="0"/>
+        </a:fillRef>
+        <a:effectRef idx="0">
+          <a:scrgbClr r="0" g="0" b="0"/>
+        </a:effectRef>
+        <a:fontRef idx="minor">
+          <a:schemeClr val="lt1"/>
+        </a:fontRef>
+      </dsp:style>
+      <dsp:txBody>
+        <a:bodyPr spcFirstLastPara="0" vert="horz" wrap="square" lIns="12065" tIns="12065" rIns="12065" bIns="12065" numCol="1" spcCol="1270" anchor="ctr" anchorCtr="0">
+          <a:noAutofit/>
+        </a:bodyPr>
+        <a:lstStyle/>
+        <a:p>
+          <a:pPr lvl="0" algn="ctr" defTabSz="844550">
+            <a:lnSpc>
+              <a:spcPct val="90000"/>
+            </a:lnSpc>
+            <a:spcBef>
+              <a:spcPct val="0"/>
+            </a:spcBef>
+            <a:spcAft>
+              <a:spcPct val="35000"/>
+            </a:spcAft>
+          </a:pPr>
+          <a:r>
+            <a:rPr lang="en-US" sz="1900" kern="1200" smtClean="0"/>
+            <a:t>II</a:t>
+          </a:r>
+          <a:endParaRPr lang="en-US" sz="1900" kern="1200"/>
+        </a:p>
+      </dsp:txBody>
+      <dsp:txXfrm rot="5400000">
+        <a:off x="-149834" y="1032700"/>
+        <a:ext cx="998894" cy="699225"/>
+      </dsp:txXfrm>
+    </dsp:sp>
+    <dsp:sp modelId="{77A50225-EAD1-47D4-A40E-ECCA5CEC123A}">
+      <dsp:nvSpPr>
+        <dsp:cNvPr id="0" name=""/>
+        <dsp:cNvSpPr/>
+      </dsp:nvSpPr>
+      <dsp:spPr>
+        <a:xfrm rot="5400000">
+          <a:off x="4139772" y="-2557679"/>
+          <a:ext cx="649281" cy="7530374"/>
+        </a:xfrm>
+        <a:prstGeom prst="round2SameRect">
+          <a:avLst/>
+        </a:prstGeom>
+        <a:solidFill>
+          <a:schemeClr val="lt1">
+            <a:alpha val="90000"/>
+            <a:hueOff val="0"/>
+            <a:satOff val="0"/>
+            <a:lumOff val="0"/>
+            <a:alphaOff val="0"/>
+          </a:schemeClr>
+        </a:solidFill>
+        <a:ln w="25400" cap="flat" cmpd="sng" algn="ctr">
+          <a:solidFill>
+            <a:schemeClr val="accent1">
+              <a:hueOff val="0"/>
+              <a:satOff val="0"/>
+              <a:lumOff val="0"/>
+              <a:alphaOff val="0"/>
+            </a:schemeClr>
+          </a:solidFill>
+          <a:prstDash val="solid"/>
+        </a:ln>
+        <a:effectLst/>
+      </dsp:spPr>
+      <dsp:style>
+        <a:lnRef idx="2">
+          <a:scrgbClr r="0" g="0" b="0"/>
+        </a:lnRef>
+        <a:fillRef idx="1">
+          <a:scrgbClr r="0" g="0" b="0"/>
+        </a:fillRef>
+        <a:effectRef idx="0">
+          <a:scrgbClr r="0" g="0" b="0"/>
+        </a:effectRef>
+        <a:fontRef idx="minor"/>
+      </dsp:style>
+      <dsp:txBody>
+        <a:bodyPr spcFirstLastPara="0" vert="horz" wrap="square" lIns="199136" tIns="17780" rIns="17780" bIns="17780" numCol="1" spcCol="1270" anchor="ctr" anchorCtr="0">
+          <a:noAutofit/>
+        </a:bodyPr>
+        <a:lstStyle/>
+        <a:p>
+          <a:pPr marL="285750" lvl="1" indent="-285750" algn="l" defTabSz="1244600">
+            <a:lnSpc>
+              <a:spcPct val="90000"/>
+            </a:lnSpc>
+            <a:spcBef>
+              <a:spcPct val="0"/>
+            </a:spcBef>
+            <a:spcAft>
+              <a:spcPct val="15000"/>
+            </a:spcAft>
+            <a:buChar char="••"/>
+          </a:pPr>
+          <a:r>
+            <a:rPr lang="en-US" sz="2800" kern="1200" err="1" smtClean="0"/>
+            <a:t>Cơ</a:t>
+          </a:r>
+          <a:r>
+            <a:rPr lang="en-US" sz="2800" kern="1200" smtClean="0"/>
+            <a:t> </a:t>
+          </a:r>
+          <a:r>
+            <a:rPr lang="en-US" sz="2800" kern="1200" err="1" smtClean="0"/>
+            <a:t>sơ</a:t>
+          </a:r>
+          <a:r>
+            <a:rPr lang="en-US" sz="2800" kern="1200" smtClean="0"/>
+            <a:t>̉ </a:t>
+          </a:r>
+          <a:r>
+            <a:rPr lang="en-US" sz="2800" kern="1200" err="1" smtClean="0"/>
+            <a:t>ly</a:t>
+          </a:r>
+          <a:r>
+            <a:rPr lang="en-US" sz="2800" kern="1200" smtClean="0"/>
+            <a:t>́ </a:t>
+          </a:r>
+          <a:r>
+            <a:rPr lang="en-US" sz="2800" kern="1200" err="1" smtClean="0"/>
+            <a:t>thuyết</a:t>
+          </a:r>
+          <a:r>
+            <a:rPr lang="en-US" sz="2800" kern="1200" smtClean="0"/>
+            <a:t> </a:t>
+          </a:r>
+          <a:r>
+            <a:rPr lang="en-US" sz="2800" kern="1200" err="1" smtClean="0"/>
+            <a:t>va</a:t>
+          </a:r>
+          <a:r>
+            <a:rPr lang="en-US" sz="2800" kern="1200" smtClean="0"/>
+            <a:t>̀ </a:t>
+          </a:r>
+          <a:r>
+            <a:rPr lang="en-US" sz="2800" kern="1200" err="1" smtClean="0"/>
+            <a:t>những</a:t>
+          </a:r>
+          <a:r>
+            <a:rPr lang="en-US" sz="2800" kern="1200" smtClean="0"/>
+            <a:t> </a:t>
+          </a:r>
+          <a:r>
+            <a:rPr lang="en-US" sz="2800" kern="1200" err="1" smtClean="0"/>
+            <a:t>nghiên</a:t>
+          </a:r>
+          <a:r>
+            <a:rPr lang="en-US" sz="2800" kern="1200" smtClean="0"/>
+            <a:t> </a:t>
+          </a:r>
+          <a:r>
+            <a:rPr lang="en-US" sz="2800" kern="1200" err="1" smtClean="0"/>
+            <a:t>cứu</a:t>
+          </a:r>
+          <a:r>
+            <a:rPr lang="en-US" sz="2800" kern="1200" smtClean="0"/>
+            <a:t> </a:t>
+          </a:r>
+          <a:r>
+            <a:rPr lang="en-US" sz="2800" kern="1200" err="1" smtClean="0"/>
+            <a:t>đa</a:t>
+          </a:r>
+          <a:r>
+            <a:rPr lang="en-US" sz="2800" kern="1200" smtClean="0"/>
+            <a:t>̃ có   </a:t>
+          </a:r>
+          <a:endParaRPr lang="en-US" sz="2800" kern="1200"/>
+        </a:p>
+      </dsp:txBody>
+      <dsp:txXfrm rot="5400000">
+        <a:off x="4139772" y="-2557679"/>
+        <a:ext cx="649281" cy="7530374"/>
+      </dsp:txXfrm>
+    </dsp:sp>
+    <dsp:sp modelId="{F4E465E5-74E1-4592-A4DB-8E279EB1726D}">
+      <dsp:nvSpPr>
+        <dsp:cNvPr id="0" name=""/>
+        <dsp:cNvSpPr/>
+      </dsp:nvSpPr>
+      <dsp:spPr>
+        <a:xfrm rot="5400000">
+          <a:off x="-149834" y="1913368"/>
+          <a:ext cx="998894" cy="699225"/>
+        </a:xfrm>
+        <a:prstGeom prst="chevron">
+          <a:avLst/>
+        </a:prstGeom>
+        <a:solidFill>
+          <a:srgbClr val="810C15"/>
+        </a:solidFill>
+        <a:ln w="25400" cap="flat" cmpd="sng" algn="ctr">
+          <a:solidFill>
+            <a:schemeClr val="accent1">
+              <a:hueOff val="0"/>
+              <a:satOff val="0"/>
+              <a:lumOff val="0"/>
+              <a:alphaOff val="0"/>
+            </a:schemeClr>
+          </a:solidFill>
+          <a:prstDash val="solid"/>
+        </a:ln>
+        <a:effectLst/>
+      </dsp:spPr>
+      <dsp:style>
+        <a:lnRef idx="2">
+          <a:scrgbClr r="0" g="0" b="0"/>
+        </a:lnRef>
+        <a:fillRef idx="1">
+          <a:scrgbClr r="0" g="0" b="0"/>
+        </a:fillRef>
+        <a:effectRef idx="0">
+          <a:scrgbClr r="0" g="0" b="0"/>
+        </a:effectRef>
+        <a:fontRef idx="minor">
+          <a:schemeClr val="lt1"/>
+        </a:fontRef>
+      </dsp:style>
+      <dsp:txBody>
+        <a:bodyPr spcFirstLastPara="0" vert="horz" wrap="square" lIns="12065" tIns="12065" rIns="12065" bIns="12065" numCol="1" spcCol="1270" anchor="ctr" anchorCtr="0">
+          <a:noAutofit/>
+        </a:bodyPr>
+        <a:lstStyle/>
+        <a:p>
+          <a:pPr lvl="0" algn="ctr" defTabSz="844550">
+            <a:lnSpc>
+              <a:spcPct val="90000"/>
+            </a:lnSpc>
+            <a:spcBef>
+              <a:spcPct val="0"/>
+            </a:spcBef>
+            <a:spcAft>
+              <a:spcPct val="35000"/>
+            </a:spcAft>
+          </a:pPr>
+          <a:r>
+            <a:rPr lang="en-US" sz="1900" kern="1200" smtClean="0"/>
+            <a:t>III</a:t>
+          </a:r>
+          <a:endParaRPr lang="en-US" sz="1900" kern="1200"/>
+        </a:p>
+      </dsp:txBody>
+      <dsp:txXfrm rot="5400000">
+        <a:off x="-149834" y="1913368"/>
+        <a:ext cx="998894" cy="699225"/>
+      </dsp:txXfrm>
+    </dsp:sp>
+    <dsp:sp modelId="{5CBC658B-5443-4588-B4CF-7830CA44DC53}">
+      <dsp:nvSpPr>
+        <dsp:cNvPr id="0" name=""/>
+        <dsp:cNvSpPr/>
+      </dsp:nvSpPr>
+      <dsp:spPr>
+        <a:xfrm rot="5400000">
+          <a:off x="4139772" y="-1677012"/>
+          <a:ext cx="649281" cy="7530374"/>
+        </a:xfrm>
+        <a:prstGeom prst="round2SameRect">
+          <a:avLst/>
+        </a:prstGeom>
+        <a:solidFill>
+          <a:schemeClr val="lt1">
+            <a:alpha val="90000"/>
+            <a:hueOff val="0"/>
+            <a:satOff val="0"/>
+            <a:lumOff val="0"/>
+            <a:alphaOff val="0"/>
+          </a:schemeClr>
+        </a:solidFill>
+        <a:ln w="25400" cap="flat" cmpd="sng" algn="ctr">
+          <a:solidFill>
+            <a:schemeClr val="accent1">
+              <a:hueOff val="0"/>
+              <a:satOff val="0"/>
+              <a:lumOff val="0"/>
+              <a:alphaOff val="0"/>
+            </a:schemeClr>
+          </a:solidFill>
+          <a:prstDash val="solid"/>
+        </a:ln>
+        <a:effectLst/>
+      </dsp:spPr>
+      <dsp:style>
+        <a:lnRef idx="2">
+          <a:scrgbClr r="0" g="0" b="0"/>
+        </a:lnRef>
+        <a:fillRef idx="1">
+          <a:scrgbClr r="0" g="0" b="0"/>
+        </a:fillRef>
+        <a:effectRef idx="0">
+          <a:scrgbClr r="0" g="0" b="0"/>
+        </a:effectRef>
+        <a:fontRef idx="minor"/>
+      </dsp:style>
+      <dsp:txBody>
+        <a:bodyPr spcFirstLastPara="0" vert="horz" wrap="square" lIns="199136" tIns="17780" rIns="17780" bIns="17780" numCol="1" spcCol="1270" anchor="ctr" anchorCtr="0">
+          <a:noAutofit/>
+        </a:bodyPr>
+        <a:lstStyle/>
+        <a:p>
+          <a:pPr marL="285750" lvl="1" indent="-285750" algn="l" defTabSz="1244600">
+            <a:lnSpc>
+              <a:spcPct val="90000"/>
+            </a:lnSpc>
+            <a:spcBef>
+              <a:spcPct val="0"/>
+            </a:spcBef>
+            <a:spcAft>
+              <a:spcPct val="15000"/>
+            </a:spcAft>
+            <a:buChar char="••"/>
+          </a:pPr>
+          <a:r>
+            <a:rPr lang="en-US" sz="2800" kern="1200" err="1" smtClean="0"/>
+            <a:t>Nghiên</a:t>
+          </a:r>
+          <a:r>
+            <a:rPr lang="en-US" sz="2800" kern="1200" smtClean="0"/>
+            <a:t> </a:t>
+          </a:r>
+          <a:r>
+            <a:rPr lang="en-US" sz="2800" kern="1200" err="1" smtClean="0"/>
+            <a:t>cứu</a:t>
+          </a:r>
+          <a:r>
+            <a:rPr lang="en-US" sz="2800" kern="1200" smtClean="0"/>
+            <a:t> </a:t>
+          </a:r>
+          <a:r>
+            <a:rPr lang="en-US" sz="2800" kern="1200" err="1" smtClean="0"/>
+            <a:t>va</a:t>
+          </a:r>
+          <a:r>
+            <a:rPr lang="en-US" sz="2800" kern="1200" smtClean="0"/>
+            <a:t>̀ </a:t>
+          </a:r>
+          <a:r>
+            <a:rPr lang="en-US" sz="2800" kern="1200" err="1" smtClean="0"/>
+            <a:t>phát</a:t>
+          </a:r>
+          <a:r>
+            <a:rPr lang="en-US" sz="2800" kern="1200" smtClean="0"/>
+            <a:t> </a:t>
+          </a:r>
+          <a:r>
+            <a:rPr lang="en-US" sz="2800" kern="1200" err="1" smtClean="0"/>
+            <a:t>triển</a:t>
+          </a:r>
+          <a:endParaRPr lang="en-US" sz="2800" kern="1200"/>
+        </a:p>
+      </dsp:txBody>
+      <dsp:txXfrm rot="5400000">
+        <a:off x="4139772" y="-1677012"/>
+        <a:ext cx="649281" cy="7530374"/>
+      </dsp:txXfrm>
+    </dsp:sp>
+    <dsp:sp modelId="{0F9C03AA-6E59-4F7F-A74F-6543681B6A2F}">
+      <dsp:nvSpPr>
+        <dsp:cNvPr id="0" name=""/>
+        <dsp:cNvSpPr/>
+      </dsp:nvSpPr>
+      <dsp:spPr>
+        <a:xfrm rot="5400000">
+          <a:off x="-149834" y="2794036"/>
+          <a:ext cx="998894" cy="699225"/>
+        </a:xfrm>
+        <a:prstGeom prst="chevron">
+          <a:avLst/>
+        </a:prstGeom>
+        <a:solidFill>
+          <a:srgbClr val="810C15"/>
+        </a:solidFill>
+        <a:ln w="25400" cap="flat" cmpd="sng" algn="ctr">
+          <a:solidFill>
+            <a:schemeClr val="accent1">
+              <a:hueOff val="0"/>
+              <a:satOff val="0"/>
+              <a:lumOff val="0"/>
+              <a:alphaOff val="0"/>
+            </a:schemeClr>
+          </a:solidFill>
+          <a:prstDash val="solid"/>
+        </a:ln>
+        <a:effectLst/>
+      </dsp:spPr>
+      <dsp:style>
+        <a:lnRef idx="2">
+          <a:scrgbClr r="0" g="0" b="0"/>
+        </a:lnRef>
+        <a:fillRef idx="1">
+          <a:scrgbClr r="0" g="0" b="0"/>
+        </a:fillRef>
+        <a:effectRef idx="0">
+          <a:scrgbClr r="0" g="0" b="0"/>
+        </a:effectRef>
+        <a:fontRef idx="minor">
+          <a:schemeClr val="lt1"/>
+        </a:fontRef>
+      </dsp:style>
+      <dsp:txBody>
+        <a:bodyPr spcFirstLastPara="0" vert="horz" wrap="square" lIns="12065" tIns="12065" rIns="12065" bIns="12065" numCol="1" spcCol="1270" anchor="ctr" anchorCtr="0">
+          <a:noAutofit/>
+        </a:bodyPr>
+        <a:lstStyle/>
+        <a:p>
+          <a:pPr lvl="0" algn="ctr" defTabSz="844550">
+            <a:lnSpc>
+              <a:spcPct val="90000"/>
+            </a:lnSpc>
+            <a:spcBef>
+              <a:spcPct val="0"/>
+            </a:spcBef>
+            <a:spcAft>
+              <a:spcPct val="35000"/>
+            </a:spcAft>
+          </a:pPr>
+          <a:r>
+            <a:rPr lang="en-US" sz="1900" kern="1200" smtClean="0"/>
+            <a:t>IV</a:t>
+          </a:r>
+          <a:endParaRPr lang="en-US" sz="1900" kern="1200"/>
+        </a:p>
+      </dsp:txBody>
+      <dsp:txXfrm rot="5400000">
+        <a:off x="-149834" y="2794036"/>
+        <a:ext cx="998894" cy="699225"/>
+      </dsp:txXfrm>
+    </dsp:sp>
+    <dsp:sp modelId="{1BDCCD7E-58BF-476F-9982-79A76A99822E}">
+      <dsp:nvSpPr>
+        <dsp:cNvPr id="0" name=""/>
+        <dsp:cNvSpPr/>
+      </dsp:nvSpPr>
+      <dsp:spPr>
+        <a:xfrm rot="5400000">
+          <a:off x="4139772" y="-796344"/>
+          <a:ext cx="649281" cy="7530374"/>
+        </a:xfrm>
+        <a:prstGeom prst="round2SameRect">
+          <a:avLst/>
+        </a:prstGeom>
+        <a:solidFill>
+          <a:schemeClr val="lt1">
+            <a:alpha val="90000"/>
+            <a:hueOff val="0"/>
+            <a:satOff val="0"/>
+            <a:lumOff val="0"/>
+            <a:alphaOff val="0"/>
+          </a:schemeClr>
+        </a:solidFill>
+        <a:ln w="25400" cap="flat" cmpd="sng" algn="ctr">
+          <a:solidFill>
+            <a:schemeClr val="accent1">
+              <a:hueOff val="0"/>
+              <a:satOff val="0"/>
+              <a:lumOff val="0"/>
+              <a:alphaOff val="0"/>
+            </a:schemeClr>
+          </a:solidFill>
+          <a:prstDash val="solid"/>
+        </a:ln>
+        <a:effectLst/>
+      </dsp:spPr>
+      <dsp:style>
+        <a:lnRef idx="2">
+          <a:scrgbClr r="0" g="0" b="0"/>
+        </a:lnRef>
+        <a:fillRef idx="1">
+          <a:scrgbClr r="0" g="0" b="0"/>
+        </a:fillRef>
+        <a:effectRef idx="0">
+          <a:scrgbClr r="0" g="0" b="0"/>
+        </a:effectRef>
+        <a:fontRef idx="minor"/>
+      </dsp:style>
+      <dsp:txBody>
+        <a:bodyPr spcFirstLastPara="0" vert="horz" wrap="square" lIns="199136" tIns="17780" rIns="17780" bIns="17780" numCol="1" spcCol="1270" anchor="ctr" anchorCtr="0">
+          <a:noAutofit/>
+        </a:bodyPr>
+        <a:lstStyle/>
+        <a:p>
+          <a:pPr marL="285750" lvl="1" indent="-285750" algn="l" defTabSz="1244600">
+            <a:lnSpc>
+              <a:spcPct val="90000"/>
+            </a:lnSpc>
+            <a:spcBef>
+              <a:spcPct val="0"/>
+            </a:spcBef>
+            <a:spcAft>
+              <a:spcPct val="15000"/>
+            </a:spcAft>
+            <a:buChar char="••"/>
+          </a:pPr>
+          <a:r>
+            <a:rPr lang="en-US" sz="2800" kern="1200" err="1" smtClean="0"/>
+            <a:t>Những</a:t>
+          </a:r>
+          <a:r>
+            <a:rPr lang="en-US" sz="2800" kern="1200" smtClean="0"/>
+            <a:t> </a:t>
+          </a:r>
+          <a:r>
+            <a:rPr lang="en-US" sz="2800" kern="1200" err="1" smtClean="0"/>
+            <a:t>kết</a:t>
+          </a:r>
+          <a:r>
+            <a:rPr lang="en-US" sz="2800" kern="1200" smtClean="0"/>
+            <a:t> quả </a:t>
+          </a:r>
+          <a:r>
+            <a:rPr lang="en-US" sz="2800" kern="1200" err="1" smtClean="0"/>
+            <a:t>chính</a:t>
+          </a:r>
+          <a:endParaRPr lang="en-US" sz="2800" kern="1200"/>
+        </a:p>
+      </dsp:txBody>
+      <dsp:txXfrm rot="5400000">
+        <a:off x="4139772" y="-796344"/>
+        <a:ext cx="649281" cy="7530374"/>
+      </dsp:txXfrm>
+    </dsp:sp>
+    <dsp:sp modelId="{FB1C4537-0E8E-4383-AD0D-E457C7B7DABF}">
+      <dsp:nvSpPr>
+        <dsp:cNvPr id="0" name=""/>
+        <dsp:cNvSpPr/>
+      </dsp:nvSpPr>
+      <dsp:spPr>
+        <a:xfrm rot="5400000">
+          <a:off x="-149834" y="3674704"/>
+          <a:ext cx="998894" cy="699225"/>
+        </a:xfrm>
+        <a:prstGeom prst="chevron">
+          <a:avLst/>
+        </a:prstGeom>
+        <a:solidFill>
+          <a:srgbClr val="810C15"/>
+        </a:solidFill>
+        <a:ln w="25400" cap="flat" cmpd="sng" algn="ctr">
+          <a:solidFill>
+            <a:schemeClr val="accent1">
+              <a:hueOff val="0"/>
+              <a:satOff val="0"/>
+              <a:lumOff val="0"/>
+              <a:alphaOff val="0"/>
+            </a:schemeClr>
+          </a:solidFill>
+          <a:prstDash val="solid"/>
+        </a:ln>
+        <a:effectLst/>
+      </dsp:spPr>
+      <dsp:style>
+        <a:lnRef idx="2">
+          <a:scrgbClr r="0" g="0" b="0"/>
+        </a:lnRef>
+        <a:fillRef idx="1">
+          <a:scrgbClr r="0" g="0" b="0"/>
+        </a:fillRef>
+        <a:effectRef idx="0">
+          <a:scrgbClr r="0" g="0" b="0"/>
+        </a:effectRef>
+        <a:fontRef idx="minor">
+          <a:schemeClr val="lt1"/>
+        </a:fontRef>
+      </dsp:style>
+      <dsp:txBody>
+        <a:bodyPr spcFirstLastPara="0" vert="horz" wrap="square" lIns="12065" tIns="12065" rIns="12065" bIns="12065" numCol="1" spcCol="1270" anchor="ctr" anchorCtr="0">
+          <a:noAutofit/>
+        </a:bodyPr>
+        <a:lstStyle/>
+        <a:p>
+          <a:pPr lvl="0" algn="ctr" defTabSz="844550">
+            <a:lnSpc>
+              <a:spcPct val="90000"/>
+            </a:lnSpc>
+            <a:spcBef>
+              <a:spcPct val="0"/>
+            </a:spcBef>
+            <a:spcAft>
+              <a:spcPct val="35000"/>
+            </a:spcAft>
+          </a:pPr>
+          <a:r>
+            <a:rPr lang="en-US" sz="1900" kern="1200" smtClean="0"/>
+            <a:t>V</a:t>
+          </a:r>
+          <a:endParaRPr lang="en-US" sz="1900" kern="1200"/>
+        </a:p>
+      </dsp:txBody>
+      <dsp:txXfrm rot="5400000">
+        <a:off x="-149834" y="3674704"/>
+        <a:ext cx="998894" cy="699225"/>
+      </dsp:txXfrm>
+    </dsp:sp>
+    <dsp:sp modelId="{537B37CE-346B-4845-B8E7-B3F5B0EA166D}">
+      <dsp:nvSpPr>
+        <dsp:cNvPr id="0" name=""/>
+        <dsp:cNvSpPr/>
+      </dsp:nvSpPr>
+      <dsp:spPr>
+        <a:xfrm rot="5400000">
+          <a:off x="4126368" y="140856"/>
+          <a:ext cx="649281" cy="7530374"/>
+        </a:xfrm>
+        <a:prstGeom prst="round2SameRect">
+          <a:avLst/>
+        </a:prstGeom>
+        <a:solidFill>
+          <a:schemeClr val="lt1">
+            <a:alpha val="90000"/>
+            <a:hueOff val="0"/>
+            <a:satOff val="0"/>
+            <a:lumOff val="0"/>
+            <a:alphaOff val="0"/>
+          </a:schemeClr>
+        </a:solidFill>
+        <a:ln w="25400" cap="flat" cmpd="sng" algn="ctr">
+          <a:solidFill>
+            <a:schemeClr val="accent1">
+              <a:hueOff val="0"/>
+              <a:satOff val="0"/>
+              <a:lumOff val="0"/>
+              <a:alphaOff val="0"/>
+            </a:schemeClr>
+          </a:solidFill>
+          <a:prstDash val="solid"/>
+        </a:ln>
+        <a:effectLst/>
+      </dsp:spPr>
+      <dsp:style>
+        <a:lnRef idx="2">
+          <a:scrgbClr r="0" g="0" b="0"/>
+        </a:lnRef>
+        <a:fillRef idx="1">
+          <a:scrgbClr r="0" g="0" b="0"/>
+        </a:fillRef>
+        <a:effectRef idx="0">
+          <a:scrgbClr r="0" g="0" b="0"/>
+        </a:effectRef>
+        <a:fontRef idx="minor"/>
+      </dsp:style>
+      <dsp:txBody>
+        <a:bodyPr spcFirstLastPara="0" vert="horz" wrap="square" lIns="199136" tIns="17780" rIns="17780" bIns="17780" numCol="1" spcCol="1270" anchor="ctr" anchorCtr="0">
+          <a:noAutofit/>
+        </a:bodyPr>
+        <a:lstStyle/>
+        <a:p>
+          <a:pPr marL="285750" lvl="1" indent="-285750" algn="l" defTabSz="1244600">
+            <a:lnSpc>
+              <a:spcPct val="90000"/>
+            </a:lnSpc>
+            <a:spcBef>
+              <a:spcPct val="0"/>
+            </a:spcBef>
+            <a:spcAft>
+              <a:spcPct val="15000"/>
+            </a:spcAft>
+            <a:buChar char="••"/>
+          </a:pPr>
+          <a:r>
+            <a:rPr lang="en-US" sz="2800" kern="1200" err="1" smtClean="0"/>
+            <a:t>Định</a:t>
+          </a:r>
+          <a:r>
+            <a:rPr lang="en-US" sz="2800" kern="1200" smtClean="0"/>
+            <a:t> </a:t>
+          </a:r>
+          <a:r>
+            <a:rPr lang="en-US" sz="2800" kern="1200" err="1" smtClean="0"/>
+            <a:t>hướng</a:t>
+          </a:r>
+          <a:r>
+            <a:rPr lang="en-US" sz="2800" kern="1200" smtClean="0"/>
+            <a:t> </a:t>
+          </a:r>
+          <a:r>
+            <a:rPr lang="en-US" sz="2800" kern="1200" err="1" smtClean="0"/>
+            <a:t>nghiên</a:t>
+          </a:r>
+          <a:r>
+            <a:rPr lang="en-US" sz="2800" kern="1200" smtClean="0"/>
+            <a:t> </a:t>
+          </a:r>
+          <a:r>
+            <a:rPr lang="en-US" sz="2800" kern="1200" err="1" smtClean="0"/>
+            <a:t>cứu</a:t>
+          </a:r>
+          <a:r>
+            <a:rPr lang="en-US" sz="2800" kern="1200" smtClean="0"/>
+            <a:t> </a:t>
+          </a:r>
+          <a:r>
+            <a:rPr lang="en-US" sz="2800" kern="1200" err="1" smtClean="0"/>
+            <a:t>trong</a:t>
+          </a:r>
+          <a:r>
+            <a:rPr lang="en-US" sz="2800" kern="1200" smtClean="0"/>
+            <a:t> </a:t>
+          </a:r>
+          <a:r>
+            <a:rPr lang="en-US" sz="2800" kern="1200" err="1" smtClean="0"/>
+            <a:t>tương</a:t>
+          </a:r>
+          <a:r>
+            <a:rPr lang="en-US" sz="2800" kern="1200" smtClean="0"/>
+            <a:t> </a:t>
+          </a:r>
+          <a:r>
+            <a:rPr lang="en-US" sz="2800" kern="1200" err="1" smtClean="0"/>
+            <a:t>lai</a:t>
+          </a:r>
+          <a:endParaRPr lang="en-US" sz="2800" kern="1200"/>
+        </a:p>
+      </dsp:txBody>
+      <dsp:txXfrm rot="5400000">
+        <a:off x="4126368" y="140856"/>
+        <a:ext cx="649281" cy="7530374"/>
+      </dsp:txXfrm>
+    </dsp:sp>
+  </dsp:spTree>
+</dsp:drawing>
+</file>
+
+<file path=ppt/diagrams/drawing2.xml><?xml version="1.0" encoding="utf-8"?>
+<dsp:drawing xmlns:dgm="http://schemas.openxmlformats.org/drawingml/2006/diagram" xmlns:a="http://schemas.openxmlformats.org/drawingml/2006/main" xmlns:dsp="http://schemas.microsoft.com/office/drawing/2008/diagram">
+  <dsp:spTree>
+    <dsp:nvGrpSpPr>
+      <dsp:cNvPr id="0" name=""/>
+      <dsp:cNvGrpSpPr/>
+    </dsp:nvGrpSpPr>
+    <dsp:grpSpPr/>
+    <dsp:sp modelId="{885C7B28-4619-4785-9507-9AFEE95D8830}">
+      <dsp:nvSpPr>
+        <dsp:cNvPr id="0" name=""/>
+        <dsp:cNvSpPr/>
+      </dsp:nvSpPr>
+      <dsp:spPr>
+        <a:xfrm rot="5400000">
+          <a:off x="-226778" y="226858"/>
+          <a:ext cx="1511859" cy="1058301"/>
+        </a:xfrm>
+        <a:prstGeom prst="chevron">
+          <a:avLst/>
+        </a:prstGeom>
+        <a:gradFill rotWithShape="0">
+          <a:gsLst>
+            <a:gs pos="0">
+              <a:schemeClr val="accent2">
+                <a:hueOff val="0"/>
+                <a:satOff val="0"/>
+                <a:lumOff val="0"/>
+                <a:alphaOff val="0"/>
+                <a:shade val="51000"/>
+                <a:satMod val="130000"/>
+              </a:schemeClr>
+            </a:gs>
+            <a:gs pos="80000">
+              <a:schemeClr val="accent2">
+                <a:hueOff val="0"/>
+                <a:satOff val="0"/>
+                <a:lumOff val="0"/>
+                <a:alphaOff val="0"/>
+                <a:shade val="93000"/>
+                <a:satMod val="130000"/>
+              </a:schemeClr>
+            </a:gs>
+            <a:gs pos="100000">
+              <a:schemeClr val="accent2">
+                <a:hueOff val="0"/>
+                <a:satOff val="0"/>
+                <a:lumOff val="0"/>
+                <a:alphaOff val="0"/>
+                <a:shade val="94000"/>
+                <a:satMod val="135000"/>
+              </a:schemeClr>
+            </a:gs>
+          </a:gsLst>
+          <a:lin ang="16200000" scaled="0"/>
+        </a:gradFill>
+        <a:ln w="9525" cap="flat" cmpd="sng" algn="ctr">
+          <a:solidFill>
+            <a:schemeClr val="accent2">
+              <a:hueOff val="0"/>
+              <a:satOff val="0"/>
+              <a:lumOff val="0"/>
+              <a:alphaOff val="0"/>
+            </a:schemeClr>
+          </a:solidFill>
+          <a:prstDash val="solid"/>
+        </a:ln>
+        <a:effectLst>
+          <a:outerShdw blurRad="40000" dist="23000" dir="5400000" rotWithShape="0">
+            <a:srgbClr val="000000">
+              <a:alpha val="35000"/>
+            </a:srgbClr>
+          </a:outerShdw>
+        </a:effectLst>
+      </dsp:spPr>
+      <dsp:style>
+        <a:lnRef idx="1">
+          <a:scrgbClr r="0" g="0" b="0"/>
+        </a:lnRef>
+        <a:fillRef idx="3">
+          <a:scrgbClr r="0" g="0" b="0"/>
+        </a:fillRef>
+        <a:effectRef idx="2">
+          <a:scrgbClr r="0" g="0" b="0"/>
+        </a:effectRef>
+        <a:fontRef idx="minor">
+          <a:schemeClr val="lt1"/>
+        </a:fontRef>
+      </dsp:style>
+      <dsp:txBody>
+        <a:bodyPr spcFirstLastPara="0" vert="horz" wrap="square" lIns="18415" tIns="18415" rIns="18415" bIns="18415" numCol="1" spcCol="1270" anchor="ctr" anchorCtr="0">
+          <a:noAutofit/>
+        </a:bodyPr>
+        <a:lstStyle/>
+        <a:p>
+          <a:pPr lvl="0" algn="ctr" defTabSz="1289050">
+            <a:lnSpc>
+              <a:spcPct val="90000"/>
+            </a:lnSpc>
+            <a:spcBef>
+              <a:spcPct val="0"/>
+            </a:spcBef>
+            <a:spcAft>
+              <a:spcPct val="35000"/>
+            </a:spcAft>
+          </a:pPr>
+          <a:r>
+            <a:rPr lang="en-US" sz="2900" kern="1200" smtClean="0"/>
+            <a:t>[2.1]</a:t>
+          </a:r>
+          <a:endParaRPr lang="en-US" sz="2900" kern="1200"/>
+        </a:p>
+      </dsp:txBody>
+      <dsp:txXfrm rot="5400000">
+        <a:off x="-226778" y="226858"/>
+        <a:ext cx="1511859" cy="1058301"/>
+      </dsp:txXfrm>
+    </dsp:sp>
+    <dsp:sp modelId="{09E5DB23-E3DF-4ADF-8F57-2B5BD1B0BC00}">
+      <dsp:nvSpPr>
+        <dsp:cNvPr id="0" name=""/>
+        <dsp:cNvSpPr/>
+      </dsp:nvSpPr>
+      <dsp:spPr>
+        <a:xfrm rot="5400000">
+          <a:off x="4152596" y="-3094215"/>
+          <a:ext cx="982708" cy="7171298"/>
+        </a:xfrm>
+        <a:prstGeom prst="round2SameRect">
+          <a:avLst/>
+        </a:prstGeom>
+        <a:solidFill>
+          <a:schemeClr val="lt1">
+            <a:alpha val="90000"/>
+            <a:hueOff val="0"/>
+            <a:satOff val="0"/>
+            <a:lumOff val="0"/>
+            <a:alphaOff val="0"/>
+          </a:schemeClr>
+        </a:solidFill>
+        <a:ln w="9525" cap="flat" cmpd="sng" algn="ctr">
+          <a:solidFill>
+            <a:schemeClr val="accent2">
+              <a:hueOff val="0"/>
+              <a:satOff val="0"/>
+              <a:lumOff val="0"/>
+              <a:alphaOff val="0"/>
+            </a:schemeClr>
+          </a:solidFill>
+          <a:prstDash val="solid"/>
+        </a:ln>
+        <a:effectLst/>
+      </dsp:spPr>
+      <dsp:style>
+        <a:lnRef idx="1">
+          <a:scrgbClr r="0" g="0" b="0"/>
+        </a:lnRef>
+        <a:fillRef idx="1">
+          <a:scrgbClr r="0" g="0" b="0"/>
+        </a:fillRef>
+        <a:effectRef idx="0">
+          <a:scrgbClr r="0" g="0" b="0"/>
+        </a:effectRef>
+        <a:fontRef idx="minor"/>
+      </dsp:style>
+      <dsp:txBody>
+        <a:bodyPr spcFirstLastPara="0" vert="horz" wrap="square" lIns="170688" tIns="15240" rIns="15240" bIns="15240" numCol="1" spcCol="1270" anchor="ctr" anchorCtr="0">
+          <a:noAutofit/>
+        </a:bodyPr>
+        <a:lstStyle/>
+        <a:p>
+          <a:pPr marL="228600" lvl="1" indent="-228600" algn="l" defTabSz="1066800">
+            <a:lnSpc>
+              <a:spcPct val="90000"/>
+            </a:lnSpc>
+            <a:spcBef>
+              <a:spcPct val="0"/>
+            </a:spcBef>
+            <a:spcAft>
+              <a:spcPct val="15000"/>
+            </a:spcAft>
+            <a:buChar char="••"/>
+          </a:pPr>
+          <a:r>
+            <a:rPr lang="en-US" sz="2400" kern="1200" smtClean="0"/>
+            <a:t>Cơ sở lý thuyết </a:t>
+          </a:r>
+          <a:endParaRPr lang="en-US" sz="2400" kern="1200"/>
+        </a:p>
+        <a:p>
+          <a:pPr marL="228600" lvl="1" indent="-228600" algn="l" defTabSz="1066800">
+            <a:lnSpc>
+              <a:spcPct val="90000"/>
+            </a:lnSpc>
+            <a:spcBef>
+              <a:spcPct val="0"/>
+            </a:spcBef>
+            <a:spcAft>
+              <a:spcPct val="15000"/>
+            </a:spcAft>
+            <a:buChar char="••"/>
+          </a:pPr>
+          <a:endParaRPr lang="en-US" sz="2400" kern="1200"/>
+        </a:p>
+      </dsp:txBody>
+      <dsp:txXfrm rot="5400000">
+        <a:off x="4152596" y="-3094215"/>
+        <a:ext cx="982708" cy="7171298"/>
+      </dsp:txXfrm>
+    </dsp:sp>
+    <dsp:sp modelId="{2B7DB3C0-784F-4F3A-BA94-159226EC7A17}">
+      <dsp:nvSpPr>
+        <dsp:cNvPr id="0" name=""/>
+        <dsp:cNvSpPr/>
+      </dsp:nvSpPr>
+      <dsp:spPr>
+        <a:xfrm rot="5400000">
+          <a:off x="-226778" y="1543330"/>
+          <a:ext cx="1511859" cy="1058301"/>
+        </a:xfrm>
+        <a:prstGeom prst="chevron">
+          <a:avLst/>
+        </a:prstGeom>
+        <a:gradFill rotWithShape="0">
+          <a:gsLst>
+            <a:gs pos="0">
+              <a:schemeClr val="accent2">
+                <a:hueOff val="0"/>
+                <a:satOff val="0"/>
+                <a:lumOff val="0"/>
+                <a:alphaOff val="0"/>
+                <a:shade val="51000"/>
+                <a:satMod val="130000"/>
+              </a:schemeClr>
+            </a:gs>
+            <a:gs pos="80000">
+              <a:schemeClr val="accent2">
+                <a:hueOff val="0"/>
+                <a:satOff val="0"/>
+                <a:lumOff val="0"/>
+                <a:alphaOff val="0"/>
+                <a:shade val="93000"/>
+                <a:satMod val="130000"/>
+              </a:schemeClr>
+            </a:gs>
+            <a:gs pos="100000">
+              <a:schemeClr val="accent2">
+                <a:hueOff val="0"/>
+                <a:satOff val="0"/>
+                <a:lumOff val="0"/>
+                <a:alphaOff val="0"/>
+                <a:shade val="94000"/>
+                <a:satMod val="135000"/>
+              </a:schemeClr>
+            </a:gs>
+          </a:gsLst>
+          <a:lin ang="16200000" scaled="0"/>
+        </a:gradFill>
+        <a:ln w="9525" cap="flat" cmpd="sng" algn="ctr">
+          <a:solidFill>
+            <a:schemeClr val="accent2">
+              <a:hueOff val="0"/>
+              <a:satOff val="0"/>
+              <a:lumOff val="0"/>
+              <a:alphaOff val="0"/>
+            </a:schemeClr>
+          </a:solidFill>
+          <a:prstDash val="solid"/>
+        </a:ln>
+        <a:effectLst>
+          <a:outerShdw blurRad="40000" dist="23000" dir="5400000" rotWithShape="0">
+            <a:srgbClr val="000000">
+              <a:alpha val="35000"/>
+            </a:srgbClr>
+          </a:outerShdw>
+        </a:effectLst>
+      </dsp:spPr>
+      <dsp:style>
+        <a:lnRef idx="1">
+          <a:scrgbClr r="0" g="0" b="0"/>
+        </a:lnRef>
+        <a:fillRef idx="3">
+          <a:scrgbClr r="0" g="0" b="0"/>
+        </a:fillRef>
+        <a:effectRef idx="2">
+          <a:scrgbClr r="0" g="0" b="0"/>
+        </a:effectRef>
+        <a:fontRef idx="minor">
+          <a:schemeClr val="lt1"/>
+        </a:fontRef>
+      </dsp:style>
+      <dsp:txBody>
+        <a:bodyPr spcFirstLastPara="0" vert="horz" wrap="square" lIns="18415" tIns="18415" rIns="18415" bIns="18415" numCol="1" spcCol="1270" anchor="ctr" anchorCtr="0">
+          <a:noAutofit/>
+        </a:bodyPr>
+        <a:lstStyle/>
+        <a:p>
+          <a:pPr lvl="0" algn="ctr" defTabSz="1289050">
+            <a:lnSpc>
+              <a:spcPct val="90000"/>
+            </a:lnSpc>
+            <a:spcBef>
+              <a:spcPct val="0"/>
+            </a:spcBef>
+            <a:spcAft>
+              <a:spcPct val="35000"/>
+            </a:spcAft>
+          </a:pPr>
+          <a:r>
+            <a:rPr lang="en-US" sz="2900" kern="1200" smtClean="0"/>
+            <a:t>[2.2]</a:t>
+          </a:r>
+          <a:endParaRPr lang="en-US" sz="2900" kern="1200"/>
+        </a:p>
+      </dsp:txBody>
+      <dsp:txXfrm rot="5400000">
+        <a:off x="-226778" y="1543330"/>
+        <a:ext cx="1511859" cy="1058301"/>
+      </dsp:txXfrm>
+    </dsp:sp>
+    <dsp:sp modelId="{7298D812-D448-4291-9D03-3544A16F9B39}">
+      <dsp:nvSpPr>
+        <dsp:cNvPr id="0" name=""/>
+        <dsp:cNvSpPr/>
+      </dsp:nvSpPr>
+      <dsp:spPr>
+        <a:xfrm rot="5400000">
+          <a:off x="4152596" y="-1777743"/>
+          <a:ext cx="982708" cy="7171298"/>
+        </a:xfrm>
+        <a:prstGeom prst="round2SameRect">
+          <a:avLst/>
+        </a:prstGeom>
+        <a:solidFill>
+          <a:schemeClr val="lt1">
+            <a:alpha val="90000"/>
+            <a:hueOff val="0"/>
+            <a:satOff val="0"/>
+            <a:lumOff val="0"/>
+            <a:alphaOff val="0"/>
+          </a:schemeClr>
+        </a:solidFill>
+        <a:ln w="9525" cap="flat" cmpd="sng" algn="ctr">
+          <a:solidFill>
+            <a:schemeClr val="accent2">
+              <a:hueOff val="0"/>
+              <a:satOff val="0"/>
+              <a:lumOff val="0"/>
+              <a:alphaOff val="0"/>
+            </a:schemeClr>
+          </a:solidFill>
+          <a:prstDash val="solid"/>
+        </a:ln>
+        <a:effectLst/>
+      </dsp:spPr>
+      <dsp:style>
+        <a:lnRef idx="1">
+          <a:scrgbClr r="0" g="0" b="0"/>
+        </a:lnRef>
+        <a:fillRef idx="1">
+          <a:scrgbClr r="0" g="0" b="0"/>
+        </a:fillRef>
+        <a:effectRef idx="0">
+          <a:scrgbClr r="0" g="0" b="0"/>
+        </a:effectRef>
+        <a:fontRef idx="minor"/>
+      </dsp:style>
+      <dsp:txBody>
+        <a:bodyPr spcFirstLastPara="0" vert="horz" wrap="square" lIns="170688" tIns="15240" rIns="15240" bIns="15240" numCol="1" spcCol="1270" anchor="ctr" anchorCtr="0">
+          <a:noAutofit/>
+        </a:bodyPr>
+        <a:lstStyle/>
+        <a:p>
+          <a:pPr marL="228600" lvl="1" indent="-228600" algn="l" defTabSz="1066800">
+            <a:lnSpc>
+              <a:spcPct val="90000"/>
+            </a:lnSpc>
+            <a:spcBef>
+              <a:spcPct val="0"/>
+            </a:spcBef>
+            <a:spcAft>
+              <a:spcPct val="15000"/>
+            </a:spcAft>
+            <a:buChar char="••"/>
+          </a:pPr>
+          <a:r>
+            <a:rPr lang="en-US" sz="2400" kern="1200" smtClean="0"/>
+            <a:t>Kết quả nghiên cứu đã có từ các trường đại học khác</a:t>
+          </a:r>
+          <a:endParaRPr lang="en-US" sz="2400" kern="1200"/>
+        </a:p>
+        <a:p>
+          <a:pPr marL="228600" lvl="1" indent="-228600" algn="l" defTabSz="1066800">
+            <a:lnSpc>
+              <a:spcPct val="90000"/>
+            </a:lnSpc>
+            <a:spcBef>
+              <a:spcPct val="0"/>
+            </a:spcBef>
+            <a:spcAft>
+              <a:spcPct val="15000"/>
+            </a:spcAft>
+            <a:buChar char="••"/>
+          </a:pPr>
+          <a:endParaRPr lang="en-US" sz="2400" kern="1200"/>
+        </a:p>
+      </dsp:txBody>
+      <dsp:txXfrm rot="5400000">
+        <a:off x="4152596" y="-1777743"/>
+        <a:ext cx="982708" cy="7171298"/>
+      </dsp:txXfrm>
+    </dsp:sp>
+    <dsp:sp modelId="{C0AF5A46-86A8-4A65-8CF5-A1B9C0CAAD7C}">
+      <dsp:nvSpPr>
+        <dsp:cNvPr id="0" name=""/>
+        <dsp:cNvSpPr/>
+      </dsp:nvSpPr>
+      <dsp:spPr>
+        <a:xfrm rot="5400000">
+          <a:off x="-226778" y="2859802"/>
+          <a:ext cx="1511859" cy="1058301"/>
+        </a:xfrm>
+        <a:prstGeom prst="chevron">
+          <a:avLst/>
+        </a:prstGeom>
+        <a:gradFill rotWithShape="0">
+          <a:gsLst>
+            <a:gs pos="0">
+              <a:schemeClr val="accent2">
+                <a:hueOff val="0"/>
+                <a:satOff val="0"/>
+                <a:lumOff val="0"/>
+                <a:alphaOff val="0"/>
+                <a:shade val="51000"/>
+                <a:satMod val="130000"/>
+              </a:schemeClr>
+            </a:gs>
+            <a:gs pos="80000">
+              <a:schemeClr val="accent2">
+                <a:hueOff val="0"/>
+                <a:satOff val="0"/>
+                <a:lumOff val="0"/>
+                <a:alphaOff val="0"/>
+                <a:shade val="93000"/>
+                <a:satMod val="130000"/>
+              </a:schemeClr>
+            </a:gs>
+            <a:gs pos="100000">
+              <a:schemeClr val="accent2">
+                <a:hueOff val="0"/>
+                <a:satOff val="0"/>
+                <a:lumOff val="0"/>
+                <a:alphaOff val="0"/>
+                <a:shade val="94000"/>
+                <a:satMod val="135000"/>
+              </a:schemeClr>
+            </a:gs>
+          </a:gsLst>
+          <a:lin ang="16200000" scaled="0"/>
+        </a:gradFill>
+        <a:ln w="9525" cap="flat" cmpd="sng" algn="ctr">
+          <a:solidFill>
+            <a:schemeClr val="accent2">
+              <a:hueOff val="0"/>
+              <a:satOff val="0"/>
+              <a:lumOff val="0"/>
+              <a:alphaOff val="0"/>
+            </a:schemeClr>
+          </a:solidFill>
+          <a:prstDash val="solid"/>
+        </a:ln>
+        <a:effectLst>
+          <a:outerShdw blurRad="40000" dist="23000" dir="5400000" rotWithShape="0">
+            <a:srgbClr val="000000">
+              <a:alpha val="35000"/>
+            </a:srgbClr>
+          </a:outerShdw>
+        </a:effectLst>
+      </dsp:spPr>
+      <dsp:style>
+        <a:lnRef idx="1">
+          <a:scrgbClr r="0" g="0" b="0"/>
+        </a:lnRef>
+        <a:fillRef idx="3">
+          <a:scrgbClr r="0" g="0" b="0"/>
+        </a:fillRef>
+        <a:effectRef idx="2">
+          <a:scrgbClr r="0" g="0" b="0"/>
+        </a:effectRef>
+        <a:fontRef idx="minor">
+          <a:schemeClr val="lt1"/>
+        </a:fontRef>
+      </dsp:style>
+      <dsp:txBody>
+        <a:bodyPr spcFirstLastPara="0" vert="horz" wrap="square" lIns="18415" tIns="18415" rIns="18415" bIns="18415" numCol="1" spcCol="1270" anchor="ctr" anchorCtr="0">
+          <a:noAutofit/>
+        </a:bodyPr>
+        <a:lstStyle/>
+        <a:p>
+          <a:pPr lvl="0" algn="ctr" defTabSz="1289050">
+            <a:lnSpc>
+              <a:spcPct val="90000"/>
+            </a:lnSpc>
+            <a:spcBef>
+              <a:spcPct val="0"/>
+            </a:spcBef>
+            <a:spcAft>
+              <a:spcPct val="35000"/>
+            </a:spcAft>
+          </a:pPr>
+          <a:r>
+            <a:rPr lang="en-US" sz="2900" kern="1200" smtClean="0"/>
+            <a:t>[2.3]</a:t>
+          </a:r>
+          <a:endParaRPr lang="en-US" sz="2900" kern="1200"/>
+        </a:p>
+      </dsp:txBody>
+      <dsp:txXfrm rot="5400000">
+        <a:off x="-226778" y="2859802"/>
+        <a:ext cx="1511859" cy="1058301"/>
+      </dsp:txXfrm>
+    </dsp:sp>
+    <dsp:sp modelId="{DF20EF36-209D-4936-B393-CC3B04621D30}">
+      <dsp:nvSpPr>
+        <dsp:cNvPr id="0" name=""/>
+        <dsp:cNvSpPr/>
+      </dsp:nvSpPr>
+      <dsp:spPr>
+        <a:xfrm rot="5400000">
+          <a:off x="4152596" y="-461271"/>
+          <a:ext cx="982708" cy="7171298"/>
+        </a:xfrm>
+        <a:prstGeom prst="round2SameRect">
+          <a:avLst/>
+        </a:prstGeom>
+        <a:solidFill>
+          <a:schemeClr val="lt1">
+            <a:alpha val="90000"/>
+            <a:hueOff val="0"/>
+            <a:satOff val="0"/>
+            <a:lumOff val="0"/>
+            <a:alphaOff val="0"/>
+          </a:schemeClr>
+        </a:solidFill>
+        <a:ln w="9525" cap="flat" cmpd="sng" algn="ctr">
+          <a:solidFill>
+            <a:schemeClr val="accent2">
+              <a:hueOff val="0"/>
+              <a:satOff val="0"/>
+              <a:lumOff val="0"/>
+              <a:alphaOff val="0"/>
+            </a:schemeClr>
+          </a:solidFill>
+          <a:prstDash val="solid"/>
+        </a:ln>
+        <a:effectLst/>
+      </dsp:spPr>
+      <dsp:style>
+        <a:lnRef idx="1">
+          <a:scrgbClr r="0" g="0" b="0"/>
+        </a:lnRef>
+        <a:fillRef idx="1">
+          <a:scrgbClr r="0" g="0" b="0"/>
+        </a:fillRef>
+        <a:effectRef idx="0">
+          <a:scrgbClr r="0" g="0" b="0"/>
+        </a:effectRef>
+        <a:fontRef idx="minor"/>
+      </dsp:style>
+      <dsp:txBody>
+        <a:bodyPr spcFirstLastPara="0" vert="horz" wrap="square" lIns="170688" tIns="15240" rIns="15240" bIns="15240" numCol="1" spcCol="1270" anchor="ctr" anchorCtr="0">
+          <a:noAutofit/>
+        </a:bodyPr>
+        <a:lstStyle/>
+        <a:p>
+          <a:pPr marL="228600" lvl="1" indent="-228600" algn="l" defTabSz="1066800">
+            <a:lnSpc>
+              <a:spcPct val="90000"/>
+            </a:lnSpc>
+            <a:spcBef>
+              <a:spcPct val="0"/>
+            </a:spcBef>
+            <a:spcAft>
+              <a:spcPct val="15000"/>
+            </a:spcAft>
+            <a:buChar char="••"/>
+          </a:pPr>
+          <a:r>
+            <a:rPr lang="en-US" sz="2400" kern="1200" smtClean="0"/>
+            <a:t>Phân tích vấn đề dự báo NGHỈ HỌC ở HOU-Elearing</a:t>
+          </a:r>
+          <a:endParaRPr lang="en-US" sz="2400" kern="1200"/>
+        </a:p>
+        <a:p>
+          <a:pPr marL="228600" lvl="1" indent="-228600" algn="l" defTabSz="1066800">
+            <a:lnSpc>
+              <a:spcPct val="90000"/>
+            </a:lnSpc>
+            <a:spcBef>
+              <a:spcPct val="0"/>
+            </a:spcBef>
+            <a:spcAft>
+              <a:spcPct val="15000"/>
+            </a:spcAft>
+            <a:buChar char="••"/>
+          </a:pPr>
+          <a:endParaRPr lang="en-US" sz="2400" kern="1200"/>
+        </a:p>
+      </dsp:txBody>
+      <dsp:txXfrm rot="5400000">
+        <a:off x="4152596" y="-461271"/>
+        <a:ext cx="982708" cy="7171298"/>
+      </dsp:txXfrm>
+    </dsp:sp>
+  </dsp:spTree>
+</dsp:drawing>
+</file>
+
+<file path=ppt/diagrams/drawing3.xml><?xml version="1.0" encoding="utf-8"?>
+<dsp:drawing xmlns:dgm="http://schemas.openxmlformats.org/drawingml/2006/diagram" xmlns:a="http://schemas.openxmlformats.org/drawingml/2006/main" xmlns:dsp="http://schemas.microsoft.com/office/drawing/2008/diagram">
+  <dsp:spTree>
+    <dsp:nvGrpSpPr>
+      <dsp:cNvPr id="0" name=""/>
+      <dsp:cNvGrpSpPr/>
+    </dsp:nvGrpSpPr>
+    <dsp:grpSpPr/>
+    <dsp:sp modelId="{FB4E0029-8715-4416-9E2A-5866A6E16251}">
+      <dsp:nvSpPr>
+        <dsp:cNvPr id="0" name=""/>
+        <dsp:cNvSpPr/>
+      </dsp:nvSpPr>
+      <dsp:spPr>
+        <a:xfrm rot="5400000">
+          <a:off x="-149834" y="152032"/>
+          <a:ext cx="998894" cy="699225"/>
+        </a:xfrm>
+        <a:prstGeom prst="chevron">
+          <a:avLst/>
+        </a:prstGeom>
+        <a:gradFill rotWithShape="0">
+          <a:gsLst>
+            <a:gs pos="0">
+              <a:schemeClr val="accent2">
+                <a:hueOff val="0"/>
+                <a:satOff val="0"/>
+                <a:lumOff val="0"/>
+                <a:alphaOff val="0"/>
+                <a:shade val="51000"/>
+                <a:satMod val="130000"/>
+              </a:schemeClr>
+            </a:gs>
+            <a:gs pos="80000">
+              <a:schemeClr val="accent2">
+                <a:hueOff val="0"/>
+                <a:satOff val="0"/>
+                <a:lumOff val="0"/>
+                <a:alphaOff val="0"/>
+                <a:shade val="93000"/>
+                <a:satMod val="130000"/>
+              </a:schemeClr>
+            </a:gs>
+            <a:gs pos="100000">
+              <a:schemeClr val="accent2">
+                <a:hueOff val="0"/>
+                <a:satOff val="0"/>
+                <a:lumOff val="0"/>
+                <a:alphaOff val="0"/>
+                <a:shade val="94000"/>
+                <a:satMod val="135000"/>
+              </a:schemeClr>
+            </a:gs>
+          </a:gsLst>
+          <a:lin ang="16200000" scaled="0"/>
+        </a:gradFill>
+        <a:ln w="9525" cap="flat" cmpd="sng" algn="ctr">
+          <a:solidFill>
+            <a:schemeClr val="accent2">
+              <a:hueOff val="0"/>
+              <a:satOff val="0"/>
+              <a:lumOff val="0"/>
+              <a:alphaOff val="0"/>
+            </a:schemeClr>
+          </a:solidFill>
+          <a:prstDash val="solid"/>
+        </a:ln>
+        <a:effectLst>
+          <a:outerShdw blurRad="40000" dist="23000" dir="5400000" rotWithShape="0">
+            <a:srgbClr val="000000">
+              <a:alpha val="35000"/>
+            </a:srgbClr>
+          </a:outerShdw>
+        </a:effectLst>
+      </dsp:spPr>
+      <dsp:style>
+        <a:lnRef idx="1">
+          <a:scrgbClr r="0" g="0" b="0"/>
+        </a:lnRef>
+        <a:fillRef idx="3">
+          <a:scrgbClr r="0" g="0" b="0"/>
+        </a:fillRef>
+        <a:effectRef idx="2">
+          <a:scrgbClr r="0" g="0" b="0"/>
+        </a:effectRef>
+        <a:fontRef idx="minor">
+          <a:schemeClr val="lt1"/>
+        </a:fontRef>
+      </dsp:style>
+      <dsp:txBody>
+        <a:bodyPr spcFirstLastPara="0" vert="horz" wrap="square" lIns="12065" tIns="12065" rIns="12065" bIns="12065" numCol="1" spcCol="1270" anchor="ctr" anchorCtr="0">
+          <a:noAutofit/>
+        </a:bodyPr>
+        <a:lstStyle/>
+        <a:p>
+          <a:pPr lvl="0" algn="ctr" defTabSz="844550">
+            <a:lnSpc>
+              <a:spcPct val="90000"/>
+            </a:lnSpc>
+            <a:spcBef>
+              <a:spcPct val="0"/>
+            </a:spcBef>
+            <a:spcAft>
+              <a:spcPct val="35000"/>
+            </a:spcAft>
+          </a:pPr>
+          <a:r>
+            <a:rPr lang="en-US" sz="1900" kern="1200" smtClean="0"/>
+            <a:t>[3.1]</a:t>
+          </a:r>
+          <a:endParaRPr lang="en-US" sz="1900" kern="1200"/>
+        </a:p>
+      </dsp:txBody>
+      <dsp:txXfrm rot="5400000">
+        <a:off x="-149834" y="152032"/>
+        <a:ext cx="998894" cy="699225"/>
+      </dsp:txXfrm>
+    </dsp:sp>
+    <dsp:sp modelId="{D041B52B-AD45-45A2-B92C-74D2862A1F75}">
+      <dsp:nvSpPr>
+        <dsp:cNvPr id="0" name=""/>
+        <dsp:cNvSpPr/>
+      </dsp:nvSpPr>
+      <dsp:spPr>
+        <a:xfrm rot="5400000">
+          <a:off x="4139772" y="-3438347"/>
+          <a:ext cx="649281" cy="7530374"/>
+        </a:xfrm>
+        <a:prstGeom prst="round2SameRect">
+          <a:avLst/>
+        </a:prstGeom>
+        <a:solidFill>
+          <a:schemeClr val="lt1">
+            <a:alpha val="90000"/>
+            <a:hueOff val="0"/>
+            <a:satOff val="0"/>
+            <a:lumOff val="0"/>
+            <a:alphaOff val="0"/>
+          </a:schemeClr>
+        </a:solidFill>
+        <a:ln w="9525" cap="flat" cmpd="sng" algn="ctr">
+          <a:solidFill>
+            <a:schemeClr val="accent2">
+              <a:hueOff val="0"/>
+              <a:satOff val="0"/>
+              <a:lumOff val="0"/>
+              <a:alphaOff val="0"/>
+            </a:schemeClr>
+          </a:solidFill>
+          <a:prstDash val="solid"/>
+        </a:ln>
+        <a:effectLst/>
+      </dsp:spPr>
+      <dsp:style>
+        <a:lnRef idx="1">
+          <a:scrgbClr r="0" g="0" b="0"/>
+        </a:lnRef>
+        <a:fillRef idx="1">
+          <a:scrgbClr r="0" g="0" b="0"/>
+        </a:fillRef>
+        <a:effectRef idx="0">
+          <a:scrgbClr r="0" g="0" b="0"/>
+        </a:effectRef>
+        <a:fontRef idx="minor"/>
+      </dsp:style>
+      <dsp:txBody>
+        <a:bodyPr spcFirstLastPara="0" vert="horz" wrap="square" lIns="128016" tIns="11430" rIns="11430" bIns="11430" numCol="1" spcCol="1270" anchor="ctr" anchorCtr="0">
+          <a:noAutofit/>
+        </a:bodyPr>
+        <a:lstStyle/>
+        <a:p>
+          <a:pPr marL="171450" lvl="1" indent="-171450" algn="l" defTabSz="800100">
+            <a:lnSpc>
+              <a:spcPct val="90000"/>
+            </a:lnSpc>
+            <a:spcBef>
+              <a:spcPct val="0"/>
+            </a:spcBef>
+            <a:spcAft>
+              <a:spcPct val="15000"/>
+            </a:spcAft>
+            <a:buChar char="••"/>
+          </a:pPr>
+          <a:r>
+            <a:rPr lang="en-US" sz="1800" kern="1200" smtClean="0"/>
+            <a:t>Thu thập dữ liệu</a:t>
+          </a:r>
+          <a:endParaRPr lang="en-US" sz="1800" kern="1200"/>
+        </a:p>
+        <a:p>
+          <a:pPr marL="171450" lvl="1" indent="-171450" algn="l" defTabSz="800100">
+            <a:lnSpc>
+              <a:spcPct val="90000"/>
+            </a:lnSpc>
+            <a:spcBef>
+              <a:spcPct val="0"/>
+            </a:spcBef>
+            <a:spcAft>
+              <a:spcPct val="15000"/>
+            </a:spcAft>
+            <a:buChar char="••"/>
+          </a:pPr>
+          <a:endParaRPr lang="en-US" sz="1800" kern="1200"/>
+        </a:p>
+      </dsp:txBody>
+      <dsp:txXfrm rot="5400000">
+        <a:off x="4139772" y="-3438347"/>
+        <a:ext cx="649281" cy="7530374"/>
+      </dsp:txXfrm>
+    </dsp:sp>
+    <dsp:sp modelId="{6D469A61-4A3A-4456-A0A5-DFD072E239BF}">
+      <dsp:nvSpPr>
+        <dsp:cNvPr id="0" name=""/>
+        <dsp:cNvSpPr/>
+      </dsp:nvSpPr>
+      <dsp:spPr>
+        <a:xfrm rot="5400000">
+          <a:off x="-149834" y="1032700"/>
+          <a:ext cx="998894" cy="699225"/>
+        </a:xfrm>
+        <a:prstGeom prst="chevron">
+          <a:avLst/>
+        </a:prstGeom>
+        <a:gradFill rotWithShape="0">
+          <a:gsLst>
+            <a:gs pos="0">
+              <a:schemeClr val="accent2">
+                <a:hueOff val="0"/>
+                <a:satOff val="0"/>
+                <a:lumOff val="0"/>
+                <a:alphaOff val="0"/>
+                <a:shade val="51000"/>
+                <a:satMod val="130000"/>
+              </a:schemeClr>
+            </a:gs>
+            <a:gs pos="80000">
+              <a:schemeClr val="accent2">
+                <a:hueOff val="0"/>
+                <a:satOff val="0"/>
+                <a:lumOff val="0"/>
+                <a:alphaOff val="0"/>
+                <a:shade val="93000"/>
+                <a:satMod val="130000"/>
+              </a:schemeClr>
+            </a:gs>
+            <a:gs pos="100000">
+              <a:schemeClr val="accent2">
+                <a:hueOff val="0"/>
+                <a:satOff val="0"/>
+                <a:lumOff val="0"/>
+                <a:alphaOff val="0"/>
+                <a:shade val="94000"/>
+                <a:satMod val="135000"/>
+              </a:schemeClr>
+            </a:gs>
+          </a:gsLst>
+          <a:lin ang="16200000" scaled="0"/>
+        </a:gradFill>
+        <a:ln w="9525" cap="flat" cmpd="sng" algn="ctr">
+          <a:solidFill>
+            <a:schemeClr val="accent2">
+              <a:hueOff val="0"/>
+              <a:satOff val="0"/>
+              <a:lumOff val="0"/>
+              <a:alphaOff val="0"/>
+            </a:schemeClr>
+          </a:solidFill>
+          <a:prstDash val="solid"/>
+        </a:ln>
+        <a:effectLst>
+          <a:outerShdw blurRad="40000" dist="23000" dir="5400000" rotWithShape="0">
+            <a:srgbClr val="000000">
+              <a:alpha val="35000"/>
+            </a:srgbClr>
+          </a:outerShdw>
+        </a:effectLst>
+      </dsp:spPr>
+      <dsp:style>
+        <a:lnRef idx="1">
+          <a:scrgbClr r="0" g="0" b="0"/>
+        </a:lnRef>
+        <a:fillRef idx="3">
+          <a:scrgbClr r="0" g="0" b="0"/>
+        </a:fillRef>
+        <a:effectRef idx="2">
+          <a:scrgbClr r="0" g="0" b="0"/>
+        </a:effectRef>
+        <a:fontRef idx="minor">
+          <a:schemeClr val="lt1"/>
+        </a:fontRef>
+      </dsp:style>
+      <dsp:txBody>
+        <a:bodyPr spcFirstLastPara="0" vert="horz" wrap="square" lIns="12065" tIns="12065" rIns="12065" bIns="12065" numCol="1" spcCol="1270" anchor="ctr" anchorCtr="0">
+          <a:noAutofit/>
+        </a:bodyPr>
+        <a:lstStyle/>
+        <a:p>
+          <a:pPr lvl="0" algn="ctr" defTabSz="844550">
+            <a:lnSpc>
+              <a:spcPct val="90000"/>
+            </a:lnSpc>
+            <a:spcBef>
+              <a:spcPct val="0"/>
+            </a:spcBef>
+            <a:spcAft>
+              <a:spcPct val="35000"/>
+            </a:spcAft>
+          </a:pPr>
+          <a:r>
+            <a:rPr lang="en-US" sz="1900" kern="1200" smtClean="0"/>
+            <a:t>[3.2]</a:t>
+          </a:r>
+          <a:endParaRPr lang="en-US" sz="1900" kern="1200"/>
+        </a:p>
+      </dsp:txBody>
+      <dsp:txXfrm rot="5400000">
+        <a:off x="-149834" y="1032700"/>
+        <a:ext cx="998894" cy="699225"/>
+      </dsp:txXfrm>
+    </dsp:sp>
+    <dsp:sp modelId="{58F8F9FE-D520-4C01-8D50-9BB29ABA6CB9}">
+      <dsp:nvSpPr>
+        <dsp:cNvPr id="0" name=""/>
+        <dsp:cNvSpPr/>
+      </dsp:nvSpPr>
+      <dsp:spPr>
+        <a:xfrm rot="5400000">
+          <a:off x="4139772" y="-2557679"/>
+          <a:ext cx="649281" cy="7530374"/>
+        </a:xfrm>
+        <a:prstGeom prst="round2SameRect">
+          <a:avLst/>
+        </a:prstGeom>
+        <a:solidFill>
+          <a:schemeClr val="lt1">
+            <a:alpha val="90000"/>
+            <a:hueOff val="0"/>
+            <a:satOff val="0"/>
+            <a:lumOff val="0"/>
+            <a:alphaOff val="0"/>
+          </a:schemeClr>
+        </a:solidFill>
+        <a:ln w="9525" cap="flat" cmpd="sng" algn="ctr">
+          <a:solidFill>
+            <a:schemeClr val="accent2">
+              <a:hueOff val="0"/>
+              <a:satOff val="0"/>
+              <a:lumOff val="0"/>
+              <a:alphaOff val="0"/>
+            </a:schemeClr>
+          </a:solidFill>
+          <a:prstDash val="solid"/>
+        </a:ln>
+        <a:effectLst/>
+      </dsp:spPr>
+      <dsp:style>
+        <a:lnRef idx="1">
+          <a:scrgbClr r="0" g="0" b="0"/>
+        </a:lnRef>
+        <a:fillRef idx="1">
+          <a:scrgbClr r="0" g="0" b="0"/>
+        </a:fillRef>
+        <a:effectRef idx="0">
+          <a:scrgbClr r="0" g="0" b="0"/>
+        </a:effectRef>
+        <a:fontRef idx="minor"/>
+      </dsp:style>
+      <dsp:txBody>
+        <a:bodyPr spcFirstLastPara="0" vert="horz" wrap="square" lIns="128016" tIns="11430" rIns="11430" bIns="11430" numCol="1" spcCol="1270" anchor="ctr" anchorCtr="0">
+          <a:noAutofit/>
+        </a:bodyPr>
+        <a:lstStyle/>
+        <a:p>
+          <a:pPr marL="171450" lvl="1" indent="-171450" algn="l" defTabSz="800100">
+            <a:lnSpc>
+              <a:spcPct val="90000"/>
+            </a:lnSpc>
+            <a:spcBef>
+              <a:spcPct val="0"/>
+            </a:spcBef>
+            <a:spcAft>
+              <a:spcPct val="15000"/>
+            </a:spcAft>
+            <a:buChar char="••"/>
+          </a:pPr>
+          <a:r>
+            <a:rPr lang="en-US" sz="1800" kern="1200" smtClean="0"/>
+            <a:t>Mô hình mạng Nơron</a:t>
+          </a:r>
+          <a:endParaRPr lang="en-US" sz="1800" kern="1200"/>
+        </a:p>
+        <a:p>
+          <a:pPr marL="171450" lvl="1" indent="-171450" algn="l" defTabSz="800100">
+            <a:lnSpc>
+              <a:spcPct val="90000"/>
+            </a:lnSpc>
+            <a:spcBef>
+              <a:spcPct val="0"/>
+            </a:spcBef>
+            <a:spcAft>
+              <a:spcPct val="15000"/>
+            </a:spcAft>
+            <a:buChar char="••"/>
+          </a:pPr>
+          <a:endParaRPr lang="en-US" sz="1800" kern="1200"/>
+        </a:p>
+      </dsp:txBody>
+      <dsp:txXfrm rot="5400000">
+        <a:off x="4139772" y="-2557679"/>
+        <a:ext cx="649281" cy="7530374"/>
+      </dsp:txXfrm>
+    </dsp:sp>
+    <dsp:sp modelId="{35DA617F-B535-43D5-BA33-E51B3ED76040}">
+      <dsp:nvSpPr>
+        <dsp:cNvPr id="0" name=""/>
+        <dsp:cNvSpPr/>
+      </dsp:nvSpPr>
+      <dsp:spPr>
+        <a:xfrm rot="5400000">
+          <a:off x="-149834" y="1913368"/>
+          <a:ext cx="998894" cy="699225"/>
+        </a:xfrm>
+        <a:prstGeom prst="chevron">
+          <a:avLst/>
+        </a:prstGeom>
+        <a:gradFill rotWithShape="0">
+          <a:gsLst>
+            <a:gs pos="0">
+              <a:schemeClr val="accent2">
+                <a:hueOff val="0"/>
+                <a:satOff val="0"/>
+                <a:lumOff val="0"/>
+                <a:alphaOff val="0"/>
+                <a:shade val="51000"/>
+                <a:satMod val="130000"/>
+              </a:schemeClr>
+            </a:gs>
+            <a:gs pos="80000">
+              <a:schemeClr val="accent2">
+                <a:hueOff val="0"/>
+                <a:satOff val="0"/>
+                <a:lumOff val="0"/>
+                <a:alphaOff val="0"/>
+                <a:shade val="93000"/>
+                <a:satMod val="130000"/>
+              </a:schemeClr>
+            </a:gs>
+            <a:gs pos="100000">
+              <a:schemeClr val="accent2">
+                <a:hueOff val="0"/>
+                <a:satOff val="0"/>
+                <a:lumOff val="0"/>
+                <a:alphaOff val="0"/>
+                <a:shade val="94000"/>
+                <a:satMod val="135000"/>
+              </a:schemeClr>
+            </a:gs>
+          </a:gsLst>
+          <a:lin ang="16200000" scaled="0"/>
+        </a:gradFill>
+        <a:ln w="9525" cap="flat" cmpd="sng" algn="ctr">
+          <a:solidFill>
+            <a:schemeClr val="accent2">
+              <a:hueOff val="0"/>
+              <a:satOff val="0"/>
+              <a:lumOff val="0"/>
+              <a:alphaOff val="0"/>
+            </a:schemeClr>
+          </a:solidFill>
+          <a:prstDash val="solid"/>
+        </a:ln>
+        <a:effectLst>
+          <a:outerShdw blurRad="40000" dist="23000" dir="5400000" rotWithShape="0">
+            <a:srgbClr val="000000">
+              <a:alpha val="35000"/>
+            </a:srgbClr>
+          </a:outerShdw>
+        </a:effectLst>
+      </dsp:spPr>
+      <dsp:style>
+        <a:lnRef idx="1">
+          <a:scrgbClr r="0" g="0" b="0"/>
+        </a:lnRef>
+        <a:fillRef idx="3">
+          <a:scrgbClr r="0" g="0" b="0"/>
+        </a:fillRef>
+        <a:effectRef idx="2">
+          <a:scrgbClr r="0" g="0" b="0"/>
+        </a:effectRef>
+        <a:fontRef idx="minor">
+          <a:schemeClr val="lt1"/>
+        </a:fontRef>
+      </dsp:style>
+      <dsp:txBody>
+        <a:bodyPr spcFirstLastPara="0" vert="horz" wrap="square" lIns="12065" tIns="12065" rIns="12065" bIns="12065" numCol="1" spcCol="1270" anchor="ctr" anchorCtr="0">
+          <a:noAutofit/>
+        </a:bodyPr>
+        <a:lstStyle/>
+        <a:p>
+          <a:pPr lvl="0" algn="ctr" defTabSz="844550">
+            <a:lnSpc>
+              <a:spcPct val="90000"/>
+            </a:lnSpc>
+            <a:spcBef>
+              <a:spcPct val="0"/>
+            </a:spcBef>
+            <a:spcAft>
+              <a:spcPct val="35000"/>
+            </a:spcAft>
+          </a:pPr>
+          <a:r>
+            <a:rPr lang="en-US" sz="1900" kern="1200" smtClean="0"/>
+            <a:t>[3.3]</a:t>
+          </a:r>
+          <a:endParaRPr lang="en-US" sz="1900" kern="1200"/>
+        </a:p>
+      </dsp:txBody>
+      <dsp:txXfrm rot="5400000">
+        <a:off x="-149834" y="1913368"/>
+        <a:ext cx="998894" cy="699225"/>
+      </dsp:txXfrm>
+    </dsp:sp>
+    <dsp:sp modelId="{5FDC2F22-A624-418A-949D-22E17E717E21}">
+      <dsp:nvSpPr>
+        <dsp:cNvPr id="0" name=""/>
+        <dsp:cNvSpPr/>
+      </dsp:nvSpPr>
+      <dsp:spPr>
+        <a:xfrm rot="5400000">
+          <a:off x="4139772" y="-1677012"/>
+          <a:ext cx="649281" cy="7530374"/>
+        </a:xfrm>
+        <a:prstGeom prst="round2SameRect">
+          <a:avLst/>
+        </a:prstGeom>
+        <a:solidFill>
+          <a:schemeClr val="lt1">
+            <a:alpha val="90000"/>
+            <a:hueOff val="0"/>
+            <a:satOff val="0"/>
+            <a:lumOff val="0"/>
+            <a:alphaOff val="0"/>
+          </a:schemeClr>
+        </a:solidFill>
+        <a:ln w="9525" cap="flat" cmpd="sng" algn="ctr">
+          <a:solidFill>
+            <a:schemeClr val="accent2">
+              <a:hueOff val="0"/>
+              <a:satOff val="0"/>
+              <a:lumOff val="0"/>
+              <a:alphaOff val="0"/>
+            </a:schemeClr>
+          </a:solidFill>
+          <a:prstDash val="solid"/>
+        </a:ln>
+        <a:effectLst/>
+      </dsp:spPr>
+      <dsp:style>
+        <a:lnRef idx="1">
+          <a:scrgbClr r="0" g="0" b="0"/>
+        </a:lnRef>
+        <a:fillRef idx="1">
+          <a:scrgbClr r="0" g="0" b="0"/>
+        </a:fillRef>
+        <a:effectRef idx="0">
+          <a:scrgbClr r="0" g="0" b="0"/>
+        </a:effectRef>
+        <a:fontRef idx="minor"/>
+      </dsp:style>
+      <dsp:txBody>
+        <a:bodyPr spcFirstLastPara="0" vert="horz" wrap="square" lIns="128016" tIns="11430" rIns="11430" bIns="11430" numCol="1" spcCol="1270" anchor="ctr" anchorCtr="0">
+          <a:noAutofit/>
+        </a:bodyPr>
+        <a:lstStyle/>
+        <a:p>
+          <a:pPr marL="171450" lvl="1" indent="-171450" algn="l" defTabSz="800100">
+            <a:lnSpc>
+              <a:spcPct val="90000"/>
+            </a:lnSpc>
+            <a:spcBef>
+              <a:spcPct val="0"/>
+            </a:spcBef>
+            <a:spcAft>
+              <a:spcPct val="15000"/>
+            </a:spcAft>
+            <a:buChar char="••"/>
+          </a:pPr>
+          <a:r>
+            <a:rPr lang="en-US" sz="1800" kern="1200" smtClean="0"/>
+            <a:t>Mô hình dự báo</a:t>
+          </a:r>
+          <a:endParaRPr lang="en-US" sz="1800" kern="1200"/>
+        </a:p>
+      </dsp:txBody>
+      <dsp:txXfrm rot="5400000">
+        <a:off x="4139772" y="-1677012"/>
+        <a:ext cx="649281" cy="7530374"/>
+      </dsp:txXfrm>
+    </dsp:sp>
+    <dsp:sp modelId="{1B145C10-D85C-4E32-ADAA-29C5A029D326}">
+      <dsp:nvSpPr>
+        <dsp:cNvPr id="0" name=""/>
+        <dsp:cNvSpPr/>
+      </dsp:nvSpPr>
+      <dsp:spPr>
+        <a:xfrm rot="5400000">
+          <a:off x="-149834" y="2794036"/>
+          <a:ext cx="998894" cy="699225"/>
+        </a:xfrm>
+        <a:prstGeom prst="chevron">
+          <a:avLst/>
+        </a:prstGeom>
+        <a:gradFill rotWithShape="0">
+          <a:gsLst>
+            <a:gs pos="0">
+              <a:schemeClr val="accent2">
+                <a:hueOff val="0"/>
+                <a:satOff val="0"/>
+                <a:lumOff val="0"/>
+                <a:alphaOff val="0"/>
+                <a:shade val="51000"/>
+                <a:satMod val="130000"/>
+              </a:schemeClr>
+            </a:gs>
+            <a:gs pos="80000">
+              <a:schemeClr val="accent2">
+                <a:hueOff val="0"/>
+                <a:satOff val="0"/>
+                <a:lumOff val="0"/>
+                <a:alphaOff val="0"/>
+                <a:shade val="93000"/>
+                <a:satMod val="130000"/>
+              </a:schemeClr>
+            </a:gs>
+            <a:gs pos="100000">
+              <a:schemeClr val="accent2">
+                <a:hueOff val="0"/>
+                <a:satOff val="0"/>
+                <a:lumOff val="0"/>
+                <a:alphaOff val="0"/>
+                <a:shade val="94000"/>
+                <a:satMod val="135000"/>
+              </a:schemeClr>
+            </a:gs>
+          </a:gsLst>
+          <a:lin ang="16200000" scaled="0"/>
+        </a:gradFill>
+        <a:ln w="9525" cap="flat" cmpd="sng" algn="ctr">
+          <a:solidFill>
+            <a:schemeClr val="accent2">
+              <a:hueOff val="0"/>
+              <a:satOff val="0"/>
+              <a:lumOff val="0"/>
+              <a:alphaOff val="0"/>
+            </a:schemeClr>
+          </a:solidFill>
+          <a:prstDash val="solid"/>
+        </a:ln>
+        <a:effectLst>
+          <a:outerShdw blurRad="40000" dist="23000" dir="5400000" rotWithShape="0">
+            <a:srgbClr val="000000">
+              <a:alpha val="35000"/>
+            </a:srgbClr>
+          </a:outerShdw>
+        </a:effectLst>
+      </dsp:spPr>
+      <dsp:style>
+        <a:lnRef idx="1">
+          <a:scrgbClr r="0" g="0" b="0"/>
+        </a:lnRef>
+        <a:fillRef idx="3">
+          <a:scrgbClr r="0" g="0" b="0"/>
+        </a:fillRef>
+        <a:effectRef idx="2">
+          <a:scrgbClr r="0" g="0" b="0"/>
+        </a:effectRef>
+        <a:fontRef idx="minor">
+          <a:schemeClr val="lt1"/>
+        </a:fontRef>
+      </dsp:style>
+      <dsp:txBody>
+        <a:bodyPr spcFirstLastPara="0" vert="horz" wrap="square" lIns="12065" tIns="12065" rIns="12065" bIns="12065" numCol="1" spcCol="1270" anchor="ctr" anchorCtr="0">
+          <a:noAutofit/>
+        </a:bodyPr>
+        <a:lstStyle/>
+        <a:p>
+          <a:pPr lvl="0" algn="ctr" defTabSz="844550">
+            <a:lnSpc>
+              <a:spcPct val="90000"/>
+            </a:lnSpc>
+            <a:spcBef>
+              <a:spcPct val="0"/>
+            </a:spcBef>
+            <a:spcAft>
+              <a:spcPct val="35000"/>
+            </a:spcAft>
+          </a:pPr>
+          <a:r>
+            <a:rPr lang="en-US" sz="1900" kern="1200" smtClean="0"/>
+            <a:t>[3.4]</a:t>
+          </a:r>
+          <a:endParaRPr lang="en-US" sz="1900" kern="1200"/>
+        </a:p>
+      </dsp:txBody>
+      <dsp:txXfrm rot="5400000">
+        <a:off x="-149834" y="2794036"/>
+        <a:ext cx="998894" cy="699225"/>
+      </dsp:txXfrm>
+    </dsp:sp>
+    <dsp:sp modelId="{C4B70946-53DE-49DB-9E16-A2BCC5837DDD}">
+      <dsp:nvSpPr>
+        <dsp:cNvPr id="0" name=""/>
+        <dsp:cNvSpPr/>
+      </dsp:nvSpPr>
+      <dsp:spPr>
+        <a:xfrm rot="5400000">
+          <a:off x="4139772" y="-796344"/>
+          <a:ext cx="649281" cy="7530374"/>
+        </a:xfrm>
+        <a:prstGeom prst="round2SameRect">
+          <a:avLst/>
+        </a:prstGeom>
+        <a:solidFill>
+          <a:schemeClr val="lt1">
+            <a:alpha val="90000"/>
+            <a:hueOff val="0"/>
+            <a:satOff val="0"/>
+            <a:lumOff val="0"/>
+            <a:alphaOff val="0"/>
+          </a:schemeClr>
+        </a:solidFill>
+        <a:ln w="9525" cap="flat" cmpd="sng" algn="ctr">
+          <a:solidFill>
+            <a:schemeClr val="accent2">
+              <a:hueOff val="0"/>
+              <a:satOff val="0"/>
+              <a:lumOff val="0"/>
+              <a:alphaOff val="0"/>
+            </a:schemeClr>
+          </a:solidFill>
+          <a:prstDash val="solid"/>
+        </a:ln>
+        <a:effectLst/>
+      </dsp:spPr>
+      <dsp:style>
+        <a:lnRef idx="1">
+          <a:scrgbClr r="0" g="0" b="0"/>
+        </a:lnRef>
+        <a:fillRef idx="1">
+          <a:scrgbClr r="0" g="0" b="0"/>
+        </a:fillRef>
+        <a:effectRef idx="0">
+          <a:scrgbClr r="0" g="0" b="0"/>
+        </a:effectRef>
+        <a:fontRef idx="minor"/>
+      </dsp:style>
+      <dsp:txBody>
+        <a:bodyPr spcFirstLastPara="0" vert="horz" wrap="square" lIns="128016" tIns="11430" rIns="11430" bIns="11430" numCol="1" spcCol="1270" anchor="ctr" anchorCtr="0">
+          <a:noAutofit/>
+        </a:bodyPr>
+        <a:lstStyle/>
+        <a:p>
+          <a:pPr marL="171450" lvl="1" indent="-171450" algn="l" defTabSz="800100">
+            <a:lnSpc>
+              <a:spcPct val="90000"/>
+            </a:lnSpc>
+            <a:spcBef>
+              <a:spcPct val="0"/>
+            </a:spcBef>
+            <a:spcAft>
+              <a:spcPct val="15000"/>
+            </a:spcAft>
+            <a:buChar char="••"/>
+          </a:pPr>
+          <a:r>
+            <a:rPr lang="en-US" sz="1800" kern="1200" smtClean="0"/>
+            <a:t>Phần mềm hỗ trợ ra quyết định</a:t>
+          </a:r>
+          <a:endParaRPr lang="en-US" sz="1800" kern="1200"/>
+        </a:p>
+      </dsp:txBody>
+      <dsp:txXfrm rot="5400000">
+        <a:off x="4139772" y="-796344"/>
+        <a:ext cx="649281" cy="7530374"/>
+      </dsp:txXfrm>
+    </dsp:sp>
+    <dsp:sp modelId="{C0881691-DBB8-4C45-8A00-3A4C6F5DC789}">
+      <dsp:nvSpPr>
+        <dsp:cNvPr id="0" name=""/>
+        <dsp:cNvSpPr/>
+      </dsp:nvSpPr>
+      <dsp:spPr>
+        <a:xfrm rot="5400000">
+          <a:off x="-149834" y="3674704"/>
+          <a:ext cx="998894" cy="699225"/>
+        </a:xfrm>
+        <a:prstGeom prst="chevron">
+          <a:avLst/>
+        </a:prstGeom>
+        <a:gradFill rotWithShape="0">
+          <a:gsLst>
+            <a:gs pos="0">
+              <a:schemeClr val="accent2">
+                <a:hueOff val="0"/>
+                <a:satOff val="0"/>
+                <a:lumOff val="0"/>
+                <a:alphaOff val="0"/>
+                <a:shade val="51000"/>
+                <a:satMod val="130000"/>
+              </a:schemeClr>
+            </a:gs>
+            <a:gs pos="80000">
+              <a:schemeClr val="accent2">
+                <a:hueOff val="0"/>
+                <a:satOff val="0"/>
+                <a:lumOff val="0"/>
+                <a:alphaOff val="0"/>
+                <a:shade val="93000"/>
+                <a:satMod val="130000"/>
+              </a:schemeClr>
+            </a:gs>
+            <a:gs pos="100000">
+              <a:schemeClr val="accent2">
+                <a:hueOff val="0"/>
+                <a:satOff val="0"/>
+                <a:lumOff val="0"/>
+                <a:alphaOff val="0"/>
+                <a:shade val="94000"/>
+                <a:satMod val="135000"/>
+              </a:schemeClr>
+            </a:gs>
+          </a:gsLst>
+          <a:lin ang="16200000" scaled="0"/>
+        </a:gradFill>
+        <a:ln w="9525" cap="flat" cmpd="sng" algn="ctr">
+          <a:solidFill>
+            <a:schemeClr val="accent2">
+              <a:hueOff val="0"/>
+              <a:satOff val="0"/>
+              <a:lumOff val="0"/>
+              <a:alphaOff val="0"/>
+            </a:schemeClr>
+          </a:solidFill>
+          <a:prstDash val="solid"/>
+        </a:ln>
+        <a:effectLst>
+          <a:outerShdw blurRad="40000" dist="23000" dir="5400000" rotWithShape="0">
+            <a:srgbClr val="000000">
+              <a:alpha val="35000"/>
+            </a:srgbClr>
+          </a:outerShdw>
+        </a:effectLst>
+      </dsp:spPr>
+      <dsp:style>
+        <a:lnRef idx="1">
+          <a:scrgbClr r="0" g="0" b="0"/>
+        </a:lnRef>
+        <a:fillRef idx="3">
+          <a:scrgbClr r="0" g="0" b="0"/>
+        </a:fillRef>
+        <a:effectRef idx="2">
+          <a:scrgbClr r="0" g="0" b="0"/>
+        </a:effectRef>
+        <a:fontRef idx="minor">
+          <a:schemeClr val="lt1"/>
+        </a:fontRef>
+      </dsp:style>
+      <dsp:txBody>
+        <a:bodyPr spcFirstLastPara="0" vert="horz" wrap="square" lIns="12065" tIns="12065" rIns="12065" bIns="12065" numCol="1" spcCol="1270" anchor="ctr" anchorCtr="0">
+          <a:noAutofit/>
+        </a:bodyPr>
+        <a:lstStyle/>
+        <a:p>
+          <a:pPr lvl="0" algn="ctr" defTabSz="844550">
+            <a:lnSpc>
+              <a:spcPct val="90000"/>
+            </a:lnSpc>
+            <a:spcBef>
+              <a:spcPct val="0"/>
+            </a:spcBef>
+            <a:spcAft>
+              <a:spcPct val="35000"/>
+            </a:spcAft>
+          </a:pPr>
+          <a:r>
+            <a:rPr lang="en-US" sz="1900" kern="1200" smtClean="0"/>
+            <a:t>[3.5]</a:t>
+          </a:r>
+          <a:endParaRPr lang="en-US" sz="1900" kern="1200"/>
+        </a:p>
+      </dsp:txBody>
+      <dsp:txXfrm rot="5400000">
+        <a:off x="-149834" y="3674704"/>
+        <a:ext cx="998894" cy="699225"/>
+      </dsp:txXfrm>
+    </dsp:sp>
+    <dsp:sp modelId="{D897DFB4-1A75-4C7C-84AC-3AF8CF9E38D0}">
+      <dsp:nvSpPr>
+        <dsp:cNvPr id="0" name=""/>
+        <dsp:cNvSpPr/>
+      </dsp:nvSpPr>
+      <dsp:spPr>
+        <a:xfrm rot="5400000">
+          <a:off x="4139772" y="84323"/>
+          <a:ext cx="649281" cy="7530374"/>
+        </a:xfrm>
+        <a:prstGeom prst="round2SameRect">
+          <a:avLst/>
+        </a:prstGeom>
+        <a:solidFill>
+          <a:schemeClr val="lt1">
+            <a:alpha val="90000"/>
+            <a:hueOff val="0"/>
+            <a:satOff val="0"/>
+            <a:lumOff val="0"/>
+            <a:alphaOff val="0"/>
+          </a:schemeClr>
+        </a:solidFill>
+        <a:ln w="9525" cap="flat" cmpd="sng" algn="ctr">
+          <a:solidFill>
+            <a:schemeClr val="accent2">
+              <a:hueOff val="0"/>
+              <a:satOff val="0"/>
+              <a:lumOff val="0"/>
+              <a:alphaOff val="0"/>
+            </a:schemeClr>
+          </a:solidFill>
+          <a:prstDash val="solid"/>
+        </a:ln>
+        <a:effectLst/>
+      </dsp:spPr>
+      <dsp:style>
+        <a:lnRef idx="1">
+          <a:scrgbClr r="0" g="0" b="0"/>
+        </a:lnRef>
+        <a:fillRef idx="1">
+          <a:scrgbClr r="0" g="0" b="0"/>
+        </a:fillRef>
+        <a:effectRef idx="0">
+          <a:scrgbClr r="0" g="0" b="0"/>
+        </a:effectRef>
+        <a:fontRef idx="minor"/>
+      </dsp:style>
+      <dsp:txBody>
+        <a:bodyPr spcFirstLastPara="0" vert="horz" wrap="square" lIns="128016" tIns="11430" rIns="11430" bIns="11430" numCol="1" spcCol="1270" anchor="ctr" anchorCtr="0">
+          <a:noAutofit/>
+        </a:bodyPr>
+        <a:lstStyle/>
+        <a:p>
+          <a:pPr marL="171450" lvl="1" indent="-171450" algn="l" defTabSz="800100">
+            <a:lnSpc>
+              <a:spcPct val="90000"/>
+            </a:lnSpc>
+            <a:spcBef>
+              <a:spcPct val="0"/>
+            </a:spcBef>
+            <a:spcAft>
+              <a:spcPct val="15000"/>
+            </a:spcAft>
+            <a:buChar char="••"/>
+          </a:pPr>
+          <a:r>
+            <a:rPr lang="en-US" sz="1800" kern="1200" smtClean="0"/>
+            <a:t>Báo cáo</a:t>
+          </a:r>
+          <a:endParaRPr lang="en-US" sz="1800" kern="1200"/>
+        </a:p>
+      </dsp:txBody>
+      <dsp:txXfrm rot="5400000">
+        <a:off x="4139772" y="84323"/>
+        <a:ext cx="649281" cy="7530374"/>
+      </dsp:txXfrm>
+    </dsp:sp>
+  </dsp:spTree>
+</dsp:drawing>
 </file>
 
 <file path=ppt/diagrams/layout1.xml><?xml version="1.0" encoding="utf-8"?>
@@ -8671,7 +11197,7 @@
             <a:fld id="{B15AAD03-AE80-496F-8F45-189D92BA181B}" type="datetimeFigureOut">
               <a:rPr lang="en-US" smtClean="0"/>
               <a:pPr/>
-              <a:t>12/3/2011</a:t>
+              <a:t>12/03/2011</a:t>
             </a:fld>
             <a:endParaRPr lang="en-US"/>
           </a:p>
@@ -8833,7 +11359,7 @@
             <a:fld id="{F37C5903-F0B2-49F1-93CE-20768D7E294D}" type="datetimeFigureOut">
               <a:rPr lang="en-US" smtClean="0"/>
               <a:pPr/>
-              <a:t>12/3/2011</a:t>
+              <a:t>12/03/2011</a:t>
             </a:fld>
             <a:endParaRPr lang="en-US"/>
           </a:p>
@@ -10128,7 +12654,121 @@
           </a:bodyPr>
           <a:lstStyle/>
           <a:p>
-            <a:endParaRPr lang="en-US"/>
+            <a:pPr>
+              <a:buFontTx/>
+              <a:buChar char="-"/>
+            </a:pPr>
+            <a:r>
+              <a:rPr lang="en-US" dirty="0" smtClean="0"/>
+              <a:t> </a:t>
+            </a:r>
+            <a:r>
+              <a:rPr lang="en-US" b="1" dirty="0" smtClean="0"/>
+              <a:t>References</a:t>
+            </a:r>
+            <a:r>
+              <a:rPr lang="en-US" dirty="0" smtClean="0"/>
+              <a:t>:</a:t>
+            </a:r>
+          </a:p>
+          <a:p>
+            <a:pPr>
+              <a:buFontTx/>
+              <a:buNone/>
+            </a:pPr>
+            <a:r>
+              <a:rPr lang="en-US" dirty="0" smtClean="0"/>
+              <a:t>+ Feature: Why Online Learners Drop Out - By Karen </a:t>
+            </a:r>
+            <a:r>
+              <a:rPr lang="en-US" dirty="0" err="1" smtClean="0"/>
+              <a:t>Frankola</a:t>
+            </a:r>
+            <a:endParaRPr lang="en-US" dirty="0" smtClean="0"/>
+          </a:p>
+          <a:p>
+            <a:pPr>
+              <a:buFontTx/>
+              <a:buNone/>
+            </a:pPr>
+            <a:endParaRPr lang="en-US" dirty="0" smtClean="0"/>
+          </a:p>
+          <a:p>
+            <a:pPr>
+              <a:buFontTx/>
+              <a:buChar char="-"/>
+            </a:pPr>
+            <a:r>
+              <a:rPr lang="en-US" sz="1200" b="1" i="0" kern="1200" dirty="0" smtClean="0">
+                <a:solidFill>
+                  <a:schemeClr val="tx1"/>
+                </a:solidFill>
+                <a:latin typeface="+mn-lt"/>
+                <a:ea typeface="+mn-ea"/>
+                <a:cs typeface="+mn-cs"/>
+              </a:rPr>
+              <a:t>Keywords:</a:t>
+            </a:r>
+            <a:r>
+              <a:rPr lang="en-US" sz="1200" b="0" i="0" kern="1200" dirty="0" smtClean="0">
+                <a:solidFill>
+                  <a:schemeClr val="tx1"/>
+                </a:solidFill>
+                <a:latin typeface="+mn-lt"/>
+                <a:ea typeface="+mn-ea"/>
+                <a:cs typeface="+mn-cs"/>
+              </a:rPr>
+              <a:t> university level education; distance learning; dropout rates; dropout causes</a:t>
+            </a:r>
+          </a:p>
+          <a:p>
+            <a:pPr>
+              <a:buFontTx/>
+              <a:buChar char="-"/>
+            </a:pPr>
+            <a:r>
+              <a:rPr lang="en-US" sz="1200" b="0" i="0" kern="1200" smtClean="0">
+                <a:solidFill>
+                  <a:schemeClr val="tx1"/>
+                </a:solidFill>
+                <a:latin typeface="+mn-lt"/>
+                <a:ea typeface="+mn-ea"/>
+                <a:cs typeface="+mn-cs"/>
+              </a:rPr>
+              <a:t> </a:t>
+            </a:r>
+            <a:r>
+              <a:rPr lang="en-US" sz="1200" b="1" i="0" kern="1200" smtClean="0">
+                <a:solidFill>
+                  <a:schemeClr val="tx1"/>
+                </a:solidFill>
+                <a:latin typeface="+mn-lt"/>
+                <a:ea typeface="+mn-ea"/>
+                <a:cs typeface="+mn-cs"/>
+              </a:rPr>
+              <a:t>Links</a:t>
+            </a:r>
+            <a:r>
+              <a:rPr lang="en-US" sz="1200" b="0" i="0" kern="1200" smtClean="0">
+                <a:solidFill>
+                  <a:schemeClr val="tx1"/>
+                </a:solidFill>
+                <a:latin typeface="+mn-lt"/>
+                <a:ea typeface="+mn-ea"/>
+                <a:cs typeface="+mn-cs"/>
+              </a:rPr>
+              <a:t>: </a:t>
+            </a:r>
+            <a:r>
+              <a:rPr lang="en-US" smtClean="0">
+                <a:hlinkClick r:id="rId3"/>
+              </a:rPr>
+              <a:t>http://www.kfrankola.com/Documents/Why%20online%20learners%20drop%20out_Workforce.pdf</a:t>
+            </a:r>
+            <a:endParaRPr lang="en-US" smtClean="0"/>
+          </a:p>
+          <a:p>
+            <a:endParaRPr lang="en-US" dirty="0"/>
           </a:p>
         </p:txBody>
       </p:sp>
@@ -12229,7 +14869,7 @@
             <a:fld id="{1D8BD707-D9CF-40AE-B4C6-C98DA3205C09}" type="datetimeFigureOut">
               <a:rPr lang="en-US" smtClean="0"/>
               <a:pPr/>
-              <a:t>12/3/2011</a:t>
+              <a:t>12/03/2011</a:t>
             </a:fld>
             <a:endParaRPr lang="en-US"/>
           </a:p>
@@ -12396,7 +15036,7 @@
             <a:fld id="{1D8BD707-D9CF-40AE-B4C6-C98DA3205C09}" type="datetimeFigureOut">
               <a:rPr lang="en-US" smtClean="0"/>
               <a:pPr/>
-              <a:t>12/3/2011</a:t>
+              <a:t>12/03/2011</a:t>
             </a:fld>
             <a:endParaRPr lang="en-US"/>
           </a:p>
@@ -12573,7 +15213,7 @@
             <a:fld id="{1D8BD707-D9CF-40AE-B4C6-C98DA3205C09}" type="datetimeFigureOut">
               <a:rPr lang="en-US" smtClean="0"/>
               <a:pPr/>
-              <a:t>12/3/2011</a:t>
+              <a:t>12/03/2011</a:t>
             </a:fld>
             <a:endParaRPr lang="en-US"/>
           </a:p>
@@ -12740,7 +15380,7 @@
             <a:fld id="{1D8BD707-D9CF-40AE-B4C6-C98DA3205C09}" type="datetimeFigureOut">
               <a:rPr lang="en-US" smtClean="0"/>
               <a:pPr/>
-              <a:t>12/3/2011</a:t>
+              <a:t>12/03/2011</a:t>
             </a:fld>
             <a:endParaRPr lang="en-US"/>
           </a:p>
@@ -12983,7 +15623,7 @@
             <a:fld id="{1D8BD707-D9CF-40AE-B4C6-C98DA3205C09}" type="datetimeFigureOut">
               <a:rPr lang="en-US" smtClean="0"/>
               <a:pPr/>
-              <a:t>12/3/2011</a:t>
+              <a:t>12/03/2011</a:t>
             </a:fld>
             <a:endParaRPr lang="en-US"/>
           </a:p>
@@ -13268,7 +15908,7 @@
             <a:fld id="{1D8BD707-D9CF-40AE-B4C6-C98DA3205C09}" type="datetimeFigureOut">
               <a:rPr lang="en-US" smtClean="0"/>
               <a:pPr/>
-              <a:t>12/3/2011</a:t>
+              <a:t>12/03/2011</a:t>
             </a:fld>
             <a:endParaRPr lang="en-US"/>
           </a:p>
@@ -13687,7 +16327,7 @@
             <a:fld id="{1D8BD707-D9CF-40AE-B4C6-C98DA3205C09}" type="datetimeFigureOut">
               <a:rPr lang="en-US" smtClean="0"/>
               <a:pPr/>
-              <a:t>12/3/2011</a:t>
+              <a:t>12/03/2011</a:t>
             </a:fld>
             <a:endParaRPr lang="en-US"/>
           </a:p>
@@ -13802,7 +16442,7 @@
             <a:fld id="{1D8BD707-D9CF-40AE-B4C6-C98DA3205C09}" type="datetimeFigureOut">
               <a:rPr lang="en-US" smtClean="0"/>
               <a:pPr/>
-              <a:t>12/3/2011</a:t>
+              <a:t>12/03/2011</a:t>
             </a:fld>
             <a:endParaRPr lang="en-US"/>
           </a:p>
@@ -13894,7 +16534,7 @@
             <a:fld id="{1D8BD707-D9CF-40AE-B4C6-C98DA3205C09}" type="datetimeFigureOut">
               <a:rPr lang="en-US" smtClean="0"/>
               <a:pPr/>
-              <a:t>12/3/2011</a:t>
+              <a:t>12/03/2011</a:t>
             </a:fld>
             <a:endParaRPr lang="en-US"/>
           </a:p>
@@ -14168,7 +16808,7 @@
             <a:fld id="{1D8BD707-D9CF-40AE-B4C6-C98DA3205C09}" type="datetimeFigureOut">
               <a:rPr lang="en-US" smtClean="0"/>
               <a:pPr/>
-              <a:t>12/3/2011</a:t>
+              <a:t>12/03/2011</a:t>
             </a:fld>
             <a:endParaRPr lang="en-US"/>
           </a:p>
@@ -14418,7 +17058,7 @@
             <a:fld id="{1D8BD707-D9CF-40AE-B4C6-C98DA3205C09}" type="datetimeFigureOut">
               <a:rPr lang="en-US" smtClean="0"/>
               <a:pPr/>
-              <a:t>12/3/2011</a:t>
+              <a:t>12/03/2011</a:t>
             </a:fld>
             <a:endParaRPr lang="en-US"/>
           </a:p>
@@ -14628,7 +17268,7 @@
             <a:fld id="{1D8BD707-D9CF-40AE-B4C6-C98DA3205C09}" type="datetimeFigureOut">
               <a:rPr lang="en-US" smtClean="0"/>
               <a:pPr/>
-              <a:t>12/3/2011</a:t>
+              <a:t>12/03/2011</a:t>
             </a:fld>
             <a:endParaRPr lang="en-US"/>
           </a:p>
@@ -15277,15 +17917,7 @@
                   <a:schemeClr val="bg1"/>
                 </a:solidFill>
               </a:rPr>
-              <a:t> </a:t>
-            </a:r>
-            <a:r>
-              <a:rPr lang="en-US" sz="4000" smtClean="0">
-                <a:solidFill>
-                  <a:schemeClr val="bg1"/>
-                </a:solidFill>
-              </a:rPr>
-              <a:t>vấn đề dự báo </a:t>
+              <a:t> vấn đề dự báo </a:t>
             </a:r>
             <a:r>
               <a:rPr lang="vi-VN" sz="4000" smtClean="0">
@@ -15645,10 +18277,10 @@
                     <a:lstStyle/>
                     <a:p>
                       <a:r>
-                        <a:rPr lang="en-US" smtClean="0"/>
+                        <a:rPr lang="en-US" dirty="0" smtClean="0"/>
                         <a:t>STT</a:t>
                       </a:r>
-                      <a:endParaRPr lang="en-US"/>
+                      <a:endParaRPr lang="en-US" dirty="0"/>
                     </a:p>
                   </a:txBody>
                   <a:tcPr>
@@ -15802,7 +18434,83 @@
                     <a:bodyPr/>
                     <a:lstStyle/>
                     <a:p>
+                      <a:r>
+                        <a:rPr lang="en-US" dirty="0" smtClean="0"/>
+                        <a:t>7</a:t>
+                      </a:r>
+                      <a:endParaRPr lang="en-US" dirty="0"/>
+                    </a:p>
+                  </a:txBody>
+                  <a:tcPr/>
+                </a:tc>
+                <a:tc>
+                  <a:txBody>
+                    <a:bodyPr/>
+                    <a:lstStyle/>
+                    <a:p>
+                      <a:r>
+                        <a:rPr lang="en-US" dirty="0" smtClean="0"/>
+                        <a:t>4474</a:t>
+                      </a:r>
+                      <a:endParaRPr lang="en-US" dirty="0"/>
+                    </a:p>
+                  </a:txBody>
+                  <a:tcPr/>
+                </a:tc>
+              </a:tr>
+              <a:tr h="419100">
+                <a:tc>
+                  <a:txBody>
+                    <a:bodyPr/>
+                    <a:lstStyle/>
+                    <a:p>
+                      <a:r>
+                        <a:rPr lang="en-US" smtClean="0"/>
+                        <a:t>2</a:t>
+                      </a:r>
                       <a:endParaRPr lang="en-US"/>
+                    </a:p>
+                  </a:txBody>
+                  <a:tcPr/>
+                </a:tc>
+                <a:tc>
+                  <a:txBody>
+                    <a:bodyPr/>
+                    <a:lstStyle/>
+                    <a:p>
+                      <a:r>
+                        <a:rPr lang="en-US" smtClean="0"/>
+                        <a:t>Kết</a:t>
+                      </a:r>
+                      <a:r>
+                        <a:rPr lang="en-US" baseline="0" smtClean="0"/>
+                        <a:t> quả thi PTTH</a:t>
+                      </a:r>
+                      <a:endParaRPr lang="en-US"/>
+                    </a:p>
+                  </a:txBody>
+                  <a:tcPr/>
+                </a:tc>
+                <a:tc>
+                  <a:txBody>
+                    <a:bodyPr/>
+                    <a:lstStyle/>
+                    <a:p>
+                      <a:r>
+                        <a:rPr lang="en-US" smtClean="0"/>
+                        <a:t>CRM</a:t>
+                      </a:r>
+                      <a:endParaRPr lang="en-US"/>
+                    </a:p>
+                  </a:txBody>
+                  <a:tcPr/>
+                </a:tc>
+                <a:tc>
+                  <a:txBody>
+                    <a:bodyPr/>
+                    <a:lstStyle/>
+                    <a:p>
+                      <a:endParaRPr lang="en-US" dirty="0"/>
                     </a:p>
                   </a:txBody>
                   <a:tcPr/>
@@ -15826,7 +18534,7 @@
                     <a:p>
                       <a:r>
                         <a:rPr lang="en-US" smtClean="0"/>
-                        <a:t>2</a:t>
+                        <a:t>3</a:t>
                       </a:r>
                       <a:endParaRPr lang="en-US"/>
                     </a:p>
@@ -15840,11 +18548,11 @@
                     <a:p>
                       <a:r>
                         <a:rPr lang="en-US" smtClean="0"/>
-                        <a:t>Kết</a:t>
+                        <a:t>Ngành</a:t>
                       </a:r>
                       <a:r>
                         <a:rPr lang="en-US" baseline="0" smtClean="0"/>
-                        <a:t> quả thi PTTH</a:t>
+                        <a:t> học, đối tượng học</a:t>
                       </a:r>
                       <a:endParaRPr lang="en-US"/>
                     </a:p>
@@ -15858,7 +18566,7 @@
                     <a:p>
                       <a:r>
                         <a:rPr lang="en-US" smtClean="0"/>
-                        <a:t>CRM</a:t>
+                        <a:t>CVHT</a:t>
                       </a:r>
                       <a:endParaRPr lang="en-US"/>
                     </a:p>
@@ -15870,7 +18578,7 @@
                     <a:bodyPr/>
                     <a:lstStyle/>
                     <a:p>
-                      <a:endParaRPr lang="en-US"/>
+                      <a:endParaRPr lang="en-US" dirty="0"/>
                     </a:p>
                   </a:txBody>
                   <a:tcPr/>
@@ -15894,7 +18602,7 @@
                     <a:p>
                       <a:r>
                         <a:rPr lang="en-US" smtClean="0"/>
-                        <a:t>3</a:t>
+                        <a:t>4</a:t>
                       </a:r>
                       <a:endParaRPr lang="en-US"/>
                     </a:p>
@@ -15908,11 +18616,11 @@
                     <a:p>
                       <a:r>
                         <a:rPr lang="en-US" smtClean="0"/>
-                        <a:t>Ngành</a:t>
+                        <a:t>Thông</a:t>
                       </a:r>
                       <a:r>
                         <a:rPr lang="en-US" baseline="0" smtClean="0"/>
-                        <a:t> học, đối tượng học</a:t>
+                        <a:t> tin quá trình tư vấn</a:t>
                       </a:r>
                       <a:endParaRPr lang="en-US"/>
                     </a:p>
@@ -15926,7 +18634,7 @@
                     <a:p>
                       <a:r>
                         <a:rPr lang="en-US" smtClean="0"/>
-                        <a:t>CVHT</a:t>
+                        <a:t>CRM</a:t>
                       </a:r>
                       <a:endParaRPr lang="en-US"/>
                     </a:p>
@@ -15938,7 +18646,7 @@
                     <a:bodyPr/>
                     <a:lstStyle/>
                     <a:p>
-                      <a:endParaRPr lang="en-US"/>
+                      <a:endParaRPr lang="en-US" dirty="0"/>
                     </a:p>
                   </a:txBody>
                   <a:tcPr/>
@@ -15962,7 +18670,7 @@
                     <a:p>
                       <a:r>
                         <a:rPr lang="en-US" smtClean="0"/>
-                        <a:t>4</a:t>
+                        <a:t>5</a:t>
                       </a:r>
                       <a:endParaRPr lang="en-US"/>
                     </a:p>
@@ -15976,11 +18684,11 @@
                     <a:p>
                       <a:r>
                         <a:rPr lang="en-US" smtClean="0"/>
-                        <a:t>Thông</a:t>
+                        <a:t>Bằng</a:t>
                       </a:r>
                       <a:r>
                         <a:rPr lang="en-US" baseline="0" smtClean="0"/>
-                        <a:t> tin quá trình tư vấn</a:t>
+                        <a:t> cấp, chứng chỉ</a:t>
                       </a:r>
                       <a:endParaRPr lang="en-US"/>
                     </a:p>
@@ -15994,7 +18702,7 @@
                     <a:p>
                       <a:r>
                         <a:rPr lang="en-US" smtClean="0"/>
-                        <a:t>CRM</a:t>
+                        <a:t>SCM</a:t>
                       </a:r>
                       <a:endParaRPr lang="en-US"/>
                     </a:p>
@@ -16006,7 +18714,7 @@
                     <a:bodyPr/>
                     <a:lstStyle/>
                     <a:p>
-                      <a:endParaRPr lang="en-US"/>
+                      <a:endParaRPr lang="en-US" dirty="0"/>
                     </a:p>
                   </a:txBody>
                   <a:tcPr/>
@@ -16030,7 +18738,7 @@
                     <a:p>
                       <a:r>
                         <a:rPr lang="en-US" smtClean="0"/>
-                        <a:t>5</a:t>
+                        <a:t>6</a:t>
                       </a:r>
                       <a:endParaRPr lang="en-US"/>
                     </a:p>
@@ -16044,11 +18752,11 @@
                     <a:p>
                       <a:r>
                         <a:rPr lang="en-US" smtClean="0"/>
-                        <a:t>Bằng</a:t>
+                        <a:t>Hồ</a:t>
                       </a:r>
                       <a:r>
                         <a:rPr lang="en-US" baseline="0" smtClean="0"/>
-                        <a:t> cấp, chứng chỉ</a:t>
+                        <a:t> sơ học tập học viên</a:t>
                       </a:r>
                       <a:endParaRPr lang="en-US"/>
                     </a:p>
@@ -16074,75 +18782,7 @@
                     <a:bodyPr/>
                     <a:lstStyle/>
                     <a:p>
-                      <a:endParaRPr lang="en-US"/>
-                    </a:p>
-                  </a:txBody>
-                  <a:tcPr/>
-                </a:tc>
-                <a:tc>
-                  <a:txBody>
-                    <a:bodyPr/>
-                    <a:lstStyle/>
-                    <a:p>
-                      <a:endParaRPr lang="en-US"/>
-                    </a:p>
-                  </a:txBody>
-                  <a:tcPr/>
-                </a:tc>
-              </a:tr>
-              <a:tr h="419100">
-                <a:tc>
-                  <a:txBody>
-                    <a:bodyPr/>
-                    <a:lstStyle/>
-                    <a:p>
-                      <a:r>
-                        <a:rPr lang="en-US" smtClean="0"/>
-                        <a:t>6</a:t>
-                      </a:r>
-                      <a:endParaRPr lang="en-US"/>
-                    </a:p>
-                  </a:txBody>
-                  <a:tcPr/>
-                </a:tc>
-                <a:tc>
-                  <a:txBody>
-                    <a:bodyPr/>
-                    <a:lstStyle/>
-                    <a:p>
-                      <a:r>
-                        <a:rPr lang="en-US" smtClean="0"/>
-                        <a:t>Hồ</a:t>
-                      </a:r>
-                      <a:r>
-                        <a:rPr lang="en-US" baseline="0" smtClean="0"/>
-                        <a:t> sơ học tập học viên</a:t>
-                      </a:r>
-                      <a:endParaRPr lang="en-US"/>
-                    </a:p>
-                  </a:txBody>
-                  <a:tcPr/>
-                </a:tc>
-                <a:tc>
-                  <a:txBody>
-                    <a:bodyPr/>
-                    <a:lstStyle/>
-                    <a:p>
-                      <a:r>
-                        <a:rPr lang="en-US" smtClean="0"/>
-                        <a:t>SCM</a:t>
-                      </a:r>
-                      <a:endParaRPr lang="en-US"/>
-                    </a:p>
-                  </a:txBody>
-                  <a:tcPr/>
-                </a:tc>
-                <a:tc>
-                  <a:txBody>
-                    <a:bodyPr/>
-                    <a:lstStyle/>
-                    <a:p>
-                      <a:endParaRPr lang="en-US"/>
+                      <a:endParaRPr lang="en-US" dirty="0"/>
                     </a:p>
                   </a:txBody>
                   <a:tcPr/>
@@ -16481,7 +19121,7 @@
           </p:nvPr>
         </p:nvPicPr>
         <p:blipFill>
-          <a:blip r:embed="rId3"/>
+          <a:blip r:embed="rId3" cstate="print"/>
           <a:stretch>
             <a:fillRect/>
           </a:stretch>
@@ -16502,7 +19142,7 @@
           <p:nvPr/>
         </p:nvPicPr>
         <p:blipFill>
-          <a:blip r:embed="rId4"/>
+          <a:blip r:embed="rId4" cstate="print"/>
           <a:stretch>
             <a:fillRect/>
           </a:stretch>
@@ -16526,7 +19166,7 @@
           <p:nvPr/>
         </p:nvPicPr>
         <p:blipFill>
-          <a:blip r:embed="rId5"/>
+          <a:blip r:embed="rId5" cstate="print"/>
           <a:stretch>
             <a:fillRect/>
           </a:stretch>
@@ -19012,6 +21652,38 @@
           <a:chExt cx="0" cy="0"/>
         </a:xfrm>
       </p:grpSpPr>
+      <p:pic>
+        <p:nvPicPr>
+          <p:cNvPr id="1026" name="Picture 2"/>
+          <p:cNvPicPr>
+            <a:picLocks noChangeAspect="1" noChangeArrowheads="1"/>
+          </p:cNvPicPr>
+          <p:nvPr/>
+        </p:nvPicPr>
+        <p:blipFill>
+          <a:blip r:embed="rId2" cstate="print"/>
+          <a:srcRect/>
+          <a:stretch>
+            <a:fillRect/>
+          </a:stretch>
+        </p:blipFill>
+        <p:spPr bwMode="auto">
+          <a:xfrm>
+            <a:off x="2438400" y="1524000"/>
+            <a:ext cx="8162925" cy="4867275"/>
+          </a:xfrm>
+          <a:prstGeom prst="rect">
+            <a:avLst/>
+          </a:prstGeom>
+          <a:noFill/>
+          <a:ln w="9525">
+            <a:noFill/>
+            <a:miter lim="800000"/>
+            <a:headEnd/>
+            <a:tailEnd/>
+          </a:ln>
+        </p:spPr>
+      </p:pic>
       <p:sp>
         <p:nvSpPr>
           <p:cNvPr id="2" name="Title 1"/>
@@ -19076,15 +21748,7 @@
                   <a:schemeClr val="bg1"/>
                 </a:solidFill>
               </a:rPr>
-              <a:t> </a:t>
-            </a:r>
-            <a:r>
-              <a:rPr lang="en-US" sz="4000" smtClean="0">
-                <a:solidFill>
-                  <a:schemeClr val="bg1"/>
-                </a:solidFill>
-              </a:rPr>
-              <a:t>hỗ trợ ra quyết định</a:t>
+              <a:t> hỗ trợ ra quyết định</a:t>
             </a:r>
             <a:endParaRPr lang="en-US" sz="4000">
               <a:solidFill>
@@ -19114,7 +21778,7 @@
               <a:buChar char="v"/>
             </a:pPr>
             <a:r>
-              <a:rPr lang="vi-VN" smtClean="0">
+              <a:rPr lang="vi-VN" dirty="0" smtClean="0">
                 <a:solidFill>
                   <a:srgbClr val="FF0000"/>
                 </a:solidFill>
@@ -19128,7 +21792,7 @@
               <a:buChar char="v"/>
             </a:pPr>
             <a:r>
-              <a:rPr lang="vi-VN" smtClean="0">
+              <a:rPr lang="vi-VN" dirty="0" smtClean="0">
                 <a:solidFill>
                   <a:srgbClr val="FF0000"/>
                 </a:solidFill>
@@ -19142,7 +21806,7 @@
               <a:buChar char="v"/>
             </a:pPr>
             <a:r>
-              <a:rPr lang="vi-VN" smtClean="0">
+              <a:rPr lang="vi-VN" dirty="0" smtClean="0">
                 <a:solidFill>
                   <a:srgbClr val="FF0000"/>
                 </a:solidFill>
@@ -19156,7 +21820,7 @@
               <a:buChar char="v"/>
             </a:pPr>
             <a:r>
-              <a:rPr lang="vi-VN" smtClean="0">
+              <a:rPr lang="vi-VN" dirty="0" smtClean="0">
                 <a:solidFill>
                   <a:srgbClr val="FF0000"/>
                 </a:solidFill>
@@ -19168,7 +21832,7 @@
             <a:pPr algn="just">
               <a:buNone/>
             </a:pPr>
-            <a:endParaRPr lang="en-US">
+            <a:endParaRPr lang="en-US" dirty="0">
               <a:solidFill>
                 <a:srgbClr val="FF0000"/>
               </a:solidFill>
@@ -19208,6 +21872,38 @@
           <a:chExt cx="0" cy="0"/>
         </a:xfrm>
       </p:grpSpPr>
+      <p:pic>
+        <p:nvPicPr>
+          <p:cNvPr id="2050" name="Picture 2"/>
+          <p:cNvPicPr>
+            <a:picLocks noChangeAspect="1" noChangeArrowheads="1"/>
+          </p:cNvPicPr>
+          <p:nvPr/>
+        </p:nvPicPr>
+        <p:blipFill>
+          <a:blip r:embed="rId2" cstate="print"/>
+          <a:srcRect/>
+          <a:stretch>
+            <a:fillRect/>
+          </a:stretch>
+        </p:blipFill>
+        <p:spPr bwMode="auto">
+          <a:xfrm>
+            <a:off x="2914650" y="1447800"/>
+            <a:ext cx="6229350" cy="4905375"/>
+          </a:xfrm>
+          <a:prstGeom prst="rect">
+            <a:avLst/>
+          </a:prstGeom>
+          <a:noFill/>
+          <a:ln w="9525">
+            <a:noFill/>
+            <a:miter lim="800000"/>
+            <a:headEnd/>
+            <a:tailEnd/>
+          </a:ln>
+        </p:spPr>
+      </p:pic>
       <p:sp>
         <p:nvSpPr>
           <p:cNvPr id="2" name="Title 1"/>
@@ -19272,15 +21968,7 @@
                   <a:schemeClr val="bg1"/>
                 </a:solidFill>
               </a:rPr>
-              <a:t> </a:t>
-            </a:r>
-            <a:r>
-              <a:rPr lang="en-US" sz="4000" smtClean="0">
-                <a:solidFill>
-                  <a:schemeClr val="bg1"/>
-                </a:solidFill>
-              </a:rPr>
-              <a:t>hỗ trợ ra quyết định</a:t>
+              <a:t> hỗ trợ ra quyết định</a:t>
             </a:r>
             <a:endParaRPr lang="en-US" sz="4000">
               <a:solidFill>
@@ -19505,7 +22193,12 @@
             <p:ph idx="1"/>
           </p:nvPr>
         </p:nvSpPr>
-        <p:spPr/>
+        <p:spPr>
+          <a:xfrm>
+            <a:off x="457200" y="1600201"/>
+            <a:ext cx="8229600" cy="3276600"/>
+          </a:xfrm>
+        </p:spPr>
         <p:txBody>
           <a:bodyPr>
             <a:noAutofit/>
@@ -19517,7 +22210,7 @@
               <a:buAutoNum type="arabicPeriod"/>
             </a:pPr>
             <a:r>
-              <a:rPr lang="en-US" sz="1400" smtClean="0">
+              <a:rPr lang="en-US" sz="1400" dirty="0" smtClean="0">
                 <a:solidFill>
                   <a:srgbClr val="FF0000"/>
                 </a:solidFill>
@@ -19527,7 +22220,7 @@
               <a:t>Thu </a:t>
             </a:r>
             <a:r>
-              <a:rPr lang="en-US" sz="1400" err="1" smtClean="0">
+              <a:rPr lang="en-US" sz="1400" dirty="0" err="1" smtClean="0">
                 <a:solidFill>
                   <a:srgbClr val="FF0000"/>
                 </a:solidFill>
@@ -19537,7 +22230,7 @@
               <a:t>thập</a:t>
             </a:r>
             <a:r>
-              <a:rPr lang="en-US" sz="1400" smtClean="0">
+              <a:rPr lang="en-US" sz="1400" dirty="0" smtClean="0">
                 <a:solidFill>
                   <a:srgbClr val="FF0000"/>
                 </a:solidFill>
@@ -19547,7 +22240,7 @@
               <a:t> </a:t>
             </a:r>
             <a:r>
-              <a:rPr lang="en-US" sz="1400" err="1" smtClean="0">
+              <a:rPr lang="en-US" sz="1400" dirty="0" err="1" smtClean="0">
                 <a:solidFill>
                   <a:srgbClr val="FF0000"/>
                 </a:solidFill>
@@ -19557,7 +22250,7 @@
               <a:t>dư</a:t>
             </a:r>
             <a:r>
-              <a:rPr lang="en-US" sz="1400" smtClean="0">
+              <a:rPr lang="en-US" sz="1400" dirty="0" smtClean="0">
                 <a:solidFill>
                   <a:srgbClr val="FF0000"/>
                 </a:solidFill>
@@ -19567,7 +22260,7 @@
               <a:t>̃ </a:t>
             </a:r>
             <a:r>
-              <a:rPr lang="en-US" sz="1400" err="1" smtClean="0">
+              <a:rPr lang="en-US" sz="1400" dirty="0" err="1" smtClean="0">
                 <a:solidFill>
                   <a:srgbClr val="FF0000"/>
                 </a:solidFill>
@@ -19576,7 +22269,7 @@
               </a:rPr>
               <a:t>liệu</a:t>
             </a:r>
-            <a:endParaRPr lang="en-US" sz="1400" smtClean="0">
+            <a:endParaRPr lang="en-US" sz="1400" dirty="0" smtClean="0">
               <a:solidFill>
                 <a:srgbClr val="FF0000"/>
               </a:solidFill>
@@ -19590,7 +22283,7 @@
               <a:buChar char="Ø"/>
             </a:pPr>
             <a:r>
-              <a:rPr lang="en-US" sz="1400" smtClean="0">
+              <a:rPr lang="en-US" sz="1400" dirty="0" smtClean="0">
                 <a:solidFill>
                   <a:srgbClr val="FF0000"/>
                 </a:solidFill>
@@ -19600,7 +22293,7 @@
               <a:t>Thu </a:t>
             </a:r>
             <a:r>
-              <a:rPr lang="en-US" sz="1400" err="1" smtClean="0">
+              <a:rPr lang="en-US" sz="1400" dirty="0" err="1" smtClean="0">
                 <a:solidFill>
                   <a:srgbClr val="FF0000"/>
                 </a:solidFill>
@@ -19610,7 +22303,7 @@
               <a:t>thập</a:t>
             </a:r>
             <a:r>
-              <a:rPr lang="en-US" sz="1400" smtClean="0">
+              <a:rPr lang="en-US" sz="1400" dirty="0" smtClean="0">
                 <a:solidFill>
                   <a:srgbClr val="FF0000"/>
                 </a:solidFill>
@@ -19620,7 +22313,7 @@
               <a:t> </a:t>
             </a:r>
             <a:r>
-              <a:rPr lang="en-US" sz="1400" err="1" smtClean="0">
+              <a:rPr lang="en-US" sz="1400" dirty="0" err="1" smtClean="0">
                 <a:solidFill>
                   <a:srgbClr val="FF0000"/>
                 </a:solidFill>
@@ -19630,7 +22323,7 @@
               <a:t>được</a:t>
             </a:r>
             <a:r>
-              <a:rPr lang="en-US" sz="1400" smtClean="0">
+              <a:rPr lang="en-US" sz="1400" dirty="0" smtClean="0">
                 <a:solidFill>
                   <a:srgbClr val="FF0000"/>
                 </a:solidFill>
@@ -19640,7 +22333,7 @@
               <a:t> 30 </a:t>
             </a:r>
             <a:r>
-              <a:rPr lang="en-US" sz="1400" err="1" smtClean="0">
+              <a:rPr lang="en-US" sz="1400" dirty="0" err="1" smtClean="0">
                 <a:solidFill>
                   <a:srgbClr val="FF0000"/>
                 </a:solidFill>
@@ -19650,7 +22343,7 @@
               <a:t>cột</a:t>
             </a:r>
             <a:r>
-              <a:rPr lang="en-US" sz="1400" smtClean="0">
+              <a:rPr lang="en-US" sz="1400" dirty="0" smtClean="0">
                 <a:solidFill>
                   <a:srgbClr val="FF0000"/>
                 </a:solidFill>
@@ -19660,7 +22353,7 @@
               <a:t> </a:t>
             </a:r>
             <a:r>
-              <a:rPr lang="en-US" sz="1400" err="1" smtClean="0">
+              <a:rPr lang="en-US" sz="1400" dirty="0" err="1" smtClean="0">
                 <a:solidFill>
                   <a:srgbClr val="FF0000"/>
                 </a:solidFill>
@@ -19670,7 +22363,7 @@
               <a:t>thuộc</a:t>
             </a:r>
             <a:r>
-              <a:rPr lang="en-US" sz="1400" smtClean="0">
+              <a:rPr lang="en-US" sz="1400" dirty="0" smtClean="0">
                 <a:solidFill>
                   <a:srgbClr val="FF0000"/>
                 </a:solidFill>
@@ -19680,7 +22373,7 @@
               <a:t> </a:t>
             </a:r>
             <a:r>
-              <a:rPr lang="en-US" sz="1400" err="1" smtClean="0">
+              <a:rPr lang="en-US" sz="1400" dirty="0" err="1" smtClean="0">
                 <a:solidFill>
                   <a:srgbClr val="FF0000"/>
                 </a:solidFill>
@@ -19690,7 +22383,7 @@
               <a:t>tính</a:t>
             </a:r>
             <a:r>
-              <a:rPr lang="en-US" sz="1400" smtClean="0">
+              <a:rPr lang="en-US" sz="1400" dirty="0" smtClean="0">
                 <a:solidFill>
                   <a:srgbClr val="FF0000"/>
                 </a:solidFill>
@@ -19700,7 +22393,7 @@
               <a:t> </a:t>
             </a:r>
             <a:r>
-              <a:rPr lang="en-US" sz="1400" err="1" smtClean="0">
+              <a:rPr lang="en-US" sz="1400" dirty="0" err="1" smtClean="0">
                 <a:solidFill>
                   <a:srgbClr val="FF0000"/>
                 </a:solidFill>
@@ -19710,7 +22403,7 @@
               <a:t>va</a:t>
             </a:r>
             <a:r>
-              <a:rPr lang="en-US" sz="1400" smtClean="0">
+              <a:rPr lang="en-US" sz="1400" dirty="0" smtClean="0">
                 <a:solidFill>
                   <a:srgbClr val="FF0000"/>
                 </a:solidFill>
@@ -19720,7 +22413,7 @@
               <a:t>̀ 7476 </a:t>
             </a:r>
             <a:r>
-              <a:rPr lang="en-US" sz="1400" err="1" smtClean="0">
+              <a:rPr lang="en-US" sz="1400" dirty="0" err="1" smtClean="0">
                 <a:solidFill>
                   <a:srgbClr val="FF0000"/>
                 </a:solidFill>
@@ -19730,7 +22423,7 @@
               <a:t>hàng</a:t>
             </a:r>
             <a:r>
-              <a:rPr lang="en-US" sz="1400" smtClean="0">
+              <a:rPr lang="en-US" sz="1400" dirty="0" smtClean="0">
                 <a:solidFill>
                   <a:srgbClr val="FF0000"/>
                 </a:solidFill>
@@ -19740,7 +22433,7 @@
               <a:t> </a:t>
             </a:r>
             <a:r>
-              <a:rPr lang="en-US" sz="1400" err="1" smtClean="0">
+              <a:rPr lang="en-US" sz="1400" dirty="0" err="1" smtClean="0">
                 <a:solidFill>
                   <a:srgbClr val="FF0000"/>
                 </a:solidFill>
@@ -19750,7 +22443,7 @@
               <a:t>dư</a:t>
             </a:r>
             <a:r>
-              <a:rPr lang="en-US" sz="1400" smtClean="0">
+              <a:rPr lang="en-US" sz="1400" dirty="0" smtClean="0">
                 <a:solidFill>
                   <a:srgbClr val="FF0000"/>
                 </a:solidFill>
@@ -19760,7 +22453,7 @@
               <a:t>̃ </a:t>
             </a:r>
             <a:r>
-              <a:rPr lang="en-US" sz="1400" err="1" smtClean="0">
+              <a:rPr lang="en-US" sz="1400" dirty="0" err="1" smtClean="0">
                 <a:solidFill>
                   <a:srgbClr val="FF0000"/>
                 </a:solidFill>
@@ -19770,7 +22463,7 @@
               <a:t>liệu</a:t>
             </a:r>
             <a:r>
-              <a:rPr lang="en-US" sz="1400" smtClean="0">
+              <a:rPr lang="en-US" sz="1400" dirty="0" smtClean="0">
                 <a:solidFill>
                   <a:srgbClr val="FF0000"/>
                 </a:solidFill>
@@ -19780,7 +22473,7 @@
               <a:t> </a:t>
             </a:r>
             <a:r>
-              <a:rPr lang="en-US" sz="1400" err="1" smtClean="0">
+              <a:rPr lang="en-US" sz="1400" dirty="0" err="1" smtClean="0">
                 <a:solidFill>
                   <a:srgbClr val="FF0000"/>
                 </a:solidFill>
@@ -19790,7 +22483,7 @@
               <a:t>vê</a:t>
             </a:r>
             <a:r>
-              <a:rPr lang="en-US" sz="1400" smtClean="0">
+              <a:rPr lang="en-US" sz="1400" dirty="0" smtClean="0">
                 <a:solidFill>
                   <a:srgbClr val="FF0000"/>
                 </a:solidFill>
@@ -19800,7 +22493,7 @@
               <a:t>̀ </a:t>
             </a:r>
             <a:r>
-              <a:rPr lang="en-US" sz="1400" err="1" smtClean="0">
+              <a:rPr lang="en-US" sz="1400" dirty="0" err="1" smtClean="0">
                 <a:solidFill>
                   <a:srgbClr val="FF0000"/>
                 </a:solidFill>
@@ -19810,7 +22503,7 @@
               <a:t>hô</a:t>
             </a:r>
             <a:r>
-              <a:rPr lang="en-US" sz="1400" smtClean="0">
+              <a:rPr lang="en-US" sz="1400" dirty="0" smtClean="0">
                 <a:solidFill>
                   <a:srgbClr val="FF0000"/>
                 </a:solidFill>
@@ -19820,7 +22513,7 @@
               <a:t>̀ </a:t>
             </a:r>
             <a:r>
-              <a:rPr lang="en-US" sz="1400" err="1" smtClean="0">
+              <a:rPr lang="en-US" sz="1400" dirty="0" err="1" smtClean="0">
                 <a:solidFill>
                   <a:srgbClr val="FF0000"/>
                 </a:solidFill>
@@ -19830,7 +22523,7 @@
               <a:t>sơ</a:t>
             </a:r>
             <a:r>
-              <a:rPr lang="en-US" sz="1400" smtClean="0">
+              <a:rPr lang="en-US" sz="1400" dirty="0" smtClean="0">
                 <a:solidFill>
                   <a:srgbClr val="FF0000"/>
                 </a:solidFill>
@@ -19840,7 +22533,7 @@
               <a:t> </a:t>
             </a:r>
             <a:r>
-              <a:rPr lang="en-US" sz="1400" err="1" smtClean="0">
+              <a:rPr lang="en-US" sz="1400" dirty="0" err="1" smtClean="0">
                 <a:solidFill>
                   <a:srgbClr val="FF0000"/>
                 </a:solidFill>
@@ -19850,7 +22543,7 @@
               <a:t>học</a:t>
             </a:r>
             <a:r>
-              <a:rPr lang="en-US" sz="1400" smtClean="0">
+              <a:rPr lang="en-US" sz="1400" dirty="0" smtClean="0">
                 <a:solidFill>
                   <a:srgbClr val="FF0000"/>
                 </a:solidFill>
@@ -19860,7 +22553,7 @@
               <a:t> </a:t>
             </a:r>
             <a:r>
-              <a:rPr lang="en-US" sz="1400" err="1" smtClean="0">
+              <a:rPr lang="en-US" sz="1400" dirty="0" err="1" smtClean="0">
                 <a:solidFill>
                   <a:srgbClr val="FF0000"/>
                 </a:solidFill>
@@ -19870,7 +22563,7 @@
               <a:t>viên</a:t>
             </a:r>
             <a:r>
-              <a:rPr lang="en-US" sz="1400" smtClean="0">
+              <a:rPr lang="en-US" sz="1400" dirty="0" smtClean="0">
                 <a:solidFill>
                   <a:srgbClr val="FF0000"/>
                 </a:solidFill>
@@ -19886,7 +22579,7 @@
               <a:buChar char="Ø"/>
             </a:pPr>
             <a:r>
-              <a:rPr lang="en-US" sz="1400" smtClean="0">
+              <a:rPr lang="en-US" sz="1400" dirty="0" smtClean="0">
                 <a:solidFill>
                   <a:srgbClr val="FF0000"/>
                 </a:solidFill>
@@ -19896,7 +22589,7 @@
               <a:t>600000 </a:t>
             </a:r>
             <a:r>
-              <a:rPr lang="en-US" sz="1400" err="1" smtClean="0">
+              <a:rPr lang="en-US" sz="1400" dirty="0" err="1" smtClean="0">
                 <a:solidFill>
                   <a:srgbClr val="FF0000"/>
                 </a:solidFill>
@@ -19906,7 +22599,7 @@
               <a:t>bản</a:t>
             </a:r>
             <a:r>
-              <a:rPr lang="en-US" sz="1400" smtClean="0">
+              <a:rPr lang="en-US" sz="1400" dirty="0" smtClean="0">
                 <a:solidFill>
                   <a:srgbClr val="FF0000"/>
                 </a:solidFill>
@@ -19916,7 +22609,7 @@
               <a:t> </a:t>
             </a:r>
             <a:r>
-              <a:rPr lang="en-US" sz="1400" err="1" smtClean="0">
+              <a:rPr lang="en-US" sz="1400" dirty="0" err="1" smtClean="0">
                 <a:solidFill>
                   <a:srgbClr val="FF0000"/>
                 </a:solidFill>
@@ -19926,7 +22619,7 @@
               <a:t>ghi</a:t>
             </a:r>
             <a:r>
-              <a:rPr lang="en-US" sz="1400" smtClean="0">
+              <a:rPr lang="en-US" sz="1400" dirty="0" smtClean="0">
                 <a:solidFill>
                   <a:srgbClr val="FF0000"/>
                 </a:solidFill>
@@ -19936,7 +22629,7 @@
               <a:t> </a:t>
             </a:r>
             <a:r>
-              <a:rPr lang="en-US" sz="1400" err="1" smtClean="0">
+              <a:rPr lang="en-US" sz="1400" dirty="0" err="1" smtClean="0">
                 <a:solidFill>
                   <a:srgbClr val="FF0000"/>
                 </a:solidFill>
@@ -19946,7 +22639,7 @@
               <a:t>dư</a:t>
             </a:r>
             <a:r>
-              <a:rPr lang="en-US" sz="1400" smtClean="0">
+              <a:rPr lang="en-US" sz="1400" dirty="0" smtClean="0">
                 <a:solidFill>
                   <a:srgbClr val="FF0000"/>
                 </a:solidFill>
@@ -19956,7 +22649,7 @@
               <a:t>̃ </a:t>
             </a:r>
             <a:r>
-              <a:rPr lang="en-US" sz="1400" err="1" smtClean="0">
+              <a:rPr lang="en-US" sz="1400" dirty="0" err="1" smtClean="0">
                 <a:solidFill>
                   <a:srgbClr val="FF0000"/>
                 </a:solidFill>
@@ -19966,7 +22659,7 @@
               <a:t>liệu</a:t>
             </a:r>
             <a:r>
-              <a:rPr lang="en-US" sz="1400" smtClean="0">
+              <a:rPr lang="en-US" sz="1400" dirty="0" smtClean="0">
                 <a:solidFill>
                   <a:srgbClr val="FF0000"/>
                 </a:solidFill>
@@ -19976,7 +22669,7 @@
               <a:t> </a:t>
             </a:r>
             <a:r>
-              <a:rPr lang="en-US" sz="1400" err="1" smtClean="0">
+              <a:rPr lang="en-US" sz="1400" dirty="0" err="1" smtClean="0">
                 <a:solidFill>
                   <a:srgbClr val="FF0000"/>
                 </a:solidFill>
@@ -19986,7 +22679,7 @@
               <a:t>tình</a:t>
             </a:r>
             <a:r>
-              <a:rPr lang="en-US" sz="1400" smtClean="0">
+              <a:rPr lang="en-US" sz="1400" dirty="0" smtClean="0">
                 <a:solidFill>
                   <a:srgbClr val="FF0000"/>
                 </a:solidFill>
@@ -19996,7 +22689,7 @@
               <a:t> </a:t>
             </a:r>
             <a:r>
-              <a:rPr lang="en-US" sz="1400" err="1" smtClean="0">
+              <a:rPr lang="en-US" sz="1400" dirty="0" err="1" smtClean="0">
                 <a:solidFill>
                   <a:srgbClr val="FF0000"/>
                 </a:solidFill>
@@ -20006,7 +22699,7 @@
               <a:t>hình</a:t>
             </a:r>
             <a:r>
-              <a:rPr lang="en-US" sz="1400" smtClean="0">
+              <a:rPr lang="en-US" sz="1400" dirty="0" smtClean="0">
                 <a:solidFill>
                   <a:srgbClr val="FF0000"/>
                 </a:solidFill>
@@ -20016,7 +22709,7 @@
               <a:t> </a:t>
             </a:r>
             <a:r>
-              <a:rPr lang="en-US" sz="1400" err="1" smtClean="0">
+              <a:rPr lang="en-US" sz="1400" dirty="0" err="1" smtClean="0">
                 <a:solidFill>
                   <a:srgbClr val="FF0000"/>
                 </a:solidFill>
@@ -20026,7 +22719,7 @@
               <a:t>đăng</a:t>
             </a:r>
             <a:r>
-              <a:rPr lang="en-US" sz="1400" smtClean="0">
+              <a:rPr lang="en-US" sz="1400" dirty="0" smtClean="0">
                 <a:solidFill>
                   <a:srgbClr val="FF0000"/>
                 </a:solidFill>
@@ -20036,7 +22729,7 @@
               <a:t> </a:t>
             </a:r>
             <a:r>
-              <a:rPr lang="en-US" sz="1400" err="1" smtClean="0">
+              <a:rPr lang="en-US" sz="1400" dirty="0" err="1" smtClean="0">
                 <a:solidFill>
                   <a:srgbClr val="FF0000"/>
                 </a:solidFill>
@@ -20046,7 +22739,7 @@
               <a:t>nhập</a:t>
             </a:r>
             <a:r>
-              <a:rPr lang="en-US" sz="1400" smtClean="0">
+              <a:rPr lang="en-US" sz="1400" dirty="0" smtClean="0">
                 <a:solidFill>
                   <a:srgbClr val="FF0000"/>
                 </a:solidFill>
@@ -20056,7 +22749,7 @@
               <a:t> </a:t>
             </a:r>
             <a:r>
-              <a:rPr lang="en-US" sz="1400" err="1" smtClean="0">
+              <a:rPr lang="en-US" sz="1400" dirty="0" err="1" smtClean="0">
                 <a:solidFill>
                   <a:srgbClr val="FF0000"/>
                 </a:solidFill>
@@ -20066,7 +22759,7 @@
               <a:t>diễn</a:t>
             </a:r>
             <a:r>
-              <a:rPr lang="en-US" sz="1400" smtClean="0">
+              <a:rPr lang="en-US" sz="1400" dirty="0" smtClean="0">
                 <a:solidFill>
                   <a:srgbClr val="FF0000"/>
                 </a:solidFill>
@@ -20076,7 +22769,7 @@
               <a:t> </a:t>
             </a:r>
             <a:r>
-              <a:rPr lang="en-US" sz="1400" err="1" smtClean="0">
+              <a:rPr lang="en-US" sz="1400" dirty="0" err="1" smtClean="0">
                 <a:solidFill>
                   <a:srgbClr val="FF0000"/>
                 </a:solidFill>
@@ -20085,7 +22778,7 @@
               </a:rPr>
               <a:t>đàn</a:t>
             </a:r>
-            <a:endParaRPr lang="en-US" sz="1400" smtClean="0">
+            <a:endParaRPr lang="en-US" sz="1400" dirty="0" smtClean="0">
               <a:solidFill>
                 <a:srgbClr val="FF0000"/>
               </a:solidFill>
@@ -20099,7 +22792,7 @@
               <a:buChar char="Ø"/>
             </a:pPr>
             <a:r>
-              <a:rPr lang="en-US" sz="1400" smtClean="0">
+              <a:rPr lang="en-US" sz="1400" dirty="0" smtClean="0">
                 <a:solidFill>
                   <a:srgbClr val="FF0000"/>
                 </a:solidFill>
@@ -20109,7 +22802,7 @@
               <a:t> 13 sheet </a:t>
             </a:r>
             <a:r>
-              <a:rPr lang="en-US" sz="1400" err="1" smtClean="0">
+              <a:rPr lang="en-US" sz="1400" dirty="0" err="1" smtClean="0">
                 <a:solidFill>
                   <a:srgbClr val="FF0000"/>
                 </a:solidFill>
@@ -20119,7 +22812,7 @@
               <a:t>bảng</a:t>
             </a:r>
             <a:r>
-              <a:rPr lang="en-US" sz="1400" smtClean="0">
+              <a:rPr lang="en-US" sz="1400" dirty="0" smtClean="0">
                 <a:solidFill>
                   <a:srgbClr val="FF0000"/>
                 </a:solidFill>
@@ -20129,7 +22822,7 @@
               <a:t> </a:t>
             </a:r>
             <a:r>
-              <a:rPr lang="en-US" sz="1400" err="1" smtClean="0">
+              <a:rPr lang="en-US" sz="1400" dirty="0" err="1" smtClean="0">
                 <a:solidFill>
                   <a:srgbClr val="FF0000"/>
                 </a:solidFill>
@@ -20139,7 +22832,7 @@
               <a:t>điểm</a:t>
             </a:r>
             <a:r>
-              <a:rPr lang="en-US" sz="1400" smtClean="0">
+              <a:rPr lang="en-US" sz="1400" dirty="0" smtClean="0">
                 <a:solidFill>
                   <a:srgbClr val="FF0000"/>
                 </a:solidFill>
@@ -20149,7 +22842,7 @@
               <a:t> </a:t>
             </a:r>
             <a:r>
-              <a:rPr lang="en-US" sz="1400" err="1" smtClean="0">
+              <a:rPr lang="en-US" sz="1400" dirty="0" err="1" smtClean="0">
                 <a:solidFill>
                   <a:srgbClr val="FF0000"/>
                 </a:solidFill>
@@ -20159,7 +22852,7 @@
               <a:t>của</a:t>
             </a:r>
             <a:r>
-              <a:rPr lang="en-US" sz="1400" smtClean="0">
+              <a:rPr lang="en-US" sz="1400" dirty="0" smtClean="0">
                 <a:solidFill>
                   <a:srgbClr val="FF0000"/>
                 </a:solidFill>
@@ -20169,7 +22862,7 @@
               <a:t> </a:t>
             </a:r>
             <a:r>
-              <a:rPr lang="en-US" sz="1400" err="1" smtClean="0">
+              <a:rPr lang="en-US" sz="1400" dirty="0" err="1" smtClean="0">
                 <a:solidFill>
                   <a:srgbClr val="FF0000"/>
                 </a:solidFill>
@@ -20179,7 +22872,7 @@
               <a:t>học</a:t>
             </a:r>
             <a:r>
-              <a:rPr lang="en-US" sz="1400" smtClean="0">
+              <a:rPr lang="en-US" sz="1400" dirty="0" smtClean="0">
                 <a:solidFill>
                   <a:srgbClr val="FF0000"/>
                 </a:solidFill>
@@ -20189,7 +22882,7 @@
               <a:t> </a:t>
             </a:r>
             <a:r>
-              <a:rPr lang="en-US" sz="1400" err="1" smtClean="0">
+              <a:rPr lang="en-US" sz="1400" dirty="0" err="1" smtClean="0">
                 <a:solidFill>
                   <a:srgbClr val="FF0000"/>
                 </a:solidFill>
@@ -20198,7 +22891,7 @@
               </a:rPr>
               <a:t>viên</a:t>
             </a:r>
-            <a:endParaRPr lang="en-US" sz="1400" smtClean="0">
+            <a:endParaRPr lang="en-US" sz="1400" dirty="0" smtClean="0">
               <a:solidFill>
                 <a:srgbClr val="FF0000"/>
               </a:solidFill>
@@ -20210,7 +22903,7 @@
             <a:pPr lvl="1">
               <a:buNone/>
             </a:pPr>
-            <a:endParaRPr lang="en-US" sz="1400" smtClean="0">
+            <a:endParaRPr lang="en-US" sz="1400" dirty="0" smtClean="0">
               <a:solidFill>
                 <a:srgbClr val="FF0000"/>
               </a:solidFill>
@@ -20223,7 +22916,7 @@
               <a:buAutoNum type="arabicPeriod" startAt="2"/>
             </a:pPr>
             <a:r>
-              <a:rPr lang="en-US" sz="1400" err="1" smtClean="0">
+              <a:rPr lang="en-US" sz="1400" dirty="0" err="1" smtClean="0">
                 <a:solidFill>
                   <a:srgbClr val="FF0000"/>
                 </a:solidFill>
@@ -20233,7 +22926,7 @@
               <a:t>Tiền</a:t>
             </a:r>
             <a:r>
-              <a:rPr lang="en-US" sz="1400" smtClean="0">
+              <a:rPr lang="en-US" sz="1400" dirty="0" smtClean="0">
                 <a:solidFill>
                   <a:srgbClr val="FF0000"/>
                 </a:solidFill>
@@ -20243,7 +22936,7 @@
               <a:t> </a:t>
             </a:r>
             <a:r>
-              <a:rPr lang="en-US" sz="1400" err="1" smtClean="0">
+              <a:rPr lang="en-US" sz="1400" dirty="0" err="1" smtClean="0">
                 <a:solidFill>
                   <a:srgbClr val="FF0000"/>
                 </a:solidFill>
@@ -20253,7 +22946,7 @@
               <a:t>xư</a:t>
             </a:r>
             <a:r>
-              <a:rPr lang="en-US" sz="1400" smtClean="0">
+              <a:rPr lang="en-US" sz="1400" dirty="0" smtClean="0">
                 <a:solidFill>
                   <a:srgbClr val="FF0000"/>
                 </a:solidFill>
@@ -20263,7 +22956,7 @@
               <a:t>̉ </a:t>
             </a:r>
             <a:r>
-              <a:rPr lang="en-US" sz="1400" err="1" smtClean="0">
+              <a:rPr lang="en-US" sz="1400" dirty="0" err="1" smtClean="0">
                 <a:solidFill>
                   <a:srgbClr val="FF0000"/>
                 </a:solidFill>
@@ -20273,7 +22966,7 @@
               <a:t>ly</a:t>
             </a:r>
             <a:r>
-              <a:rPr lang="en-US" sz="1400" smtClean="0">
+              <a:rPr lang="en-US" sz="1400" dirty="0" smtClean="0">
                 <a:solidFill>
                   <a:srgbClr val="FF0000"/>
                 </a:solidFill>
@@ -20283,7 +22976,7 @@
               <a:t>́ </a:t>
             </a:r>
             <a:r>
-              <a:rPr lang="en-US" sz="1400" err="1" smtClean="0">
+              <a:rPr lang="en-US" sz="1400" dirty="0" err="1" smtClean="0">
                 <a:solidFill>
                   <a:srgbClr val="FF0000"/>
                 </a:solidFill>
@@ -20293,7 +22986,7 @@
               <a:t>dư</a:t>
             </a:r>
             <a:r>
-              <a:rPr lang="en-US" sz="1400" smtClean="0">
+              <a:rPr lang="en-US" sz="1400" dirty="0" smtClean="0">
                 <a:solidFill>
                   <a:srgbClr val="FF0000"/>
                 </a:solidFill>
@@ -20303,7 +22996,7 @@
               <a:t>̃ </a:t>
             </a:r>
             <a:r>
-              <a:rPr lang="en-US" sz="1400" err="1" smtClean="0">
+              <a:rPr lang="en-US" sz="1400" dirty="0" err="1" smtClean="0">
                 <a:solidFill>
                   <a:srgbClr val="FF0000"/>
                 </a:solidFill>
@@ -20313,7 +23006,7 @@
               <a:t>liệu</a:t>
             </a:r>
             <a:r>
-              <a:rPr lang="en-US" sz="1400" smtClean="0">
+              <a:rPr lang="en-US" sz="1400" dirty="0" smtClean="0">
                 <a:solidFill>
                   <a:srgbClr val="FF0000"/>
                 </a:solidFill>
@@ -20323,7 +23016,7 @@
               <a:t> </a:t>
             </a:r>
             <a:r>
-              <a:rPr lang="en-US" sz="1400" err="1" smtClean="0">
+              <a:rPr lang="en-US" sz="1400" dirty="0" err="1" smtClean="0">
                 <a:solidFill>
                   <a:srgbClr val="FF0000"/>
                 </a:solidFill>
@@ -20333,7 +23026,7 @@
               <a:t>va</a:t>
             </a:r>
             <a:r>
-              <a:rPr lang="en-US" sz="1400" smtClean="0">
+              <a:rPr lang="en-US" sz="1400" dirty="0" smtClean="0">
                 <a:solidFill>
                   <a:srgbClr val="FF0000"/>
                 </a:solidFill>
@@ -20343,7 +23036,7 @@
               <a:t>̀ </a:t>
             </a:r>
             <a:r>
-              <a:rPr lang="en-US" sz="1400" err="1" smtClean="0">
+              <a:rPr lang="en-US" sz="1400" dirty="0" err="1" smtClean="0">
                 <a:solidFill>
                   <a:srgbClr val="FF0000"/>
                 </a:solidFill>
@@ -20353,7 +23046,7 @@
               <a:t>phân</a:t>
             </a:r>
             <a:r>
-              <a:rPr lang="en-US" sz="1400" smtClean="0">
+              <a:rPr lang="en-US" sz="1400" dirty="0" smtClean="0">
                 <a:solidFill>
                   <a:srgbClr val="FF0000"/>
                 </a:solidFill>
@@ -20363,7 +23056,7 @@
               <a:t> </a:t>
             </a:r>
             <a:r>
-              <a:rPr lang="en-US" sz="1400" err="1" smtClean="0">
+              <a:rPr lang="en-US" sz="1400" dirty="0" err="1" smtClean="0">
                 <a:solidFill>
                   <a:srgbClr val="FF0000"/>
                 </a:solidFill>
@@ -20373,7 +23066,7 @@
               <a:t>tích</a:t>
             </a:r>
             <a:r>
-              <a:rPr lang="en-US" sz="1400" smtClean="0">
+              <a:rPr lang="en-US" sz="1400" dirty="0" smtClean="0">
                 <a:solidFill>
                   <a:srgbClr val="FF0000"/>
                 </a:solidFill>
@@ -20383,7 +23076,7 @@
               <a:t> </a:t>
             </a:r>
             <a:r>
-              <a:rPr lang="en-US" sz="1400" err="1" smtClean="0">
+              <a:rPr lang="en-US" sz="1400" dirty="0" err="1" smtClean="0">
                 <a:solidFill>
                   <a:srgbClr val="FF0000"/>
                 </a:solidFill>
@@ -20393,7 +23086,7 @@
               <a:t>tương</a:t>
             </a:r>
             <a:r>
-              <a:rPr lang="en-US" sz="1400" smtClean="0">
+              <a:rPr lang="en-US" sz="1400" dirty="0" smtClean="0">
                 <a:solidFill>
                   <a:srgbClr val="FF0000"/>
                 </a:solidFill>
@@ -20403,7 +23096,7 @@
               <a:t> </a:t>
             </a:r>
             <a:r>
-              <a:rPr lang="en-US" sz="1400" err="1" smtClean="0">
+              <a:rPr lang="en-US" sz="1400" dirty="0" err="1" smtClean="0">
                 <a:solidFill>
                   <a:srgbClr val="FF0000"/>
                 </a:solidFill>
@@ -20413,7 +23106,7 @@
               <a:t>quan</a:t>
             </a:r>
             <a:r>
-              <a:rPr lang="en-US" sz="1400" smtClean="0">
+              <a:rPr lang="en-US" sz="1400" dirty="0" smtClean="0">
                 <a:solidFill>
                   <a:srgbClr val="FF0000"/>
                 </a:solidFill>
@@ -20423,7 +23116,7 @@
               <a:t> </a:t>
             </a:r>
             <a:r>
-              <a:rPr lang="en-US" sz="1400" err="1" smtClean="0">
+              <a:rPr lang="en-US" sz="1400" dirty="0" err="1" smtClean="0">
                 <a:solidFill>
                   <a:srgbClr val="FF0000"/>
                 </a:solidFill>
@@ -20433,7 +23126,7 @@
               <a:t>cho</a:t>
             </a:r>
             <a:r>
-              <a:rPr lang="en-US" sz="1400" smtClean="0">
+              <a:rPr lang="en-US" sz="1400" dirty="0" smtClean="0">
                 <a:solidFill>
                   <a:srgbClr val="FF0000"/>
                 </a:solidFill>
@@ -20443,7 +23136,7 @@
               <a:t> </a:t>
             </a:r>
             <a:r>
-              <a:rPr lang="en-US" sz="1400" err="1" smtClean="0">
+              <a:rPr lang="en-US" sz="1400" dirty="0" err="1" smtClean="0">
                 <a:solidFill>
                   <a:srgbClr val="FF0000"/>
                 </a:solidFill>
@@ -20453,7 +23146,7 @@
               <a:t>các</a:t>
             </a:r>
             <a:r>
-              <a:rPr lang="en-US" sz="1400" smtClean="0">
+              <a:rPr lang="en-US" sz="1400" dirty="0" smtClean="0">
                 <a:solidFill>
                   <a:srgbClr val="FF0000"/>
                 </a:solidFill>
@@ -20463,7 +23156,7 @@
               <a:t> </a:t>
             </a:r>
             <a:r>
-              <a:rPr lang="en-US" sz="1400" err="1" smtClean="0">
+              <a:rPr lang="en-US" sz="1400" dirty="0" err="1" smtClean="0">
                 <a:solidFill>
                   <a:srgbClr val="FF0000"/>
                 </a:solidFill>
@@ -20473,7 +23166,7 @@
               <a:t>mô</a:t>
             </a:r>
             <a:r>
-              <a:rPr lang="en-US" sz="1400" smtClean="0">
+              <a:rPr lang="en-US" sz="1400" dirty="0" smtClean="0">
                 <a:solidFill>
                   <a:srgbClr val="FF0000"/>
                 </a:solidFill>
@@ -20483,7 +23176,7 @@
               <a:t> </a:t>
             </a:r>
             <a:r>
-              <a:rPr lang="en-US" sz="1400" err="1" smtClean="0">
+              <a:rPr lang="en-US" sz="1400" dirty="0" err="1" smtClean="0">
                 <a:solidFill>
                   <a:srgbClr val="FF0000"/>
                 </a:solidFill>
@@ -20493,7 +23186,7 @@
               <a:t>hình</a:t>
             </a:r>
             <a:r>
-              <a:rPr lang="en-US" sz="1400" smtClean="0">
+              <a:rPr lang="en-US" sz="1400" dirty="0" smtClean="0">
                 <a:solidFill>
                   <a:srgbClr val="FF0000"/>
                 </a:solidFill>
@@ -20503,7 +23196,7 @@
               <a:t> </a:t>
             </a:r>
             <a:r>
-              <a:rPr lang="en-US" sz="1400" err="1" smtClean="0">
+              <a:rPr lang="en-US" sz="1400" dirty="0" err="1" smtClean="0">
                 <a:solidFill>
                   <a:srgbClr val="FF0000"/>
                 </a:solidFill>
@@ -20513,7 +23206,7 @@
               <a:t>dư</a:t>
             </a:r>
             <a:r>
-              <a:rPr lang="en-US" sz="1400" smtClean="0">
+              <a:rPr lang="en-US" sz="1400" dirty="0" smtClean="0">
                 <a:solidFill>
                   <a:srgbClr val="FF0000"/>
                 </a:solidFill>
@@ -20523,7 +23216,7 @@
               <a:t>̣ </a:t>
             </a:r>
             <a:r>
-              <a:rPr lang="en-US" sz="1400" err="1" smtClean="0">
+              <a:rPr lang="en-US" sz="1400" dirty="0" err="1" smtClean="0">
                 <a:solidFill>
                   <a:srgbClr val="FF0000"/>
                 </a:solidFill>
@@ -20532,7 +23225,7 @@
               </a:rPr>
               <a:t>báo</a:t>
             </a:r>
-            <a:endParaRPr lang="en-US" sz="1400" smtClean="0">
+            <a:endParaRPr lang="en-US" sz="1400" dirty="0" smtClean="0">
               <a:solidFill>
                 <a:srgbClr val="FF0000"/>
               </a:solidFill>
@@ -20544,7 +23237,7 @@
             <a:pPr>
               <a:buNone/>
             </a:pPr>
-            <a:endParaRPr lang="en-US" sz="1400" smtClean="0">
+            <a:endParaRPr lang="en-US" sz="1400" dirty="0" smtClean="0">
               <a:solidFill>
                 <a:srgbClr val="FF0000"/>
               </a:solidFill>
@@ -20558,7 +23251,7 @@
               <a:buAutoNum type="arabicPeriod" startAt="3"/>
             </a:pPr>
             <a:r>
-              <a:rPr lang="en-US" sz="1400" err="1" smtClean="0">
+              <a:rPr lang="en-US" sz="1400" dirty="0" err="1" smtClean="0">
                 <a:solidFill>
                   <a:srgbClr val="FF0000"/>
                 </a:solidFill>
@@ -20568,7 +23261,7 @@
               <a:t>Xây</a:t>
             </a:r>
             <a:r>
-              <a:rPr lang="en-US" sz="1400" smtClean="0">
+              <a:rPr lang="en-US" sz="1400" dirty="0" smtClean="0">
                 <a:solidFill>
                   <a:srgbClr val="FF0000"/>
                 </a:solidFill>
@@ -20578,7 +23271,7 @@
               <a:t> </a:t>
             </a:r>
             <a:r>
-              <a:rPr lang="en-US" sz="1400" err="1" smtClean="0">
+              <a:rPr lang="en-US" sz="1400" dirty="0" err="1" smtClean="0">
                 <a:solidFill>
                   <a:srgbClr val="FF0000"/>
                 </a:solidFill>
@@ -20588,7 +23281,7 @@
               <a:t>dựng</a:t>
             </a:r>
             <a:r>
-              <a:rPr lang="en-US" sz="1400" smtClean="0">
+              <a:rPr lang="en-US" sz="1400" dirty="0" smtClean="0">
                 <a:solidFill>
                   <a:srgbClr val="FF0000"/>
                 </a:solidFill>
@@ -20598,7 +23291,7 @@
               <a:t> </a:t>
             </a:r>
             <a:r>
-              <a:rPr lang="en-US" sz="1400" err="1" smtClean="0">
+              <a:rPr lang="en-US" sz="1400" dirty="0" err="1" smtClean="0">
                 <a:solidFill>
                   <a:srgbClr val="FF0000"/>
                 </a:solidFill>
@@ -20608,7 +23301,7 @@
               <a:t>được</a:t>
             </a:r>
             <a:r>
-              <a:rPr lang="en-US" sz="1400" smtClean="0">
+              <a:rPr lang="en-US" sz="1400" dirty="0" smtClean="0">
                 <a:solidFill>
                   <a:srgbClr val="FF0000"/>
                 </a:solidFill>
@@ -20618,7 +23311,7 @@
               <a:t> </a:t>
             </a:r>
             <a:r>
-              <a:rPr lang="en-US" sz="1400" err="1" smtClean="0">
+              <a:rPr lang="en-US" sz="1400" dirty="0" err="1" smtClean="0">
                 <a:solidFill>
                   <a:srgbClr val="FF0000"/>
                 </a:solidFill>
@@ -20628,7 +23321,7 @@
               <a:t>một</a:t>
             </a:r>
             <a:r>
-              <a:rPr lang="en-US" sz="1400" smtClean="0">
+              <a:rPr lang="en-US" sz="1400" dirty="0" smtClean="0">
                 <a:solidFill>
                   <a:srgbClr val="FF0000"/>
                 </a:solidFill>
@@ -20638,7 +23331,7 @@
               <a:t> </a:t>
             </a:r>
             <a:r>
-              <a:rPr lang="en-US" sz="1400" err="1" smtClean="0">
+              <a:rPr lang="en-US" sz="1400" dirty="0" err="1" smtClean="0">
                 <a:solidFill>
                   <a:srgbClr val="FF0000"/>
                 </a:solidFill>
@@ -20648,7 +23341,7 @@
               <a:t>phần</a:t>
             </a:r>
             <a:r>
-              <a:rPr lang="en-US" sz="1400" smtClean="0">
+              <a:rPr lang="en-US" sz="1400" dirty="0" smtClean="0">
                 <a:solidFill>
                   <a:srgbClr val="FF0000"/>
                 </a:solidFill>
@@ -20658,7 +23351,7 @@
               <a:t> </a:t>
             </a:r>
             <a:r>
-              <a:rPr lang="en-US" sz="1400" err="1" smtClean="0">
+              <a:rPr lang="en-US" sz="1400" dirty="0" err="1" smtClean="0">
                 <a:solidFill>
                   <a:srgbClr val="FF0000"/>
                 </a:solidFill>
@@ -20668,7 +23361,7 @@
               <a:t>mềm</a:t>
             </a:r>
             <a:r>
-              <a:rPr lang="en-US" sz="1400" smtClean="0">
+              <a:rPr lang="en-US" sz="1400" dirty="0" smtClean="0">
                 <a:solidFill>
                   <a:srgbClr val="FF0000"/>
                 </a:solidFill>
@@ -20678,7 +23371,7 @@
               <a:t> </a:t>
             </a:r>
             <a:r>
-              <a:rPr lang="en-US" sz="1400" err="1" smtClean="0">
+              <a:rPr lang="en-US" sz="1400" dirty="0" err="1" smtClean="0">
                 <a:solidFill>
                   <a:srgbClr val="FF0000"/>
                 </a:solidFill>
@@ -20688,7 +23381,7 @@
               <a:t>dư</a:t>
             </a:r>
             <a:r>
-              <a:rPr lang="en-US" sz="1400" smtClean="0">
+              <a:rPr lang="en-US" sz="1400" dirty="0" smtClean="0">
                 <a:solidFill>
                   <a:srgbClr val="FF0000"/>
                 </a:solidFill>
@@ -20698,7 +23391,7 @@
               <a:t>̣ </a:t>
             </a:r>
             <a:r>
-              <a:rPr lang="en-US" sz="1400" err="1" smtClean="0">
+              <a:rPr lang="en-US" sz="1400" dirty="0" err="1" smtClean="0">
                 <a:solidFill>
                   <a:srgbClr val="FF0000"/>
                 </a:solidFill>
@@ -20707,7 +23400,7 @@
               </a:rPr>
               <a:t>báo</a:t>
             </a:r>
-            <a:endParaRPr lang="en-US" sz="1400" smtClean="0">
+            <a:endParaRPr lang="en-US" sz="1400" dirty="0" smtClean="0">
               <a:solidFill>
                 <a:srgbClr val="FF0000"/>
               </a:solidFill>
@@ -20719,7 +23412,7 @@
             <a:pPr>
               <a:buAutoNum type="arabicPeriod" startAt="3"/>
             </a:pPr>
-            <a:endParaRPr lang="en-US" sz="1400" smtClean="0">
+            <a:endParaRPr lang="en-US" sz="1400" dirty="0" smtClean="0">
               <a:solidFill>
                 <a:srgbClr val="FF0000"/>
               </a:solidFill>
@@ -20732,7 +23425,7 @@
               <a:buAutoNum type="arabicPeriod" startAt="3"/>
             </a:pPr>
             <a:r>
-              <a:rPr lang="en-US" sz="1400" err="1" smtClean="0">
+              <a:rPr lang="en-US" sz="1400" dirty="0" err="1" smtClean="0">
                 <a:solidFill>
                   <a:srgbClr val="FF0000"/>
                 </a:solidFill>
@@ -20742,7 +23435,7 @@
               <a:t>Một</a:t>
             </a:r>
             <a:r>
-              <a:rPr lang="en-US" sz="1400" smtClean="0">
+              <a:rPr lang="en-US" sz="1400" dirty="0" smtClean="0">
                 <a:solidFill>
                   <a:srgbClr val="FF0000"/>
                 </a:solidFill>
@@ -20752,7 +23445,7 @@
               <a:t> </a:t>
             </a:r>
             <a:r>
-              <a:rPr lang="en-US" sz="1400" err="1" smtClean="0">
+              <a:rPr lang="en-US" sz="1400" dirty="0" err="1" smtClean="0">
                 <a:solidFill>
                   <a:srgbClr val="FF0000"/>
                 </a:solidFill>
@@ -20762,7 +23455,7 @@
               <a:t>sô</a:t>
             </a:r>
             <a:r>
-              <a:rPr lang="en-US" sz="1400" smtClean="0">
+              <a:rPr lang="en-US" sz="1400" dirty="0" smtClean="0">
                 <a:solidFill>
                   <a:srgbClr val="FF0000"/>
                 </a:solidFill>
@@ -20772,7 +23465,7 @@
               <a:t>́ </a:t>
             </a:r>
             <a:r>
-              <a:rPr lang="en-US" sz="1400" err="1" smtClean="0">
+              <a:rPr lang="en-US" sz="1400" dirty="0" err="1" smtClean="0">
                 <a:solidFill>
                   <a:srgbClr val="FF0000"/>
                 </a:solidFill>
@@ -20782,7 +23475,7 @@
               <a:t>kết</a:t>
             </a:r>
             <a:r>
-              <a:rPr lang="en-US" sz="1400" smtClean="0">
+              <a:rPr lang="en-US" sz="1400" dirty="0" smtClean="0">
                 <a:solidFill>
                   <a:srgbClr val="FF0000"/>
                 </a:solidFill>
@@ -20792,7 +23485,7 @@
               <a:t> quả </a:t>
             </a:r>
             <a:r>
-              <a:rPr lang="en-US" sz="1400" err="1" smtClean="0">
+              <a:rPr lang="en-US" sz="1400" dirty="0" err="1" smtClean="0">
                 <a:solidFill>
                   <a:srgbClr val="FF0000"/>
                 </a:solidFill>
@@ -20802,7 +23495,7 @@
               <a:t>dư</a:t>
             </a:r>
             <a:r>
-              <a:rPr lang="en-US" sz="1400" smtClean="0">
+              <a:rPr lang="en-US" sz="1400" dirty="0" smtClean="0">
                 <a:solidFill>
                   <a:srgbClr val="FF0000"/>
                 </a:solidFill>
@@ -20812,7 +23505,7 @@
               <a:t>̣ </a:t>
             </a:r>
             <a:r>
-              <a:rPr lang="en-US" sz="1400" err="1" smtClean="0">
+              <a:rPr lang="en-US" sz="1400" dirty="0" err="1" smtClean="0">
                 <a:solidFill>
                   <a:srgbClr val="FF0000"/>
                 </a:solidFill>
@@ -20822,7 +23515,7 @@
               <a:t>báo</a:t>
             </a:r>
             <a:r>
-              <a:rPr lang="en-US" sz="1400" smtClean="0">
+              <a:rPr lang="en-US" sz="1400" dirty="0" smtClean="0">
                 <a:solidFill>
                   <a:srgbClr val="FF0000"/>
                 </a:solidFill>
@@ -20836,7 +23529,7 @@
             <a:pPr fontAlgn="t">
               <a:buNone/>
             </a:pPr>
-            <a:endParaRPr lang="en-US" sz="1400" b="1" smtClean="0">
+            <a:endParaRPr lang="en-US" sz="1400" b="1" dirty="0" smtClean="0">
               <a:solidFill>
                 <a:srgbClr val="FF0000"/>
               </a:solidFill>
@@ -20849,7 +23542,7 @@
               <a:buNone/>
             </a:pPr>
             <a:r>
-              <a:rPr lang="en-US" sz="1400" b="1" err="1" smtClean="0">
+              <a:rPr lang="en-US" sz="1400" b="1" dirty="0" err="1" smtClean="0">
                 <a:solidFill>
                   <a:srgbClr val="FF0000"/>
                 </a:solidFill>
@@ -20859,7 +23552,7 @@
               <a:t>Dư</a:t>
             </a:r>
             <a:r>
-              <a:rPr lang="en-US" sz="1400" b="1" smtClean="0">
+              <a:rPr lang="en-US" sz="1400" b="1" dirty="0" smtClean="0">
                 <a:solidFill>
                   <a:srgbClr val="FF0000"/>
                 </a:solidFill>
@@ -20869,7 +23562,7 @@
               <a:t>̣ </a:t>
             </a:r>
             <a:r>
-              <a:rPr lang="en-US" sz="1400" b="1" err="1" smtClean="0">
+              <a:rPr lang="en-US" sz="1400" b="1" dirty="0" err="1" smtClean="0">
                 <a:solidFill>
                   <a:srgbClr val="FF0000"/>
                 </a:solidFill>
@@ -20879,7 +23572,7 @@
               <a:t>Báo</a:t>
             </a:r>
             <a:r>
-              <a:rPr lang="en-US" sz="1400" b="1" smtClean="0">
+              <a:rPr lang="en-US" sz="1400" b="1" dirty="0" smtClean="0">
                 <a:solidFill>
                   <a:srgbClr val="FF0000"/>
                 </a:solidFill>
@@ -20889,7 +23582,7 @@
               <a:t> </a:t>
             </a:r>
             <a:r>
-              <a:rPr lang="en-US" sz="1400" b="1" err="1" smtClean="0">
+              <a:rPr lang="en-US" sz="1400" b="1" dirty="0" err="1" smtClean="0">
                 <a:solidFill>
                   <a:srgbClr val="FF0000"/>
                 </a:solidFill>
@@ -20899,7 +23592,7 @@
               <a:t>Chính</a:t>
             </a:r>
             <a:r>
-              <a:rPr lang="en-US" sz="1400" b="1" smtClean="0">
+              <a:rPr lang="en-US" sz="1400" b="1" dirty="0" smtClean="0">
                 <a:solidFill>
                   <a:srgbClr val="FF0000"/>
                 </a:solidFill>
@@ -20909,7 +23602,7 @@
               <a:t> </a:t>
             </a:r>
             <a:r>
-              <a:rPr lang="en-US" sz="1400" b="1" err="1" smtClean="0">
+              <a:rPr lang="en-US" sz="1400" b="1" dirty="0" err="1" smtClean="0">
                 <a:solidFill>
                   <a:srgbClr val="FF0000"/>
                 </a:solidFill>
@@ -20919,7 +23612,7 @@
               <a:t>Xác</a:t>
             </a:r>
             <a:r>
-              <a:rPr lang="en-US" sz="1400" b="1" smtClean="0">
+              <a:rPr lang="en-US" sz="1400" b="1" dirty="0" smtClean="0">
                 <a:solidFill>
                   <a:srgbClr val="FF0000"/>
                 </a:solidFill>
@@ -20932,7 +23625,7 @@
           <a:p>
             <a:pPr lvl="1" fontAlgn="t"/>
             <a:r>
-              <a:rPr lang="en-US" sz="1400" smtClean="0">
+              <a:rPr lang="en-US" sz="1400" dirty="0" smtClean="0">
                 <a:solidFill>
                   <a:srgbClr val="FF0000"/>
                 </a:solidFill>
@@ -20942,7 +23635,7 @@
               <a:t> </a:t>
             </a:r>
             <a:r>
-              <a:rPr lang="vi-VN" sz="1400" smtClean="0">
+              <a:rPr lang="vi-VN" sz="1400" dirty="0" smtClean="0">
                 <a:solidFill>
                   <a:srgbClr val="FF0000"/>
                 </a:solidFill>
@@ -20952,7 +23645,7 @@
               <a:t>NGHỈ HỌC</a:t>
             </a:r>
             <a:r>
-              <a:rPr lang="en-US" sz="1400" smtClean="0">
+              <a:rPr lang="en-US" sz="1400" dirty="0" smtClean="0">
                 <a:solidFill>
                   <a:srgbClr val="FF0000"/>
                 </a:solidFill>
@@ -20965,7 +23658,7 @@
           <a:p>
             <a:pPr lvl="1" fontAlgn="t"/>
             <a:r>
-              <a:rPr lang="en-US" sz="1400" smtClean="0">
+              <a:rPr lang="en-US" sz="1400" dirty="0" smtClean="0">
                 <a:solidFill>
                   <a:srgbClr val="FF0000"/>
                 </a:solidFill>
@@ -20975,7 +23668,7 @@
               <a:t> </a:t>
             </a:r>
             <a:r>
-              <a:rPr lang="en-US" sz="1400" err="1" smtClean="0">
+              <a:rPr lang="en-US" sz="1400" dirty="0" err="1" smtClean="0">
                 <a:solidFill>
                   <a:srgbClr val="FF0000"/>
                 </a:solidFill>
@@ -20985,7 +23678,7 @@
               <a:t>Ky</a:t>
             </a:r>
             <a:r>
-              <a:rPr lang="en-US" sz="1400" smtClean="0">
+              <a:rPr lang="en-US" sz="1400" dirty="0" smtClean="0">
                 <a:solidFill>
                   <a:srgbClr val="FF0000"/>
                 </a:solidFill>
@@ -20995,7 +23688,7 @@
               <a:t>̀ 2 </a:t>
             </a:r>
             <a:r>
-              <a:rPr lang="vi-VN" sz="1400" smtClean="0">
+              <a:rPr lang="vi-VN" sz="1400" dirty="0" smtClean="0">
                 <a:solidFill>
                   <a:srgbClr val="FF0000"/>
                 </a:solidFill>
@@ -21005,7 +23698,7 @@
               <a:t>NGHỈ HỌC</a:t>
             </a:r>
             <a:r>
-              <a:rPr lang="en-US" sz="1400" smtClean="0">
+              <a:rPr lang="en-US" sz="1400" dirty="0" smtClean="0">
                 <a:solidFill>
                   <a:srgbClr val="FF0000"/>
                 </a:solidFill>
@@ -21018,7 +23711,7 @@
           <a:p>
             <a:pPr lvl="1" fontAlgn="t"/>
             <a:r>
-              <a:rPr lang="en-US" sz="1400" smtClean="0">
+              <a:rPr lang="en-US" sz="1400" dirty="0" smtClean="0">
                 <a:solidFill>
                   <a:srgbClr val="FF0000"/>
                 </a:solidFill>
@@ -21028,7 +23721,7 @@
               <a:t> </a:t>
             </a:r>
             <a:r>
-              <a:rPr lang="en-US" sz="1400" err="1" smtClean="0">
+              <a:rPr lang="en-US" sz="1400" dirty="0" err="1" smtClean="0">
                 <a:solidFill>
                   <a:srgbClr val="FF0000"/>
                 </a:solidFill>
@@ -21038,7 +23731,7 @@
               <a:t>Ky</a:t>
             </a:r>
             <a:r>
-              <a:rPr lang="en-US" sz="1400" smtClean="0">
+              <a:rPr lang="en-US" sz="1400" dirty="0" smtClean="0">
                 <a:solidFill>
                   <a:srgbClr val="FF0000"/>
                 </a:solidFill>
@@ -21048,7 +23741,7 @@
               <a:t>̀ 3 </a:t>
             </a:r>
             <a:r>
-              <a:rPr lang="vi-VN" sz="1400" smtClean="0">
+              <a:rPr lang="vi-VN" sz="1400" dirty="0" smtClean="0">
                 <a:solidFill>
                   <a:srgbClr val="FF0000"/>
                 </a:solidFill>
@@ -21058,7 +23751,7 @@
               <a:t>NGHỈ HỌC</a:t>
             </a:r>
             <a:r>
-              <a:rPr lang="en-US" sz="1400" smtClean="0">
+              <a:rPr lang="en-US" sz="1400" dirty="0" smtClean="0">
                 <a:solidFill>
                   <a:srgbClr val="FF0000"/>
                 </a:solidFill>
@@ -21071,7 +23764,7 @@
           <a:p>
             <a:pPr lvl="1" fontAlgn="t"/>
             <a:r>
-              <a:rPr lang="en-US" sz="1400" smtClean="0">
+              <a:rPr lang="en-US" sz="1400" dirty="0" smtClean="0">
                 <a:solidFill>
                   <a:srgbClr val="FF0000"/>
                 </a:solidFill>
@@ -21081,7 +23774,7 @@
               <a:t> </a:t>
             </a:r>
             <a:r>
-              <a:rPr lang="en-US" sz="1400" err="1" smtClean="0">
+              <a:rPr lang="en-US" sz="1400" dirty="0" err="1" smtClean="0">
                 <a:solidFill>
                   <a:srgbClr val="FF0000"/>
                 </a:solidFill>
@@ -21091,7 +23784,7 @@
               <a:t>Ky</a:t>
             </a:r>
             <a:r>
-              <a:rPr lang="en-US" sz="1400" smtClean="0">
+              <a:rPr lang="en-US" sz="1400" dirty="0" smtClean="0">
                 <a:solidFill>
                   <a:srgbClr val="FF0000"/>
                 </a:solidFill>
@@ -21101,7 +23794,7 @@
               <a:t>̀ 4 </a:t>
             </a:r>
             <a:r>
-              <a:rPr lang="vi-VN" sz="1400" smtClean="0">
+              <a:rPr lang="vi-VN" sz="1400" dirty="0" smtClean="0">
                 <a:solidFill>
                   <a:srgbClr val="FF0000"/>
                 </a:solidFill>
@@ -21111,7 +23804,7 @@
               <a:t>NGHỈ HỌC</a:t>
             </a:r>
             <a:r>
-              <a:rPr lang="en-US" sz="1400" smtClean="0">
+              <a:rPr lang="en-US" sz="1400" dirty="0" smtClean="0">
                 <a:solidFill>
                   <a:srgbClr val="FF0000"/>
                 </a:solidFill>
@@ -21124,7 +23817,7 @@
           <a:p>
             <a:pPr lvl="1" fontAlgn="t"/>
             <a:r>
-              <a:rPr lang="en-US" sz="1400" smtClean="0">
+              <a:rPr lang="en-US" sz="1400" dirty="0" smtClean="0">
                 <a:solidFill>
                   <a:srgbClr val="FF0000"/>
                 </a:solidFill>
@@ -21134,7 +23827,7 @@
               <a:t> </a:t>
             </a:r>
             <a:r>
-              <a:rPr lang="en-US" sz="1400" err="1" smtClean="0">
+              <a:rPr lang="en-US" sz="1400" dirty="0" err="1" smtClean="0">
                 <a:solidFill>
                   <a:srgbClr val="FF0000"/>
                 </a:solidFill>
@@ -21144,7 +23837,7 @@
               <a:t>Mô</a:t>
             </a:r>
             <a:r>
-              <a:rPr lang="en-US" sz="1400" smtClean="0">
+              <a:rPr lang="en-US" sz="1400" dirty="0" smtClean="0">
                 <a:solidFill>
                   <a:srgbClr val="FF0000"/>
                 </a:solidFill>
@@ -21154,7 +23847,7 @@
               <a:t> </a:t>
             </a:r>
             <a:r>
-              <a:rPr lang="en-US" sz="1400" err="1" smtClean="0">
+              <a:rPr lang="en-US" sz="1400" dirty="0" err="1" smtClean="0">
                 <a:solidFill>
                   <a:srgbClr val="FF0000"/>
                 </a:solidFill>
@@ -21164,7 +23857,7 @@
               <a:t>hình</a:t>
             </a:r>
             <a:r>
-              <a:rPr lang="en-US" sz="1400" smtClean="0">
+              <a:rPr lang="en-US" sz="1400" dirty="0" smtClean="0">
                 <a:solidFill>
                   <a:srgbClr val="FF0000"/>
                 </a:solidFill>
@@ -21174,7 +23867,7 @@
               <a:t> </a:t>
             </a:r>
             <a:r>
-              <a:rPr lang="vi-VN" sz="1400" smtClean="0">
+              <a:rPr lang="vi-VN" sz="1400" dirty="0" smtClean="0">
                 <a:solidFill>
                   <a:srgbClr val="FF0000"/>
                 </a:solidFill>
@@ -21184,7 +23877,7 @@
               <a:t>NGHỈ HỌC</a:t>
             </a:r>
             <a:r>
-              <a:rPr lang="en-US" sz="1400" smtClean="0">
+              <a:rPr lang="en-US" sz="1400" dirty="0" smtClean="0">
                 <a:solidFill>
                   <a:srgbClr val="FF0000"/>
                 </a:solidFill>
@@ -21194,7 +23887,7 @@
               <a:t> </a:t>
             </a:r>
             <a:r>
-              <a:rPr lang="en-US" sz="1400" err="1" smtClean="0">
+              <a:rPr lang="en-US" sz="1400" dirty="0" err="1" smtClean="0">
                 <a:solidFill>
                   <a:srgbClr val="FF0000"/>
                 </a:solidFill>
@@ -21204,7 +23897,7 @@
               <a:t>cho</a:t>
             </a:r>
             <a:r>
-              <a:rPr lang="en-US" sz="1400" smtClean="0">
+              <a:rPr lang="en-US" sz="1400" dirty="0" smtClean="0">
                 <a:solidFill>
                   <a:srgbClr val="FF0000"/>
                 </a:solidFill>
@@ -21214,7 +23907,7 @@
               <a:t> </a:t>
             </a:r>
             <a:r>
-              <a:rPr lang="en-US" sz="1400" err="1" smtClean="0">
+              <a:rPr lang="en-US" sz="1400" dirty="0" err="1" smtClean="0">
                 <a:solidFill>
                   <a:srgbClr val="FF0000"/>
                 </a:solidFill>
@@ -21224,7 +23917,7 @@
               <a:t>Dạy</a:t>
             </a:r>
             <a:r>
-              <a:rPr lang="en-US" sz="1400" smtClean="0">
+              <a:rPr lang="en-US" sz="1400" dirty="0" smtClean="0">
                 <a:solidFill>
                   <a:srgbClr val="FF0000"/>
                 </a:solidFill>
@@ -21234,7 +23927,7 @@
               <a:t> </a:t>
             </a:r>
             <a:r>
-              <a:rPr lang="en-US" sz="1400" err="1" smtClean="0">
+              <a:rPr lang="en-US" sz="1400" dirty="0" err="1" smtClean="0">
                 <a:solidFill>
                   <a:srgbClr val="FF0000"/>
                 </a:solidFill>
@@ -21244,7 +23937,7 @@
               <a:t>Học</a:t>
             </a:r>
             <a:r>
-              <a:rPr lang="en-US" sz="1400" smtClean="0">
+              <a:rPr lang="en-US" sz="1400" dirty="0" smtClean="0">
                 <a:solidFill>
                   <a:srgbClr val="FF0000"/>
                 </a:solidFill>
@@ -21258,7 +23951,7 @@
             <a:pPr fontAlgn="t">
               <a:buNone/>
             </a:pPr>
-            <a:endParaRPr lang="en-US" sz="1400" smtClean="0">
+            <a:endParaRPr lang="en-US" sz="1400" dirty="0" smtClean="0">
               <a:solidFill>
                 <a:srgbClr val="FF0000"/>
               </a:solidFill>
@@ -21268,7 +23961,7 @@
           </a:p>
           <a:p>
             <a:pPr fontAlgn="t"/>
-            <a:endParaRPr lang="en-US" sz="1400" smtClean="0">
+            <a:endParaRPr lang="en-US" sz="1400" dirty="0" smtClean="0">
               <a:solidFill>
                 <a:srgbClr val="FF0000"/>
               </a:solidFill>
@@ -21278,7 +23971,7 @@
           </a:p>
           <a:p>
             <a:pPr fontAlgn="t"/>
-            <a:endParaRPr lang="en-US" sz="1400" smtClean="0">
+            <a:endParaRPr lang="en-US" sz="1400" dirty="0" smtClean="0">
               <a:solidFill>
                 <a:srgbClr val="FF0000"/>
               </a:solidFill>
@@ -21288,7 +23981,7 @@
           </a:p>
           <a:p>
             <a:pPr fontAlgn="t"/>
-            <a:endParaRPr lang="en-US" sz="1400" smtClean="0">
+            <a:endParaRPr lang="en-US" sz="1400" dirty="0" smtClean="0">
               <a:solidFill>
                 <a:srgbClr val="FF0000"/>
               </a:solidFill>
@@ -21300,7 +23993,7 @@
             <a:pPr>
               <a:buNone/>
             </a:pPr>
-            <a:endParaRPr lang="en-US" sz="1400">
+            <a:endParaRPr lang="en-US" sz="1400" dirty="0">
               <a:solidFill>
                 <a:srgbClr val="FF0000"/>
               </a:solidFill>
@@ -21310,6 +24003,1873 @@
           </a:p>
         </p:txBody>
       </p:sp>
+      <p:graphicFrame>
+        <p:nvGraphicFramePr>
+          <p:cNvPr id="4" name="Table 3"/>
+          <p:cNvGraphicFramePr>
+            <a:graphicFrameLocks noGrp="1"/>
+          </p:cNvGraphicFramePr>
+          <p:nvPr/>
+        </p:nvGraphicFramePr>
+        <p:xfrm>
+          <a:off x="3886200" y="3962400"/>
+          <a:ext cx="4825999" cy="1333500"/>
+        </p:xfrm>
+        <a:graphic>
+          <a:graphicData uri="http://schemas.openxmlformats.org/drawingml/2006/table">
+            <a:tbl>
+              <a:tblPr/>
+              <a:tblGrid>
+                <a:gridCol w="2384387"/>
+                <a:gridCol w="610403"/>
+                <a:gridCol w="610403"/>
+                <a:gridCol w="610403"/>
+                <a:gridCol w="610403"/>
+              </a:tblGrid>
+              <a:tr h="190500">
+                <a:tc gridSpan="5">
+                  <a:txBody>
+                    <a:bodyPr/>
+                    <a:lstStyle/>
+                    <a:p>
+                      <a:pPr algn="l" fontAlgn="b"/>
+                      <a:r>
+                        <a:rPr lang="vi-VN" sz="1100" b="0" i="0" u="none" strike="noStrike" dirty="0">
+                          <a:solidFill>
+                            <a:srgbClr val="000000"/>
+                          </a:solidFill>
+                          <a:latin typeface="Calibri"/>
+                        </a:rPr>
+                        <a:t>Kết quả chương trình dự báo trạng thái học viên drop-out yes/no theo kỳ</a:t>
+                      </a:r>
+                    </a:p>
+                  </a:txBody>
+                  <a:tcPr marL="9525" marR="9525" marT="9525" marB="0" anchor="b">
+                    <a:lnL>
+                      <a:noFill/>
+                    </a:lnL>
+                    <a:lnR>
+                      <a:noFill/>
+                    </a:lnR>
+                    <a:lnT>
+                      <a:noFill/>
+                    </a:lnT>
+                    <a:lnB w="6350" cap="flat" cmpd="sng" algn="ctr">
+                      <a:solidFill>
+                        <a:srgbClr val="000000"/>
+                      </a:solidFill>
+                      <a:prstDash val="solid"/>
+                      <a:round/>
+                      <a:headEnd type="none" w="med" len="med"/>
+                      <a:tailEnd type="none" w="med" len="med"/>
+                    </a:lnB>
+                  </a:tcPr>
+                </a:tc>
+                <a:tc hMerge="1">
+                  <a:txBody>
+                    <a:bodyPr/>
+                    <a:lstStyle/>
+                    <a:p>
+                      <a:endParaRPr lang="en-US"/>
+                    </a:p>
+                  </a:txBody>
+                  <a:tcPr/>
+                </a:tc>
+                <a:tc hMerge="1">
+                  <a:txBody>
+                    <a:bodyPr/>
+                    <a:lstStyle/>
+                    <a:p>
+                      <a:endParaRPr lang="en-US"/>
+                    </a:p>
+                  </a:txBody>
+                  <a:tcPr/>
+                </a:tc>
+                <a:tc hMerge="1">
+                  <a:txBody>
+                    <a:bodyPr/>
+                    <a:lstStyle/>
+                    <a:p>
+                      <a:endParaRPr lang="en-US"/>
+                    </a:p>
+                  </a:txBody>
+                  <a:tcPr/>
+                </a:tc>
+                <a:tc hMerge="1">
+                  <a:txBody>
+                    <a:bodyPr/>
+                    <a:lstStyle/>
+                    <a:p>
+                      <a:endParaRPr lang="en-US"/>
+                    </a:p>
+                  </a:txBody>
+                  <a:tcPr/>
+                </a:tc>
+              </a:tr>
+              <a:tr h="190500">
+                <a:tc>
+                  <a:txBody>
+                    <a:bodyPr/>
+                    <a:lstStyle/>
+                    <a:p>
+                      <a:pPr algn="ctr" fontAlgn="b"/>
+                      <a:r>
+                        <a:rPr lang="en-US" sz="1100" b="0" i="0" u="none" strike="noStrike">
+                          <a:solidFill>
+                            <a:srgbClr val="FFFFFF"/>
+                          </a:solidFill>
+                          <a:latin typeface="Calibri"/>
+                        </a:rPr>
+                        <a:t>Dữ liệu drop-out Yes/No</a:t>
+                      </a:r>
+                    </a:p>
+                  </a:txBody>
+                  <a:tcPr marL="9525" marR="9525" marT="9525" marB="0" anchor="b">
+                    <a:lnL w="6350" cap="flat" cmpd="sng" algn="ctr">
+                      <a:solidFill>
+                        <a:srgbClr val="000000"/>
+                      </a:solidFill>
+                      <a:prstDash val="solid"/>
+                      <a:round/>
+                      <a:headEnd type="none" w="med" len="med"/>
+                      <a:tailEnd type="none" w="med" len="med"/>
+                    </a:lnL>
+                    <a:lnR w="6350" cap="flat" cmpd="sng" algn="ctr">
+                      <a:solidFill>
+                        <a:srgbClr val="000000"/>
+                      </a:solidFill>
+                      <a:prstDash val="solid"/>
+                      <a:round/>
+                      <a:headEnd type="none" w="med" len="med"/>
+                      <a:tailEnd type="none" w="med" len="med"/>
+                    </a:lnR>
+                    <a:lnT w="6350" cap="flat" cmpd="sng" algn="ctr">
+                      <a:solidFill>
+                        <a:srgbClr val="000000"/>
+                      </a:solidFill>
+                      <a:prstDash val="solid"/>
+                      <a:round/>
+                      <a:headEnd type="none" w="med" len="med"/>
+                      <a:tailEnd type="none" w="med" len="med"/>
+                    </a:lnT>
+                    <a:lnB w="6350" cap="flat" cmpd="sng" algn="ctr">
+                      <a:solidFill>
+                        <a:srgbClr val="000000"/>
+                      </a:solidFill>
+                      <a:prstDash val="solid"/>
+                      <a:round/>
+                      <a:headEnd type="none" w="med" len="med"/>
+                      <a:tailEnd type="none" w="med" len="med"/>
+                    </a:lnB>
+                    <a:solidFill>
+                      <a:srgbClr val="0000FF"/>
+                    </a:solidFill>
+                  </a:tcPr>
+                </a:tc>
+                <a:tc>
+                  <a:txBody>
+                    <a:bodyPr/>
+                    <a:lstStyle/>
+                    <a:p>
+                      <a:pPr algn="ctr" fontAlgn="b"/>
+                      <a:r>
+                        <a:rPr lang="en-US" sz="1100" b="0" i="0" u="none" strike="noStrike">
+                          <a:solidFill>
+                            <a:srgbClr val="FFFFFF"/>
+                          </a:solidFill>
+                          <a:latin typeface="Calibri"/>
+                        </a:rPr>
+                        <a:t>Tỷ lệ mẫu</a:t>
+                      </a:r>
+                    </a:p>
+                  </a:txBody>
+                  <a:tcPr marL="9525" marR="9525" marT="9525" marB="0" anchor="b">
+                    <a:lnL w="6350" cap="flat" cmpd="sng" algn="ctr">
+                      <a:solidFill>
+                        <a:srgbClr val="000000"/>
+                      </a:solidFill>
+                      <a:prstDash val="solid"/>
+                      <a:round/>
+                      <a:headEnd type="none" w="med" len="med"/>
+                      <a:tailEnd type="none" w="med" len="med"/>
+                    </a:lnL>
+                    <a:lnR w="6350" cap="flat" cmpd="sng" algn="ctr">
+                      <a:solidFill>
+                        <a:srgbClr val="000000"/>
+                      </a:solidFill>
+                      <a:prstDash val="solid"/>
+                      <a:round/>
+                      <a:headEnd type="none" w="med" len="med"/>
+                      <a:tailEnd type="none" w="med" len="med"/>
+                    </a:lnR>
+                    <a:lnT w="6350" cap="flat" cmpd="sng" algn="ctr">
+                      <a:solidFill>
+                        <a:srgbClr val="000000"/>
+                      </a:solidFill>
+                      <a:prstDash val="solid"/>
+                      <a:round/>
+                      <a:headEnd type="none" w="med" len="med"/>
+                      <a:tailEnd type="none" w="med" len="med"/>
+                    </a:lnT>
+                    <a:lnB w="6350" cap="flat" cmpd="sng" algn="ctr">
+                      <a:solidFill>
+                        <a:srgbClr val="000000"/>
+                      </a:solidFill>
+                      <a:prstDash val="solid"/>
+                      <a:round/>
+                      <a:headEnd type="none" w="med" len="med"/>
+                      <a:tailEnd type="none" w="med" len="med"/>
+                    </a:lnB>
+                    <a:solidFill>
+                      <a:srgbClr val="0000FF"/>
+                    </a:solidFill>
+                  </a:tcPr>
+                </a:tc>
+                <a:tc>
+                  <a:txBody>
+                    <a:bodyPr/>
+                    <a:lstStyle/>
+                    <a:p>
+                      <a:pPr algn="ctr" fontAlgn="b"/>
+                      <a:r>
+                        <a:rPr lang="en-US" sz="1100" b="0" i="0" u="none" strike="noStrike">
+                          <a:solidFill>
+                            <a:srgbClr val="FFFFFF"/>
+                          </a:solidFill>
+                          <a:latin typeface="Calibri"/>
+                        </a:rPr>
+                        <a:t>Kỳ 2</a:t>
+                      </a:r>
+                    </a:p>
+                  </a:txBody>
+                  <a:tcPr marL="9525" marR="9525" marT="9525" marB="0" anchor="b">
+                    <a:lnL w="6350" cap="flat" cmpd="sng" algn="ctr">
+                      <a:solidFill>
+                        <a:srgbClr val="000000"/>
+                      </a:solidFill>
+                      <a:prstDash val="solid"/>
+                      <a:round/>
+                      <a:headEnd type="none" w="med" len="med"/>
+                      <a:tailEnd type="none" w="med" len="med"/>
+                    </a:lnL>
+                    <a:lnR w="6350" cap="flat" cmpd="sng" algn="ctr">
+                      <a:solidFill>
+                        <a:srgbClr val="000000"/>
+                      </a:solidFill>
+                      <a:prstDash val="solid"/>
+                      <a:round/>
+                      <a:headEnd type="none" w="med" len="med"/>
+                      <a:tailEnd type="none" w="med" len="med"/>
+                    </a:lnR>
+                    <a:lnT w="6350" cap="flat" cmpd="sng" algn="ctr">
+                      <a:solidFill>
+                        <a:srgbClr val="000000"/>
+                      </a:solidFill>
+                      <a:prstDash val="solid"/>
+                      <a:round/>
+                      <a:headEnd type="none" w="med" len="med"/>
+                      <a:tailEnd type="none" w="med" len="med"/>
+                    </a:lnT>
+                    <a:lnB w="6350" cap="flat" cmpd="sng" algn="ctr">
+                      <a:solidFill>
+                        <a:srgbClr val="000000"/>
+                      </a:solidFill>
+                      <a:prstDash val="solid"/>
+                      <a:round/>
+                      <a:headEnd type="none" w="med" len="med"/>
+                      <a:tailEnd type="none" w="med" len="med"/>
+                    </a:lnB>
+                    <a:solidFill>
+                      <a:srgbClr val="0000FF"/>
+                    </a:solidFill>
+                  </a:tcPr>
+                </a:tc>
+                <a:tc>
+                  <a:txBody>
+                    <a:bodyPr/>
+                    <a:lstStyle/>
+                    <a:p>
+                      <a:pPr algn="ctr" fontAlgn="b"/>
+                      <a:r>
+                        <a:rPr lang="en-US" sz="1100" b="0" i="0" u="none" strike="noStrike">
+                          <a:solidFill>
+                            <a:srgbClr val="FFFFFF"/>
+                          </a:solidFill>
+                          <a:latin typeface="Calibri"/>
+                        </a:rPr>
+                        <a:t>Kỳ 3</a:t>
+                      </a:r>
+                    </a:p>
+                  </a:txBody>
+                  <a:tcPr marL="9525" marR="9525" marT="9525" marB="0" anchor="b">
+                    <a:lnL w="6350" cap="flat" cmpd="sng" algn="ctr">
+                      <a:solidFill>
+                        <a:srgbClr val="000000"/>
+                      </a:solidFill>
+                      <a:prstDash val="solid"/>
+                      <a:round/>
+                      <a:headEnd type="none" w="med" len="med"/>
+                      <a:tailEnd type="none" w="med" len="med"/>
+                    </a:lnL>
+                    <a:lnR w="6350" cap="flat" cmpd="sng" algn="ctr">
+                      <a:solidFill>
+                        <a:srgbClr val="000000"/>
+                      </a:solidFill>
+                      <a:prstDash val="solid"/>
+                      <a:round/>
+                      <a:headEnd type="none" w="med" len="med"/>
+                      <a:tailEnd type="none" w="med" len="med"/>
+                    </a:lnR>
+                    <a:lnT w="6350" cap="flat" cmpd="sng" algn="ctr">
+                      <a:solidFill>
+                        <a:srgbClr val="000000"/>
+                      </a:solidFill>
+                      <a:prstDash val="solid"/>
+                      <a:round/>
+                      <a:headEnd type="none" w="med" len="med"/>
+                      <a:tailEnd type="none" w="med" len="med"/>
+                    </a:lnT>
+                    <a:lnB w="6350" cap="flat" cmpd="sng" algn="ctr">
+                      <a:solidFill>
+                        <a:srgbClr val="000000"/>
+                      </a:solidFill>
+                      <a:prstDash val="solid"/>
+                      <a:round/>
+                      <a:headEnd type="none" w="med" len="med"/>
+                      <a:tailEnd type="none" w="med" len="med"/>
+                    </a:lnB>
+                    <a:solidFill>
+                      <a:srgbClr val="0000FF"/>
+                    </a:solidFill>
+                  </a:tcPr>
+                </a:tc>
+                <a:tc>
+                  <a:txBody>
+                    <a:bodyPr/>
+                    <a:lstStyle/>
+                    <a:p>
+                      <a:pPr algn="ctr" fontAlgn="b"/>
+                      <a:r>
+                        <a:rPr lang="en-US" sz="1100" b="0" i="0" u="none" strike="noStrike">
+                          <a:solidFill>
+                            <a:srgbClr val="FFFFFF"/>
+                          </a:solidFill>
+                          <a:latin typeface="Calibri"/>
+                        </a:rPr>
+                        <a:t>Kỳ 4</a:t>
+                      </a:r>
+                    </a:p>
+                  </a:txBody>
+                  <a:tcPr marL="9525" marR="9525" marT="9525" marB="0" anchor="b">
+                    <a:lnL w="6350" cap="flat" cmpd="sng" algn="ctr">
+                      <a:solidFill>
+                        <a:srgbClr val="000000"/>
+                      </a:solidFill>
+                      <a:prstDash val="solid"/>
+                      <a:round/>
+                      <a:headEnd type="none" w="med" len="med"/>
+                      <a:tailEnd type="none" w="med" len="med"/>
+                    </a:lnL>
+                    <a:lnR w="6350" cap="flat" cmpd="sng" algn="ctr">
+                      <a:solidFill>
+                        <a:srgbClr val="000000"/>
+                      </a:solidFill>
+                      <a:prstDash val="solid"/>
+                      <a:round/>
+                      <a:headEnd type="none" w="med" len="med"/>
+                      <a:tailEnd type="none" w="med" len="med"/>
+                    </a:lnR>
+                    <a:lnT w="6350" cap="flat" cmpd="sng" algn="ctr">
+                      <a:solidFill>
+                        <a:srgbClr val="000000"/>
+                      </a:solidFill>
+                      <a:prstDash val="solid"/>
+                      <a:round/>
+                      <a:headEnd type="none" w="med" len="med"/>
+                      <a:tailEnd type="none" w="med" len="med"/>
+                    </a:lnT>
+                    <a:lnB w="6350" cap="flat" cmpd="sng" algn="ctr">
+                      <a:solidFill>
+                        <a:srgbClr val="000000"/>
+                      </a:solidFill>
+                      <a:prstDash val="solid"/>
+                      <a:round/>
+                      <a:headEnd type="none" w="med" len="med"/>
+                      <a:tailEnd type="none" w="med" len="med"/>
+                    </a:lnB>
+                    <a:solidFill>
+                      <a:srgbClr val="0000FF"/>
+                    </a:solidFill>
+                  </a:tcPr>
+                </a:tc>
+              </a:tr>
+              <a:tr h="190500">
+                <a:tc>
+                  <a:txBody>
+                    <a:bodyPr/>
+                    <a:lstStyle/>
+                    <a:p>
+                      <a:pPr algn="l" fontAlgn="b"/>
+                      <a:r>
+                        <a:rPr lang="en-US" sz="1100" b="0" i="0" u="none" strike="noStrike">
+                          <a:solidFill>
+                            <a:srgbClr val="000000"/>
+                          </a:solidFill>
+                          <a:latin typeface="Calibri"/>
+                        </a:rPr>
+                        <a:t>Tập dữ liệu thu thập</a:t>
+                      </a:r>
+                    </a:p>
+                  </a:txBody>
+                  <a:tcPr marL="9525" marR="9525" marT="9525" marB="0" anchor="b">
+                    <a:lnL w="6350" cap="flat" cmpd="sng" algn="ctr">
+                      <a:solidFill>
+                        <a:srgbClr val="000000"/>
+                      </a:solidFill>
+                      <a:prstDash val="solid"/>
+                      <a:round/>
+                      <a:headEnd type="none" w="med" len="med"/>
+                      <a:tailEnd type="none" w="med" len="med"/>
+                    </a:lnL>
+                    <a:lnR w="6350" cap="flat" cmpd="sng" algn="ctr">
+                      <a:solidFill>
+                        <a:srgbClr val="000000"/>
+                      </a:solidFill>
+                      <a:prstDash val="solid"/>
+                      <a:round/>
+                      <a:headEnd type="none" w="med" len="med"/>
+                      <a:tailEnd type="none" w="med" len="med"/>
+                    </a:lnR>
+                    <a:lnT w="6350" cap="flat" cmpd="sng" algn="ctr">
+                      <a:solidFill>
+                        <a:srgbClr val="000000"/>
+                      </a:solidFill>
+                      <a:prstDash val="solid"/>
+                      <a:round/>
+                      <a:headEnd type="none" w="med" len="med"/>
+                      <a:tailEnd type="none" w="med" len="med"/>
+                    </a:lnT>
+                    <a:lnB w="6350" cap="flat" cmpd="sng" algn="ctr">
+                      <a:solidFill>
+                        <a:srgbClr val="000000"/>
+                      </a:solidFill>
+                      <a:prstDash val="solid"/>
+                      <a:round/>
+                      <a:headEnd type="none" w="med" len="med"/>
+                      <a:tailEnd type="none" w="med" len="med"/>
+                    </a:lnB>
+                  </a:tcPr>
+                </a:tc>
+                <a:tc>
+                  <a:txBody>
+                    <a:bodyPr/>
+                    <a:lstStyle/>
+                    <a:p>
+                      <a:pPr algn="r" fontAlgn="b"/>
+                      <a:r>
+                        <a:rPr lang="en-US" sz="1100" b="0" i="0" u="none" strike="noStrike">
+                          <a:solidFill>
+                            <a:srgbClr val="000000"/>
+                          </a:solidFill>
+                          <a:latin typeface="Calibri"/>
+                        </a:rPr>
+                        <a:t>100%</a:t>
+                      </a:r>
+                    </a:p>
+                  </a:txBody>
+                  <a:tcPr marL="9525" marR="9525" marT="9525" marB="0" anchor="b">
+                    <a:lnL w="6350" cap="flat" cmpd="sng" algn="ctr">
+                      <a:solidFill>
+                        <a:srgbClr val="000000"/>
+                      </a:solidFill>
+                      <a:prstDash val="solid"/>
+                      <a:round/>
+                      <a:headEnd type="none" w="med" len="med"/>
+                      <a:tailEnd type="none" w="med" len="med"/>
+                    </a:lnL>
+                    <a:lnR w="6350" cap="flat" cmpd="sng" algn="ctr">
+                      <a:solidFill>
+                        <a:srgbClr val="000000"/>
+                      </a:solidFill>
+                      <a:prstDash val="solid"/>
+                      <a:round/>
+                      <a:headEnd type="none" w="med" len="med"/>
+                      <a:tailEnd type="none" w="med" len="med"/>
+                    </a:lnR>
+                    <a:lnT w="6350" cap="flat" cmpd="sng" algn="ctr">
+                      <a:solidFill>
+                        <a:srgbClr val="000000"/>
+                      </a:solidFill>
+                      <a:prstDash val="solid"/>
+                      <a:round/>
+                      <a:headEnd type="none" w="med" len="med"/>
+                      <a:tailEnd type="none" w="med" len="med"/>
+                    </a:lnT>
+                    <a:lnB w="6350" cap="flat" cmpd="sng" algn="ctr">
+                      <a:solidFill>
+                        <a:srgbClr val="000000"/>
+                      </a:solidFill>
+                      <a:prstDash val="solid"/>
+                      <a:round/>
+                      <a:headEnd type="none" w="med" len="med"/>
+                      <a:tailEnd type="none" w="med" len="med"/>
+                    </a:lnB>
+                  </a:tcPr>
+                </a:tc>
+                <a:tc>
+                  <a:txBody>
+                    <a:bodyPr/>
+                    <a:lstStyle/>
+                    <a:p>
+                      <a:pPr algn="r" fontAlgn="b"/>
+                      <a:r>
+                        <a:rPr lang="en-US" sz="1100" b="0" i="0" u="none" strike="noStrike">
+                          <a:solidFill>
+                            <a:srgbClr val="000000"/>
+                          </a:solidFill>
+                          <a:latin typeface="Calibri"/>
+                        </a:rPr>
+                        <a:t>1364</a:t>
+                      </a:r>
+                    </a:p>
+                  </a:txBody>
+                  <a:tcPr marL="9525" marR="9525" marT="9525" marB="0" anchor="b">
+                    <a:lnL w="6350" cap="flat" cmpd="sng" algn="ctr">
+                      <a:solidFill>
+                        <a:srgbClr val="000000"/>
+                      </a:solidFill>
+                      <a:prstDash val="solid"/>
+                      <a:round/>
+                      <a:headEnd type="none" w="med" len="med"/>
+                      <a:tailEnd type="none" w="med" len="med"/>
+                    </a:lnL>
+                    <a:lnR w="6350" cap="flat" cmpd="sng" algn="ctr">
+                      <a:solidFill>
+                        <a:srgbClr val="000000"/>
+                      </a:solidFill>
+                      <a:prstDash val="solid"/>
+                      <a:round/>
+                      <a:headEnd type="none" w="med" len="med"/>
+                      <a:tailEnd type="none" w="med" len="med"/>
+                    </a:lnR>
+                    <a:lnT w="6350" cap="flat" cmpd="sng" algn="ctr">
+                      <a:solidFill>
+                        <a:srgbClr val="000000"/>
+                      </a:solidFill>
+                      <a:prstDash val="solid"/>
+                      <a:round/>
+                      <a:headEnd type="none" w="med" len="med"/>
+                      <a:tailEnd type="none" w="med" len="med"/>
+                    </a:lnT>
+                    <a:lnB w="6350" cap="flat" cmpd="sng" algn="ctr">
+                      <a:solidFill>
+                        <a:srgbClr val="000000"/>
+                      </a:solidFill>
+                      <a:prstDash val="solid"/>
+                      <a:round/>
+                      <a:headEnd type="none" w="med" len="med"/>
+                      <a:tailEnd type="none" w="med" len="med"/>
+                    </a:lnB>
+                  </a:tcPr>
+                </a:tc>
+                <a:tc>
+                  <a:txBody>
+                    <a:bodyPr/>
+                    <a:lstStyle/>
+                    <a:p>
+                      <a:pPr algn="r" fontAlgn="b"/>
+                      <a:r>
+                        <a:rPr lang="en-US" sz="1100" b="0" i="0" u="none" strike="noStrike">
+                          <a:solidFill>
+                            <a:srgbClr val="000000"/>
+                          </a:solidFill>
+                          <a:latin typeface="Calibri"/>
+                        </a:rPr>
+                        <a:t>1351</a:t>
+                      </a:r>
+                    </a:p>
+                  </a:txBody>
+                  <a:tcPr marL="9525" marR="9525" marT="9525" marB="0" anchor="b">
+                    <a:lnL w="6350" cap="flat" cmpd="sng" algn="ctr">
+                      <a:solidFill>
+                        <a:srgbClr val="000000"/>
+                      </a:solidFill>
+                      <a:prstDash val="solid"/>
+                      <a:round/>
+                      <a:headEnd type="none" w="med" len="med"/>
+                      <a:tailEnd type="none" w="med" len="med"/>
+                    </a:lnL>
+                    <a:lnR w="6350" cap="flat" cmpd="sng" algn="ctr">
+                      <a:solidFill>
+                        <a:srgbClr val="000000"/>
+                      </a:solidFill>
+                      <a:prstDash val="solid"/>
+                      <a:round/>
+                      <a:headEnd type="none" w="med" len="med"/>
+                      <a:tailEnd type="none" w="med" len="med"/>
+                    </a:lnR>
+                    <a:lnT w="6350" cap="flat" cmpd="sng" algn="ctr">
+                      <a:solidFill>
+                        <a:srgbClr val="000000"/>
+                      </a:solidFill>
+                      <a:prstDash val="solid"/>
+                      <a:round/>
+                      <a:headEnd type="none" w="med" len="med"/>
+                      <a:tailEnd type="none" w="med" len="med"/>
+                    </a:lnT>
+                    <a:lnB w="6350" cap="flat" cmpd="sng" algn="ctr">
+                      <a:solidFill>
+                        <a:srgbClr val="000000"/>
+                      </a:solidFill>
+                      <a:prstDash val="solid"/>
+                      <a:round/>
+                      <a:headEnd type="none" w="med" len="med"/>
+                      <a:tailEnd type="none" w="med" len="med"/>
+                    </a:lnB>
+                  </a:tcPr>
+                </a:tc>
+                <a:tc>
+                  <a:txBody>
+                    <a:bodyPr/>
+                    <a:lstStyle/>
+                    <a:p>
+                      <a:pPr algn="r" fontAlgn="b"/>
+                      <a:r>
+                        <a:rPr lang="en-US" sz="1100" b="0" i="0" u="none" strike="noStrike">
+                          <a:solidFill>
+                            <a:srgbClr val="000000"/>
+                          </a:solidFill>
+                          <a:latin typeface="Calibri"/>
+                        </a:rPr>
+                        <a:t>938</a:t>
+                      </a:r>
+                    </a:p>
+                  </a:txBody>
+                  <a:tcPr marL="9525" marR="9525" marT="9525" marB="0" anchor="b">
+                    <a:lnL w="6350" cap="flat" cmpd="sng" algn="ctr">
+                      <a:solidFill>
+                        <a:srgbClr val="000000"/>
+                      </a:solidFill>
+                      <a:prstDash val="solid"/>
+                      <a:round/>
+                      <a:headEnd type="none" w="med" len="med"/>
+                      <a:tailEnd type="none" w="med" len="med"/>
+                    </a:lnL>
+                    <a:lnR w="6350" cap="flat" cmpd="sng" algn="ctr">
+                      <a:solidFill>
+                        <a:srgbClr val="000000"/>
+                      </a:solidFill>
+                      <a:prstDash val="solid"/>
+                      <a:round/>
+                      <a:headEnd type="none" w="med" len="med"/>
+                      <a:tailEnd type="none" w="med" len="med"/>
+                    </a:lnR>
+                    <a:lnT w="6350" cap="flat" cmpd="sng" algn="ctr">
+                      <a:solidFill>
+                        <a:srgbClr val="000000"/>
+                      </a:solidFill>
+                      <a:prstDash val="solid"/>
+                      <a:round/>
+                      <a:headEnd type="none" w="med" len="med"/>
+                      <a:tailEnd type="none" w="med" len="med"/>
+                    </a:lnT>
+                    <a:lnB w="6350" cap="flat" cmpd="sng" algn="ctr">
+                      <a:solidFill>
+                        <a:srgbClr val="000000"/>
+                      </a:solidFill>
+                      <a:prstDash val="solid"/>
+                      <a:round/>
+                      <a:headEnd type="none" w="med" len="med"/>
+                      <a:tailEnd type="none" w="med" len="med"/>
+                    </a:lnB>
+                  </a:tcPr>
+                </a:tc>
+              </a:tr>
+              <a:tr h="190500">
+                <a:tc>
+                  <a:txBody>
+                    <a:bodyPr/>
+                    <a:lstStyle/>
+                    <a:p>
+                      <a:pPr algn="l" fontAlgn="b"/>
+                      <a:r>
+                        <a:rPr lang="en-US" sz="1100" b="0" i="0" u="none" strike="noStrike">
+                          <a:solidFill>
+                            <a:srgbClr val="000000"/>
+                          </a:solidFill>
+                          <a:latin typeface="Calibri"/>
+                        </a:rPr>
+                        <a:t>Tập dữ liệu luyện</a:t>
+                      </a:r>
+                    </a:p>
+                  </a:txBody>
+                  <a:tcPr marL="9525" marR="9525" marT="9525" marB="0" anchor="b">
+                    <a:lnL w="6350" cap="flat" cmpd="sng" algn="ctr">
+                      <a:solidFill>
+                        <a:srgbClr val="000000"/>
+                      </a:solidFill>
+                      <a:prstDash val="solid"/>
+                      <a:round/>
+                      <a:headEnd type="none" w="med" len="med"/>
+                      <a:tailEnd type="none" w="med" len="med"/>
+                    </a:lnL>
+                    <a:lnR w="6350" cap="flat" cmpd="sng" algn="ctr">
+                      <a:solidFill>
+                        <a:srgbClr val="000000"/>
+                      </a:solidFill>
+                      <a:prstDash val="solid"/>
+                      <a:round/>
+                      <a:headEnd type="none" w="med" len="med"/>
+                      <a:tailEnd type="none" w="med" len="med"/>
+                    </a:lnR>
+                    <a:lnT w="6350" cap="flat" cmpd="sng" algn="ctr">
+                      <a:solidFill>
+                        <a:srgbClr val="000000"/>
+                      </a:solidFill>
+                      <a:prstDash val="solid"/>
+                      <a:round/>
+                      <a:headEnd type="none" w="med" len="med"/>
+                      <a:tailEnd type="none" w="med" len="med"/>
+                    </a:lnT>
+                    <a:lnB w="6350" cap="flat" cmpd="sng" algn="ctr">
+                      <a:solidFill>
+                        <a:srgbClr val="000000"/>
+                      </a:solidFill>
+                      <a:prstDash val="solid"/>
+                      <a:round/>
+                      <a:headEnd type="none" w="med" len="med"/>
+                      <a:tailEnd type="none" w="med" len="med"/>
+                    </a:lnB>
+                  </a:tcPr>
+                </a:tc>
+                <a:tc>
+                  <a:txBody>
+                    <a:bodyPr/>
+                    <a:lstStyle/>
+                    <a:p>
+                      <a:pPr algn="r" fontAlgn="b"/>
+                      <a:r>
+                        <a:rPr lang="en-US" sz="1100" b="0" i="0" u="none" strike="noStrike">
+                          <a:solidFill>
+                            <a:srgbClr val="000000"/>
+                          </a:solidFill>
+                          <a:latin typeface="Calibri"/>
+                        </a:rPr>
+                        <a:t>68%</a:t>
+                      </a:r>
+                    </a:p>
+                  </a:txBody>
+                  <a:tcPr marL="9525" marR="9525" marT="9525" marB="0" anchor="b">
+                    <a:lnL w="6350" cap="flat" cmpd="sng" algn="ctr">
+                      <a:solidFill>
+                        <a:srgbClr val="000000"/>
+                      </a:solidFill>
+                      <a:prstDash val="solid"/>
+                      <a:round/>
+                      <a:headEnd type="none" w="med" len="med"/>
+                      <a:tailEnd type="none" w="med" len="med"/>
+                    </a:lnL>
+                    <a:lnR w="6350" cap="flat" cmpd="sng" algn="ctr">
+                      <a:solidFill>
+                        <a:srgbClr val="000000"/>
+                      </a:solidFill>
+                      <a:prstDash val="solid"/>
+                      <a:round/>
+                      <a:headEnd type="none" w="med" len="med"/>
+                      <a:tailEnd type="none" w="med" len="med"/>
+                    </a:lnR>
+                    <a:lnT w="6350" cap="flat" cmpd="sng" algn="ctr">
+                      <a:solidFill>
+                        <a:srgbClr val="000000"/>
+                      </a:solidFill>
+                      <a:prstDash val="solid"/>
+                      <a:round/>
+                      <a:headEnd type="none" w="med" len="med"/>
+                      <a:tailEnd type="none" w="med" len="med"/>
+                    </a:lnT>
+                    <a:lnB w="6350" cap="flat" cmpd="sng" algn="ctr">
+                      <a:solidFill>
+                        <a:srgbClr val="000000"/>
+                      </a:solidFill>
+                      <a:prstDash val="solid"/>
+                      <a:round/>
+                      <a:headEnd type="none" w="med" len="med"/>
+                      <a:tailEnd type="none" w="med" len="med"/>
+                    </a:lnB>
+                  </a:tcPr>
+                </a:tc>
+                <a:tc>
+                  <a:txBody>
+                    <a:bodyPr/>
+                    <a:lstStyle/>
+                    <a:p>
+                      <a:pPr algn="r" fontAlgn="b"/>
+                      <a:r>
+                        <a:rPr lang="en-US" sz="1100" b="0" i="0" u="none" strike="noStrike">
+                          <a:solidFill>
+                            <a:srgbClr val="000000"/>
+                          </a:solidFill>
+                          <a:latin typeface="Calibri"/>
+                        </a:rPr>
+                        <a:t>927</a:t>
+                      </a:r>
+                    </a:p>
+                  </a:txBody>
+                  <a:tcPr marL="9525" marR="9525" marT="9525" marB="0" anchor="b">
+                    <a:lnL w="6350" cap="flat" cmpd="sng" algn="ctr">
+                      <a:solidFill>
+                        <a:srgbClr val="000000"/>
+                      </a:solidFill>
+                      <a:prstDash val="solid"/>
+                      <a:round/>
+                      <a:headEnd type="none" w="med" len="med"/>
+                      <a:tailEnd type="none" w="med" len="med"/>
+                    </a:lnL>
+                    <a:lnR w="6350" cap="flat" cmpd="sng" algn="ctr">
+                      <a:solidFill>
+                        <a:srgbClr val="000000"/>
+                      </a:solidFill>
+                      <a:prstDash val="solid"/>
+                      <a:round/>
+                      <a:headEnd type="none" w="med" len="med"/>
+                      <a:tailEnd type="none" w="med" len="med"/>
+                    </a:lnR>
+                    <a:lnT w="6350" cap="flat" cmpd="sng" algn="ctr">
+                      <a:solidFill>
+                        <a:srgbClr val="000000"/>
+                      </a:solidFill>
+                      <a:prstDash val="solid"/>
+                      <a:round/>
+                      <a:headEnd type="none" w="med" len="med"/>
+                      <a:tailEnd type="none" w="med" len="med"/>
+                    </a:lnT>
+                    <a:lnB w="6350" cap="flat" cmpd="sng" algn="ctr">
+                      <a:solidFill>
+                        <a:srgbClr val="000000"/>
+                      </a:solidFill>
+                      <a:prstDash val="solid"/>
+                      <a:round/>
+                      <a:headEnd type="none" w="med" len="med"/>
+                      <a:tailEnd type="none" w="med" len="med"/>
+                    </a:lnB>
+                  </a:tcPr>
+                </a:tc>
+                <a:tc>
+                  <a:txBody>
+                    <a:bodyPr/>
+                    <a:lstStyle/>
+                    <a:p>
+                      <a:pPr algn="r" fontAlgn="b"/>
+                      <a:r>
+                        <a:rPr lang="en-US" sz="1100" b="0" i="0" u="none" strike="noStrike">
+                          <a:solidFill>
+                            <a:srgbClr val="000000"/>
+                          </a:solidFill>
+                          <a:latin typeface="Calibri"/>
+                        </a:rPr>
+                        <a:t>918</a:t>
+                      </a:r>
+                    </a:p>
+                  </a:txBody>
+                  <a:tcPr marL="9525" marR="9525" marT="9525" marB="0" anchor="b">
+                    <a:lnL w="6350" cap="flat" cmpd="sng" algn="ctr">
+                      <a:solidFill>
+                        <a:srgbClr val="000000"/>
+                      </a:solidFill>
+                      <a:prstDash val="solid"/>
+                      <a:round/>
+                      <a:headEnd type="none" w="med" len="med"/>
+                      <a:tailEnd type="none" w="med" len="med"/>
+                    </a:lnL>
+                    <a:lnR w="6350" cap="flat" cmpd="sng" algn="ctr">
+                      <a:solidFill>
+                        <a:srgbClr val="000000"/>
+                      </a:solidFill>
+                      <a:prstDash val="solid"/>
+                      <a:round/>
+                      <a:headEnd type="none" w="med" len="med"/>
+                      <a:tailEnd type="none" w="med" len="med"/>
+                    </a:lnR>
+                    <a:lnT w="6350" cap="flat" cmpd="sng" algn="ctr">
+                      <a:solidFill>
+                        <a:srgbClr val="000000"/>
+                      </a:solidFill>
+                      <a:prstDash val="solid"/>
+                      <a:round/>
+                      <a:headEnd type="none" w="med" len="med"/>
+                      <a:tailEnd type="none" w="med" len="med"/>
+                    </a:lnT>
+                    <a:lnB w="6350" cap="flat" cmpd="sng" algn="ctr">
+                      <a:solidFill>
+                        <a:srgbClr val="000000"/>
+                      </a:solidFill>
+                      <a:prstDash val="solid"/>
+                      <a:round/>
+                      <a:headEnd type="none" w="med" len="med"/>
+                      <a:tailEnd type="none" w="med" len="med"/>
+                    </a:lnB>
+                  </a:tcPr>
+                </a:tc>
+                <a:tc>
+                  <a:txBody>
+                    <a:bodyPr/>
+                    <a:lstStyle/>
+                    <a:p>
+                      <a:pPr algn="r" fontAlgn="b"/>
+                      <a:r>
+                        <a:rPr lang="en-US" sz="1100" b="0" i="0" u="none" strike="noStrike">
+                          <a:solidFill>
+                            <a:srgbClr val="000000"/>
+                          </a:solidFill>
+                          <a:latin typeface="Calibri"/>
+                        </a:rPr>
+                        <a:t>637</a:t>
+                      </a:r>
+                    </a:p>
+                  </a:txBody>
+                  <a:tcPr marL="9525" marR="9525" marT="9525" marB="0" anchor="b">
+                    <a:lnL w="6350" cap="flat" cmpd="sng" algn="ctr">
+                      <a:solidFill>
+                        <a:srgbClr val="000000"/>
+                      </a:solidFill>
+                      <a:prstDash val="solid"/>
+                      <a:round/>
+                      <a:headEnd type="none" w="med" len="med"/>
+                      <a:tailEnd type="none" w="med" len="med"/>
+                    </a:lnL>
+                    <a:lnR w="6350" cap="flat" cmpd="sng" algn="ctr">
+                      <a:solidFill>
+                        <a:srgbClr val="000000"/>
+                      </a:solidFill>
+                      <a:prstDash val="solid"/>
+                      <a:round/>
+                      <a:headEnd type="none" w="med" len="med"/>
+                      <a:tailEnd type="none" w="med" len="med"/>
+                    </a:lnR>
+                    <a:lnT w="6350" cap="flat" cmpd="sng" algn="ctr">
+                      <a:solidFill>
+                        <a:srgbClr val="000000"/>
+                      </a:solidFill>
+                      <a:prstDash val="solid"/>
+                      <a:round/>
+                      <a:headEnd type="none" w="med" len="med"/>
+                      <a:tailEnd type="none" w="med" len="med"/>
+                    </a:lnT>
+                    <a:lnB w="6350" cap="flat" cmpd="sng" algn="ctr">
+                      <a:solidFill>
+                        <a:srgbClr val="000000"/>
+                      </a:solidFill>
+                      <a:prstDash val="solid"/>
+                      <a:round/>
+                      <a:headEnd type="none" w="med" len="med"/>
+                      <a:tailEnd type="none" w="med" len="med"/>
+                    </a:lnB>
+                  </a:tcPr>
+                </a:tc>
+              </a:tr>
+              <a:tr h="190500">
+                <a:tc>
+                  <a:txBody>
+                    <a:bodyPr/>
+                    <a:lstStyle/>
+                    <a:p>
+                      <a:pPr algn="l" fontAlgn="b"/>
+                      <a:r>
+                        <a:rPr lang="en-US" sz="1100" b="0" i="0" u="none" strike="noStrike">
+                          <a:solidFill>
+                            <a:srgbClr val="000000"/>
+                          </a:solidFill>
+                          <a:latin typeface="Calibri"/>
+                        </a:rPr>
+                        <a:t>Tập dữ liệu kiểm tra tính phù hợp</a:t>
+                      </a:r>
+                    </a:p>
+                  </a:txBody>
+                  <a:tcPr marL="9525" marR="9525" marT="9525" marB="0" anchor="b">
+                    <a:lnL w="6350" cap="flat" cmpd="sng" algn="ctr">
+                      <a:solidFill>
+                        <a:srgbClr val="000000"/>
+                      </a:solidFill>
+                      <a:prstDash val="solid"/>
+                      <a:round/>
+                      <a:headEnd type="none" w="med" len="med"/>
+                      <a:tailEnd type="none" w="med" len="med"/>
+                    </a:lnL>
+                    <a:lnR w="6350" cap="flat" cmpd="sng" algn="ctr">
+                      <a:solidFill>
+                        <a:srgbClr val="000000"/>
+                      </a:solidFill>
+                      <a:prstDash val="solid"/>
+                      <a:round/>
+                      <a:headEnd type="none" w="med" len="med"/>
+                      <a:tailEnd type="none" w="med" len="med"/>
+                    </a:lnR>
+                    <a:lnT w="6350" cap="flat" cmpd="sng" algn="ctr">
+                      <a:solidFill>
+                        <a:srgbClr val="000000"/>
+                      </a:solidFill>
+                      <a:prstDash val="solid"/>
+                      <a:round/>
+                      <a:headEnd type="none" w="med" len="med"/>
+                      <a:tailEnd type="none" w="med" len="med"/>
+                    </a:lnT>
+                    <a:lnB w="6350" cap="flat" cmpd="sng" algn="ctr">
+                      <a:solidFill>
+                        <a:srgbClr val="000000"/>
+                      </a:solidFill>
+                      <a:prstDash val="solid"/>
+                      <a:round/>
+                      <a:headEnd type="none" w="med" len="med"/>
+                      <a:tailEnd type="none" w="med" len="med"/>
+                    </a:lnB>
+                  </a:tcPr>
+                </a:tc>
+                <a:tc>
+                  <a:txBody>
+                    <a:bodyPr/>
+                    <a:lstStyle/>
+                    <a:p>
+                      <a:pPr algn="r" fontAlgn="b"/>
+                      <a:r>
+                        <a:rPr lang="en-US" sz="1100" b="0" i="0" u="none" strike="noStrike">
+                          <a:solidFill>
+                            <a:srgbClr val="000000"/>
+                          </a:solidFill>
+                          <a:latin typeface="Calibri"/>
+                        </a:rPr>
+                        <a:t>16%</a:t>
+                      </a:r>
+                    </a:p>
+                  </a:txBody>
+                  <a:tcPr marL="9525" marR="9525" marT="9525" marB="0" anchor="b">
+                    <a:lnL w="6350" cap="flat" cmpd="sng" algn="ctr">
+                      <a:solidFill>
+                        <a:srgbClr val="000000"/>
+                      </a:solidFill>
+                      <a:prstDash val="solid"/>
+                      <a:round/>
+                      <a:headEnd type="none" w="med" len="med"/>
+                      <a:tailEnd type="none" w="med" len="med"/>
+                    </a:lnL>
+                    <a:lnR w="6350" cap="flat" cmpd="sng" algn="ctr">
+                      <a:solidFill>
+                        <a:srgbClr val="000000"/>
+                      </a:solidFill>
+                      <a:prstDash val="solid"/>
+                      <a:round/>
+                      <a:headEnd type="none" w="med" len="med"/>
+                      <a:tailEnd type="none" w="med" len="med"/>
+                    </a:lnR>
+                    <a:lnT w="6350" cap="flat" cmpd="sng" algn="ctr">
+                      <a:solidFill>
+                        <a:srgbClr val="000000"/>
+                      </a:solidFill>
+                      <a:prstDash val="solid"/>
+                      <a:round/>
+                      <a:headEnd type="none" w="med" len="med"/>
+                      <a:tailEnd type="none" w="med" len="med"/>
+                    </a:lnT>
+                    <a:lnB w="6350" cap="flat" cmpd="sng" algn="ctr">
+                      <a:solidFill>
+                        <a:srgbClr val="000000"/>
+                      </a:solidFill>
+                      <a:prstDash val="solid"/>
+                      <a:round/>
+                      <a:headEnd type="none" w="med" len="med"/>
+                      <a:tailEnd type="none" w="med" len="med"/>
+                    </a:lnB>
+                  </a:tcPr>
+                </a:tc>
+                <a:tc>
+                  <a:txBody>
+                    <a:bodyPr/>
+                    <a:lstStyle/>
+                    <a:p>
+                      <a:pPr algn="r" fontAlgn="b"/>
+                      <a:r>
+                        <a:rPr lang="en-US" sz="1100" b="0" i="0" u="none" strike="noStrike">
+                          <a:solidFill>
+                            <a:srgbClr val="000000"/>
+                          </a:solidFill>
+                          <a:latin typeface="Calibri"/>
+                        </a:rPr>
+                        <a:t>218</a:t>
+                      </a:r>
+                    </a:p>
+                  </a:txBody>
+                  <a:tcPr marL="9525" marR="9525" marT="9525" marB="0" anchor="b">
+                    <a:lnL w="6350" cap="flat" cmpd="sng" algn="ctr">
+                      <a:solidFill>
+                        <a:srgbClr val="000000"/>
+                      </a:solidFill>
+                      <a:prstDash val="solid"/>
+                      <a:round/>
+                      <a:headEnd type="none" w="med" len="med"/>
+                      <a:tailEnd type="none" w="med" len="med"/>
+                    </a:lnL>
+                    <a:lnR w="6350" cap="flat" cmpd="sng" algn="ctr">
+                      <a:solidFill>
+                        <a:srgbClr val="000000"/>
+                      </a:solidFill>
+                      <a:prstDash val="solid"/>
+                      <a:round/>
+                      <a:headEnd type="none" w="med" len="med"/>
+                      <a:tailEnd type="none" w="med" len="med"/>
+                    </a:lnR>
+                    <a:lnT w="6350" cap="flat" cmpd="sng" algn="ctr">
+                      <a:solidFill>
+                        <a:srgbClr val="000000"/>
+                      </a:solidFill>
+                      <a:prstDash val="solid"/>
+                      <a:round/>
+                      <a:headEnd type="none" w="med" len="med"/>
+                      <a:tailEnd type="none" w="med" len="med"/>
+                    </a:lnT>
+                    <a:lnB w="6350" cap="flat" cmpd="sng" algn="ctr">
+                      <a:solidFill>
+                        <a:srgbClr val="000000"/>
+                      </a:solidFill>
+                      <a:prstDash val="solid"/>
+                      <a:round/>
+                      <a:headEnd type="none" w="med" len="med"/>
+                      <a:tailEnd type="none" w="med" len="med"/>
+                    </a:lnB>
+                  </a:tcPr>
+                </a:tc>
+                <a:tc>
+                  <a:txBody>
+                    <a:bodyPr/>
+                    <a:lstStyle/>
+                    <a:p>
+                      <a:pPr algn="r" fontAlgn="b"/>
+                      <a:r>
+                        <a:rPr lang="en-US" sz="1100" b="0" i="0" u="none" strike="noStrike">
+                          <a:solidFill>
+                            <a:srgbClr val="000000"/>
+                          </a:solidFill>
+                          <a:latin typeface="Calibri"/>
+                        </a:rPr>
+                        <a:t>216</a:t>
+                      </a:r>
+                    </a:p>
+                  </a:txBody>
+                  <a:tcPr marL="9525" marR="9525" marT="9525" marB="0" anchor="b">
+                    <a:lnL w="6350" cap="flat" cmpd="sng" algn="ctr">
+                      <a:solidFill>
+                        <a:srgbClr val="000000"/>
+                      </a:solidFill>
+                      <a:prstDash val="solid"/>
+                      <a:round/>
+                      <a:headEnd type="none" w="med" len="med"/>
+                      <a:tailEnd type="none" w="med" len="med"/>
+                    </a:lnL>
+                    <a:lnR w="6350" cap="flat" cmpd="sng" algn="ctr">
+                      <a:solidFill>
+                        <a:srgbClr val="000000"/>
+                      </a:solidFill>
+                      <a:prstDash val="solid"/>
+                      <a:round/>
+                      <a:headEnd type="none" w="med" len="med"/>
+                      <a:tailEnd type="none" w="med" len="med"/>
+                    </a:lnR>
+                    <a:lnT w="6350" cap="flat" cmpd="sng" algn="ctr">
+                      <a:solidFill>
+                        <a:srgbClr val="000000"/>
+                      </a:solidFill>
+                      <a:prstDash val="solid"/>
+                      <a:round/>
+                      <a:headEnd type="none" w="med" len="med"/>
+                      <a:tailEnd type="none" w="med" len="med"/>
+                    </a:lnT>
+                    <a:lnB w="6350" cap="flat" cmpd="sng" algn="ctr">
+                      <a:solidFill>
+                        <a:srgbClr val="000000"/>
+                      </a:solidFill>
+                      <a:prstDash val="solid"/>
+                      <a:round/>
+                      <a:headEnd type="none" w="med" len="med"/>
+                      <a:tailEnd type="none" w="med" len="med"/>
+                    </a:lnB>
+                  </a:tcPr>
+                </a:tc>
+                <a:tc>
+                  <a:txBody>
+                    <a:bodyPr/>
+                    <a:lstStyle/>
+                    <a:p>
+                      <a:pPr algn="r" fontAlgn="b"/>
+                      <a:r>
+                        <a:rPr lang="en-US" sz="1100" b="0" i="0" u="none" strike="noStrike">
+                          <a:solidFill>
+                            <a:srgbClr val="000000"/>
+                          </a:solidFill>
+                          <a:latin typeface="Calibri"/>
+                        </a:rPr>
+                        <a:t>150</a:t>
+                      </a:r>
+                    </a:p>
+                  </a:txBody>
+                  <a:tcPr marL="9525" marR="9525" marT="9525" marB="0" anchor="b">
+                    <a:lnL w="6350" cap="flat" cmpd="sng" algn="ctr">
+                      <a:solidFill>
+                        <a:srgbClr val="000000"/>
+                      </a:solidFill>
+                      <a:prstDash val="solid"/>
+                      <a:round/>
+                      <a:headEnd type="none" w="med" len="med"/>
+                      <a:tailEnd type="none" w="med" len="med"/>
+                    </a:lnL>
+                    <a:lnR w="6350" cap="flat" cmpd="sng" algn="ctr">
+                      <a:solidFill>
+                        <a:srgbClr val="000000"/>
+                      </a:solidFill>
+                      <a:prstDash val="solid"/>
+                      <a:round/>
+                      <a:headEnd type="none" w="med" len="med"/>
+                      <a:tailEnd type="none" w="med" len="med"/>
+                    </a:lnR>
+                    <a:lnT w="6350" cap="flat" cmpd="sng" algn="ctr">
+                      <a:solidFill>
+                        <a:srgbClr val="000000"/>
+                      </a:solidFill>
+                      <a:prstDash val="solid"/>
+                      <a:round/>
+                      <a:headEnd type="none" w="med" len="med"/>
+                      <a:tailEnd type="none" w="med" len="med"/>
+                    </a:lnT>
+                    <a:lnB w="6350" cap="flat" cmpd="sng" algn="ctr">
+                      <a:solidFill>
+                        <a:srgbClr val="000000"/>
+                      </a:solidFill>
+                      <a:prstDash val="solid"/>
+                      <a:round/>
+                      <a:headEnd type="none" w="med" len="med"/>
+                      <a:tailEnd type="none" w="med" len="med"/>
+                    </a:lnB>
+                  </a:tcPr>
+                </a:tc>
+              </a:tr>
+              <a:tr h="190500">
+                <a:tc>
+                  <a:txBody>
+                    <a:bodyPr/>
+                    <a:lstStyle/>
+                    <a:p>
+                      <a:pPr algn="l" fontAlgn="b"/>
+                      <a:r>
+                        <a:rPr lang="en-US" sz="1100" b="0" i="0" u="none" strike="noStrike">
+                          <a:solidFill>
+                            <a:srgbClr val="000000"/>
+                          </a:solidFill>
+                          <a:latin typeface="Calibri"/>
+                        </a:rPr>
+                        <a:t>Tập dữ liệu kiểm tra</a:t>
+                      </a:r>
+                    </a:p>
+                  </a:txBody>
+                  <a:tcPr marL="9525" marR="9525" marT="9525" marB="0" anchor="b">
+                    <a:lnL w="6350" cap="flat" cmpd="sng" algn="ctr">
+                      <a:solidFill>
+                        <a:srgbClr val="000000"/>
+                      </a:solidFill>
+                      <a:prstDash val="solid"/>
+                      <a:round/>
+                      <a:headEnd type="none" w="med" len="med"/>
+                      <a:tailEnd type="none" w="med" len="med"/>
+                    </a:lnL>
+                    <a:lnR w="6350" cap="flat" cmpd="sng" algn="ctr">
+                      <a:solidFill>
+                        <a:srgbClr val="000000"/>
+                      </a:solidFill>
+                      <a:prstDash val="solid"/>
+                      <a:round/>
+                      <a:headEnd type="none" w="med" len="med"/>
+                      <a:tailEnd type="none" w="med" len="med"/>
+                    </a:lnR>
+                    <a:lnT w="6350" cap="flat" cmpd="sng" algn="ctr">
+                      <a:solidFill>
+                        <a:srgbClr val="000000"/>
+                      </a:solidFill>
+                      <a:prstDash val="solid"/>
+                      <a:round/>
+                      <a:headEnd type="none" w="med" len="med"/>
+                      <a:tailEnd type="none" w="med" len="med"/>
+                    </a:lnT>
+                    <a:lnB w="6350" cap="flat" cmpd="sng" algn="ctr">
+                      <a:solidFill>
+                        <a:srgbClr val="000000"/>
+                      </a:solidFill>
+                      <a:prstDash val="solid"/>
+                      <a:round/>
+                      <a:headEnd type="none" w="med" len="med"/>
+                      <a:tailEnd type="none" w="med" len="med"/>
+                    </a:lnB>
+                  </a:tcPr>
+                </a:tc>
+                <a:tc>
+                  <a:txBody>
+                    <a:bodyPr/>
+                    <a:lstStyle/>
+                    <a:p>
+                      <a:pPr algn="r" fontAlgn="b"/>
+                      <a:r>
+                        <a:rPr lang="en-US" sz="1100" b="0" i="0" u="none" strike="noStrike">
+                          <a:solidFill>
+                            <a:srgbClr val="000000"/>
+                          </a:solidFill>
+                          <a:latin typeface="Calibri"/>
+                        </a:rPr>
+                        <a:t>16%</a:t>
+                      </a:r>
+                    </a:p>
+                  </a:txBody>
+                  <a:tcPr marL="9525" marR="9525" marT="9525" marB="0" anchor="b">
+                    <a:lnL w="6350" cap="flat" cmpd="sng" algn="ctr">
+                      <a:solidFill>
+                        <a:srgbClr val="000000"/>
+                      </a:solidFill>
+                      <a:prstDash val="solid"/>
+                      <a:round/>
+                      <a:headEnd type="none" w="med" len="med"/>
+                      <a:tailEnd type="none" w="med" len="med"/>
+                    </a:lnL>
+                    <a:lnR w="6350" cap="flat" cmpd="sng" algn="ctr">
+                      <a:solidFill>
+                        <a:srgbClr val="000000"/>
+                      </a:solidFill>
+                      <a:prstDash val="solid"/>
+                      <a:round/>
+                      <a:headEnd type="none" w="med" len="med"/>
+                      <a:tailEnd type="none" w="med" len="med"/>
+                    </a:lnR>
+                    <a:lnT w="6350" cap="flat" cmpd="sng" algn="ctr">
+                      <a:solidFill>
+                        <a:srgbClr val="000000"/>
+                      </a:solidFill>
+                      <a:prstDash val="solid"/>
+                      <a:round/>
+                      <a:headEnd type="none" w="med" len="med"/>
+                      <a:tailEnd type="none" w="med" len="med"/>
+                    </a:lnT>
+                    <a:lnB w="6350" cap="flat" cmpd="sng" algn="ctr">
+                      <a:solidFill>
+                        <a:srgbClr val="000000"/>
+                      </a:solidFill>
+                      <a:prstDash val="solid"/>
+                      <a:round/>
+                      <a:headEnd type="none" w="med" len="med"/>
+                      <a:tailEnd type="none" w="med" len="med"/>
+                    </a:lnB>
+                  </a:tcPr>
+                </a:tc>
+                <a:tc>
+                  <a:txBody>
+                    <a:bodyPr/>
+                    <a:lstStyle/>
+                    <a:p>
+                      <a:pPr algn="r" fontAlgn="b"/>
+                      <a:r>
+                        <a:rPr lang="en-US" sz="1100" b="0" i="0" u="none" strike="noStrike">
+                          <a:solidFill>
+                            <a:srgbClr val="000000"/>
+                          </a:solidFill>
+                          <a:latin typeface="Calibri"/>
+                        </a:rPr>
+                        <a:t>218</a:t>
+                      </a:r>
+                    </a:p>
+                  </a:txBody>
+                  <a:tcPr marL="9525" marR="9525" marT="9525" marB="0" anchor="b">
+                    <a:lnL w="6350" cap="flat" cmpd="sng" algn="ctr">
+                      <a:solidFill>
+                        <a:srgbClr val="000000"/>
+                      </a:solidFill>
+                      <a:prstDash val="solid"/>
+                      <a:round/>
+                      <a:headEnd type="none" w="med" len="med"/>
+                      <a:tailEnd type="none" w="med" len="med"/>
+                    </a:lnL>
+                    <a:lnR w="6350" cap="flat" cmpd="sng" algn="ctr">
+                      <a:solidFill>
+                        <a:srgbClr val="000000"/>
+                      </a:solidFill>
+                      <a:prstDash val="solid"/>
+                      <a:round/>
+                      <a:headEnd type="none" w="med" len="med"/>
+                      <a:tailEnd type="none" w="med" len="med"/>
+                    </a:lnR>
+                    <a:lnT w="6350" cap="flat" cmpd="sng" algn="ctr">
+                      <a:solidFill>
+                        <a:srgbClr val="000000"/>
+                      </a:solidFill>
+                      <a:prstDash val="solid"/>
+                      <a:round/>
+                      <a:headEnd type="none" w="med" len="med"/>
+                      <a:tailEnd type="none" w="med" len="med"/>
+                    </a:lnT>
+                    <a:lnB w="6350" cap="flat" cmpd="sng" algn="ctr">
+                      <a:solidFill>
+                        <a:srgbClr val="000000"/>
+                      </a:solidFill>
+                      <a:prstDash val="solid"/>
+                      <a:round/>
+                      <a:headEnd type="none" w="med" len="med"/>
+                      <a:tailEnd type="none" w="med" len="med"/>
+                    </a:lnB>
+                  </a:tcPr>
+                </a:tc>
+                <a:tc>
+                  <a:txBody>
+                    <a:bodyPr/>
+                    <a:lstStyle/>
+                    <a:p>
+                      <a:pPr algn="r" fontAlgn="b"/>
+                      <a:r>
+                        <a:rPr lang="en-US" sz="1100" b="0" i="0" u="none" strike="noStrike">
+                          <a:solidFill>
+                            <a:srgbClr val="000000"/>
+                          </a:solidFill>
+                          <a:latin typeface="Calibri"/>
+                        </a:rPr>
+                        <a:t>216</a:t>
+                      </a:r>
+                    </a:p>
+                  </a:txBody>
+                  <a:tcPr marL="9525" marR="9525" marT="9525" marB="0" anchor="b">
+                    <a:lnL w="6350" cap="flat" cmpd="sng" algn="ctr">
+                      <a:solidFill>
+                        <a:srgbClr val="000000"/>
+                      </a:solidFill>
+                      <a:prstDash val="solid"/>
+                      <a:round/>
+                      <a:headEnd type="none" w="med" len="med"/>
+                      <a:tailEnd type="none" w="med" len="med"/>
+                    </a:lnL>
+                    <a:lnR w="6350" cap="flat" cmpd="sng" algn="ctr">
+                      <a:solidFill>
+                        <a:srgbClr val="000000"/>
+                      </a:solidFill>
+                      <a:prstDash val="solid"/>
+                      <a:round/>
+                      <a:headEnd type="none" w="med" len="med"/>
+                      <a:tailEnd type="none" w="med" len="med"/>
+                    </a:lnR>
+                    <a:lnT w="6350" cap="flat" cmpd="sng" algn="ctr">
+                      <a:solidFill>
+                        <a:srgbClr val="000000"/>
+                      </a:solidFill>
+                      <a:prstDash val="solid"/>
+                      <a:round/>
+                      <a:headEnd type="none" w="med" len="med"/>
+                      <a:tailEnd type="none" w="med" len="med"/>
+                    </a:lnT>
+                    <a:lnB w="6350" cap="flat" cmpd="sng" algn="ctr">
+                      <a:solidFill>
+                        <a:srgbClr val="000000"/>
+                      </a:solidFill>
+                      <a:prstDash val="solid"/>
+                      <a:round/>
+                      <a:headEnd type="none" w="med" len="med"/>
+                      <a:tailEnd type="none" w="med" len="med"/>
+                    </a:lnB>
+                  </a:tcPr>
+                </a:tc>
+                <a:tc>
+                  <a:txBody>
+                    <a:bodyPr/>
+                    <a:lstStyle/>
+                    <a:p>
+                      <a:pPr algn="r" fontAlgn="b"/>
+                      <a:r>
+                        <a:rPr lang="en-US" sz="1100" b="0" i="0" u="none" strike="noStrike">
+                          <a:solidFill>
+                            <a:srgbClr val="000000"/>
+                          </a:solidFill>
+                          <a:latin typeface="Calibri"/>
+                        </a:rPr>
+                        <a:t>150</a:t>
+                      </a:r>
+                    </a:p>
+                  </a:txBody>
+                  <a:tcPr marL="9525" marR="9525" marT="9525" marB="0" anchor="b">
+                    <a:lnL w="6350" cap="flat" cmpd="sng" algn="ctr">
+                      <a:solidFill>
+                        <a:srgbClr val="000000"/>
+                      </a:solidFill>
+                      <a:prstDash val="solid"/>
+                      <a:round/>
+                      <a:headEnd type="none" w="med" len="med"/>
+                      <a:tailEnd type="none" w="med" len="med"/>
+                    </a:lnL>
+                    <a:lnR w="6350" cap="flat" cmpd="sng" algn="ctr">
+                      <a:solidFill>
+                        <a:srgbClr val="000000"/>
+                      </a:solidFill>
+                      <a:prstDash val="solid"/>
+                      <a:round/>
+                      <a:headEnd type="none" w="med" len="med"/>
+                      <a:tailEnd type="none" w="med" len="med"/>
+                    </a:lnR>
+                    <a:lnT w="6350" cap="flat" cmpd="sng" algn="ctr">
+                      <a:solidFill>
+                        <a:srgbClr val="000000"/>
+                      </a:solidFill>
+                      <a:prstDash val="solid"/>
+                      <a:round/>
+                      <a:headEnd type="none" w="med" len="med"/>
+                      <a:tailEnd type="none" w="med" len="med"/>
+                    </a:lnT>
+                    <a:lnB w="6350" cap="flat" cmpd="sng" algn="ctr">
+                      <a:solidFill>
+                        <a:srgbClr val="000000"/>
+                      </a:solidFill>
+                      <a:prstDash val="solid"/>
+                      <a:round/>
+                      <a:headEnd type="none" w="med" len="med"/>
+                      <a:tailEnd type="none" w="med" len="med"/>
+                    </a:lnB>
+                  </a:tcPr>
+                </a:tc>
+              </a:tr>
+              <a:tr h="190500">
+                <a:tc>
+                  <a:txBody>
+                    <a:bodyPr/>
+                    <a:lstStyle/>
+                    <a:p>
+                      <a:pPr algn="ctr" fontAlgn="b"/>
+                      <a:r>
+                        <a:rPr lang="vi-VN" sz="1100" b="0" i="0" u="none" strike="noStrike">
+                          <a:solidFill>
+                            <a:srgbClr val="FFFFFF"/>
+                          </a:solidFill>
+                          <a:latin typeface="Calibri"/>
+                        </a:rPr>
+                        <a:t>Kết quả dự đoán trên tập mẫu kiểm tra</a:t>
+                      </a:r>
+                    </a:p>
+                  </a:txBody>
+                  <a:tcPr marL="9525" marR="9525" marT="9525" marB="0" anchor="b">
+                    <a:lnL w="6350" cap="flat" cmpd="sng" algn="ctr">
+                      <a:solidFill>
+                        <a:srgbClr val="000000"/>
+                      </a:solidFill>
+                      <a:prstDash val="solid"/>
+                      <a:round/>
+                      <a:headEnd type="none" w="med" len="med"/>
+                      <a:tailEnd type="none" w="med" len="med"/>
+                    </a:lnL>
+                    <a:lnR w="6350" cap="flat" cmpd="sng" algn="ctr">
+                      <a:solidFill>
+                        <a:srgbClr val="000000"/>
+                      </a:solidFill>
+                      <a:prstDash val="solid"/>
+                      <a:round/>
+                      <a:headEnd type="none" w="med" len="med"/>
+                      <a:tailEnd type="none" w="med" len="med"/>
+                    </a:lnR>
+                    <a:lnT w="6350" cap="flat" cmpd="sng" algn="ctr">
+                      <a:solidFill>
+                        <a:srgbClr val="000000"/>
+                      </a:solidFill>
+                      <a:prstDash val="solid"/>
+                      <a:round/>
+                      <a:headEnd type="none" w="med" len="med"/>
+                      <a:tailEnd type="none" w="med" len="med"/>
+                    </a:lnT>
+                    <a:lnB w="6350" cap="flat" cmpd="sng" algn="ctr">
+                      <a:solidFill>
+                        <a:srgbClr val="000000"/>
+                      </a:solidFill>
+                      <a:prstDash val="solid"/>
+                      <a:round/>
+                      <a:headEnd type="none" w="med" len="med"/>
+                      <a:tailEnd type="none" w="med" len="med"/>
+                    </a:lnB>
+                    <a:solidFill>
+                      <a:srgbClr val="632523"/>
+                    </a:solidFill>
+                  </a:tcPr>
+                </a:tc>
+                <a:tc>
+                  <a:txBody>
+                    <a:bodyPr/>
+                    <a:lstStyle/>
+                    <a:p>
+                      <a:pPr algn="ctr" fontAlgn="b"/>
+                      <a:r>
+                        <a:rPr lang="en-US" sz="1100" b="0" i="0" u="none" strike="noStrike">
+                          <a:solidFill>
+                            <a:srgbClr val="FFFFFF"/>
+                          </a:solidFill>
+                          <a:latin typeface="Calibri"/>
+                        </a:rPr>
+                        <a:t> </a:t>
+                      </a:r>
+                    </a:p>
+                  </a:txBody>
+                  <a:tcPr marL="9525" marR="9525" marT="9525" marB="0" anchor="b">
+                    <a:lnL w="6350" cap="flat" cmpd="sng" algn="ctr">
+                      <a:solidFill>
+                        <a:srgbClr val="000000"/>
+                      </a:solidFill>
+                      <a:prstDash val="solid"/>
+                      <a:round/>
+                      <a:headEnd type="none" w="med" len="med"/>
+                      <a:tailEnd type="none" w="med" len="med"/>
+                    </a:lnL>
+                    <a:lnR w="6350" cap="flat" cmpd="sng" algn="ctr">
+                      <a:solidFill>
+                        <a:srgbClr val="000000"/>
+                      </a:solidFill>
+                      <a:prstDash val="solid"/>
+                      <a:round/>
+                      <a:headEnd type="none" w="med" len="med"/>
+                      <a:tailEnd type="none" w="med" len="med"/>
+                    </a:lnR>
+                    <a:lnT w="6350" cap="flat" cmpd="sng" algn="ctr">
+                      <a:solidFill>
+                        <a:srgbClr val="000000"/>
+                      </a:solidFill>
+                      <a:prstDash val="solid"/>
+                      <a:round/>
+                      <a:headEnd type="none" w="med" len="med"/>
+                      <a:tailEnd type="none" w="med" len="med"/>
+                    </a:lnT>
+                    <a:lnB w="6350" cap="flat" cmpd="sng" algn="ctr">
+                      <a:solidFill>
+                        <a:srgbClr val="000000"/>
+                      </a:solidFill>
+                      <a:prstDash val="solid"/>
+                      <a:round/>
+                      <a:headEnd type="none" w="med" len="med"/>
+                      <a:tailEnd type="none" w="med" len="med"/>
+                    </a:lnB>
+                    <a:solidFill>
+                      <a:srgbClr val="632523"/>
+                    </a:solidFill>
+                  </a:tcPr>
+                </a:tc>
+                <a:tc>
+                  <a:txBody>
+                    <a:bodyPr/>
+                    <a:lstStyle/>
+                    <a:p>
+                      <a:pPr algn="ctr" fontAlgn="b"/>
+                      <a:r>
+                        <a:rPr lang="en-US" sz="1100" b="0" i="0" u="none" strike="noStrike">
+                          <a:solidFill>
+                            <a:srgbClr val="FFFFFF"/>
+                          </a:solidFill>
+                          <a:latin typeface="Calibri"/>
+                        </a:rPr>
+                        <a:t>68.81%</a:t>
+                      </a:r>
+                    </a:p>
+                  </a:txBody>
+                  <a:tcPr marL="9525" marR="9525" marT="9525" marB="0" anchor="b">
+                    <a:lnL w="6350" cap="flat" cmpd="sng" algn="ctr">
+                      <a:solidFill>
+                        <a:srgbClr val="000000"/>
+                      </a:solidFill>
+                      <a:prstDash val="solid"/>
+                      <a:round/>
+                      <a:headEnd type="none" w="med" len="med"/>
+                      <a:tailEnd type="none" w="med" len="med"/>
+                    </a:lnL>
+                    <a:lnR w="6350" cap="flat" cmpd="sng" algn="ctr">
+                      <a:solidFill>
+                        <a:srgbClr val="000000"/>
+                      </a:solidFill>
+                      <a:prstDash val="solid"/>
+                      <a:round/>
+                      <a:headEnd type="none" w="med" len="med"/>
+                      <a:tailEnd type="none" w="med" len="med"/>
+                    </a:lnR>
+                    <a:lnT w="6350" cap="flat" cmpd="sng" algn="ctr">
+                      <a:solidFill>
+                        <a:srgbClr val="000000"/>
+                      </a:solidFill>
+                      <a:prstDash val="solid"/>
+                      <a:round/>
+                      <a:headEnd type="none" w="med" len="med"/>
+                      <a:tailEnd type="none" w="med" len="med"/>
+                    </a:lnT>
+                    <a:lnB w="6350" cap="flat" cmpd="sng" algn="ctr">
+                      <a:solidFill>
+                        <a:srgbClr val="000000"/>
+                      </a:solidFill>
+                      <a:prstDash val="solid"/>
+                      <a:round/>
+                      <a:headEnd type="none" w="med" len="med"/>
+                      <a:tailEnd type="none" w="med" len="med"/>
+                    </a:lnB>
+                    <a:solidFill>
+                      <a:srgbClr val="632523"/>
+                    </a:solidFill>
+                  </a:tcPr>
+                </a:tc>
+                <a:tc>
+                  <a:txBody>
+                    <a:bodyPr/>
+                    <a:lstStyle/>
+                    <a:p>
+                      <a:pPr algn="ctr" fontAlgn="b"/>
+                      <a:r>
+                        <a:rPr lang="en-US" sz="1100" b="0" i="0" u="none" strike="noStrike" dirty="0" smtClean="0">
+                          <a:solidFill>
+                            <a:srgbClr val="FFFFFF"/>
+                          </a:solidFill>
+                          <a:latin typeface="Calibri"/>
+                        </a:rPr>
+                        <a:t>77.68%</a:t>
+                      </a:r>
+                      <a:endParaRPr lang="en-US" sz="1100" b="0" i="0" u="none" strike="noStrike" dirty="0">
+                        <a:solidFill>
+                          <a:srgbClr val="FFFFFF"/>
+                        </a:solidFill>
+                        <a:latin typeface="Calibri"/>
+                      </a:endParaRPr>
+                    </a:p>
+                  </a:txBody>
+                  <a:tcPr marL="9525" marR="9525" marT="9525" marB="0" anchor="b">
+                    <a:lnL w="6350" cap="flat" cmpd="sng" algn="ctr">
+                      <a:solidFill>
+                        <a:srgbClr val="000000"/>
+                      </a:solidFill>
+                      <a:prstDash val="solid"/>
+                      <a:round/>
+                      <a:headEnd type="none" w="med" len="med"/>
+                      <a:tailEnd type="none" w="med" len="med"/>
+                    </a:lnL>
+                    <a:lnR w="6350" cap="flat" cmpd="sng" algn="ctr">
+                      <a:solidFill>
+                        <a:srgbClr val="000000"/>
+                      </a:solidFill>
+                      <a:prstDash val="solid"/>
+                      <a:round/>
+                      <a:headEnd type="none" w="med" len="med"/>
+                      <a:tailEnd type="none" w="med" len="med"/>
+                    </a:lnR>
+                    <a:lnT w="6350" cap="flat" cmpd="sng" algn="ctr">
+                      <a:solidFill>
+                        <a:srgbClr val="000000"/>
+                      </a:solidFill>
+                      <a:prstDash val="solid"/>
+                      <a:round/>
+                      <a:headEnd type="none" w="med" len="med"/>
+                      <a:tailEnd type="none" w="med" len="med"/>
+                    </a:lnT>
+                    <a:lnB w="6350" cap="flat" cmpd="sng" algn="ctr">
+                      <a:solidFill>
+                        <a:srgbClr val="000000"/>
+                      </a:solidFill>
+                      <a:prstDash val="solid"/>
+                      <a:round/>
+                      <a:headEnd type="none" w="med" len="med"/>
+                      <a:tailEnd type="none" w="med" len="med"/>
+                    </a:lnB>
+                    <a:solidFill>
+                      <a:srgbClr val="632523"/>
+                    </a:solidFill>
+                  </a:tcPr>
+                </a:tc>
+                <a:tc>
+                  <a:txBody>
+                    <a:bodyPr/>
+                    <a:lstStyle/>
+                    <a:p>
+                      <a:pPr algn="ctr" fontAlgn="b"/>
+                      <a:r>
+                        <a:rPr lang="en-US" sz="1100" b="0" i="0" u="none" strike="noStrike" dirty="0">
+                          <a:solidFill>
+                            <a:srgbClr val="FFFFFF"/>
+                          </a:solidFill>
+                          <a:latin typeface="Calibri"/>
+                        </a:rPr>
+                        <a:t>86.00%</a:t>
+                      </a:r>
+                    </a:p>
+                  </a:txBody>
+                  <a:tcPr marL="9525" marR="9525" marT="9525" marB="0" anchor="b">
+                    <a:lnL w="6350" cap="flat" cmpd="sng" algn="ctr">
+                      <a:solidFill>
+                        <a:srgbClr val="000000"/>
+                      </a:solidFill>
+                      <a:prstDash val="solid"/>
+                      <a:round/>
+                      <a:headEnd type="none" w="med" len="med"/>
+                      <a:tailEnd type="none" w="med" len="med"/>
+                    </a:lnL>
+                    <a:lnR w="6350" cap="flat" cmpd="sng" algn="ctr">
+                      <a:solidFill>
+                        <a:srgbClr val="000000"/>
+                      </a:solidFill>
+                      <a:prstDash val="solid"/>
+                      <a:round/>
+                      <a:headEnd type="none" w="med" len="med"/>
+                      <a:tailEnd type="none" w="med" len="med"/>
+                    </a:lnR>
+                    <a:lnT w="6350" cap="flat" cmpd="sng" algn="ctr">
+                      <a:solidFill>
+                        <a:srgbClr val="000000"/>
+                      </a:solidFill>
+                      <a:prstDash val="solid"/>
+                      <a:round/>
+                      <a:headEnd type="none" w="med" len="med"/>
+                      <a:tailEnd type="none" w="med" len="med"/>
+                    </a:lnT>
+                    <a:lnB w="6350" cap="flat" cmpd="sng" algn="ctr">
+                      <a:solidFill>
+                        <a:srgbClr val="000000"/>
+                      </a:solidFill>
+                      <a:prstDash val="solid"/>
+                      <a:round/>
+                      <a:headEnd type="none" w="med" len="med"/>
+                      <a:tailEnd type="none" w="med" len="med"/>
+                    </a:lnB>
+                    <a:solidFill>
+                      <a:srgbClr val="632523"/>
+                    </a:solidFill>
+                  </a:tcPr>
+                </a:tc>
+              </a:tr>
+            </a:tbl>
+          </a:graphicData>
+        </a:graphic>
+      </p:graphicFrame>
+      <p:pic>
+        <p:nvPicPr>
+          <p:cNvPr id="3074" name="Picture 2"/>
+          <p:cNvPicPr>
+            <a:picLocks noChangeAspect="1" noChangeArrowheads="1"/>
+          </p:cNvPicPr>
+          <p:nvPr/>
+        </p:nvPicPr>
+        <p:blipFill>
+          <a:blip r:embed="rId2" cstate="print"/>
+          <a:srcRect/>
+          <a:stretch>
+            <a:fillRect/>
+          </a:stretch>
+        </p:blipFill>
+        <p:spPr bwMode="auto">
+          <a:xfrm>
+            <a:off x="2466975" y="1219200"/>
+            <a:ext cx="6677025" cy="2790825"/>
+          </a:xfrm>
+          <a:prstGeom prst="rect">
+            <a:avLst/>
+          </a:prstGeom>
+          <a:noFill/>
+          <a:ln w="9525">
+            <a:noFill/>
+            <a:miter lim="800000"/>
+            <a:headEnd/>
+            <a:tailEnd/>
+          </a:ln>
+        </p:spPr>
+      </p:pic>
     </p:spTree>
   </p:cSld>
   <p:clrMapOvr>
@@ -22426,14 +26986,7 @@
                           <a:latin typeface="Times New Roman" pitchFamily="18" charset="0"/>
                           <a:cs typeface="Times New Roman" pitchFamily="18" charset="0"/>
                         </a:rPr>
-                        <a:t> </a:t>
-                      </a:r>
-                      <a:r>
-                        <a:rPr lang="en-US" sz="1200" i="0" baseline="0" smtClean="0">
-                          <a:latin typeface="Times New Roman" pitchFamily="18" charset="0"/>
-                          <a:cs typeface="Times New Roman" pitchFamily="18" charset="0"/>
-                        </a:rPr>
-                        <a:t>học</a:t>
+                        <a:t> học</a:t>
                       </a:r>
                       <a:endParaRPr lang="en-US" sz="1200" i="0">
                         <a:latin typeface="Times New Roman" pitchFamily="18" charset="0"/>
@@ -22611,14 +27164,7 @@
                           <a:latin typeface="Times New Roman" pitchFamily="18" charset="0"/>
                           <a:cs typeface="Times New Roman" pitchFamily="18" charset="0"/>
                         </a:rPr>
-                        <a:t> </a:t>
-                      </a:r>
-                      <a:r>
-                        <a:rPr lang="en-US" sz="1200" i="0" smtClean="0">
-                          <a:latin typeface="Times New Roman" pitchFamily="18" charset="0"/>
-                          <a:cs typeface="Times New Roman" pitchFamily="18" charset="0"/>
-                        </a:rPr>
-                        <a:t>học bị</a:t>
+                        <a:t> học bị</a:t>
                       </a:r>
                       <a:r>
                         <a:rPr lang="en-US" sz="1200" i="0" baseline="0" smtClean="0">
@@ -22733,14 +27279,7 @@
                           <a:latin typeface="Times New Roman" pitchFamily="18" charset="0"/>
                           <a:cs typeface="Times New Roman" pitchFamily="18" charset="0"/>
                         </a:rPr>
-                        <a:t> </a:t>
-                      </a:r>
-                      <a:r>
-                        <a:rPr lang="en-US" sz="1200" i="0" smtClean="0">
-                          <a:latin typeface="Times New Roman" pitchFamily="18" charset="0"/>
-                          <a:cs typeface="Times New Roman" pitchFamily="18" charset="0"/>
-                        </a:rPr>
-                        <a:t>bị</a:t>
+                        <a:t> bị</a:t>
                       </a:r>
                       <a:r>
                         <a:rPr lang="en-US" sz="1200" i="0" baseline="0" smtClean="0">
@@ -22840,14 +27379,7 @@
                           <a:latin typeface="Times New Roman" pitchFamily="18" charset="0"/>
                           <a:cs typeface="Times New Roman" pitchFamily="18" charset="0"/>
                         </a:rPr>
-                        <a:t> </a:t>
-                      </a:r>
-                      <a:r>
-                        <a:rPr lang="en-US" sz="1200" i="0" baseline="0" smtClean="0">
-                          <a:latin typeface="Times New Roman" pitchFamily="18" charset="0"/>
-                          <a:cs typeface="Times New Roman" pitchFamily="18" charset="0"/>
-                        </a:rPr>
-                        <a:t>viên</a:t>
+                        <a:t> viên</a:t>
                       </a:r>
                       <a:endParaRPr lang="en-US" sz="1200" i="0">
                         <a:latin typeface="Times New Roman" pitchFamily="18" charset="0"/>
@@ -22926,14 +27458,7 @@
                           <a:latin typeface="Times New Roman" pitchFamily="18" charset="0"/>
                           <a:cs typeface="Times New Roman" pitchFamily="18" charset="0"/>
                         </a:rPr>
-                        <a:t> </a:t>
-                      </a:r>
-                      <a:r>
-                        <a:rPr lang="en-US" sz="1200" i="0" smtClean="0">
-                          <a:latin typeface="Times New Roman" pitchFamily="18" charset="0"/>
-                          <a:cs typeface="Times New Roman" pitchFamily="18" charset="0"/>
-                        </a:rPr>
-                        <a:t>đích </a:t>
+                        <a:t> đích </a:t>
                       </a:r>
                       <a:endParaRPr lang="en-US" sz="1200" i="0">
                         <a:latin typeface="Times New Roman" pitchFamily="18" charset="0"/>
@@ -23040,14 +27565,7 @@
                           <a:latin typeface="Times New Roman" pitchFamily="18" charset="0"/>
                           <a:cs typeface="Times New Roman" pitchFamily="18" charset="0"/>
                         </a:rPr>
-                        <a:t> </a:t>
-                      </a:r>
-                      <a:r>
-                        <a:rPr lang="en-US" sz="1200" i="0" baseline="0" smtClean="0">
-                          <a:latin typeface="Times New Roman" pitchFamily="18" charset="0"/>
-                          <a:cs typeface="Times New Roman" pitchFamily="18" charset="0"/>
-                        </a:rPr>
-                        <a:t>nản</a:t>
+                        <a:t> nản</a:t>
                       </a:r>
                       <a:endParaRPr lang="en-US" sz="1200" i="0">
                         <a:latin typeface="Times New Roman" pitchFamily="18" charset="0"/>
@@ -23746,21 +28264,7 @@
                           <a:latin typeface="Times New Roman" pitchFamily="18" charset="0"/>
                           <a:cs typeface="Times New Roman" pitchFamily="18" charset="0"/>
                         </a:rPr>
-                        <a:t> khoảng thời gian từ 25 đến 30 năm một học viên </a:t>
-                      </a:r>
-                      <a:r>
-                        <a:rPr lang="en-US" sz="1200" i="0" baseline="0" smtClean="0">
-                          <a:latin typeface="Times New Roman" pitchFamily="18" charset="0"/>
-                          <a:cs typeface="Times New Roman" pitchFamily="18" charset="0"/>
-                        </a:rPr>
-                        <a:t>NGHỈ </a:t>
-                      </a:r>
-                      <a:r>
-                        <a:rPr lang="en-US" sz="1200" i="0" baseline="0" smtClean="0">
-                          <a:latin typeface="Times New Roman" pitchFamily="18" charset="0"/>
-                          <a:cs typeface="Times New Roman" pitchFamily="18" charset="0"/>
-                        </a:rPr>
-                        <a:t>thiệt hại cho chi phí xã hội là $500,000 cho sự giúp đỡ công cộng, y tế công cộng, và chi phí tù tội.</a:t>
+                        <a:t> khoảng thời gian từ 25 đến 30 năm một học viên NGHỈ thiệt hại cho chi phí xã hội là $500,000 cho sự giúp đỡ công cộng, y tế công cộng, và chi phí tù tội.</a:t>
                       </a:r>
                       <a:endParaRPr lang="en-US" sz="1200" i="0" smtClean="0">
                         <a:latin typeface="Times New Roman" pitchFamily="18" charset="0"/>
@@ -23847,35 +28351,7 @@
                           <a:latin typeface="Times New Roman" pitchFamily="18" charset="0"/>
                           <a:cs typeface="Times New Roman" pitchFamily="18" charset="0"/>
                         </a:rPr>
-                        <a:t>ố </a:t>
-                      </a:r>
-                      <a:r>
-                        <a:rPr lang="en-US" sz="1200" i="0" baseline="0" smtClean="0">
-                          <a:latin typeface="Times New Roman" pitchFamily="18" charset="0"/>
-                          <a:cs typeface="Times New Roman" pitchFamily="18" charset="0"/>
-                        </a:rPr>
-                        <a:t>tù </a:t>
-                      </a:r>
-                      <a:r>
-                        <a:rPr lang="en-US" sz="1200" i="0" baseline="0" smtClean="0">
-                          <a:latin typeface="Times New Roman" pitchFamily="18" charset="0"/>
-                          <a:cs typeface="Times New Roman" pitchFamily="18" charset="0"/>
-                        </a:rPr>
-                        <a:t>nhân </a:t>
-                      </a:r>
-                      <a:r>
-                        <a:rPr lang="en-US" sz="1200" i="0" baseline="0" smtClean="0">
-                          <a:latin typeface="Times New Roman" pitchFamily="18" charset="0"/>
-                          <a:cs typeface="Times New Roman" pitchFamily="18" charset="0"/>
-                        </a:rPr>
-                        <a:t>là những người đã từng </a:t>
-                      </a:r>
-                      <a:r>
-                        <a:rPr lang="en-US" sz="1200" i="0" baseline="0" smtClean="0">
-                          <a:latin typeface="Times New Roman" pitchFamily="18" charset="0"/>
-                          <a:cs typeface="Times New Roman" pitchFamily="18" charset="0"/>
-                        </a:rPr>
-                        <a:t>NGHỈ HỌC gấp 3.5 lần số tù nhân đã tốt nghiệp.</a:t>
+                        <a:t>ố tù nhân là những người đã từng NGHỈ HỌC gấp 3.5 lần số tù nhân đã tốt nghiệp.</a:t>
                       </a:r>
                       <a:endParaRPr lang="en-US" sz="1200" i="0" smtClean="0">
                         <a:latin typeface="Times New Roman" pitchFamily="18" charset="0"/>
@@ -24153,7 +28629,7 @@
         </p:nvGraphicFramePr>
         <p:xfrm>
           <a:off x="304800" y="1371600"/>
-          <a:ext cx="8610599" cy="5410127"/>
+          <a:ext cx="8610599" cy="6127403"/>
         </p:xfrm>
         <a:graphic>
           <a:graphicData uri="http://schemas.openxmlformats.org/drawingml/2006/table">
@@ -24173,13 +28649,27 @@
                     <a:lstStyle/>
                     <a:p>
                       <a:r>
-                        <a:rPr lang="en-US" sz="1200" i="0" baseline="0" smtClean="0">
-                          <a:latin typeface="Times New Roman" pitchFamily="18" charset="0"/>
-                          <a:cs typeface="Times New Roman" pitchFamily="18" charset="0"/>
-                        </a:rPr>
-                        <a:t>Nguyên nhân</a:t>
-                      </a:r>
-                      <a:endParaRPr lang="en-US" sz="1200" i="0">
+                        <a:rPr lang="en-US" sz="1200" i="0" baseline="0" dirty="0" err="1" smtClean="0">
+                          <a:latin typeface="Times New Roman" pitchFamily="18" charset="0"/>
+                          <a:cs typeface="Times New Roman" pitchFamily="18" charset="0"/>
+                        </a:rPr>
+                        <a:t>Nguyên</a:t>
+                      </a:r>
+                      <a:r>
+                        <a:rPr lang="en-US" sz="1200" i="0" baseline="0" dirty="0" smtClean="0">
+                          <a:latin typeface="Times New Roman" pitchFamily="18" charset="0"/>
+                          <a:cs typeface="Times New Roman" pitchFamily="18" charset="0"/>
+                        </a:rPr>
+                        <a:t> </a:t>
+                      </a:r>
+                      <a:r>
+                        <a:rPr lang="en-US" sz="1200" i="0" baseline="0" dirty="0" err="1" smtClean="0">
+                          <a:latin typeface="Times New Roman" pitchFamily="18" charset="0"/>
+                          <a:cs typeface="Times New Roman" pitchFamily="18" charset="0"/>
+                        </a:rPr>
+                        <a:t>nhân</a:t>
+                      </a:r>
+                      <a:endParaRPr lang="en-US" sz="1200" i="0" dirty="0">
                         <a:latin typeface="Times New Roman" pitchFamily="18" charset="0"/>
                         <a:cs typeface="Times New Roman" pitchFamily="18" charset="0"/>
                       </a:endParaRPr>
@@ -24340,15 +28830,7 @@
                       </a:r>
                       <a:r>
                         <a:rPr lang="en-US" sz="1200" i="0" baseline="0" smtClean="0"/>
-                        <a:t> vấn chưa </a:t>
-                      </a:r>
-                      <a:r>
-                        <a:rPr lang="en-US" sz="1200" i="0" baseline="0" smtClean="0"/>
-                        <a:t>đúng (khác </a:t>
-                      </a:r>
-                      <a:r>
-                        <a:rPr lang="en-US" sz="1200" i="0" baseline="0" smtClean="0"/>
-                        <a:t>so với quá trình học)</a:t>
+                        <a:t> vấn chưa đúng (khác so với quá trình học)</a:t>
                       </a:r>
                       <a:endParaRPr lang="en-US" sz="1200" i="0" smtClean="0"/>
                     </a:p>
@@ -24510,16 +28992,186 @@
                     <a:lstStyle/>
                     <a:p>
                       <a:r>
-                        <a:rPr lang="en-US" sz="1200" i="0" smtClean="0">
+                        <a:rPr lang="en-US" sz="1200" i="0" dirty="0" smtClean="0">
                           <a:solidFill>
                             <a:srgbClr val="FF0000"/>
                           </a:solidFill>
                           <a:latin typeface="Times New Roman" pitchFamily="18" charset="0"/>
                           <a:cs typeface="Times New Roman" pitchFamily="18" charset="0"/>
                         </a:rPr>
-                        <a:t>xxxxxxxxxxxxxxxxxxxxxxxx</a:t>
-                      </a:r>
-                      <a:endParaRPr lang="en-US" sz="1200" i="0">
+                        <a:t>- </a:t>
+                      </a:r>
+                      <a:r>
+                        <a:rPr lang="en-US" sz="1200" i="0" dirty="0" err="1" smtClean="0">
+                          <a:solidFill>
+                            <a:srgbClr val="FF0000"/>
+                          </a:solidFill>
+                          <a:latin typeface="Times New Roman" pitchFamily="18" charset="0"/>
+                          <a:cs typeface="Times New Roman" pitchFamily="18" charset="0"/>
+                        </a:rPr>
+                        <a:t>Đề</a:t>
+                      </a:r>
+                      <a:r>
+                        <a:rPr lang="en-US" sz="1200" i="0" baseline="0" dirty="0" smtClean="0">
+                          <a:solidFill>
+                            <a:srgbClr val="FF0000"/>
+                          </a:solidFill>
+                          <a:latin typeface="Times New Roman" pitchFamily="18" charset="0"/>
+                          <a:cs typeface="Times New Roman" pitchFamily="18" charset="0"/>
+                        </a:rPr>
+                        <a:t> </a:t>
+                      </a:r>
+                      <a:r>
+                        <a:rPr lang="en-US" sz="1200" i="0" baseline="0" dirty="0" err="1" smtClean="0">
+                          <a:solidFill>
+                            <a:srgbClr val="FF0000"/>
+                          </a:solidFill>
+                          <a:latin typeface="Times New Roman" pitchFamily="18" charset="0"/>
+                          <a:cs typeface="Times New Roman" pitchFamily="18" charset="0"/>
+                        </a:rPr>
+                        <a:t>cương</a:t>
+                      </a:r>
+                      <a:r>
+                        <a:rPr lang="en-US" sz="1200" i="0" baseline="0" dirty="0" smtClean="0">
+                          <a:solidFill>
+                            <a:srgbClr val="FF0000"/>
+                          </a:solidFill>
+                          <a:latin typeface="Times New Roman" pitchFamily="18" charset="0"/>
+                          <a:cs typeface="Times New Roman" pitchFamily="18" charset="0"/>
+                        </a:rPr>
+                        <a:t> </a:t>
+                      </a:r>
+                      <a:r>
+                        <a:rPr lang="en-US" sz="1200" i="0" baseline="0" dirty="0" err="1" smtClean="0">
+                          <a:solidFill>
+                            <a:srgbClr val="FF0000"/>
+                          </a:solidFill>
+                          <a:latin typeface="Times New Roman" pitchFamily="18" charset="0"/>
+                          <a:cs typeface="Times New Roman" pitchFamily="18" charset="0"/>
+                        </a:rPr>
+                        <a:t>chương</a:t>
+                      </a:r>
+                      <a:r>
+                        <a:rPr lang="en-US" sz="1200" i="0" baseline="0" dirty="0" smtClean="0">
+                          <a:solidFill>
+                            <a:srgbClr val="FF0000"/>
+                          </a:solidFill>
+                          <a:latin typeface="Times New Roman" pitchFamily="18" charset="0"/>
+                          <a:cs typeface="Times New Roman" pitchFamily="18" charset="0"/>
+                        </a:rPr>
+                        <a:t> </a:t>
+                      </a:r>
+                      <a:r>
+                        <a:rPr lang="en-US" sz="1200" i="0" baseline="0" dirty="0" err="1" smtClean="0">
+                          <a:solidFill>
+                            <a:srgbClr val="FF0000"/>
+                          </a:solidFill>
+                          <a:latin typeface="Times New Roman" pitchFamily="18" charset="0"/>
+                          <a:cs typeface="Times New Roman" pitchFamily="18" charset="0"/>
+                        </a:rPr>
+                        <a:t>trình</a:t>
+                      </a:r>
+                      <a:r>
+                        <a:rPr lang="en-US" sz="1200" i="0" baseline="0" dirty="0" smtClean="0">
+                          <a:solidFill>
+                            <a:srgbClr val="FF0000"/>
+                          </a:solidFill>
+                          <a:latin typeface="Times New Roman" pitchFamily="18" charset="0"/>
+                          <a:cs typeface="Times New Roman" pitchFamily="18" charset="0"/>
+                        </a:rPr>
+                        <a:t> </a:t>
+                      </a:r>
+                      <a:r>
+                        <a:rPr lang="en-US" sz="1200" i="0" baseline="0" dirty="0" err="1" smtClean="0">
+                          <a:solidFill>
+                            <a:srgbClr val="FF0000"/>
+                          </a:solidFill>
+                          <a:latin typeface="Times New Roman" pitchFamily="18" charset="0"/>
+                          <a:cs typeface="Times New Roman" pitchFamily="18" charset="0"/>
+                        </a:rPr>
+                        <a:t>không</a:t>
+                      </a:r>
+                      <a:r>
+                        <a:rPr lang="en-US" sz="1200" i="0" baseline="0" dirty="0" smtClean="0">
+                          <a:solidFill>
+                            <a:srgbClr val="FF0000"/>
+                          </a:solidFill>
+                          <a:latin typeface="Times New Roman" pitchFamily="18" charset="0"/>
+                          <a:cs typeface="Times New Roman" pitchFamily="18" charset="0"/>
+                        </a:rPr>
+                        <a:t> </a:t>
+                      </a:r>
+                      <a:r>
+                        <a:rPr lang="en-US" sz="1200" i="0" baseline="0" dirty="0" err="1" smtClean="0">
+                          <a:solidFill>
+                            <a:srgbClr val="FF0000"/>
+                          </a:solidFill>
+                          <a:latin typeface="Times New Roman" pitchFamily="18" charset="0"/>
+                          <a:cs typeface="Times New Roman" pitchFamily="18" charset="0"/>
+                        </a:rPr>
+                        <a:t>đầy</a:t>
+                      </a:r>
+                      <a:r>
+                        <a:rPr lang="en-US" sz="1200" i="0" baseline="0" dirty="0" smtClean="0">
+                          <a:solidFill>
+                            <a:srgbClr val="FF0000"/>
+                          </a:solidFill>
+                          <a:latin typeface="Times New Roman" pitchFamily="18" charset="0"/>
+                          <a:cs typeface="Times New Roman" pitchFamily="18" charset="0"/>
+                        </a:rPr>
+                        <a:t> </a:t>
+                      </a:r>
+                      <a:r>
+                        <a:rPr lang="en-US" sz="1200" i="0" baseline="0" dirty="0" err="1" smtClean="0">
+                          <a:solidFill>
+                            <a:srgbClr val="FF0000"/>
+                          </a:solidFill>
+                          <a:latin typeface="Times New Roman" pitchFamily="18" charset="0"/>
+                          <a:cs typeface="Times New Roman" pitchFamily="18" charset="0"/>
+                        </a:rPr>
+                        <a:t>đủ</a:t>
+                      </a:r>
+                      <a:r>
+                        <a:rPr lang="en-US" sz="1200" i="0" baseline="0" dirty="0" smtClean="0">
+                          <a:solidFill>
+                            <a:srgbClr val="FF0000"/>
+                          </a:solidFill>
+                          <a:latin typeface="Times New Roman" pitchFamily="18" charset="0"/>
+                          <a:cs typeface="Times New Roman" pitchFamily="18" charset="0"/>
+                        </a:rPr>
+                        <a:t>, </a:t>
+                      </a:r>
+                      <a:r>
+                        <a:rPr lang="en-US" sz="1200" i="0" baseline="0" dirty="0" err="1" smtClean="0">
+                          <a:solidFill>
+                            <a:srgbClr val="FF0000"/>
+                          </a:solidFill>
+                          <a:latin typeface="Times New Roman" pitchFamily="18" charset="0"/>
+                          <a:cs typeface="Times New Roman" pitchFamily="18" charset="0"/>
+                        </a:rPr>
+                        <a:t>thiếu</a:t>
+                      </a:r>
+                      <a:r>
+                        <a:rPr lang="en-US" sz="1200" i="0" baseline="0" dirty="0" smtClean="0">
+                          <a:solidFill>
+                            <a:srgbClr val="FF0000"/>
+                          </a:solidFill>
+                          <a:latin typeface="Times New Roman" pitchFamily="18" charset="0"/>
+                          <a:cs typeface="Times New Roman" pitchFamily="18" charset="0"/>
+                        </a:rPr>
+                        <a:t> chi </a:t>
+                      </a:r>
+                      <a:r>
+                        <a:rPr lang="en-US" sz="1200" i="0" baseline="0" dirty="0" err="1" smtClean="0">
+                          <a:solidFill>
+                            <a:srgbClr val="FF0000"/>
+                          </a:solidFill>
+                          <a:latin typeface="Times New Roman" pitchFamily="18" charset="0"/>
+                          <a:cs typeface="Times New Roman" pitchFamily="18" charset="0"/>
+                        </a:rPr>
+                        <a:t>tiết</a:t>
+                      </a:r>
+                      <a:endParaRPr lang="en-US" sz="1200" i="0" dirty="0" smtClean="0">
                         <a:solidFill>
                           <a:srgbClr val="FF0000"/>
                         </a:solidFill>
@@ -24772,17 +29424,204 @@
                     <a:bodyPr/>
                     <a:lstStyle/>
                     <a:p>
-                      <a:r>
-                        <a:rPr lang="en-US" sz="1200" i="0" smtClean="0">
+                      <a:pPr marL="0" marR="0" indent="0" algn="l" defTabSz="914400" rtl="0" eaLnBrk="1" fontAlgn="auto" latinLnBrk="0" hangingPunct="1">
+                        <a:lnSpc>
+                          <a:spcPct val="100000"/>
+                        </a:lnSpc>
+                        <a:spcBef>
+                          <a:spcPts val="0"/>
+                        </a:spcBef>
+                        <a:spcAft>
+                          <a:spcPts val="0"/>
+                        </a:spcAft>
+                        <a:buClrTx/>
+                        <a:buSzTx/>
+                        <a:buFontTx/>
+                        <a:buChar char="-"/>
+                        <a:tabLst/>
+                        <a:defRPr/>
+                      </a:pPr>
+                      <a:r>
+                        <a:rPr lang="en-US" sz="1200" i="0" baseline="0" dirty="0" smtClean="0">
                           <a:solidFill>
                             <a:srgbClr val="FF0000"/>
                           </a:solidFill>
                           <a:latin typeface="Times New Roman" pitchFamily="18" charset="0"/>
                           <a:cs typeface="Times New Roman" pitchFamily="18" charset="0"/>
                         </a:rPr>
-                        <a:t>xxxxxxxxxxxxxxxxxxxxxxxxxx</a:t>
-                      </a:r>
-                      <a:endParaRPr lang="en-US" sz="1200" i="0">
+                        <a:t> </a:t>
+                      </a:r>
+                      <a:r>
+                        <a:rPr lang="en-US" sz="1200" i="0" baseline="0" dirty="0" err="1" smtClean="0">
+                          <a:solidFill>
+                            <a:srgbClr val="FF0000"/>
+                          </a:solidFill>
+                          <a:latin typeface="Times New Roman" pitchFamily="18" charset="0"/>
+                          <a:cs typeface="Times New Roman" pitchFamily="18" charset="0"/>
+                        </a:rPr>
+                        <a:t>Giảng</a:t>
+                      </a:r>
+                      <a:r>
+                        <a:rPr lang="en-US" sz="1200" i="0" baseline="0" dirty="0" smtClean="0">
+                          <a:solidFill>
+                            <a:srgbClr val="FF0000"/>
+                          </a:solidFill>
+                          <a:latin typeface="Times New Roman" pitchFamily="18" charset="0"/>
+                          <a:cs typeface="Times New Roman" pitchFamily="18" charset="0"/>
+                        </a:rPr>
+                        <a:t> </a:t>
+                      </a:r>
+                      <a:r>
+                        <a:rPr lang="en-US" sz="1200" i="0" baseline="0" dirty="0" err="1" smtClean="0">
+                          <a:solidFill>
+                            <a:srgbClr val="FF0000"/>
+                          </a:solidFill>
+                          <a:latin typeface="Times New Roman" pitchFamily="18" charset="0"/>
+                          <a:cs typeface="Times New Roman" pitchFamily="18" charset="0"/>
+                        </a:rPr>
+                        <a:t>viên</a:t>
+                      </a:r>
+                      <a:r>
+                        <a:rPr lang="en-US" sz="1200" i="0" baseline="0" dirty="0" smtClean="0">
+                          <a:solidFill>
+                            <a:srgbClr val="FF0000"/>
+                          </a:solidFill>
+                          <a:latin typeface="Times New Roman" pitchFamily="18" charset="0"/>
+                          <a:cs typeface="Times New Roman" pitchFamily="18" charset="0"/>
+                        </a:rPr>
+                        <a:t> </a:t>
+                      </a:r>
+                      <a:r>
+                        <a:rPr lang="en-US" sz="1200" i="0" baseline="0" dirty="0" err="1" smtClean="0">
+                          <a:solidFill>
+                            <a:srgbClr val="FF0000"/>
+                          </a:solidFill>
+                          <a:latin typeface="Times New Roman" pitchFamily="18" charset="0"/>
+                          <a:cs typeface="Times New Roman" pitchFamily="18" charset="0"/>
+                        </a:rPr>
+                        <a:t>không</a:t>
+                      </a:r>
+                      <a:r>
+                        <a:rPr lang="en-US" sz="1200" i="0" baseline="0" dirty="0" smtClean="0">
+                          <a:solidFill>
+                            <a:srgbClr val="FF0000"/>
+                          </a:solidFill>
+                          <a:latin typeface="Times New Roman" pitchFamily="18" charset="0"/>
+                          <a:cs typeface="Times New Roman" pitchFamily="18" charset="0"/>
+                        </a:rPr>
+                        <a:t> </a:t>
+                      </a:r>
+                      <a:r>
+                        <a:rPr lang="en-US" sz="1200" i="0" baseline="0" dirty="0" err="1" smtClean="0">
+                          <a:solidFill>
+                            <a:srgbClr val="FF0000"/>
+                          </a:solidFill>
+                          <a:latin typeface="Times New Roman" pitchFamily="18" charset="0"/>
+                          <a:cs typeface="Times New Roman" pitchFamily="18" charset="0"/>
+                        </a:rPr>
+                        <a:t>đủ</a:t>
+                      </a:r>
+                      <a:r>
+                        <a:rPr lang="en-US" sz="1200" i="0" baseline="0" dirty="0" smtClean="0">
+                          <a:solidFill>
+                            <a:srgbClr val="FF0000"/>
+                          </a:solidFill>
+                          <a:latin typeface="Times New Roman" pitchFamily="18" charset="0"/>
+                          <a:cs typeface="Times New Roman" pitchFamily="18" charset="0"/>
+                        </a:rPr>
+                        <a:t> </a:t>
+                      </a:r>
+                      <a:r>
+                        <a:rPr lang="en-US" sz="1200" i="0" baseline="0" dirty="0" err="1" smtClean="0">
+                          <a:solidFill>
+                            <a:srgbClr val="FF0000"/>
+                          </a:solidFill>
+                          <a:latin typeface="Times New Roman" pitchFamily="18" charset="0"/>
+                          <a:cs typeface="Times New Roman" pitchFamily="18" charset="0"/>
+                        </a:rPr>
+                        <a:t>tiêu</a:t>
+                      </a:r>
+                      <a:r>
+                        <a:rPr lang="en-US" sz="1200" i="0" baseline="0" dirty="0" smtClean="0">
+                          <a:solidFill>
+                            <a:srgbClr val="FF0000"/>
+                          </a:solidFill>
+                          <a:latin typeface="Times New Roman" pitchFamily="18" charset="0"/>
+                          <a:cs typeface="Times New Roman" pitchFamily="18" charset="0"/>
+                        </a:rPr>
+                        <a:t> </a:t>
+                      </a:r>
+                      <a:r>
+                        <a:rPr lang="en-US" sz="1200" i="0" baseline="0" dirty="0" err="1" smtClean="0">
+                          <a:solidFill>
+                            <a:srgbClr val="FF0000"/>
+                          </a:solidFill>
+                          <a:latin typeface="Times New Roman" pitchFamily="18" charset="0"/>
+                          <a:cs typeface="Times New Roman" pitchFamily="18" charset="0"/>
+                        </a:rPr>
+                        <a:t>chuẩn</a:t>
+                      </a:r>
+                      <a:r>
+                        <a:rPr lang="en-US" sz="1200" i="0" baseline="0" dirty="0" smtClean="0">
+                          <a:solidFill>
+                            <a:srgbClr val="FF0000"/>
+                          </a:solidFill>
+                          <a:latin typeface="Times New Roman" pitchFamily="18" charset="0"/>
+                          <a:cs typeface="Times New Roman" pitchFamily="18" charset="0"/>
+                        </a:rPr>
+                        <a:t>/</a:t>
+                      </a:r>
+                      <a:r>
+                        <a:rPr lang="en-US" sz="1200" i="0" baseline="0" dirty="0" err="1" smtClean="0">
+                          <a:solidFill>
+                            <a:srgbClr val="FF0000"/>
+                          </a:solidFill>
+                          <a:latin typeface="Times New Roman" pitchFamily="18" charset="0"/>
+                          <a:cs typeface="Times New Roman" pitchFamily="18" charset="0"/>
+                        </a:rPr>
+                        <a:t>thiếu</a:t>
+                      </a:r>
+                      <a:r>
+                        <a:rPr lang="en-US" sz="1200" i="0" baseline="0" dirty="0" smtClean="0">
+                          <a:solidFill>
+                            <a:srgbClr val="FF0000"/>
+                          </a:solidFill>
+                          <a:latin typeface="Times New Roman" pitchFamily="18" charset="0"/>
+                          <a:cs typeface="Times New Roman" pitchFamily="18" charset="0"/>
+                        </a:rPr>
+                        <a:t> </a:t>
+                      </a:r>
+                      <a:r>
+                        <a:rPr lang="en-US" sz="1200" i="0" baseline="0" dirty="0" err="1" smtClean="0">
+                          <a:solidFill>
+                            <a:srgbClr val="FF0000"/>
+                          </a:solidFill>
+                          <a:latin typeface="Times New Roman" pitchFamily="18" charset="0"/>
+                          <a:cs typeface="Times New Roman" pitchFamily="18" charset="0"/>
+                        </a:rPr>
+                        <a:t>kinh</a:t>
+                      </a:r>
+                      <a:r>
+                        <a:rPr lang="en-US" sz="1200" i="0" baseline="0" dirty="0" smtClean="0">
+                          <a:solidFill>
+                            <a:srgbClr val="FF0000"/>
+                          </a:solidFill>
+                          <a:latin typeface="Times New Roman" pitchFamily="18" charset="0"/>
+                          <a:cs typeface="Times New Roman" pitchFamily="18" charset="0"/>
+                        </a:rPr>
+                        <a:t> </a:t>
+                      </a:r>
+                      <a:r>
+                        <a:rPr lang="en-US" sz="1200" i="0" baseline="0" dirty="0" err="1" smtClean="0">
+                          <a:solidFill>
+                            <a:srgbClr val="FF0000"/>
+                          </a:solidFill>
+                          <a:latin typeface="Times New Roman" pitchFamily="18" charset="0"/>
+                          <a:cs typeface="Times New Roman" pitchFamily="18" charset="0"/>
+                        </a:rPr>
+                        <a:t>nghiệm</a:t>
+                      </a:r>
+                      <a:endParaRPr lang="en-US" sz="1200" i="0" dirty="0" smtClean="0">
                         <a:solidFill>
                           <a:srgbClr val="FF0000"/>
                         </a:solidFill>
@@ -24799,34 +29638,399 @@
                     <a:lstStyle/>
                     <a:p>
                       <a:r>
-                        <a:rPr lang="en-US" sz="1200" i="0" err="1" smtClean="0">
+                        <a:rPr lang="en-US" sz="1200" i="0" dirty="0" err="1" smtClean="0">
                           <a:latin typeface="Times New Roman" pitchFamily="18" charset="0"/>
                           <a:cs typeface="Times New Roman" pitchFamily="18" charset="0"/>
                         </a:rPr>
                         <a:t>Học</a:t>
                       </a:r>
                       <a:r>
-                        <a:rPr lang="en-US" sz="1200" i="0" baseline="0" smtClean="0">
+                        <a:rPr lang="en-US" sz="1200" i="0" baseline="0" dirty="0" smtClean="0">
                           <a:latin typeface="Times New Roman" pitchFamily="18" charset="0"/>
                           <a:cs typeface="Times New Roman" pitchFamily="18" charset="0"/>
                         </a:rPr>
                         <a:t> </a:t>
                       </a:r>
                       <a:r>
-                        <a:rPr lang="en-US" sz="1200" i="0" baseline="0" err="1" smtClean="0">
+                        <a:rPr lang="en-US" sz="1200" i="0" baseline="0" dirty="0" err="1" smtClean="0">
                           <a:latin typeface="Times New Roman" pitchFamily="18" charset="0"/>
                           <a:cs typeface="Times New Roman" pitchFamily="18" charset="0"/>
                         </a:rPr>
                         <a:t>liệu</a:t>
                       </a:r>
                       <a:r>
-                        <a:rPr lang="en-US" sz="1200" i="0" baseline="0" smtClean="0">
-                          <a:latin typeface="Times New Roman" pitchFamily="18" charset="0"/>
-                          <a:cs typeface="Times New Roman" pitchFamily="18" charset="0"/>
-                        </a:rPr>
-                        <a:t> không: đầy đủ, trực quan và đa tương tác</a:t>
-                      </a:r>
-                      <a:endParaRPr lang="en-US" sz="1200" i="0">
+                        <a:rPr lang="en-US" sz="1200" i="0" baseline="0" dirty="0" smtClean="0">
+                          <a:latin typeface="Times New Roman" pitchFamily="18" charset="0"/>
+                          <a:cs typeface="Times New Roman" pitchFamily="18" charset="0"/>
+                        </a:rPr>
+                        <a:t> </a:t>
+                      </a:r>
+                      <a:r>
+                        <a:rPr lang="en-US" sz="1200" i="0" baseline="0" dirty="0" err="1" smtClean="0">
+                          <a:latin typeface="Times New Roman" pitchFamily="18" charset="0"/>
+                          <a:cs typeface="Times New Roman" pitchFamily="18" charset="0"/>
+                        </a:rPr>
+                        <a:t>không</a:t>
+                      </a:r>
+                      <a:r>
+                        <a:rPr lang="en-US" sz="1200" i="0" baseline="0" dirty="0" smtClean="0">
+                          <a:latin typeface="Times New Roman" pitchFamily="18" charset="0"/>
+                          <a:cs typeface="Times New Roman" pitchFamily="18" charset="0"/>
+                        </a:rPr>
+                        <a:t>: </a:t>
+                      </a:r>
+                      <a:r>
+                        <a:rPr lang="en-US" sz="1200" i="0" baseline="0" dirty="0" err="1" smtClean="0">
+                          <a:latin typeface="Times New Roman" pitchFamily="18" charset="0"/>
+                          <a:cs typeface="Times New Roman" pitchFamily="18" charset="0"/>
+                        </a:rPr>
+                        <a:t>đầy</a:t>
+                      </a:r>
+                      <a:r>
+                        <a:rPr lang="en-US" sz="1200" i="0" baseline="0" dirty="0" smtClean="0">
+                          <a:latin typeface="Times New Roman" pitchFamily="18" charset="0"/>
+                          <a:cs typeface="Times New Roman" pitchFamily="18" charset="0"/>
+                        </a:rPr>
+                        <a:t> </a:t>
+                      </a:r>
+                      <a:r>
+                        <a:rPr lang="en-US" sz="1200" i="0" baseline="0" dirty="0" err="1" smtClean="0">
+                          <a:latin typeface="Times New Roman" pitchFamily="18" charset="0"/>
+                          <a:cs typeface="Times New Roman" pitchFamily="18" charset="0"/>
+                        </a:rPr>
+                        <a:t>đu</a:t>
+                      </a:r>
+                      <a:r>
+                        <a:rPr lang="en-US" sz="1200" i="0" baseline="0" dirty="0" smtClean="0">
+                          <a:latin typeface="Times New Roman" pitchFamily="18" charset="0"/>
+                          <a:cs typeface="Times New Roman" pitchFamily="18" charset="0"/>
+                        </a:rPr>
+                        <a:t>̉, </a:t>
+                      </a:r>
+                      <a:r>
+                        <a:rPr lang="en-US" sz="1200" i="0" baseline="0" dirty="0" err="1" smtClean="0">
+                          <a:latin typeface="Times New Roman" pitchFamily="18" charset="0"/>
+                          <a:cs typeface="Times New Roman" pitchFamily="18" charset="0"/>
+                        </a:rPr>
+                        <a:t>trực</a:t>
+                      </a:r>
+                      <a:r>
+                        <a:rPr lang="en-US" sz="1200" i="0" baseline="0" dirty="0" smtClean="0">
+                          <a:latin typeface="Times New Roman" pitchFamily="18" charset="0"/>
+                          <a:cs typeface="Times New Roman" pitchFamily="18" charset="0"/>
+                        </a:rPr>
+                        <a:t> </a:t>
+                      </a:r>
+                      <a:r>
+                        <a:rPr lang="en-US" sz="1200" i="0" baseline="0" dirty="0" err="1" smtClean="0">
+                          <a:latin typeface="Times New Roman" pitchFamily="18" charset="0"/>
+                          <a:cs typeface="Times New Roman" pitchFamily="18" charset="0"/>
+                        </a:rPr>
+                        <a:t>quan</a:t>
+                      </a:r>
+                      <a:r>
+                        <a:rPr lang="en-US" sz="1200" i="0" baseline="0" dirty="0" smtClean="0">
+                          <a:latin typeface="Times New Roman" pitchFamily="18" charset="0"/>
+                          <a:cs typeface="Times New Roman" pitchFamily="18" charset="0"/>
+                        </a:rPr>
+                        <a:t> </a:t>
+                      </a:r>
+                      <a:r>
+                        <a:rPr lang="en-US" sz="1200" i="0" baseline="0" dirty="0" err="1" smtClean="0">
+                          <a:latin typeface="Times New Roman" pitchFamily="18" charset="0"/>
+                          <a:cs typeface="Times New Roman" pitchFamily="18" charset="0"/>
+                        </a:rPr>
+                        <a:t>va</a:t>
+                      </a:r>
+                      <a:r>
+                        <a:rPr lang="en-US" sz="1200" i="0" baseline="0" dirty="0" smtClean="0">
+                          <a:latin typeface="Times New Roman" pitchFamily="18" charset="0"/>
+                          <a:cs typeface="Times New Roman" pitchFamily="18" charset="0"/>
+                        </a:rPr>
+                        <a:t>̀ </a:t>
+                      </a:r>
+                      <a:r>
+                        <a:rPr lang="en-US" sz="1200" i="0" baseline="0" dirty="0" err="1" smtClean="0">
+                          <a:latin typeface="Times New Roman" pitchFamily="18" charset="0"/>
+                          <a:cs typeface="Times New Roman" pitchFamily="18" charset="0"/>
+                        </a:rPr>
+                        <a:t>đa</a:t>
+                      </a:r>
+                      <a:r>
+                        <a:rPr lang="en-US" sz="1200" i="0" baseline="0" dirty="0" smtClean="0">
+                          <a:latin typeface="Times New Roman" pitchFamily="18" charset="0"/>
+                          <a:cs typeface="Times New Roman" pitchFamily="18" charset="0"/>
+                        </a:rPr>
+                        <a:t> </a:t>
+                      </a:r>
+                      <a:r>
+                        <a:rPr lang="en-US" sz="1200" i="0" baseline="0" dirty="0" err="1" smtClean="0">
+                          <a:latin typeface="Times New Roman" pitchFamily="18" charset="0"/>
+                          <a:cs typeface="Times New Roman" pitchFamily="18" charset="0"/>
+                        </a:rPr>
+                        <a:t>tương</a:t>
+                      </a:r>
+                      <a:r>
+                        <a:rPr lang="en-US" sz="1200" i="0" baseline="0" dirty="0" smtClean="0">
+                          <a:latin typeface="Times New Roman" pitchFamily="18" charset="0"/>
+                          <a:cs typeface="Times New Roman" pitchFamily="18" charset="0"/>
+                        </a:rPr>
+                        <a:t> </a:t>
+                      </a:r>
+                      <a:r>
+                        <a:rPr lang="en-US" sz="1200" i="0" baseline="0" dirty="0" err="1" smtClean="0">
+                          <a:latin typeface="Times New Roman" pitchFamily="18" charset="0"/>
+                          <a:cs typeface="Times New Roman" pitchFamily="18" charset="0"/>
+                        </a:rPr>
+                        <a:t>tác</a:t>
+                      </a:r>
+                      <a:endParaRPr lang="en-US" sz="1200" i="0" baseline="0" dirty="0" smtClean="0">
+                        <a:latin typeface="Times New Roman" pitchFamily="18" charset="0"/>
+                        <a:cs typeface="Times New Roman" pitchFamily="18" charset="0"/>
+                      </a:endParaRPr>
+                    </a:p>
+                    <a:p>
+                      <a:pPr marL="0" marR="0" indent="0" algn="l" defTabSz="914400" rtl="0" eaLnBrk="1" fontAlgn="auto" latinLnBrk="0" hangingPunct="1">
+                        <a:lnSpc>
+                          <a:spcPct val="100000"/>
+                        </a:lnSpc>
+                        <a:spcBef>
+                          <a:spcPts val="0"/>
+                        </a:spcBef>
+                        <a:spcAft>
+                          <a:spcPts val="0"/>
+                        </a:spcAft>
+                        <a:buClrTx/>
+                        <a:buSzTx/>
+                        <a:buFontTx/>
+                        <a:buNone/>
+                        <a:tabLst/>
+                        <a:defRPr/>
+                      </a:pPr>
+                      <a:r>
+                        <a:rPr lang="en-US" sz="1200" i="0" baseline="0" dirty="0" smtClean="0">
+                          <a:solidFill>
+                            <a:srgbClr val="FF0000"/>
+                          </a:solidFill>
+                          <a:latin typeface="Times New Roman" pitchFamily="18" charset="0"/>
+                          <a:cs typeface="Times New Roman" pitchFamily="18" charset="0"/>
+                        </a:rPr>
+                        <a:t>- </a:t>
+                      </a:r>
+                      <a:r>
+                        <a:rPr lang="en-US" sz="1200" i="0" baseline="0" dirty="0" err="1" smtClean="0">
+                          <a:solidFill>
+                            <a:srgbClr val="FF0000"/>
+                          </a:solidFill>
+                          <a:latin typeface="Times New Roman" pitchFamily="18" charset="0"/>
+                          <a:cs typeface="Times New Roman" pitchFamily="18" charset="0"/>
+                        </a:rPr>
+                        <a:t>Thiếu</a:t>
+                      </a:r>
+                      <a:r>
+                        <a:rPr lang="en-US" sz="1200" i="0" baseline="0" dirty="0" smtClean="0">
+                          <a:solidFill>
+                            <a:srgbClr val="FF0000"/>
+                          </a:solidFill>
+                          <a:latin typeface="Times New Roman" pitchFamily="18" charset="0"/>
+                          <a:cs typeface="Times New Roman" pitchFamily="18" charset="0"/>
+                        </a:rPr>
+                        <a:t> </a:t>
+                      </a:r>
+                      <a:r>
+                        <a:rPr lang="en-US" sz="1200" i="0" baseline="0" dirty="0" err="1" smtClean="0">
+                          <a:solidFill>
+                            <a:srgbClr val="FF0000"/>
+                          </a:solidFill>
+                          <a:latin typeface="Times New Roman" pitchFamily="18" charset="0"/>
+                          <a:cs typeface="Times New Roman" pitchFamily="18" charset="0"/>
+                        </a:rPr>
+                        <a:t>giám</a:t>
+                      </a:r>
+                      <a:r>
+                        <a:rPr lang="en-US" sz="1200" i="0" baseline="0" dirty="0" smtClean="0">
+                          <a:solidFill>
+                            <a:srgbClr val="FF0000"/>
+                          </a:solidFill>
+                          <a:latin typeface="Times New Roman" pitchFamily="18" charset="0"/>
+                          <a:cs typeface="Times New Roman" pitchFamily="18" charset="0"/>
+                        </a:rPr>
+                        <a:t> </a:t>
+                      </a:r>
+                      <a:r>
+                        <a:rPr lang="en-US" sz="1200" i="0" baseline="0" dirty="0" err="1" smtClean="0">
+                          <a:solidFill>
+                            <a:srgbClr val="FF0000"/>
+                          </a:solidFill>
+                          <a:latin typeface="Times New Roman" pitchFamily="18" charset="0"/>
+                          <a:cs typeface="Times New Roman" pitchFamily="18" charset="0"/>
+                        </a:rPr>
+                        <a:t>sát</a:t>
+                      </a:r>
+                      <a:r>
+                        <a:rPr lang="en-US" sz="1200" i="0" baseline="0" dirty="0" smtClean="0">
+                          <a:solidFill>
+                            <a:srgbClr val="FF0000"/>
+                          </a:solidFill>
+                          <a:latin typeface="Times New Roman" pitchFamily="18" charset="0"/>
+                          <a:cs typeface="Times New Roman" pitchFamily="18" charset="0"/>
+                        </a:rPr>
+                        <a:t>, </a:t>
+                      </a:r>
+                      <a:r>
+                        <a:rPr lang="en-US" sz="1200" i="0" baseline="0" dirty="0" err="1" smtClean="0">
+                          <a:solidFill>
+                            <a:srgbClr val="FF0000"/>
+                          </a:solidFill>
+                          <a:latin typeface="Times New Roman" pitchFamily="18" charset="0"/>
+                          <a:cs typeface="Times New Roman" pitchFamily="18" charset="0"/>
+                        </a:rPr>
+                        <a:t>quản</a:t>
+                      </a:r>
+                      <a:r>
+                        <a:rPr lang="en-US" sz="1200" i="0" baseline="0" dirty="0" smtClean="0">
+                          <a:solidFill>
+                            <a:srgbClr val="FF0000"/>
+                          </a:solidFill>
+                          <a:latin typeface="Times New Roman" pitchFamily="18" charset="0"/>
+                          <a:cs typeface="Times New Roman" pitchFamily="18" charset="0"/>
+                        </a:rPr>
+                        <a:t> </a:t>
+                      </a:r>
+                      <a:r>
+                        <a:rPr lang="en-US" sz="1200" i="0" baseline="0" dirty="0" err="1" smtClean="0">
+                          <a:solidFill>
+                            <a:srgbClr val="FF0000"/>
+                          </a:solidFill>
+                          <a:latin typeface="Times New Roman" pitchFamily="18" charset="0"/>
+                          <a:cs typeface="Times New Roman" pitchFamily="18" charset="0"/>
+                        </a:rPr>
+                        <a:t>lý</a:t>
+                      </a:r>
+                      <a:r>
+                        <a:rPr lang="en-US" sz="1200" i="0" baseline="0" dirty="0" smtClean="0">
+                          <a:solidFill>
+                            <a:srgbClr val="FF0000"/>
+                          </a:solidFill>
+                          <a:latin typeface="Times New Roman" pitchFamily="18" charset="0"/>
+                          <a:cs typeface="Times New Roman" pitchFamily="18" charset="0"/>
+                        </a:rPr>
+                        <a:t>, </a:t>
+                      </a:r>
+                      <a:r>
+                        <a:rPr lang="en-US" sz="1200" i="0" baseline="0" dirty="0" err="1" smtClean="0">
+                          <a:solidFill>
+                            <a:srgbClr val="FF0000"/>
+                          </a:solidFill>
+                          <a:latin typeface="Times New Roman" pitchFamily="18" charset="0"/>
+                          <a:cs typeface="Times New Roman" pitchFamily="18" charset="0"/>
+                        </a:rPr>
+                        <a:t>thiếu</a:t>
+                      </a:r>
+                      <a:r>
+                        <a:rPr lang="en-US" sz="1200" i="0" baseline="0" dirty="0" smtClean="0">
+                          <a:solidFill>
+                            <a:srgbClr val="FF0000"/>
+                          </a:solidFill>
+                          <a:latin typeface="Times New Roman" pitchFamily="18" charset="0"/>
+                          <a:cs typeface="Times New Roman" pitchFamily="18" charset="0"/>
+                        </a:rPr>
+                        <a:t> </a:t>
+                      </a:r>
+                      <a:r>
+                        <a:rPr lang="en-US" sz="1200" i="0" baseline="0" dirty="0" err="1" smtClean="0">
+                          <a:solidFill>
+                            <a:srgbClr val="FF0000"/>
+                          </a:solidFill>
+                          <a:latin typeface="Times New Roman" pitchFamily="18" charset="0"/>
+                          <a:cs typeface="Times New Roman" pitchFamily="18" charset="0"/>
+                        </a:rPr>
+                        <a:t>sự</a:t>
+                      </a:r>
+                      <a:r>
+                        <a:rPr lang="en-US" sz="1200" i="0" baseline="0" dirty="0" smtClean="0">
+                          <a:solidFill>
+                            <a:srgbClr val="FF0000"/>
+                          </a:solidFill>
+                          <a:latin typeface="Times New Roman" pitchFamily="18" charset="0"/>
+                          <a:cs typeface="Times New Roman" pitchFamily="18" charset="0"/>
+                        </a:rPr>
+                        <a:t> </a:t>
+                      </a:r>
+                      <a:r>
+                        <a:rPr lang="en-US" sz="1200" i="0" baseline="0" dirty="0" err="1" smtClean="0">
+                          <a:solidFill>
+                            <a:srgbClr val="FF0000"/>
+                          </a:solidFill>
+                          <a:latin typeface="Times New Roman" pitchFamily="18" charset="0"/>
+                          <a:cs typeface="Times New Roman" pitchFamily="18" charset="0"/>
+                        </a:rPr>
+                        <a:t>hộ</a:t>
+                      </a:r>
+                      <a:r>
+                        <a:rPr lang="en-US" sz="1200" i="0" baseline="0" dirty="0" smtClean="0">
+                          <a:solidFill>
+                            <a:srgbClr val="FF0000"/>
+                          </a:solidFill>
+                          <a:latin typeface="Times New Roman" pitchFamily="18" charset="0"/>
+                          <a:cs typeface="Times New Roman" pitchFamily="18" charset="0"/>
+                        </a:rPr>
+                        <a:t> </a:t>
+                      </a:r>
+                      <a:r>
+                        <a:rPr lang="en-US" sz="1200" i="0" baseline="0" dirty="0" err="1" smtClean="0">
+                          <a:solidFill>
+                            <a:srgbClr val="FF0000"/>
+                          </a:solidFill>
+                          <a:latin typeface="Times New Roman" pitchFamily="18" charset="0"/>
+                          <a:cs typeface="Times New Roman" pitchFamily="18" charset="0"/>
+                        </a:rPr>
+                        <a:t>trợ</a:t>
+                      </a:r>
+                      <a:r>
+                        <a:rPr lang="en-US" sz="1200" i="0" baseline="0" dirty="0" smtClean="0">
+                          <a:solidFill>
+                            <a:srgbClr val="FF0000"/>
+                          </a:solidFill>
+                          <a:latin typeface="Times New Roman" pitchFamily="18" charset="0"/>
+                          <a:cs typeface="Times New Roman" pitchFamily="18" charset="0"/>
+                        </a:rPr>
+                        <a:t> </a:t>
+                      </a:r>
+                      <a:r>
+                        <a:rPr lang="en-US" sz="1200" i="0" baseline="0" dirty="0" err="1" smtClean="0">
+                          <a:solidFill>
+                            <a:srgbClr val="FF0000"/>
+                          </a:solidFill>
+                          <a:latin typeface="Times New Roman" pitchFamily="18" charset="0"/>
+                          <a:cs typeface="Times New Roman" pitchFamily="18" charset="0"/>
+                        </a:rPr>
+                        <a:t>sinh</a:t>
+                      </a:r>
+                      <a:r>
+                        <a:rPr lang="en-US" sz="1200" i="0" baseline="0" dirty="0" smtClean="0">
+                          <a:solidFill>
+                            <a:srgbClr val="FF0000"/>
+                          </a:solidFill>
+                          <a:latin typeface="Times New Roman" pitchFamily="18" charset="0"/>
+                          <a:cs typeface="Times New Roman" pitchFamily="18" charset="0"/>
+                        </a:rPr>
+                        <a:t> </a:t>
+                      </a:r>
+                      <a:r>
+                        <a:rPr lang="en-US" sz="1200" i="0" baseline="0" dirty="0" err="1" smtClean="0">
+                          <a:solidFill>
+                            <a:srgbClr val="FF0000"/>
+                          </a:solidFill>
+                          <a:latin typeface="Times New Roman" pitchFamily="18" charset="0"/>
+                          <a:cs typeface="Times New Roman" pitchFamily="18" charset="0"/>
+                        </a:rPr>
+                        <a:t>viên</a:t>
+                      </a:r>
+                      <a:endParaRPr lang="en-US" sz="1200" i="0" baseline="0" dirty="0" smtClean="0">
+                        <a:solidFill>
+                          <a:srgbClr val="FF0000"/>
+                        </a:solidFill>
                         <a:latin typeface="Times New Roman" pitchFamily="18" charset="0"/>
                         <a:cs typeface="Times New Roman" pitchFamily="18" charset="0"/>
                       </a:endParaRPr>
@@ -26278,7 +31482,7 @@
                         <a:defRPr/>
                       </a:pPr>
                       <a:r>
-                        <a:rPr lang="en-US" sz="1200" i="0" smtClean="0">
+                        <a:rPr lang="en-US" sz="1200" i="0" dirty="0" err="1" smtClean="0">
                           <a:solidFill>
                             <a:srgbClr val="FF0000"/>
                           </a:solidFill>
@@ -26287,9 +31491,366 @@
                         </a:rPr>
                         <a:t>xxxxxxxxxxxxxxxxxxxxxxxx</a:t>
                       </a:r>
+                      <a:endParaRPr lang="en-US" sz="1200" i="0" dirty="0" smtClean="0">
+                        <a:solidFill>
+                          <a:srgbClr val="FF0000"/>
+                        </a:solidFill>
+                        <a:latin typeface="Times New Roman" pitchFamily="18" charset="0"/>
+                        <a:cs typeface="Times New Roman" pitchFamily="18" charset="0"/>
+                      </a:endParaRPr>
                     </a:p>
                     <a:p>
-                      <a:endParaRPr lang="en-US" sz="1200" i="0">
+                      <a:pPr>
+                        <a:buFontTx/>
+                        <a:buChar char="-"/>
+                      </a:pPr>
+                      <a:r>
+                        <a:rPr lang="en-US" sz="1200" i="0" baseline="0" dirty="0" err="1" smtClean="0">
+                          <a:solidFill>
+                            <a:srgbClr val="FF0000"/>
+                          </a:solidFill>
+                          <a:latin typeface="Times New Roman" pitchFamily="18" charset="0"/>
+                          <a:cs typeface="Times New Roman" pitchFamily="18" charset="0"/>
+                        </a:rPr>
+                        <a:t>Áp</a:t>
+                      </a:r>
+                      <a:r>
+                        <a:rPr lang="en-US" sz="1200" i="0" baseline="0" dirty="0" smtClean="0">
+                          <a:solidFill>
+                            <a:srgbClr val="FF0000"/>
+                          </a:solidFill>
+                          <a:latin typeface="Times New Roman" pitchFamily="18" charset="0"/>
+                          <a:cs typeface="Times New Roman" pitchFamily="18" charset="0"/>
+                        </a:rPr>
+                        <a:t> </a:t>
+                      </a:r>
+                      <a:r>
+                        <a:rPr lang="en-US" sz="1200" i="0" baseline="0" dirty="0" err="1" smtClean="0">
+                          <a:solidFill>
+                            <a:srgbClr val="FF0000"/>
+                          </a:solidFill>
+                          <a:latin typeface="Times New Roman" pitchFamily="18" charset="0"/>
+                          <a:cs typeface="Times New Roman" pitchFamily="18" charset="0"/>
+                        </a:rPr>
+                        <a:t>lực</a:t>
+                      </a:r>
+                      <a:r>
+                        <a:rPr lang="en-US" sz="1200" i="0" baseline="0" dirty="0" smtClean="0">
+                          <a:solidFill>
+                            <a:srgbClr val="FF0000"/>
+                          </a:solidFill>
+                          <a:latin typeface="Times New Roman" pitchFamily="18" charset="0"/>
+                          <a:cs typeface="Times New Roman" pitchFamily="18" charset="0"/>
+                        </a:rPr>
+                        <a:t> </a:t>
+                      </a:r>
+                      <a:r>
+                        <a:rPr lang="en-US" sz="1200" i="0" baseline="0" dirty="0" err="1" smtClean="0">
+                          <a:solidFill>
+                            <a:srgbClr val="FF0000"/>
+                          </a:solidFill>
+                          <a:latin typeface="Times New Roman" pitchFamily="18" charset="0"/>
+                          <a:cs typeface="Times New Roman" pitchFamily="18" charset="0"/>
+                        </a:rPr>
+                        <a:t>gia</a:t>
+                      </a:r>
+                      <a:r>
+                        <a:rPr lang="en-US" sz="1200" i="0" baseline="0" dirty="0" smtClean="0">
+                          <a:solidFill>
+                            <a:srgbClr val="FF0000"/>
+                          </a:solidFill>
+                          <a:latin typeface="Times New Roman" pitchFamily="18" charset="0"/>
+                          <a:cs typeface="Times New Roman" pitchFamily="18" charset="0"/>
+                        </a:rPr>
+                        <a:t> </a:t>
+                      </a:r>
+                      <a:r>
+                        <a:rPr lang="en-US" sz="1200" i="0" baseline="0" dirty="0" err="1" smtClean="0">
+                          <a:solidFill>
+                            <a:srgbClr val="FF0000"/>
+                          </a:solidFill>
+                          <a:latin typeface="Times New Roman" pitchFamily="18" charset="0"/>
+                          <a:cs typeface="Times New Roman" pitchFamily="18" charset="0"/>
+                        </a:rPr>
+                        <a:t>đình</a:t>
+                      </a:r>
+                      <a:r>
+                        <a:rPr lang="en-US" sz="1200" i="0" baseline="0" dirty="0" smtClean="0">
+                          <a:solidFill>
+                            <a:srgbClr val="FF0000"/>
+                          </a:solidFill>
+                          <a:latin typeface="Times New Roman" pitchFamily="18" charset="0"/>
+                          <a:cs typeface="Times New Roman" pitchFamily="18" charset="0"/>
+                        </a:rPr>
+                        <a:t>, </a:t>
+                      </a:r>
+                      <a:r>
+                        <a:rPr lang="en-US" sz="1200" i="0" baseline="0" dirty="0" err="1" smtClean="0">
+                          <a:solidFill>
+                            <a:srgbClr val="FF0000"/>
+                          </a:solidFill>
+                          <a:latin typeface="Times New Roman" pitchFamily="18" charset="0"/>
+                          <a:cs typeface="Times New Roman" pitchFamily="18" charset="0"/>
+                        </a:rPr>
+                        <a:t>áp</a:t>
+                      </a:r>
+                      <a:r>
+                        <a:rPr lang="en-US" sz="1200" i="0" baseline="0" dirty="0" smtClean="0">
+                          <a:solidFill>
+                            <a:srgbClr val="FF0000"/>
+                          </a:solidFill>
+                          <a:latin typeface="Times New Roman" pitchFamily="18" charset="0"/>
+                          <a:cs typeface="Times New Roman" pitchFamily="18" charset="0"/>
+                        </a:rPr>
+                        <a:t> </a:t>
+                      </a:r>
+                      <a:r>
+                        <a:rPr lang="en-US" sz="1200" i="0" baseline="0" dirty="0" err="1" smtClean="0">
+                          <a:solidFill>
+                            <a:srgbClr val="FF0000"/>
+                          </a:solidFill>
+                          <a:latin typeface="Times New Roman" pitchFamily="18" charset="0"/>
+                          <a:cs typeface="Times New Roman" pitchFamily="18" charset="0"/>
+                        </a:rPr>
+                        <a:t>lực</a:t>
+                      </a:r>
+                      <a:r>
+                        <a:rPr lang="en-US" sz="1200" i="0" baseline="0" dirty="0" smtClean="0">
+                          <a:solidFill>
+                            <a:srgbClr val="FF0000"/>
+                          </a:solidFill>
+                          <a:latin typeface="Times New Roman" pitchFamily="18" charset="0"/>
+                          <a:cs typeface="Times New Roman" pitchFamily="18" charset="0"/>
+                        </a:rPr>
+                        <a:t> </a:t>
+                      </a:r>
+                      <a:r>
+                        <a:rPr lang="en-US" sz="1200" i="0" baseline="0" dirty="0" err="1" smtClean="0">
+                          <a:solidFill>
+                            <a:srgbClr val="FF0000"/>
+                          </a:solidFill>
+                          <a:latin typeface="Times New Roman" pitchFamily="18" charset="0"/>
+                          <a:cs typeface="Times New Roman" pitchFamily="18" charset="0"/>
+                        </a:rPr>
+                        <a:t>công</a:t>
+                      </a:r>
+                      <a:r>
+                        <a:rPr lang="en-US" sz="1200" i="0" baseline="0" dirty="0" smtClean="0">
+                          <a:solidFill>
+                            <a:srgbClr val="FF0000"/>
+                          </a:solidFill>
+                          <a:latin typeface="Times New Roman" pitchFamily="18" charset="0"/>
+                          <a:cs typeface="Times New Roman" pitchFamily="18" charset="0"/>
+                        </a:rPr>
+                        <a:t> </a:t>
+                      </a:r>
+                      <a:r>
+                        <a:rPr lang="en-US" sz="1200" i="0" baseline="0" dirty="0" err="1" smtClean="0">
+                          <a:solidFill>
+                            <a:srgbClr val="FF0000"/>
+                          </a:solidFill>
+                          <a:latin typeface="Times New Roman" pitchFamily="18" charset="0"/>
+                          <a:cs typeface="Times New Roman" pitchFamily="18" charset="0"/>
+                        </a:rPr>
+                        <a:t>việc</a:t>
+                      </a:r>
+                      <a:r>
+                        <a:rPr lang="en-US" sz="1200" i="0" baseline="0" dirty="0" smtClean="0">
+                          <a:solidFill>
+                            <a:srgbClr val="FF0000"/>
+                          </a:solidFill>
+                          <a:latin typeface="Times New Roman" pitchFamily="18" charset="0"/>
+                          <a:cs typeface="Times New Roman" pitchFamily="18" charset="0"/>
+                        </a:rPr>
+                        <a:t> </a:t>
+                      </a:r>
+                      <a:r>
+                        <a:rPr lang="en-US" sz="1200" i="0" baseline="0" dirty="0" err="1" smtClean="0">
+                          <a:solidFill>
+                            <a:srgbClr val="FF0000"/>
+                          </a:solidFill>
+                          <a:latin typeface="Times New Roman" pitchFamily="18" charset="0"/>
+                          <a:cs typeface="Times New Roman" pitchFamily="18" charset="0"/>
+                        </a:rPr>
+                        <a:t>làm</a:t>
+                      </a:r>
+                      <a:r>
+                        <a:rPr lang="en-US" sz="1200" i="0" baseline="0" dirty="0" smtClean="0">
+                          <a:solidFill>
+                            <a:srgbClr val="FF0000"/>
+                          </a:solidFill>
+                          <a:latin typeface="Times New Roman" pitchFamily="18" charset="0"/>
+                          <a:cs typeface="Times New Roman" pitchFamily="18" charset="0"/>
+                        </a:rPr>
+                        <a:t> </a:t>
+                      </a:r>
+                      <a:r>
+                        <a:rPr lang="en-US" sz="1200" i="0" baseline="0" dirty="0" err="1" smtClean="0">
+                          <a:solidFill>
+                            <a:srgbClr val="FF0000"/>
+                          </a:solidFill>
+                          <a:latin typeface="Times New Roman" pitchFamily="18" charset="0"/>
+                          <a:cs typeface="Times New Roman" pitchFamily="18" charset="0"/>
+                        </a:rPr>
+                        <a:t>thêm</a:t>
+                      </a:r>
+                      <a:endParaRPr lang="en-US" sz="1200" i="0" baseline="0" dirty="0" smtClean="0">
+                        <a:solidFill>
+                          <a:srgbClr val="FF0000"/>
+                        </a:solidFill>
+                        <a:latin typeface="Times New Roman" pitchFamily="18" charset="0"/>
+                        <a:cs typeface="Times New Roman" pitchFamily="18" charset="0"/>
+                      </a:endParaRPr>
+                    </a:p>
+                    <a:p>
+                      <a:pPr>
+                        <a:buFontTx/>
+                        <a:buChar char="-"/>
+                      </a:pPr>
+                      <a:r>
+                        <a:rPr lang="en-US" sz="1200" i="0" baseline="0" dirty="0" smtClean="0">
+                          <a:solidFill>
+                            <a:srgbClr val="FF0000"/>
+                          </a:solidFill>
+                          <a:latin typeface="Times New Roman" pitchFamily="18" charset="0"/>
+                          <a:cs typeface="Times New Roman" pitchFamily="18" charset="0"/>
+                        </a:rPr>
+                        <a:t> </a:t>
+                      </a:r>
+                      <a:r>
+                        <a:rPr lang="en-US" sz="1200" i="0" baseline="0" dirty="0" err="1" smtClean="0">
+                          <a:solidFill>
+                            <a:srgbClr val="FF0000"/>
+                          </a:solidFill>
+                          <a:latin typeface="Times New Roman" pitchFamily="18" charset="0"/>
+                          <a:cs typeface="Times New Roman" pitchFamily="18" charset="0"/>
+                        </a:rPr>
+                        <a:t>Xu</a:t>
+                      </a:r>
+                      <a:r>
+                        <a:rPr lang="en-US" sz="1200" i="0" baseline="0" dirty="0" smtClean="0">
+                          <a:solidFill>
+                            <a:srgbClr val="FF0000"/>
+                          </a:solidFill>
+                          <a:latin typeface="Times New Roman" pitchFamily="18" charset="0"/>
+                          <a:cs typeface="Times New Roman" pitchFamily="18" charset="0"/>
+                        </a:rPr>
+                        <a:t> </a:t>
+                      </a:r>
+                      <a:r>
+                        <a:rPr lang="en-US" sz="1200" i="0" baseline="0" dirty="0" err="1" smtClean="0">
+                          <a:solidFill>
+                            <a:srgbClr val="FF0000"/>
+                          </a:solidFill>
+                          <a:latin typeface="Times New Roman" pitchFamily="18" charset="0"/>
+                          <a:cs typeface="Times New Roman" pitchFamily="18" charset="0"/>
+                        </a:rPr>
+                        <a:t>hướng</a:t>
+                      </a:r>
+                      <a:r>
+                        <a:rPr lang="en-US" sz="1200" i="0" baseline="0" dirty="0" smtClean="0">
+                          <a:solidFill>
+                            <a:srgbClr val="FF0000"/>
+                          </a:solidFill>
+                          <a:latin typeface="Times New Roman" pitchFamily="18" charset="0"/>
+                          <a:cs typeface="Times New Roman" pitchFamily="18" charset="0"/>
+                        </a:rPr>
+                        <a:t> </a:t>
+                      </a:r>
+                      <a:r>
+                        <a:rPr lang="en-US" sz="1200" i="0" baseline="0" dirty="0" err="1" smtClean="0">
+                          <a:solidFill>
+                            <a:srgbClr val="FF0000"/>
+                          </a:solidFill>
+                          <a:latin typeface="Times New Roman" pitchFamily="18" charset="0"/>
+                          <a:cs typeface="Times New Roman" pitchFamily="18" charset="0"/>
+                        </a:rPr>
+                        <a:t>xã</a:t>
+                      </a:r>
+                      <a:r>
+                        <a:rPr lang="en-US" sz="1200" i="0" baseline="0" dirty="0" smtClean="0">
+                          <a:solidFill>
+                            <a:srgbClr val="FF0000"/>
+                          </a:solidFill>
+                          <a:latin typeface="Times New Roman" pitchFamily="18" charset="0"/>
+                          <a:cs typeface="Times New Roman" pitchFamily="18" charset="0"/>
+                        </a:rPr>
+                        <a:t> </a:t>
+                      </a:r>
+                      <a:r>
+                        <a:rPr lang="en-US" sz="1200" i="0" baseline="0" dirty="0" err="1" smtClean="0">
+                          <a:solidFill>
+                            <a:srgbClr val="FF0000"/>
+                          </a:solidFill>
+                          <a:latin typeface="Times New Roman" pitchFamily="18" charset="0"/>
+                          <a:cs typeface="Times New Roman" pitchFamily="18" charset="0"/>
+                        </a:rPr>
+                        <a:t>hội</a:t>
+                      </a:r>
+                      <a:r>
+                        <a:rPr lang="en-US" sz="1200" i="0" baseline="0" dirty="0" smtClean="0">
+                          <a:solidFill>
+                            <a:srgbClr val="FF0000"/>
+                          </a:solidFill>
+                          <a:latin typeface="Times New Roman" pitchFamily="18" charset="0"/>
+                          <a:cs typeface="Times New Roman" pitchFamily="18" charset="0"/>
+                        </a:rPr>
+                        <a:t> </a:t>
+                      </a:r>
+                      <a:r>
+                        <a:rPr lang="en-US" sz="1200" i="0" baseline="0" dirty="0" err="1" smtClean="0">
+                          <a:solidFill>
+                            <a:srgbClr val="FF0000"/>
+                          </a:solidFill>
+                          <a:latin typeface="Times New Roman" pitchFamily="18" charset="0"/>
+                          <a:cs typeface="Times New Roman" pitchFamily="18" charset="0"/>
+                        </a:rPr>
+                        <a:t>không</a:t>
+                      </a:r>
+                      <a:r>
+                        <a:rPr lang="en-US" sz="1200" i="0" baseline="0" dirty="0" smtClean="0">
+                          <a:solidFill>
+                            <a:srgbClr val="FF0000"/>
+                          </a:solidFill>
+                          <a:latin typeface="Times New Roman" pitchFamily="18" charset="0"/>
+                          <a:cs typeface="Times New Roman" pitchFamily="18" charset="0"/>
+                        </a:rPr>
+                        <a:t> </a:t>
+                      </a:r>
+                      <a:r>
+                        <a:rPr lang="en-US" sz="1200" i="0" baseline="0" dirty="0" err="1" smtClean="0">
+                          <a:solidFill>
+                            <a:srgbClr val="FF0000"/>
+                          </a:solidFill>
+                          <a:latin typeface="Times New Roman" pitchFamily="18" charset="0"/>
+                          <a:cs typeface="Times New Roman" pitchFamily="18" charset="0"/>
+                        </a:rPr>
+                        <a:t>phù</a:t>
+                      </a:r>
+                      <a:r>
+                        <a:rPr lang="en-US" sz="1200" i="0" baseline="0" dirty="0" smtClean="0">
+                          <a:solidFill>
+                            <a:srgbClr val="FF0000"/>
+                          </a:solidFill>
+                          <a:latin typeface="Times New Roman" pitchFamily="18" charset="0"/>
+                          <a:cs typeface="Times New Roman" pitchFamily="18" charset="0"/>
+                        </a:rPr>
+                        <a:t> </a:t>
+                      </a:r>
+                      <a:r>
+                        <a:rPr lang="en-US" sz="1200" i="0" baseline="0" dirty="0" err="1" smtClean="0">
+                          <a:solidFill>
+                            <a:srgbClr val="FF0000"/>
+                          </a:solidFill>
+                          <a:latin typeface="Times New Roman" pitchFamily="18" charset="0"/>
+                          <a:cs typeface="Times New Roman" pitchFamily="18" charset="0"/>
+                        </a:rPr>
+                        <a:t>hợp</a:t>
+                      </a:r>
+                      <a:endParaRPr lang="en-US" sz="1200" i="0" dirty="0" smtClean="0">
+                        <a:solidFill>
+                          <a:srgbClr val="FF0000"/>
+                        </a:solidFill>
                         <a:latin typeface="Times New Roman" pitchFamily="18" charset="0"/>
                         <a:cs typeface="Times New Roman" pitchFamily="18" charset="0"/>
                       </a:endParaRPr>
@@ -26320,7 +31881,7 @@
                         <a:defRPr/>
                       </a:pPr>
                       <a:r>
-                        <a:rPr lang="en-US" sz="1200" i="0" smtClean="0">
+                        <a:rPr lang="en-US" sz="1200" i="0" dirty="0" err="1" smtClean="0">
                           <a:solidFill>
                             <a:srgbClr val="FF0000"/>
                           </a:solidFill>
@@ -26329,9 +31890,732 @@
                         </a:rPr>
                         <a:t>xxxxxxxxxxxxxxxxxxxxxxxx</a:t>
                       </a:r>
+                      <a:endParaRPr lang="en-US" sz="1200" i="0" dirty="0" smtClean="0">
+                        <a:solidFill>
+                          <a:srgbClr val="FF0000"/>
+                        </a:solidFill>
+                        <a:latin typeface="Times New Roman" pitchFamily="18" charset="0"/>
+                        <a:cs typeface="Times New Roman" pitchFamily="18" charset="0"/>
+                      </a:endParaRPr>
                     </a:p>
                     <a:p>
-                      <a:endParaRPr lang="en-US" sz="1200" i="0">
+                      <a:pPr>
+                        <a:buFontTx/>
+                        <a:buChar char="-"/>
+                      </a:pPr>
+                      <a:r>
+                        <a:rPr lang="en-US" sz="1200" i="0" baseline="0" dirty="0" smtClean="0">
+                          <a:solidFill>
+                            <a:srgbClr val="FF0000"/>
+                          </a:solidFill>
+                          <a:latin typeface="Times New Roman" pitchFamily="18" charset="0"/>
+                          <a:cs typeface="Times New Roman" pitchFamily="18" charset="0"/>
+                        </a:rPr>
+                        <a:t>Công </a:t>
+                      </a:r>
+                      <a:r>
+                        <a:rPr lang="en-US" sz="1200" i="0" baseline="0" dirty="0" err="1" smtClean="0">
+                          <a:solidFill>
+                            <a:srgbClr val="FF0000"/>
+                          </a:solidFill>
+                          <a:latin typeface="Times New Roman" pitchFamily="18" charset="0"/>
+                          <a:cs typeface="Times New Roman" pitchFamily="18" charset="0"/>
+                        </a:rPr>
+                        <a:t>nghệ</a:t>
+                      </a:r>
+                      <a:r>
+                        <a:rPr lang="en-US" sz="1200" i="0" baseline="0" dirty="0" smtClean="0">
+                          <a:solidFill>
+                            <a:srgbClr val="FF0000"/>
+                          </a:solidFill>
+                          <a:latin typeface="Times New Roman" pitchFamily="18" charset="0"/>
+                          <a:cs typeface="Times New Roman" pitchFamily="18" charset="0"/>
+                        </a:rPr>
+                        <a:t> </a:t>
+                      </a:r>
+                      <a:r>
+                        <a:rPr lang="en-US" sz="1200" i="0" baseline="0" dirty="0" err="1" smtClean="0">
+                          <a:solidFill>
+                            <a:srgbClr val="FF0000"/>
+                          </a:solidFill>
+                          <a:latin typeface="Times New Roman" pitchFamily="18" charset="0"/>
+                          <a:cs typeface="Times New Roman" pitchFamily="18" charset="0"/>
+                        </a:rPr>
+                        <a:t>giảng</a:t>
+                      </a:r>
+                      <a:r>
+                        <a:rPr lang="en-US" sz="1200" i="0" baseline="0" dirty="0" smtClean="0">
+                          <a:solidFill>
+                            <a:srgbClr val="FF0000"/>
+                          </a:solidFill>
+                          <a:latin typeface="Times New Roman" pitchFamily="18" charset="0"/>
+                          <a:cs typeface="Times New Roman" pitchFamily="18" charset="0"/>
+                        </a:rPr>
+                        <a:t> </a:t>
+                      </a:r>
+                      <a:r>
+                        <a:rPr lang="en-US" sz="1200" i="0" baseline="0" dirty="0" err="1" smtClean="0">
+                          <a:solidFill>
+                            <a:srgbClr val="FF0000"/>
+                          </a:solidFill>
+                          <a:latin typeface="Times New Roman" pitchFamily="18" charset="0"/>
+                          <a:cs typeface="Times New Roman" pitchFamily="18" charset="0"/>
+                        </a:rPr>
+                        <a:t>dạy</a:t>
+                      </a:r>
+                      <a:r>
+                        <a:rPr lang="en-US" sz="1200" i="0" baseline="0" dirty="0" smtClean="0">
+                          <a:solidFill>
+                            <a:srgbClr val="FF0000"/>
+                          </a:solidFill>
+                          <a:latin typeface="Times New Roman" pitchFamily="18" charset="0"/>
+                          <a:cs typeface="Times New Roman" pitchFamily="18" charset="0"/>
+                        </a:rPr>
+                        <a:t> </a:t>
+                      </a:r>
+                      <a:r>
+                        <a:rPr lang="en-US" sz="1200" i="0" baseline="0" dirty="0" err="1" smtClean="0">
+                          <a:solidFill>
+                            <a:srgbClr val="FF0000"/>
+                          </a:solidFill>
+                          <a:latin typeface="Times New Roman" pitchFamily="18" charset="0"/>
+                          <a:cs typeface="Times New Roman" pitchFamily="18" charset="0"/>
+                        </a:rPr>
+                        <a:t>không</a:t>
+                      </a:r>
+                      <a:r>
+                        <a:rPr lang="en-US" sz="1200" i="0" baseline="0" dirty="0" smtClean="0">
+                          <a:solidFill>
+                            <a:srgbClr val="FF0000"/>
+                          </a:solidFill>
+                          <a:latin typeface="Times New Roman" pitchFamily="18" charset="0"/>
+                          <a:cs typeface="Times New Roman" pitchFamily="18" charset="0"/>
+                        </a:rPr>
+                        <a:t> </a:t>
+                      </a:r>
+                      <a:r>
+                        <a:rPr lang="en-US" sz="1200" i="0" baseline="0" dirty="0" err="1" smtClean="0">
+                          <a:solidFill>
+                            <a:srgbClr val="FF0000"/>
+                          </a:solidFill>
+                          <a:latin typeface="Times New Roman" pitchFamily="18" charset="0"/>
+                          <a:cs typeface="Times New Roman" pitchFamily="18" charset="0"/>
+                        </a:rPr>
+                        <a:t>phù</a:t>
+                      </a:r>
+                      <a:r>
+                        <a:rPr lang="en-US" sz="1200" i="0" baseline="0" dirty="0" smtClean="0">
+                          <a:solidFill>
+                            <a:srgbClr val="FF0000"/>
+                          </a:solidFill>
+                          <a:latin typeface="Times New Roman" pitchFamily="18" charset="0"/>
+                          <a:cs typeface="Times New Roman" pitchFamily="18" charset="0"/>
+                        </a:rPr>
+                        <a:t> </a:t>
+                      </a:r>
+                      <a:r>
+                        <a:rPr lang="en-US" sz="1200" i="0" baseline="0" dirty="0" err="1" smtClean="0">
+                          <a:solidFill>
+                            <a:srgbClr val="FF0000"/>
+                          </a:solidFill>
+                          <a:latin typeface="Times New Roman" pitchFamily="18" charset="0"/>
+                          <a:cs typeface="Times New Roman" pitchFamily="18" charset="0"/>
+                        </a:rPr>
+                        <a:t>hợp</a:t>
+                      </a:r>
+                      <a:r>
+                        <a:rPr lang="en-US" sz="1200" i="0" baseline="0" dirty="0" smtClean="0">
+                          <a:solidFill>
+                            <a:srgbClr val="FF0000"/>
+                          </a:solidFill>
+                          <a:latin typeface="Times New Roman" pitchFamily="18" charset="0"/>
+                          <a:cs typeface="Times New Roman" pitchFamily="18" charset="0"/>
+                        </a:rPr>
+                        <a:t>, </a:t>
+                      </a:r>
+                      <a:r>
+                        <a:rPr lang="en-US" sz="1200" i="0" baseline="0" dirty="0" err="1" smtClean="0">
+                          <a:solidFill>
+                            <a:srgbClr val="FF0000"/>
+                          </a:solidFill>
+                          <a:latin typeface="Times New Roman" pitchFamily="18" charset="0"/>
+                          <a:cs typeface="Times New Roman" pitchFamily="18" charset="0"/>
+                        </a:rPr>
+                        <a:t>lỗi</a:t>
+                      </a:r>
+                      <a:r>
+                        <a:rPr lang="en-US" sz="1200" i="0" baseline="0" dirty="0" smtClean="0">
+                          <a:solidFill>
+                            <a:srgbClr val="FF0000"/>
+                          </a:solidFill>
+                          <a:latin typeface="Times New Roman" pitchFamily="18" charset="0"/>
+                          <a:cs typeface="Times New Roman" pitchFamily="18" charset="0"/>
+                        </a:rPr>
+                        <a:t> </a:t>
+                      </a:r>
+                      <a:r>
+                        <a:rPr lang="en-US" sz="1200" i="0" baseline="0" dirty="0" err="1" smtClean="0">
+                          <a:solidFill>
+                            <a:srgbClr val="FF0000"/>
+                          </a:solidFill>
+                          <a:latin typeface="Times New Roman" pitchFamily="18" charset="0"/>
+                          <a:cs typeface="Times New Roman" pitchFamily="18" charset="0"/>
+                        </a:rPr>
+                        <a:t>thời</a:t>
+                      </a:r>
+                      <a:endParaRPr lang="en-US" sz="1200" i="0" baseline="0" dirty="0" smtClean="0">
+                        <a:solidFill>
+                          <a:srgbClr val="FF0000"/>
+                        </a:solidFill>
+                        <a:latin typeface="Times New Roman" pitchFamily="18" charset="0"/>
+                        <a:cs typeface="Times New Roman" pitchFamily="18" charset="0"/>
+                      </a:endParaRPr>
+                    </a:p>
+                    <a:p>
+                      <a:pPr>
+                        <a:buFontTx/>
+                        <a:buChar char="-"/>
+                      </a:pPr>
+                      <a:r>
+                        <a:rPr lang="en-US" sz="1200" i="0" baseline="0" dirty="0" smtClean="0">
+                          <a:solidFill>
+                            <a:srgbClr val="FF0000"/>
+                          </a:solidFill>
+                          <a:latin typeface="Times New Roman" pitchFamily="18" charset="0"/>
+                          <a:cs typeface="Times New Roman" pitchFamily="18" charset="0"/>
+                        </a:rPr>
+                        <a:t> </a:t>
+                      </a:r>
+                      <a:r>
+                        <a:rPr lang="en-US" sz="1200" i="0" baseline="0" dirty="0" err="1" smtClean="0">
+                          <a:solidFill>
+                            <a:srgbClr val="FF0000"/>
+                          </a:solidFill>
+                          <a:latin typeface="Times New Roman" pitchFamily="18" charset="0"/>
+                          <a:cs typeface="Times New Roman" pitchFamily="18" charset="0"/>
+                        </a:rPr>
+                        <a:t>Sự</a:t>
+                      </a:r>
+                      <a:r>
+                        <a:rPr lang="en-US" sz="1200" i="0" baseline="0" dirty="0" smtClean="0">
+                          <a:solidFill>
+                            <a:srgbClr val="FF0000"/>
+                          </a:solidFill>
+                          <a:latin typeface="Times New Roman" pitchFamily="18" charset="0"/>
+                          <a:cs typeface="Times New Roman" pitchFamily="18" charset="0"/>
+                        </a:rPr>
+                        <a:t>  </a:t>
+                      </a:r>
+                      <a:r>
+                        <a:rPr lang="en-US" sz="1200" i="0" baseline="0" dirty="0" err="1" smtClean="0">
+                          <a:solidFill>
+                            <a:srgbClr val="FF0000"/>
+                          </a:solidFill>
+                          <a:latin typeface="Times New Roman" pitchFamily="18" charset="0"/>
+                          <a:cs typeface="Times New Roman" pitchFamily="18" charset="0"/>
+                        </a:rPr>
+                        <a:t>cố</a:t>
+                      </a:r>
+                      <a:r>
+                        <a:rPr lang="en-US" sz="1200" i="0" baseline="0" dirty="0" smtClean="0">
+                          <a:solidFill>
+                            <a:srgbClr val="FF0000"/>
+                          </a:solidFill>
+                          <a:latin typeface="Times New Roman" pitchFamily="18" charset="0"/>
+                          <a:cs typeface="Times New Roman" pitchFamily="18" charset="0"/>
+                        </a:rPr>
+                        <a:t> </a:t>
+                      </a:r>
+                      <a:r>
+                        <a:rPr lang="en-US" sz="1200" i="0" baseline="0" dirty="0" err="1" smtClean="0">
+                          <a:solidFill>
+                            <a:srgbClr val="FF0000"/>
+                          </a:solidFill>
+                          <a:latin typeface="Times New Roman" pitchFamily="18" charset="0"/>
+                          <a:cs typeface="Times New Roman" pitchFamily="18" charset="0"/>
+                        </a:rPr>
+                        <a:t>cuộc</a:t>
+                      </a:r>
+                      <a:r>
+                        <a:rPr lang="en-US" sz="1200" i="0" baseline="0" dirty="0" smtClean="0">
+                          <a:solidFill>
+                            <a:srgbClr val="FF0000"/>
+                          </a:solidFill>
+                          <a:latin typeface="Times New Roman" pitchFamily="18" charset="0"/>
+                          <a:cs typeface="Times New Roman" pitchFamily="18" charset="0"/>
+                        </a:rPr>
+                        <a:t> </a:t>
+                      </a:r>
+                      <a:r>
+                        <a:rPr lang="en-US" sz="1200" i="0" baseline="0" dirty="0" err="1" smtClean="0">
+                          <a:solidFill>
+                            <a:srgbClr val="FF0000"/>
+                          </a:solidFill>
+                          <a:latin typeface="Times New Roman" pitchFamily="18" charset="0"/>
+                          <a:cs typeface="Times New Roman" pitchFamily="18" charset="0"/>
+                        </a:rPr>
+                        <a:t>sống</a:t>
+                      </a:r>
+                      <a:r>
+                        <a:rPr lang="en-US" sz="1200" i="0" baseline="0" dirty="0" smtClean="0">
+                          <a:solidFill>
+                            <a:srgbClr val="FF0000"/>
+                          </a:solidFill>
+                          <a:latin typeface="Times New Roman" pitchFamily="18" charset="0"/>
+                          <a:cs typeface="Times New Roman" pitchFamily="18" charset="0"/>
+                        </a:rPr>
+                        <a:t> </a:t>
+                      </a:r>
+                      <a:r>
+                        <a:rPr lang="en-US" sz="1200" i="0" baseline="0" dirty="0" err="1" smtClean="0">
+                          <a:solidFill>
+                            <a:srgbClr val="FF0000"/>
+                          </a:solidFill>
+                          <a:latin typeface="Times New Roman" pitchFamily="18" charset="0"/>
+                          <a:cs typeface="Times New Roman" pitchFamily="18" charset="0"/>
+                        </a:rPr>
+                        <a:t>không</a:t>
+                      </a:r>
+                      <a:r>
+                        <a:rPr lang="en-US" sz="1200" i="0" baseline="0" dirty="0" smtClean="0">
+                          <a:solidFill>
+                            <a:srgbClr val="FF0000"/>
+                          </a:solidFill>
+                          <a:latin typeface="Times New Roman" pitchFamily="18" charset="0"/>
+                          <a:cs typeface="Times New Roman" pitchFamily="18" charset="0"/>
+                        </a:rPr>
+                        <a:t> </a:t>
+                      </a:r>
+                      <a:r>
+                        <a:rPr lang="en-US" sz="1200" i="0" baseline="0" dirty="0" err="1" smtClean="0">
+                          <a:solidFill>
+                            <a:srgbClr val="FF0000"/>
+                          </a:solidFill>
+                          <a:latin typeface="Times New Roman" pitchFamily="18" charset="0"/>
+                          <a:cs typeface="Times New Roman" pitchFamily="18" charset="0"/>
+                        </a:rPr>
+                        <a:t>mong</a:t>
+                      </a:r>
+                      <a:r>
+                        <a:rPr lang="en-US" sz="1200" i="0" baseline="0" dirty="0" smtClean="0">
+                          <a:solidFill>
+                            <a:srgbClr val="FF0000"/>
+                          </a:solidFill>
+                          <a:latin typeface="Times New Roman" pitchFamily="18" charset="0"/>
+                          <a:cs typeface="Times New Roman" pitchFamily="18" charset="0"/>
+                        </a:rPr>
+                        <a:t> </a:t>
+                      </a:r>
+                      <a:r>
+                        <a:rPr lang="en-US" sz="1200" i="0" baseline="0" dirty="0" err="1" smtClean="0">
+                          <a:solidFill>
+                            <a:srgbClr val="FF0000"/>
+                          </a:solidFill>
+                          <a:latin typeface="Times New Roman" pitchFamily="18" charset="0"/>
+                          <a:cs typeface="Times New Roman" pitchFamily="18" charset="0"/>
+                        </a:rPr>
+                        <a:t>đợi</a:t>
+                      </a:r>
+                      <a:r>
+                        <a:rPr lang="en-US" sz="1200" i="0" baseline="0" dirty="0" smtClean="0">
+                          <a:solidFill>
+                            <a:srgbClr val="FF0000"/>
+                          </a:solidFill>
+                          <a:latin typeface="Times New Roman" pitchFamily="18" charset="0"/>
+                          <a:cs typeface="Times New Roman" pitchFamily="18" charset="0"/>
+                        </a:rPr>
+                        <a:t> </a:t>
+                      </a:r>
+                      <a:r>
+                        <a:rPr lang="en-US" sz="1200" i="0" baseline="0" dirty="0" err="1" smtClean="0">
+                          <a:solidFill>
+                            <a:srgbClr val="FF0000"/>
+                          </a:solidFill>
+                          <a:latin typeface="Times New Roman" pitchFamily="18" charset="0"/>
+                          <a:cs typeface="Times New Roman" pitchFamily="18" charset="0"/>
+                        </a:rPr>
+                        <a:t>xảy</a:t>
+                      </a:r>
+                      <a:r>
+                        <a:rPr lang="en-US" sz="1200" i="0" baseline="0" dirty="0" smtClean="0">
+                          <a:solidFill>
+                            <a:srgbClr val="FF0000"/>
+                          </a:solidFill>
+                          <a:latin typeface="Times New Roman" pitchFamily="18" charset="0"/>
+                          <a:cs typeface="Times New Roman" pitchFamily="18" charset="0"/>
+                        </a:rPr>
+                        <a:t> </a:t>
+                      </a:r>
+                      <a:r>
+                        <a:rPr lang="en-US" sz="1200" i="0" baseline="0" dirty="0" err="1" smtClean="0">
+                          <a:solidFill>
+                            <a:srgbClr val="FF0000"/>
+                          </a:solidFill>
+                          <a:latin typeface="Times New Roman" pitchFamily="18" charset="0"/>
+                          <a:cs typeface="Times New Roman" pitchFamily="18" charset="0"/>
+                        </a:rPr>
+                        <a:t>ra</a:t>
+                      </a:r>
+                      <a:r>
+                        <a:rPr lang="en-US" sz="1200" i="0" baseline="0" dirty="0" smtClean="0">
+                          <a:solidFill>
+                            <a:srgbClr val="FF0000"/>
+                          </a:solidFill>
+                          <a:latin typeface="Times New Roman" pitchFamily="18" charset="0"/>
+                          <a:cs typeface="Times New Roman" pitchFamily="18" charset="0"/>
+                        </a:rPr>
+                        <a:t> (tai </a:t>
+                      </a:r>
+                      <a:r>
+                        <a:rPr lang="en-US" sz="1200" i="0" baseline="0" dirty="0" err="1" smtClean="0">
+                          <a:solidFill>
+                            <a:srgbClr val="FF0000"/>
+                          </a:solidFill>
+                          <a:latin typeface="Times New Roman" pitchFamily="18" charset="0"/>
+                          <a:cs typeface="Times New Roman" pitchFamily="18" charset="0"/>
+                        </a:rPr>
+                        <a:t>nạn</a:t>
+                      </a:r>
+                      <a:r>
+                        <a:rPr lang="en-US" sz="1200" i="0" baseline="0" dirty="0" smtClean="0">
+                          <a:solidFill>
+                            <a:srgbClr val="FF0000"/>
+                          </a:solidFill>
+                          <a:latin typeface="Times New Roman" pitchFamily="18" charset="0"/>
+                          <a:cs typeface="Times New Roman" pitchFamily="18" charset="0"/>
+                        </a:rPr>
+                        <a:t>, </a:t>
+                      </a:r>
+                      <a:r>
+                        <a:rPr lang="en-US" sz="1200" i="0" baseline="0" dirty="0" err="1" smtClean="0">
+                          <a:solidFill>
+                            <a:srgbClr val="FF0000"/>
+                          </a:solidFill>
+                          <a:latin typeface="Times New Roman" pitchFamily="18" charset="0"/>
+                          <a:cs typeface="Times New Roman" pitchFamily="18" charset="0"/>
+                        </a:rPr>
+                        <a:t>gia</a:t>
+                      </a:r>
+                      <a:r>
+                        <a:rPr lang="en-US" sz="1200" i="0" baseline="0" dirty="0" smtClean="0">
+                          <a:solidFill>
+                            <a:srgbClr val="FF0000"/>
+                          </a:solidFill>
+                          <a:latin typeface="Times New Roman" pitchFamily="18" charset="0"/>
+                          <a:cs typeface="Times New Roman" pitchFamily="18" charset="0"/>
+                        </a:rPr>
+                        <a:t> </a:t>
+                      </a:r>
+                      <a:r>
+                        <a:rPr lang="en-US" sz="1200" i="0" baseline="0" dirty="0" err="1" smtClean="0">
+                          <a:solidFill>
+                            <a:srgbClr val="FF0000"/>
+                          </a:solidFill>
+                          <a:latin typeface="Times New Roman" pitchFamily="18" charset="0"/>
+                          <a:cs typeface="Times New Roman" pitchFamily="18" charset="0"/>
+                        </a:rPr>
+                        <a:t>đình</a:t>
+                      </a:r>
+                      <a:r>
+                        <a:rPr lang="en-US" sz="1200" i="0" baseline="0" dirty="0" smtClean="0">
+                          <a:solidFill>
+                            <a:srgbClr val="FF0000"/>
+                          </a:solidFill>
+                          <a:latin typeface="Times New Roman" pitchFamily="18" charset="0"/>
+                          <a:cs typeface="Times New Roman" pitchFamily="18" charset="0"/>
+                        </a:rPr>
+                        <a:t>, </a:t>
+                      </a:r>
+                      <a:r>
+                        <a:rPr lang="en-US" sz="1200" i="0" baseline="0" dirty="0" err="1" smtClean="0">
+                          <a:solidFill>
+                            <a:srgbClr val="FF0000"/>
+                          </a:solidFill>
+                          <a:latin typeface="Times New Roman" pitchFamily="18" charset="0"/>
+                          <a:cs typeface="Times New Roman" pitchFamily="18" charset="0"/>
+                        </a:rPr>
+                        <a:t>tệ</a:t>
+                      </a:r>
+                      <a:r>
+                        <a:rPr lang="en-US" sz="1200" i="0" baseline="0" dirty="0" smtClean="0">
+                          <a:solidFill>
+                            <a:srgbClr val="FF0000"/>
+                          </a:solidFill>
+                          <a:latin typeface="Times New Roman" pitchFamily="18" charset="0"/>
+                          <a:cs typeface="Times New Roman" pitchFamily="18" charset="0"/>
+                        </a:rPr>
+                        <a:t> </a:t>
+                      </a:r>
+                      <a:r>
+                        <a:rPr lang="en-US" sz="1200" i="0" baseline="0" dirty="0" err="1" smtClean="0">
+                          <a:solidFill>
+                            <a:srgbClr val="FF0000"/>
+                          </a:solidFill>
+                          <a:latin typeface="Times New Roman" pitchFamily="18" charset="0"/>
+                          <a:cs typeface="Times New Roman" pitchFamily="18" charset="0"/>
+                        </a:rPr>
+                        <a:t>nạn</a:t>
+                      </a:r>
+                      <a:r>
+                        <a:rPr lang="en-US" sz="1200" i="0" baseline="0" dirty="0" smtClean="0">
+                          <a:solidFill>
+                            <a:srgbClr val="FF0000"/>
+                          </a:solidFill>
+                          <a:latin typeface="Times New Roman" pitchFamily="18" charset="0"/>
+                          <a:cs typeface="Times New Roman" pitchFamily="18" charset="0"/>
+                        </a:rPr>
+                        <a:t>, ...)</a:t>
+                      </a:r>
+                    </a:p>
+                    <a:p>
+                      <a:pPr>
+                        <a:buFontTx/>
+                        <a:buChar char="-"/>
+                      </a:pPr>
+                      <a:r>
+                        <a:rPr lang="en-US" sz="1200" i="0" baseline="0" dirty="0" err="1" smtClean="0">
+                          <a:solidFill>
+                            <a:srgbClr val="FF0000"/>
+                          </a:solidFill>
+                          <a:latin typeface="Times New Roman" pitchFamily="18" charset="0"/>
+                          <a:cs typeface="Times New Roman" pitchFamily="18" charset="0"/>
+                        </a:rPr>
+                        <a:t>Xu</a:t>
+                      </a:r>
+                      <a:r>
+                        <a:rPr lang="en-US" sz="1200" i="0" baseline="0" dirty="0" smtClean="0">
+                          <a:solidFill>
+                            <a:srgbClr val="FF0000"/>
+                          </a:solidFill>
+                          <a:latin typeface="Times New Roman" pitchFamily="18" charset="0"/>
+                          <a:cs typeface="Times New Roman" pitchFamily="18" charset="0"/>
+                        </a:rPr>
+                        <a:t>  </a:t>
+                      </a:r>
+                      <a:r>
+                        <a:rPr lang="en-US" sz="1200" i="0" baseline="0" dirty="0" err="1" smtClean="0">
+                          <a:solidFill>
+                            <a:srgbClr val="FF0000"/>
+                          </a:solidFill>
+                          <a:latin typeface="Times New Roman" pitchFamily="18" charset="0"/>
+                          <a:cs typeface="Times New Roman" pitchFamily="18" charset="0"/>
+                        </a:rPr>
+                        <a:t>hướng</a:t>
+                      </a:r>
+                      <a:r>
+                        <a:rPr lang="en-US" sz="1200" i="0" baseline="0" dirty="0" smtClean="0">
+                          <a:solidFill>
+                            <a:srgbClr val="FF0000"/>
+                          </a:solidFill>
+                          <a:latin typeface="Times New Roman" pitchFamily="18" charset="0"/>
+                          <a:cs typeface="Times New Roman" pitchFamily="18" charset="0"/>
+                        </a:rPr>
+                        <a:t> </a:t>
+                      </a:r>
+                      <a:r>
+                        <a:rPr lang="en-US" sz="1200" i="0" baseline="0" dirty="0" err="1" smtClean="0">
+                          <a:solidFill>
+                            <a:srgbClr val="FF0000"/>
+                          </a:solidFill>
+                          <a:latin typeface="Times New Roman" pitchFamily="18" charset="0"/>
+                          <a:cs typeface="Times New Roman" pitchFamily="18" charset="0"/>
+                        </a:rPr>
+                        <a:t>ngành</a:t>
+                      </a:r>
+                      <a:r>
+                        <a:rPr lang="en-US" sz="1200" i="0" baseline="0" dirty="0" smtClean="0">
+                          <a:solidFill>
+                            <a:srgbClr val="FF0000"/>
+                          </a:solidFill>
+                          <a:latin typeface="Times New Roman" pitchFamily="18" charset="0"/>
+                          <a:cs typeface="Times New Roman" pitchFamily="18" charset="0"/>
+                        </a:rPr>
+                        <a:t> </a:t>
+                      </a:r>
+                      <a:r>
+                        <a:rPr lang="en-US" sz="1200" i="0" baseline="0" dirty="0" err="1" smtClean="0">
+                          <a:solidFill>
+                            <a:srgbClr val="FF0000"/>
+                          </a:solidFill>
+                          <a:latin typeface="Times New Roman" pitchFamily="18" charset="0"/>
+                          <a:cs typeface="Times New Roman" pitchFamily="18" charset="0"/>
+                        </a:rPr>
+                        <a:t>nghề</a:t>
+                      </a:r>
+                      <a:r>
+                        <a:rPr lang="en-US" sz="1200" i="0" baseline="0" dirty="0" smtClean="0">
+                          <a:solidFill>
+                            <a:srgbClr val="FF0000"/>
+                          </a:solidFill>
+                          <a:latin typeface="Times New Roman" pitchFamily="18" charset="0"/>
+                          <a:cs typeface="Times New Roman" pitchFamily="18" charset="0"/>
+                        </a:rPr>
+                        <a:t> </a:t>
+                      </a:r>
+                      <a:r>
+                        <a:rPr lang="en-US" sz="1200" i="0" baseline="0" dirty="0" err="1" smtClean="0">
+                          <a:solidFill>
+                            <a:srgbClr val="FF0000"/>
+                          </a:solidFill>
+                          <a:latin typeface="Times New Roman" pitchFamily="18" charset="0"/>
+                          <a:cs typeface="Times New Roman" pitchFamily="18" charset="0"/>
+                        </a:rPr>
+                        <a:t>xã</a:t>
+                      </a:r>
+                      <a:r>
+                        <a:rPr lang="en-US" sz="1200" i="0" baseline="0" dirty="0" smtClean="0">
+                          <a:solidFill>
+                            <a:srgbClr val="FF0000"/>
+                          </a:solidFill>
+                          <a:latin typeface="Times New Roman" pitchFamily="18" charset="0"/>
+                          <a:cs typeface="Times New Roman" pitchFamily="18" charset="0"/>
+                        </a:rPr>
+                        <a:t> </a:t>
+                      </a:r>
+                      <a:r>
+                        <a:rPr lang="en-US" sz="1200" i="0" baseline="0" dirty="0" err="1" smtClean="0">
+                          <a:solidFill>
+                            <a:srgbClr val="FF0000"/>
+                          </a:solidFill>
+                          <a:latin typeface="Times New Roman" pitchFamily="18" charset="0"/>
+                          <a:cs typeface="Times New Roman" pitchFamily="18" charset="0"/>
+                        </a:rPr>
+                        <a:t>hội</a:t>
+                      </a:r>
+                      <a:r>
+                        <a:rPr lang="en-US" sz="1200" i="0" baseline="0" dirty="0" smtClean="0">
+                          <a:solidFill>
+                            <a:srgbClr val="FF0000"/>
+                          </a:solidFill>
+                          <a:latin typeface="Times New Roman" pitchFamily="18" charset="0"/>
+                          <a:cs typeface="Times New Roman" pitchFamily="18" charset="0"/>
+                        </a:rPr>
+                        <a:t> </a:t>
+                      </a:r>
+                      <a:r>
+                        <a:rPr lang="en-US" sz="1200" i="0" baseline="0" dirty="0" err="1" smtClean="0">
+                          <a:solidFill>
+                            <a:srgbClr val="FF0000"/>
+                          </a:solidFill>
+                          <a:latin typeface="Times New Roman" pitchFamily="18" charset="0"/>
+                          <a:cs typeface="Times New Roman" pitchFamily="18" charset="0"/>
+                        </a:rPr>
+                        <a:t>bị</a:t>
+                      </a:r>
+                      <a:r>
+                        <a:rPr lang="en-US" sz="1200" i="0" baseline="0" dirty="0" smtClean="0">
+                          <a:solidFill>
+                            <a:srgbClr val="FF0000"/>
+                          </a:solidFill>
+                          <a:latin typeface="Times New Roman" pitchFamily="18" charset="0"/>
+                          <a:cs typeface="Times New Roman" pitchFamily="18" charset="0"/>
+                        </a:rPr>
+                        <a:t> </a:t>
+                      </a:r>
+                      <a:r>
+                        <a:rPr lang="en-US" sz="1200" i="0" baseline="0" dirty="0" err="1" smtClean="0">
+                          <a:solidFill>
+                            <a:srgbClr val="FF0000"/>
+                          </a:solidFill>
+                          <a:latin typeface="Times New Roman" pitchFamily="18" charset="0"/>
+                          <a:cs typeface="Times New Roman" pitchFamily="18" charset="0"/>
+                        </a:rPr>
+                        <a:t>thay</a:t>
+                      </a:r>
+                      <a:r>
+                        <a:rPr lang="en-US" sz="1200" i="0" baseline="0" dirty="0" smtClean="0">
+                          <a:solidFill>
+                            <a:srgbClr val="FF0000"/>
+                          </a:solidFill>
+                          <a:latin typeface="Times New Roman" pitchFamily="18" charset="0"/>
+                          <a:cs typeface="Times New Roman" pitchFamily="18" charset="0"/>
+                        </a:rPr>
+                        <a:t> </a:t>
+                      </a:r>
+                      <a:r>
+                        <a:rPr lang="en-US" sz="1200" i="0" baseline="0" dirty="0" err="1" smtClean="0">
+                          <a:solidFill>
+                            <a:srgbClr val="FF0000"/>
+                          </a:solidFill>
+                          <a:latin typeface="Times New Roman" pitchFamily="18" charset="0"/>
+                          <a:cs typeface="Times New Roman" pitchFamily="18" charset="0"/>
+                        </a:rPr>
+                        <a:t>đổi</a:t>
+                      </a:r>
+                      <a:r>
+                        <a:rPr lang="en-US" sz="1200" i="0" baseline="0" dirty="0" smtClean="0">
+                          <a:solidFill>
+                            <a:srgbClr val="FF0000"/>
+                          </a:solidFill>
+                          <a:latin typeface="Times New Roman" pitchFamily="18" charset="0"/>
+                          <a:cs typeface="Times New Roman" pitchFamily="18" charset="0"/>
+                        </a:rPr>
+                        <a:t> (</a:t>
+                      </a:r>
+                      <a:r>
+                        <a:rPr lang="en-US" sz="1200" i="0" baseline="0" dirty="0" err="1" smtClean="0">
+                          <a:solidFill>
+                            <a:srgbClr val="FF0000"/>
+                          </a:solidFill>
+                          <a:latin typeface="Times New Roman" pitchFamily="18" charset="0"/>
+                          <a:cs typeface="Times New Roman" pitchFamily="18" charset="0"/>
+                        </a:rPr>
+                        <a:t>tác</a:t>
+                      </a:r>
+                      <a:r>
+                        <a:rPr lang="en-US" sz="1200" i="0" baseline="0" dirty="0" smtClean="0">
+                          <a:solidFill>
+                            <a:srgbClr val="FF0000"/>
+                          </a:solidFill>
+                          <a:latin typeface="Times New Roman" pitchFamily="18" charset="0"/>
+                          <a:cs typeface="Times New Roman" pitchFamily="18" charset="0"/>
+                        </a:rPr>
+                        <a:t> </a:t>
+                      </a:r>
+                      <a:r>
+                        <a:rPr lang="en-US" sz="1200" i="0" baseline="0" dirty="0" err="1" smtClean="0">
+                          <a:solidFill>
+                            <a:srgbClr val="FF0000"/>
+                          </a:solidFill>
+                          <a:latin typeface="Times New Roman" pitchFamily="18" charset="0"/>
+                          <a:cs typeface="Times New Roman" pitchFamily="18" charset="0"/>
+                        </a:rPr>
+                        <a:t>động</a:t>
+                      </a:r>
+                      <a:r>
+                        <a:rPr lang="en-US" sz="1200" i="0" baseline="0" dirty="0" smtClean="0">
+                          <a:solidFill>
+                            <a:srgbClr val="FF0000"/>
+                          </a:solidFill>
+                          <a:latin typeface="Times New Roman" pitchFamily="18" charset="0"/>
+                          <a:cs typeface="Times New Roman" pitchFamily="18" charset="0"/>
+                        </a:rPr>
+                        <a:t> </a:t>
+                      </a:r>
+                      <a:r>
+                        <a:rPr lang="en-US" sz="1200" i="0" baseline="0" dirty="0" err="1" smtClean="0">
+                          <a:solidFill>
+                            <a:srgbClr val="FF0000"/>
+                          </a:solidFill>
+                          <a:latin typeface="Times New Roman" pitchFamily="18" charset="0"/>
+                          <a:cs typeface="Times New Roman" pitchFamily="18" charset="0"/>
+                        </a:rPr>
+                        <a:t>giảm</a:t>
+                      </a:r>
+                      <a:r>
+                        <a:rPr lang="en-US" sz="1200" i="0" baseline="0" dirty="0" smtClean="0">
+                          <a:solidFill>
+                            <a:srgbClr val="FF0000"/>
+                          </a:solidFill>
+                          <a:latin typeface="Times New Roman" pitchFamily="18" charset="0"/>
+                          <a:cs typeface="Times New Roman" pitchFamily="18" charset="0"/>
+                        </a:rPr>
+                        <a:t>)</a:t>
+                      </a:r>
+                      <a:endParaRPr lang="en-US" sz="1200" i="0" dirty="0" smtClean="0">
+                        <a:solidFill>
+                          <a:srgbClr val="FF0000"/>
+                        </a:solidFill>
                         <a:latin typeface="Times New Roman" pitchFamily="18" charset="0"/>
                         <a:cs typeface="Times New Roman" pitchFamily="18" charset="0"/>
                       </a:endParaRPr>
@@ -26695,11 +32979,7 @@
                       </a:r>
                       <a:r>
                         <a:rPr lang="en-US" sz="2400" baseline="0" smtClean="0"/>
-                        <a:t> </a:t>
-                      </a:r>
-                      <a:r>
-                        <a:rPr lang="en-US" sz="2400" baseline="0" smtClean="0"/>
-                        <a:t>ngừa</a:t>
+                        <a:t> ngừa</a:t>
                       </a:r>
                       <a:endParaRPr lang="en-US" sz="2400"/>
                     </a:p>
@@ -26735,11 +33015,7 @@
                       </a:r>
                       <a:r>
                         <a:rPr lang="en-US" sz="1600" baseline="0" smtClean="0"/>
-                        <a:t> lọc đúng đối </a:t>
-                      </a:r>
-                      <a:r>
-                        <a:rPr lang="en-US" sz="1600" baseline="0" smtClean="0"/>
-                        <a:t>tượng</a:t>
+                        <a:t> lọc đúng đối tượng</a:t>
                       </a:r>
                     </a:p>
                     <a:p>
@@ -26751,7 +33027,6 @@
                         <a:rPr lang="en-US" sz="1600" baseline="0" smtClean="0"/>
                         <a:t>Kiểm tra tư vấn chéo</a:t>
                       </a:r>
-                      <a:endParaRPr lang="en-US" sz="1600" baseline="0" smtClean="0"/>
                     </a:p>
                     <a:p>
                       <a:pPr>
@@ -27016,23 +33291,7 @@
                   <a:schemeClr val="bg1"/>
                 </a:solidFill>
               </a:rPr>
-              <a:t>II</a:t>
-            </a:r>
-            <a:r>
-              <a:rPr lang="en-US" smtClean="0">
-                <a:solidFill>
-                  <a:schemeClr val="bg1"/>
-                </a:solidFill>
-              </a:rPr>
-              <a:t>.  </a:t>
-            </a:r>
-            <a:r>
-              <a:rPr lang="en-US" smtClean="0">
-                <a:solidFill>
-                  <a:schemeClr val="bg1"/>
-                </a:solidFill>
-              </a:rPr>
-              <a:t>Cơ sở lý </a:t>
+              <a:t>II.  Cơ sở lý </a:t>
             </a:r>
             <a:r>
               <a:rPr lang="en-US" err="1" smtClean="0">
@@ -27251,7 +33510,7 @@
           <p:nvPr/>
         </p:nvPicPr>
         <p:blipFill>
-          <a:blip r:embed="rId3"/>
+          <a:blip r:embed="rId3" cstate="print"/>
           <a:srcRect/>
           <a:stretch>
             <a:fillRect/>
@@ -27277,7 +33536,7 @@
           <p:nvPr/>
         </p:nvPicPr>
         <p:blipFill>
-          <a:blip r:embed="rId4"/>
+          <a:blip r:embed="rId4" cstate="print"/>
           <a:srcRect/>
           <a:stretch>
             <a:fillRect/>
@@ -27433,23 +33692,7 @@
                   <a:schemeClr val="bg1"/>
                 </a:solidFill>
               </a:rPr>
-              <a:t> </a:t>
-            </a:r>
-            <a:r>
-              <a:rPr lang="en-US" smtClean="0">
-                <a:solidFill>
-                  <a:schemeClr val="bg1"/>
-                </a:solidFill>
-              </a:rPr>
-              <a:t>đã có từ các trường đại học khác</a:t>
-            </a:r>
-            <a:r>
-              <a:rPr lang="en-US" smtClean="0">
-                <a:solidFill>
-                  <a:schemeClr val="bg1"/>
-                </a:solidFill>
-              </a:rPr>
-              <a:t/>
+              <a:t> đã có từ các trường đại học khác</a:t>
             </a:r>
             <a:br>
               <a:rPr lang="en-US" smtClean="0">
